--- a/docs/Presentacion final/PresentacionFinal_V9.pptx
+++ b/docs/Presentacion final/PresentacionFinal_V9.pptx
@@ -611,12 +611,11 @@
           </c:yVal>
           <c:smooth val="1"/>
         </c:ser>
-        <c:dLbls/>
-        <c:axId val="91565056"/>
-        <c:axId val="91595904"/>
+        <c:axId val="58508032"/>
+        <c:axId val="58509952"/>
       </c:scatterChart>
       <c:valAx>
-        <c:axId val="91565056"/>
+        <c:axId val="58508032"/>
         <c:scaling>
           <c:orientation val="minMax"/>
         </c:scaling>
@@ -652,13 +651,13 @@
             <a:endParaRPr lang="es-AR"/>
           </a:p>
         </c:txPr>
-        <c:crossAx val="91595904"/>
+        <c:crossAx val="58509952"/>
         <c:crosses val="autoZero"/>
         <c:crossBetween val="midCat"/>
         <c:majorUnit val="1"/>
       </c:valAx>
       <c:valAx>
-        <c:axId val="91595904"/>
+        <c:axId val="58509952"/>
         <c:scaling>
           <c:orientation val="minMax"/>
         </c:scaling>
@@ -694,7 +693,7 @@
             <a:endParaRPr lang="es-AR"/>
           </a:p>
         </c:txPr>
-        <c:crossAx val="91565056"/>
+        <c:crossAx val="58508032"/>
         <c:crosses val="autoZero"/>
         <c:crossBetween val="midCat"/>
       </c:valAx>
@@ -834,7 +833,7 @@
               <a:pPr>
                 <a:defRPr/>
               </a:pPr>
-              <a:t>01/07/2012</a:t>
+              <a:t>02/07/2012</a:t>
             </a:fld>
             <a:endParaRPr lang="es-AR"/>
           </a:p>
@@ -1030,7 +1029,7 @@
     </p:spTree>
     <p:extLst>
       <p:ext uri="{BB962C8B-B14F-4D97-AF65-F5344CB8AC3E}">
-        <p14:creationId xmlns:p14="http://schemas.microsoft.com/office/powerpoint/2010/main" xmlns="" val="2421384208"/>
+        <p14:creationId xmlns="" xmlns:p14="http://schemas.microsoft.com/office/powerpoint/2010/main" val="2421384208"/>
       </p:ext>
     </p:extLst>
   </p:cSld>
@@ -1479,7 +1478,7 @@
               <a:pPr>
                 <a:defRPr/>
               </a:pPr>
-              <a:t>01/07/2012</a:t>
+              <a:t>02/07/2012</a:t>
             </a:fld>
             <a:endParaRPr lang="es-AR"/>
           </a:p>
@@ -1671,7 +1670,7 @@
               <a:pPr>
                 <a:defRPr/>
               </a:pPr>
-              <a:t>01/07/2012</a:t>
+              <a:t>02/07/2012</a:t>
             </a:fld>
             <a:endParaRPr lang="es-AR"/>
           </a:p>
@@ -1873,7 +1872,7 @@
               <a:pPr>
                 <a:defRPr/>
               </a:pPr>
-              <a:t>01/07/2012</a:t>
+              <a:t>02/07/2012</a:t>
             </a:fld>
             <a:endParaRPr lang="es-AR"/>
           </a:p>
@@ -2065,7 +2064,7 @@
               <a:pPr>
                 <a:defRPr/>
               </a:pPr>
-              <a:t>01/07/2012</a:t>
+              <a:t>02/07/2012</a:t>
             </a:fld>
             <a:endParaRPr lang="es-AR"/>
           </a:p>
@@ -2333,7 +2332,7 @@
               <a:pPr>
                 <a:defRPr/>
               </a:pPr>
-              <a:t>01/07/2012</a:t>
+              <a:t>02/07/2012</a:t>
             </a:fld>
             <a:endParaRPr lang="es-AR"/>
           </a:p>
@@ -2643,7 +2642,7 @@
               <a:pPr>
                 <a:defRPr/>
               </a:pPr>
-              <a:t>01/07/2012</a:t>
+              <a:t>02/07/2012</a:t>
             </a:fld>
             <a:endParaRPr lang="es-AR"/>
           </a:p>
@@ -3087,7 +3086,7 @@
               <a:pPr>
                 <a:defRPr/>
               </a:pPr>
-              <a:t>01/07/2012</a:t>
+              <a:t>02/07/2012</a:t>
             </a:fld>
             <a:endParaRPr lang="es-AR"/>
           </a:p>
@@ -3227,7 +3226,7 @@
               <a:pPr>
                 <a:defRPr/>
               </a:pPr>
-              <a:t>01/07/2012</a:t>
+              <a:t>02/07/2012</a:t>
             </a:fld>
             <a:endParaRPr lang="es-AR"/>
           </a:p>
@@ -3344,7 +3343,7 @@
               <a:pPr>
                 <a:defRPr/>
               </a:pPr>
-              <a:t>01/07/2012</a:t>
+              <a:t>02/07/2012</a:t>
             </a:fld>
             <a:endParaRPr lang="es-AR"/>
           </a:p>
@@ -3643,7 +3642,7 @@
               <a:pPr>
                 <a:defRPr/>
               </a:pPr>
-              <a:t>01/07/2012</a:t>
+              <a:t>02/07/2012</a:t>
             </a:fld>
             <a:endParaRPr lang="es-AR"/>
           </a:p>
@@ -3921,7 +3920,7 @@
               <a:pPr>
                 <a:defRPr/>
               </a:pPr>
-              <a:t>01/07/2012</a:t>
+              <a:t>02/07/2012</a:t>
             </a:fld>
             <a:endParaRPr lang="es-AR"/>
           </a:p>
@@ -4187,7 +4186,7 @@
               <a:pPr>
                 <a:defRPr/>
               </a:pPr>
-              <a:t>01/07/2012</a:t>
+              <a:t>02/07/2012</a:t>
             </a:fld>
             <a:endParaRPr lang="es-AR"/>
           </a:p>
@@ -8314,7 +8313,7 @@
     </p:spTree>
     <p:extLst>
       <p:ext uri="{BB962C8B-B14F-4D97-AF65-F5344CB8AC3E}">
-        <p14:creationId xmlns:p14="http://schemas.microsoft.com/office/powerpoint/2010/main" xmlns="" val="4083604085"/>
+        <p14:creationId xmlns="" xmlns:p14="http://schemas.microsoft.com/office/powerpoint/2010/main" val="4083604085"/>
       </p:ext>
     </p:extLst>
   </p:cSld>
@@ -8983,14 +8982,19 @@
             <p:ph type="title"/>
           </p:nvPr>
         </p:nvSpPr>
-        <p:spPr/>
+        <p:spPr>
+          <a:xfrm>
+            <a:off x="467544" y="476672"/>
+            <a:ext cx="8229600" cy="1143000"/>
+          </a:xfrm>
+        </p:spPr>
         <p:txBody>
           <a:bodyPr/>
           <a:lstStyle/>
           <a:p>
             <a:pPr eaLnBrk="1" hangingPunct="1"/>
             <a:r>
-              <a:rPr lang="es-AR" sz="4000" b="1" smtClean="0">
+              <a:rPr lang="es-AR" sz="4000" b="1" dirty="0" smtClean="0">
                 <a:latin typeface="Trebuchet MS" pitchFamily="34" charset="0"/>
               </a:rPr>
               <a:t>Arquitectura</a:t>
@@ -9010,7 +9014,7 @@
         </p:nvSpPr>
         <p:spPr>
           <a:xfrm>
-            <a:off x="395288" y="1557338"/>
+            <a:off x="395536" y="1890713"/>
             <a:ext cx="8229600" cy="4967287"/>
           </a:xfrm>
         </p:spPr>
@@ -9041,6 +9045,229 @@
           </a:p>
         </p:txBody>
       </p:sp>
+      <p:sp>
+        <p:nvSpPr>
+          <p:cNvPr id="4" name="2 Subtítulo"/>
+          <p:cNvSpPr txBox="1">
+            <a:spLocks/>
+          </p:cNvSpPr>
+          <p:nvPr/>
+        </p:nvSpPr>
+        <p:spPr>
+          <a:xfrm>
+            <a:off x="5148263" y="239713"/>
+            <a:ext cx="3960812" cy="381000"/>
+          </a:xfrm>
+          <a:prstGeom prst="rect">
+            <a:avLst/>
+          </a:prstGeom>
+        </p:spPr>
+        <p:txBody>
+          <a:bodyPr rtlCol="0">
+            <a:normAutofit fontScale="47500" lnSpcReduction="20000"/>
+          </a:bodyPr>
+          <a:lstStyle/>
+          <a:p>
+            <a:pPr marL="342900" marR="0" lvl="0" indent="-342900" algn="l" defTabSz="914400" rtl="0" eaLnBrk="1" fontAlgn="auto" latinLnBrk="0" hangingPunct="1">
+              <a:lnSpc>
+                <a:spcPct val="100000"/>
+              </a:lnSpc>
+              <a:spcBef>
+                <a:spcPct val="20000"/>
+              </a:spcBef>
+              <a:spcAft>
+                <a:spcPts val="0"/>
+              </a:spcAft>
+              <a:buClrTx/>
+              <a:buSzTx/>
+              <a:buFont typeface="Arial" pitchFamily="34" charset="0"/>
+              <a:buNone/>
+              <a:tabLst/>
+              <a:defRPr/>
+            </a:pPr>
+            <a:r>
+              <a:rPr kumimoji="0" lang="es-AR" sz="3200" b="0" i="0" u="none" strike="noStrike" kern="1200" cap="none" spc="0" normalizeH="0" baseline="0" noProof="0" smtClean="0">
+                <a:ln>
+                  <a:noFill/>
+                </a:ln>
+                <a:solidFill>
+                  <a:schemeClr val="tx1">
+                    <a:lumMod val="65000"/>
+                    <a:lumOff val="35000"/>
+                  </a:schemeClr>
+                </a:solidFill>
+                <a:effectLst/>
+                <a:uLnTx/>
+                <a:uFillTx/>
+                <a:latin typeface="+mn-lt"/>
+                <a:ea typeface="+mn-ea"/>
+                <a:cs typeface="+mn-cs"/>
+              </a:rPr>
+              <a:t>75.45 - Taller de Desarrollo de Proyectos I</a:t>
+            </a:r>
+            <a:endParaRPr kumimoji="0" lang="es-AR" sz="3200" b="0" i="0" u="none" strike="noStrike" kern="1200" cap="none" spc="0" normalizeH="0" baseline="0" noProof="0" dirty="0">
+              <a:ln>
+                <a:noFill/>
+              </a:ln>
+              <a:solidFill>
+                <a:schemeClr val="tx1">
+                  <a:lumMod val="65000"/>
+                  <a:lumOff val="35000"/>
+                </a:schemeClr>
+              </a:solidFill>
+              <a:effectLst/>
+              <a:uLnTx/>
+              <a:uFillTx/>
+              <a:latin typeface="+mn-lt"/>
+              <a:ea typeface="+mn-ea"/>
+              <a:cs typeface="+mn-cs"/>
+            </a:endParaRPr>
+          </a:p>
+        </p:txBody>
+      </p:sp>
+      <p:cxnSp>
+        <p:nvCxnSpPr>
+          <p:cNvPr id="5" name="Straight Connector 4"/>
+          <p:cNvCxnSpPr/>
+          <p:nvPr/>
+        </p:nvCxnSpPr>
+        <p:spPr>
+          <a:xfrm>
+            <a:off x="395288" y="692150"/>
+            <a:ext cx="8497887" cy="0"/>
+          </a:xfrm>
+          <a:prstGeom prst="line">
+            <a:avLst/>
+          </a:prstGeom>
+          <a:ln>
+            <a:solidFill>
+              <a:schemeClr val="bg1">
+                <a:lumMod val="65000"/>
+              </a:schemeClr>
+            </a:solidFill>
+          </a:ln>
+        </p:spPr>
+        <p:style>
+          <a:lnRef idx="1">
+            <a:schemeClr val="accent1"/>
+          </a:lnRef>
+          <a:fillRef idx="0">
+            <a:schemeClr val="accent1"/>
+          </a:fillRef>
+          <a:effectRef idx="0">
+            <a:schemeClr val="accent1"/>
+          </a:effectRef>
+          <a:fontRef idx="minor">
+            <a:schemeClr val="tx1"/>
+          </a:fontRef>
+        </p:style>
+      </p:cxnSp>
+      <p:sp>
+        <p:nvSpPr>
+          <p:cNvPr id="6" name="1 Título"/>
+          <p:cNvSpPr txBox="1">
+            <a:spLocks/>
+          </p:cNvSpPr>
+          <p:nvPr/>
+        </p:nvSpPr>
+        <p:spPr>
+          <a:xfrm>
+            <a:off x="34925" y="260350"/>
+            <a:ext cx="2736850" cy="288925"/>
+          </a:xfrm>
+          <a:prstGeom prst="rect">
+            <a:avLst/>
+          </a:prstGeom>
+        </p:spPr>
+        <p:txBody>
+          <a:bodyPr rtlCol="0">
+            <a:normAutofit fontScale="75000" lnSpcReduction="20000"/>
+          </a:bodyPr>
+          <a:lstStyle/>
+          <a:p>
+            <a:pPr marL="0" marR="0" lvl="0" indent="0" algn="ctr" defTabSz="914400" rtl="0" eaLnBrk="1" fontAlgn="auto" latinLnBrk="0" hangingPunct="1">
+              <a:lnSpc>
+                <a:spcPct val="100000"/>
+              </a:lnSpc>
+              <a:spcBef>
+                <a:spcPct val="0"/>
+              </a:spcBef>
+              <a:spcAft>
+                <a:spcPts val="0"/>
+              </a:spcAft>
+              <a:buClrTx/>
+              <a:buSzTx/>
+              <a:buFontTx/>
+              <a:buNone/>
+              <a:tabLst/>
+              <a:defRPr/>
+            </a:pPr>
+            <a:r>
+              <a:rPr kumimoji="0" lang="es-AR" sz="2000" b="0" i="0" u="none" strike="noStrike" kern="1200" cap="none" spc="0" normalizeH="0" baseline="0" noProof="0" smtClean="0">
+                <a:ln>
+                  <a:noFill/>
+                </a:ln>
+                <a:solidFill>
+                  <a:srgbClr val="C00000"/>
+                </a:solidFill>
+                <a:effectLst/>
+                <a:uLnTx/>
+                <a:uFillTx/>
+                <a:latin typeface="Aharoni" pitchFamily="2" charset="-79"/>
+                <a:ea typeface="+mj-ea"/>
+                <a:cs typeface="Aharoni" pitchFamily="2" charset="-79"/>
+              </a:rPr>
+              <a:t>Panic Dial Button</a:t>
+            </a:r>
+            <a:endParaRPr kumimoji="0" lang="es-AR" sz="2000" b="0" i="0" u="none" strike="noStrike" kern="1200" cap="none" spc="0" normalizeH="0" baseline="0" noProof="0" dirty="0">
+              <a:ln>
+                <a:noFill/>
+              </a:ln>
+              <a:solidFill>
+                <a:schemeClr val="tx1"/>
+              </a:solidFill>
+              <a:effectLst/>
+              <a:uLnTx/>
+              <a:uFillTx/>
+              <a:latin typeface="Aharoni" pitchFamily="2" charset="-79"/>
+              <a:ea typeface="+mj-ea"/>
+              <a:cs typeface="Aharoni" pitchFamily="2" charset="-79"/>
+            </a:endParaRPr>
+          </a:p>
+        </p:txBody>
+      </p:sp>
+      <p:pic>
+        <p:nvPicPr>
+          <p:cNvPr id="7" name="Picture 5"/>
+          <p:cNvPicPr>
+            <a:picLocks noChangeAspect="1"/>
+          </p:cNvPicPr>
+          <p:nvPr/>
+        </p:nvPicPr>
+        <p:blipFill>
+          <a:blip r:embed="rId2" cstate="print"/>
+          <a:srcRect/>
+          <a:stretch>
+            <a:fillRect/>
+          </a:stretch>
+        </p:blipFill>
+        <p:spPr bwMode="auto">
+          <a:xfrm>
+            <a:off x="2484438" y="279400"/>
+            <a:ext cx="466725" cy="277813"/>
+          </a:xfrm>
+          <a:prstGeom prst="rect">
+            <a:avLst/>
+          </a:prstGeom>
+          <a:noFill/>
+          <a:ln w="9525">
+            <a:noFill/>
+            <a:miter lim="800000"/>
+            <a:headEnd/>
+            <a:tailEnd/>
+          </a:ln>
+        </p:spPr>
+      </p:pic>
     </p:spTree>
   </p:cSld>
   <p:clrMapOvr>
@@ -9076,14 +9303,19 @@
             <p:ph type="title" idx="4294967295"/>
           </p:nvPr>
         </p:nvSpPr>
-        <p:spPr/>
+        <p:spPr>
+          <a:xfrm>
+            <a:off x="467544" y="404664"/>
+            <a:ext cx="8229600" cy="1143000"/>
+          </a:xfrm>
+        </p:spPr>
         <p:txBody>
           <a:bodyPr/>
           <a:lstStyle/>
           <a:p>
             <a:pPr eaLnBrk="1" hangingPunct="1"/>
             <a:r>
-              <a:rPr lang="es-AR" sz="4000" b="1" smtClean="0">
+              <a:rPr lang="es-AR" sz="4000" b="1" dirty="0" smtClean="0">
                 <a:latin typeface="Trebuchet MS" pitchFamily="34" charset="0"/>
               </a:rPr>
               <a:t>Arquitectura</a:t>
@@ -9103,7 +9335,7 @@
         </p:nvSpPr>
         <p:spPr>
           <a:xfrm>
-            <a:off x="395288" y="1196975"/>
+            <a:off x="395536" y="1530350"/>
             <a:ext cx="8229600" cy="5327650"/>
           </a:xfrm>
         </p:spPr>
@@ -9113,64 +9345,287 @@
           <a:p>
             <a:pPr eaLnBrk="1" hangingPunct="1"/>
             <a:r>
-              <a:rPr lang="es-MX" sz="3400" b="1" smtClean="0"/>
+              <a:rPr lang="es-MX" sz="3400" b="1" dirty="0" smtClean="0"/>
               <a:t>Aplicación Servidor</a:t>
             </a:r>
           </a:p>
           <a:p>
             <a:pPr lvl="1" eaLnBrk="1" hangingPunct="1"/>
             <a:r>
-              <a:rPr lang="es-MX" sz="3200" smtClean="0"/>
+              <a:rPr lang="es-MX" sz="3200" dirty="0" smtClean="0"/>
               <a:t>Comunicación con aplicación cliente para celulares.</a:t>
             </a:r>
           </a:p>
           <a:p>
             <a:pPr lvl="1" eaLnBrk="1" hangingPunct="1"/>
             <a:r>
-              <a:rPr lang="es-MX" sz="3200" smtClean="0"/>
+              <a:rPr lang="es-MX" sz="3200" dirty="0" smtClean="0"/>
               <a:t>Comunicación con Aplicación web de terminal.</a:t>
             </a:r>
           </a:p>
           <a:p>
             <a:pPr lvl="1" eaLnBrk="1" hangingPunct="1"/>
             <a:r>
-              <a:rPr lang="es-MX" sz="3200" smtClean="0"/>
+              <a:rPr lang="es-MX" sz="3200" dirty="0" smtClean="0"/>
               <a:t>Base de datos con las alertas.</a:t>
             </a:r>
-            <a:endParaRPr lang="es-AR" sz="3200" smtClean="0"/>
+            <a:endParaRPr lang="es-AR" sz="3200" dirty="0" smtClean="0"/>
           </a:p>
           <a:p>
             <a:pPr eaLnBrk="1" hangingPunct="1"/>
             <a:r>
-              <a:rPr lang="es-MX" sz="3400" b="1" smtClean="0"/>
+              <a:rPr lang="es-MX" sz="3400" b="1" dirty="0" smtClean="0"/>
               <a:t>Aplicación web</a:t>
             </a:r>
             <a:r>
-              <a:rPr lang="es-MX" sz="3400" smtClean="0"/>
+              <a:rPr lang="es-MX" sz="3400" dirty="0" smtClean="0"/>
               <a:t> </a:t>
             </a:r>
             <a:r>
-              <a:rPr lang="es-MX" sz="3400" b="1" smtClean="0"/>
+              <a:rPr lang="es-MX" sz="3400" b="1" dirty="0" smtClean="0"/>
               <a:t>para terminales de control </a:t>
             </a:r>
           </a:p>
           <a:p>
             <a:pPr lvl="1" eaLnBrk="1" hangingPunct="1"/>
             <a:r>
-              <a:rPr lang="es-MX" sz="3200" smtClean="0"/>
+              <a:rPr lang="es-MX" sz="3200" dirty="0" smtClean="0"/>
               <a:t>Recibe alertas desde el servidor.</a:t>
             </a:r>
           </a:p>
           <a:p>
             <a:pPr lvl="1" eaLnBrk="1" hangingPunct="1"/>
             <a:r>
-              <a:rPr lang="es-MX" sz="3200" smtClean="0"/>
+              <a:rPr lang="es-MX" sz="3200" dirty="0" smtClean="0"/>
               <a:t>Visualiza las alertas entrantes.</a:t>
             </a:r>
-            <a:endParaRPr lang="es-AR" sz="3200" smtClean="0"/>
-          </a:p>
-        </p:txBody>
-      </p:sp>
+            <a:endParaRPr lang="es-AR" sz="3200" dirty="0" smtClean="0"/>
+          </a:p>
+        </p:txBody>
+      </p:sp>
+      <p:sp>
+        <p:nvSpPr>
+          <p:cNvPr id="4" name="2 Subtítulo"/>
+          <p:cNvSpPr txBox="1">
+            <a:spLocks/>
+          </p:cNvSpPr>
+          <p:nvPr/>
+        </p:nvSpPr>
+        <p:spPr>
+          <a:xfrm>
+            <a:off x="5148263" y="239713"/>
+            <a:ext cx="3960812" cy="381000"/>
+          </a:xfrm>
+          <a:prstGeom prst="rect">
+            <a:avLst/>
+          </a:prstGeom>
+        </p:spPr>
+        <p:txBody>
+          <a:bodyPr rtlCol="0">
+            <a:normAutofit fontScale="47500" lnSpcReduction="20000"/>
+          </a:bodyPr>
+          <a:lstStyle/>
+          <a:p>
+            <a:pPr marL="342900" marR="0" lvl="0" indent="-342900" algn="l" defTabSz="914400" rtl="0" eaLnBrk="1" fontAlgn="auto" latinLnBrk="0" hangingPunct="1">
+              <a:lnSpc>
+                <a:spcPct val="100000"/>
+              </a:lnSpc>
+              <a:spcBef>
+                <a:spcPct val="20000"/>
+              </a:spcBef>
+              <a:spcAft>
+                <a:spcPts val="0"/>
+              </a:spcAft>
+              <a:buClrTx/>
+              <a:buSzTx/>
+              <a:buFont typeface="Arial" pitchFamily="34" charset="0"/>
+              <a:buNone/>
+              <a:tabLst/>
+              <a:defRPr/>
+            </a:pPr>
+            <a:r>
+              <a:rPr kumimoji="0" lang="es-AR" sz="3200" b="0" i="0" u="none" strike="noStrike" kern="1200" cap="none" spc="0" normalizeH="0" baseline="0" noProof="0" smtClean="0">
+                <a:ln>
+                  <a:noFill/>
+                </a:ln>
+                <a:solidFill>
+                  <a:schemeClr val="tx1">
+                    <a:lumMod val="65000"/>
+                    <a:lumOff val="35000"/>
+                  </a:schemeClr>
+                </a:solidFill>
+                <a:effectLst/>
+                <a:uLnTx/>
+                <a:uFillTx/>
+                <a:latin typeface="+mn-lt"/>
+                <a:ea typeface="+mn-ea"/>
+                <a:cs typeface="+mn-cs"/>
+              </a:rPr>
+              <a:t>75.45 - Taller de Desarrollo de Proyectos I</a:t>
+            </a:r>
+            <a:endParaRPr kumimoji="0" lang="es-AR" sz="3200" b="0" i="0" u="none" strike="noStrike" kern="1200" cap="none" spc="0" normalizeH="0" baseline="0" noProof="0" dirty="0">
+              <a:ln>
+                <a:noFill/>
+              </a:ln>
+              <a:solidFill>
+                <a:schemeClr val="tx1">
+                  <a:lumMod val="65000"/>
+                  <a:lumOff val="35000"/>
+                </a:schemeClr>
+              </a:solidFill>
+              <a:effectLst/>
+              <a:uLnTx/>
+              <a:uFillTx/>
+              <a:latin typeface="+mn-lt"/>
+              <a:ea typeface="+mn-ea"/>
+              <a:cs typeface="+mn-cs"/>
+            </a:endParaRPr>
+          </a:p>
+        </p:txBody>
+      </p:sp>
+      <p:cxnSp>
+        <p:nvCxnSpPr>
+          <p:cNvPr id="5" name="Straight Connector 4"/>
+          <p:cNvCxnSpPr/>
+          <p:nvPr/>
+        </p:nvCxnSpPr>
+        <p:spPr>
+          <a:xfrm>
+            <a:off x="395288" y="692150"/>
+            <a:ext cx="8497887" cy="0"/>
+          </a:xfrm>
+          <a:prstGeom prst="line">
+            <a:avLst/>
+          </a:prstGeom>
+          <a:ln>
+            <a:solidFill>
+              <a:schemeClr val="bg1">
+                <a:lumMod val="65000"/>
+              </a:schemeClr>
+            </a:solidFill>
+          </a:ln>
+        </p:spPr>
+        <p:style>
+          <a:lnRef idx="1">
+            <a:schemeClr val="accent1"/>
+          </a:lnRef>
+          <a:fillRef idx="0">
+            <a:schemeClr val="accent1"/>
+          </a:fillRef>
+          <a:effectRef idx="0">
+            <a:schemeClr val="accent1"/>
+          </a:effectRef>
+          <a:fontRef idx="minor">
+            <a:schemeClr val="tx1"/>
+          </a:fontRef>
+        </p:style>
+      </p:cxnSp>
+      <p:sp>
+        <p:nvSpPr>
+          <p:cNvPr id="6" name="1 Título"/>
+          <p:cNvSpPr txBox="1">
+            <a:spLocks/>
+          </p:cNvSpPr>
+          <p:nvPr/>
+        </p:nvSpPr>
+        <p:spPr>
+          <a:xfrm>
+            <a:off x="34925" y="260350"/>
+            <a:ext cx="2736850" cy="288925"/>
+          </a:xfrm>
+          <a:prstGeom prst="rect">
+            <a:avLst/>
+          </a:prstGeom>
+        </p:spPr>
+        <p:txBody>
+          <a:bodyPr rtlCol="0">
+            <a:normAutofit fontScale="75000" lnSpcReduction="20000"/>
+          </a:bodyPr>
+          <a:lstStyle/>
+          <a:p>
+            <a:pPr marL="0" marR="0" lvl="0" indent="0" algn="ctr" defTabSz="914400" rtl="0" eaLnBrk="1" fontAlgn="auto" latinLnBrk="0" hangingPunct="1">
+              <a:lnSpc>
+                <a:spcPct val="100000"/>
+              </a:lnSpc>
+              <a:spcBef>
+                <a:spcPct val="0"/>
+              </a:spcBef>
+              <a:spcAft>
+                <a:spcPts val="0"/>
+              </a:spcAft>
+              <a:buClrTx/>
+              <a:buSzTx/>
+              <a:buFontTx/>
+              <a:buNone/>
+              <a:tabLst/>
+              <a:defRPr/>
+            </a:pPr>
+            <a:r>
+              <a:rPr kumimoji="0" lang="es-AR" sz="2000" b="0" i="0" u="none" strike="noStrike" kern="1200" cap="none" spc="0" normalizeH="0" baseline="0" noProof="0" smtClean="0">
+                <a:ln>
+                  <a:noFill/>
+                </a:ln>
+                <a:solidFill>
+                  <a:srgbClr val="C00000"/>
+                </a:solidFill>
+                <a:effectLst/>
+                <a:uLnTx/>
+                <a:uFillTx/>
+                <a:latin typeface="Aharoni" pitchFamily="2" charset="-79"/>
+                <a:ea typeface="+mj-ea"/>
+                <a:cs typeface="Aharoni" pitchFamily="2" charset="-79"/>
+              </a:rPr>
+              <a:t>Panic Dial Button</a:t>
+            </a:r>
+            <a:endParaRPr kumimoji="0" lang="es-AR" sz="2000" b="0" i="0" u="none" strike="noStrike" kern="1200" cap="none" spc="0" normalizeH="0" baseline="0" noProof="0" dirty="0">
+              <a:ln>
+                <a:noFill/>
+              </a:ln>
+              <a:solidFill>
+                <a:schemeClr val="tx1"/>
+              </a:solidFill>
+              <a:effectLst/>
+              <a:uLnTx/>
+              <a:uFillTx/>
+              <a:latin typeface="Aharoni" pitchFamily="2" charset="-79"/>
+              <a:ea typeface="+mj-ea"/>
+              <a:cs typeface="Aharoni" pitchFamily="2" charset="-79"/>
+            </a:endParaRPr>
+          </a:p>
+        </p:txBody>
+      </p:sp>
+      <p:pic>
+        <p:nvPicPr>
+          <p:cNvPr id="7" name="Picture 5"/>
+          <p:cNvPicPr>
+            <a:picLocks noChangeAspect="1"/>
+          </p:cNvPicPr>
+          <p:nvPr/>
+        </p:nvPicPr>
+        <p:blipFill>
+          <a:blip r:embed="rId2" cstate="print"/>
+          <a:srcRect/>
+          <a:stretch>
+            <a:fillRect/>
+          </a:stretch>
+        </p:blipFill>
+        <p:spPr bwMode="auto">
+          <a:xfrm>
+            <a:off x="2484438" y="279400"/>
+            <a:ext cx="466725" cy="277813"/>
+          </a:xfrm>
+          <a:prstGeom prst="rect">
+            <a:avLst/>
+          </a:prstGeom>
+          <a:noFill/>
+          <a:ln w="9525">
+            <a:noFill/>
+            <a:miter lim="800000"/>
+            <a:headEnd/>
+            <a:tailEnd/>
+          </a:ln>
+        </p:spPr>
+      </p:pic>
     </p:spTree>
   </p:cSld>
   <p:clrMapOvr>
@@ -9206,14 +9661,19 @@
             <p:ph type="title"/>
           </p:nvPr>
         </p:nvSpPr>
-        <p:spPr/>
+        <p:spPr>
+          <a:xfrm>
+            <a:off x="467544" y="476672"/>
+            <a:ext cx="8229600" cy="1143000"/>
+          </a:xfrm>
+        </p:spPr>
         <p:txBody>
           <a:bodyPr/>
           <a:lstStyle/>
           <a:p>
             <a:pPr eaLnBrk="1" hangingPunct="1"/>
             <a:r>
-              <a:rPr lang="es-AR" sz="4000" b="1" smtClean="0">
+              <a:rPr lang="es-AR" sz="4000" b="1" dirty="0" smtClean="0">
                 <a:latin typeface="Trebuchet MS" pitchFamily="34" charset="0"/>
               </a:rPr>
               <a:t>Arquitectura (Diagrama)</a:t>
@@ -9240,9 +9700,232 @@
         </p:blipFill>
         <p:spPr>
           <a:xfrm>
-            <a:off x="611188" y="1484313"/>
+            <a:off x="611560" y="1628800"/>
             <a:ext cx="8229600" cy="4159250"/>
           </a:xfrm>
+        </p:spPr>
+      </p:pic>
+      <p:sp>
+        <p:nvSpPr>
+          <p:cNvPr id="4" name="2 Subtítulo"/>
+          <p:cNvSpPr txBox="1">
+            <a:spLocks/>
+          </p:cNvSpPr>
+          <p:nvPr/>
+        </p:nvSpPr>
+        <p:spPr>
+          <a:xfrm>
+            <a:off x="5148263" y="239713"/>
+            <a:ext cx="3960812" cy="381000"/>
+          </a:xfrm>
+          <a:prstGeom prst="rect">
+            <a:avLst/>
+          </a:prstGeom>
+        </p:spPr>
+        <p:txBody>
+          <a:bodyPr rtlCol="0">
+            <a:normAutofit fontScale="47500" lnSpcReduction="20000"/>
+          </a:bodyPr>
+          <a:lstStyle/>
+          <a:p>
+            <a:pPr marL="342900" marR="0" lvl="0" indent="-342900" algn="l" defTabSz="914400" rtl="0" eaLnBrk="1" fontAlgn="auto" latinLnBrk="0" hangingPunct="1">
+              <a:lnSpc>
+                <a:spcPct val="100000"/>
+              </a:lnSpc>
+              <a:spcBef>
+                <a:spcPct val="20000"/>
+              </a:spcBef>
+              <a:spcAft>
+                <a:spcPts val="0"/>
+              </a:spcAft>
+              <a:buClrTx/>
+              <a:buSzTx/>
+              <a:buFont typeface="Arial" pitchFamily="34" charset="0"/>
+              <a:buNone/>
+              <a:tabLst/>
+              <a:defRPr/>
+            </a:pPr>
+            <a:r>
+              <a:rPr kumimoji="0" lang="es-AR" sz="3200" b="0" i="0" u="none" strike="noStrike" kern="1200" cap="none" spc="0" normalizeH="0" baseline="0" noProof="0" smtClean="0">
+                <a:ln>
+                  <a:noFill/>
+                </a:ln>
+                <a:solidFill>
+                  <a:schemeClr val="tx1">
+                    <a:lumMod val="65000"/>
+                    <a:lumOff val="35000"/>
+                  </a:schemeClr>
+                </a:solidFill>
+                <a:effectLst/>
+                <a:uLnTx/>
+                <a:uFillTx/>
+                <a:latin typeface="+mn-lt"/>
+                <a:ea typeface="+mn-ea"/>
+                <a:cs typeface="+mn-cs"/>
+              </a:rPr>
+              <a:t>75.45 - Taller de Desarrollo de Proyectos I</a:t>
+            </a:r>
+            <a:endParaRPr kumimoji="0" lang="es-AR" sz="3200" b="0" i="0" u="none" strike="noStrike" kern="1200" cap="none" spc="0" normalizeH="0" baseline="0" noProof="0" dirty="0">
+              <a:ln>
+                <a:noFill/>
+              </a:ln>
+              <a:solidFill>
+                <a:schemeClr val="tx1">
+                  <a:lumMod val="65000"/>
+                  <a:lumOff val="35000"/>
+                </a:schemeClr>
+              </a:solidFill>
+              <a:effectLst/>
+              <a:uLnTx/>
+              <a:uFillTx/>
+              <a:latin typeface="+mn-lt"/>
+              <a:ea typeface="+mn-ea"/>
+              <a:cs typeface="+mn-cs"/>
+            </a:endParaRPr>
+          </a:p>
+        </p:txBody>
+      </p:sp>
+      <p:cxnSp>
+        <p:nvCxnSpPr>
+          <p:cNvPr id="5" name="Straight Connector 4"/>
+          <p:cNvCxnSpPr/>
+          <p:nvPr/>
+        </p:nvCxnSpPr>
+        <p:spPr>
+          <a:xfrm>
+            <a:off x="395288" y="692150"/>
+            <a:ext cx="8497887" cy="0"/>
+          </a:xfrm>
+          <a:prstGeom prst="line">
+            <a:avLst/>
+          </a:prstGeom>
+          <a:ln>
+            <a:solidFill>
+              <a:schemeClr val="bg1">
+                <a:lumMod val="65000"/>
+              </a:schemeClr>
+            </a:solidFill>
+          </a:ln>
+        </p:spPr>
+        <p:style>
+          <a:lnRef idx="1">
+            <a:schemeClr val="accent1"/>
+          </a:lnRef>
+          <a:fillRef idx="0">
+            <a:schemeClr val="accent1"/>
+          </a:fillRef>
+          <a:effectRef idx="0">
+            <a:schemeClr val="accent1"/>
+          </a:effectRef>
+          <a:fontRef idx="minor">
+            <a:schemeClr val="tx1"/>
+          </a:fontRef>
+        </p:style>
+      </p:cxnSp>
+      <p:sp>
+        <p:nvSpPr>
+          <p:cNvPr id="6" name="1 Título"/>
+          <p:cNvSpPr txBox="1">
+            <a:spLocks/>
+          </p:cNvSpPr>
+          <p:nvPr/>
+        </p:nvSpPr>
+        <p:spPr>
+          <a:xfrm>
+            <a:off x="34925" y="260350"/>
+            <a:ext cx="2736850" cy="288925"/>
+          </a:xfrm>
+          <a:prstGeom prst="rect">
+            <a:avLst/>
+          </a:prstGeom>
+        </p:spPr>
+        <p:txBody>
+          <a:bodyPr rtlCol="0">
+            <a:normAutofit fontScale="75000" lnSpcReduction="20000"/>
+          </a:bodyPr>
+          <a:lstStyle/>
+          <a:p>
+            <a:pPr marL="0" marR="0" lvl="0" indent="0" algn="ctr" defTabSz="914400" rtl="0" eaLnBrk="1" fontAlgn="auto" latinLnBrk="0" hangingPunct="1">
+              <a:lnSpc>
+                <a:spcPct val="100000"/>
+              </a:lnSpc>
+              <a:spcBef>
+                <a:spcPct val="0"/>
+              </a:spcBef>
+              <a:spcAft>
+                <a:spcPts val="0"/>
+              </a:spcAft>
+              <a:buClrTx/>
+              <a:buSzTx/>
+              <a:buFontTx/>
+              <a:buNone/>
+              <a:tabLst/>
+              <a:defRPr/>
+            </a:pPr>
+            <a:r>
+              <a:rPr kumimoji="0" lang="es-AR" sz="2000" b="0" i="0" u="none" strike="noStrike" kern="1200" cap="none" spc="0" normalizeH="0" baseline="0" noProof="0" smtClean="0">
+                <a:ln>
+                  <a:noFill/>
+                </a:ln>
+                <a:solidFill>
+                  <a:srgbClr val="C00000"/>
+                </a:solidFill>
+                <a:effectLst/>
+                <a:uLnTx/>
+                <a:uFillTx/>
+                <a:latin typeface="Aharoni" pitchFamily="2" charset="-79"/>
+                <a:ea typeface="+mj-ea"/>
+                <a:cs typeface="Aharoni" pitchFamily="2" charset="-79"/>
+              </a:rPr>
+              <a:t>Panic Dial Button</a:t>
+            </a:r>
+            <a:endParaRPr kumimoji="0" lang="es-AR" sz="2000" b="0" i="0" u="none" strike="noStrike" kern="1200" cap="none" spc="0" normalizeH="0" baseline="0" noProof="0" dirty="0">
+              <a:ln>
+                <a:noFill/>
+              </a:ln>
+              <a:solidFill>
+                <a:schemeClr val="tx1"/>
+              </a:solidFill>
+              <a:effectLst/>
+              <a:uLnTx/>
+              <a:uFillTx/>
+              <a:latin typeface="Aharoni" pitchFamily="2" charset="-79"/>
+              <a:ea typeface="+mj-ea"/>
+              <a:cs typeface="Aharoni" pitchFamily="2" charset="-79"/>
+            </a:endParaRPr>
+          </a:p>
+        </p:txBody>
+      </p:sp>
+      <p:pic>
+        <p:nvPicPr>
+          <p:cNvPr id="7" name="Picture 5"/>
+          <p:cNvPicPr>
+            <a:picLocks noChangeAspect="1"/>
+          </p:cNvPicPr>
+          <p:nvPr/>
+        </p:nvPicPr>
+        <p:blipFill>
+          <a:blip r:embed="rId3" cstate="print"/>
+          <a:srcRect/>
+          <a:stretch>
+            <a:fillRect/>
+          </a:stretch>
+        </p:blipFill>
+        <p:spPr bwMode="auto">
+          <a:xfrm>
+            <a:off x="2484438" y="279400"/>
+            <a:ext cx="466725" cy="277813"/>
+          </a:xfrm>
+          <a:prstGeom prst="rect">
+            <a:avLst/>
+          </a:prstGeom>
+          <a:noFill/>
+          <a:ln w="9525">
+            <a:noFill/>
+            <a:miter lim="800000"/>
+            <a:headEnd/>
+            <a:tailEnd/>
+          </a:ln>
         </p:spPr>
       </p:pic>
     </p:spTree>
@@ -9280,14 +9963,19 @@
             <p:ph type="title"/>
           </p:nvPr>
         </p:nvSpPr>
-        <p:spPr/>
+        <p:spPr>
+          <a:xfrm>
+            <a:off x="467544" y="548680"/>
+            <a:ext cx="8229600" cy="1143000"/>
+          </a:xfrm>
+        </p:spPr>
         <p:txBody>
           <a:bodyPr/>
           <a:lstStyle/>
           <a:p>
             <a:pPr eaLnBrk="1" hangingPunct="1"/>
             <a:r>
-              <a:rPr lang="es-AR" sz="4000" b="1" smtClean="0">
+              <a:rPr lang="es-AR" sz="4000" b="1" dirty="0" smtClean="0">
                 <a:latin typeface="Trebuchet MS" pitchFamily="34" charset="0"/>
               </a:rPr>
               <a:t>Arquitectura Implementada</a:t>
@@ -9307,7 +9995,7 @@
         </p:nvSpPr>
         <p:spPr>
           <a:xfrm>
-            <a:off x="250825" y="1557338"/>
+            <a:off x="251520" y="1890713"/>
             <a:ext cx="8374063" cy="4967287"/>
           </a:xfrm>
         </p:spPr>
@@ -9353,6 +10041,229 @@
           </a:p>
         </p:txBody>
       </p:sp>
+      <p:sp>
+        <p:nvSpPr>
+          <p:cNvPr id="4" name="2 Subtítulo"/>
+          <p:cNvSpPr txBox="1">
+            <a:spLocks/>
+          </p:cNvSpPr>
+          <p:nvPr/>
+        </p:nvSpPr>
+        <p:spPr>
+          <a:xfrm>
+            <a:off x="5148263" y="239713"/>
+            <a:ext cx="3960812" cy="381000"/>
+          </a:xfrm>
+          <a:prstGeom prst="rect">
+            <a:avLst/>
+          </a:prstGeom>
+        </p:spPr>
+        <p:txBody>
+          <a:bodyPr rtlCol="0">
+            <a:normAutofit fontScale="47500" lnSpcReduction="20000"/>
+          </a:bodyPr>
+          <a:lstStyle/>
+          <a:p>
+            <a:pPr marL="342900" marR="0" lvl="0" indent="-342900" algn="l" defTabSz="914400" rtl="0" eaLnBrk="1" fontAlgn="auto" latinLnBrk="0" hangingPunct="1">
+              <a:lnSpc>
+                <a:spcPct val="100000"/>
+              </a:lnSpc>
+              <a:spcBef>
+                <a:spcPct val="20000"/>
+              </a:spcBef>
+              <a:spcAft>
+                <a:spcPts val="0"/>
+              </a:spcAft>
+              <a:buClrTx/>
+              <a:buSzTx/>
+              <a:buFont typeface="Arial" pitchFamily="34" charset="0"/>
+              <a:buNone/>
+              <a:tabLst/>
+              <a:defRPr/>
+            </a:pPr>
+            <a:r>
+              <a:rPr kumimoji="0" lang="es-AR" sz="3200" b="0" i="0" u="none" strike="noStrike" kern="1200" cap="none" spc="0" normalizeH="0" baseline="0" noProof="0" smtClean="0">
+                <a:ln>
+                  <a:noFill/>
+                </a:ln>
+                <a:solidFill>
+                  <a:schemeClr val="tx1">
+                    <a:lumMod val="65000"/>
+                    <a:lumOff val="35000"/>
+                  </a:schemeClr>
+                </a:solidFill>
+                <a:effectLst/>
+                <a:uLnTx/>
+                <a:uFillTx/>
+                <a:latin typeface="+mn-lt"/>
+                <a:ea typeface="+mn-ea"/>
+                <a:cs typeface="+mn-cs"/>
+              </a:rPr>
+              <a:t>75.45 - Taller de Desarrollo de Proyectos I</a:t>
+            </a:r>
+            <a:endParaRPr kumimoji="0" lang="es-AR" sz="3200" b="0" i="0" u="none" strike="noStrike" kern="1200" cap="none" spc="0" normalizeH="0" baseline="0" noProof="0" dirty="0">
+              <a:ln>
+                <a:noFill/>
+              </a:ln>
+              <a:solidFill>
+                <a:schemeClr val="tx1">
+                  <a:lumMod val="65000"/>
+                  <a:lumOff val="35000"/>
+                </a:schemeClr>
+              </a:solidFill>
+              <a:effectLst/>
+              <a:uLnTx/>
+              <a:uFillTx/>
+              <a:latin typeface="+mn-lt"/>
+              <a:ea typeface="+mn-ea"/>
+              <a:cs typeface="+mn-cs"/>
+            </a:endParaRPr>
+          </a:p>
+        </p:txBody>
+      </p:sp>
+      <p:cxnSp>
+        <p:nvCxnSpPr>
+          <p:cNvPr id="5" name="Straight Connector 4"/>
+          <p:cNvCxnSpPr/>
+          <p:nvPr/>
+        </p:nvCxnSpPr>
+        <p:spPr>
+          <a:xfrm>
+            <a:off x="395288" y="692150"/>
+            <a:ext cx="8497887" cy="0"/>
+          </a:xfrm>
+          <a:prstGeom prst="line">
+            <a:avLst/>
+          </a:prstGeom>
+          <a:ln>
+            <a:solidFill>
+              <a:schemeClr val="bg1">
+                <a:lumMod val="65000"/>
+              </a:schemeClr>
+            </a:solidFill>
+          </a:ln>
+        </p:spPr>
+        <p:style>
+          <a:lnRef idx="1">
+            <a:schemeClr val="accent1"/>
+          </a:lnRef>
+          <a:fillRef idx="0">
+            <a:schemeClr val="accent1"/>
+          </a:fillRef>
+          <a:effectRef idx="0">
+            <a:schemeClr val="accent1"/>
+          </a:effectRef>
+          <a:fontRef idx="minor">
+            <a:schemeClr val="tx1"/>
+          </a:fontRef>
+        </p:style>
+      </p:cxnSp>
+      <p:sp>
+        <p:nvSpPr>
+          <p:cNvPr id="6" name="1 Título"/>
+          <p:cNvSpPr txBox="1">
+            <a:spLocks/>
+          </p:cNvSpPr>
+          <p:nvPr/>
+        </p:nvSpPr>
+        <p:spPr>
+          <a:xfrm>
+            <a:off x="34925" y="260350"/>
+            <a:ext cx="2736850" cy="288925"/>
+          </a:xfrm>
+          <a:prstGeom prst="rect">
+            <a:avLst/>
+          </a:prstGeom>
+        </p:spPr>
+        <p:txBody>
+          <a:bodyPr rtlCol="0">
+            <a:normAutofit fontScale="75000" lnSpcReduction="20000"/>
+          </a:bodyPr>
+          <a:lstStyle/>
+          <a:p>
+            <a:pPr marL="0" marR="0" lvl="0" indent="0" algn="ctr" defTabSz="914400" rtl="0" eaLnBrk="1" fontAlgn="auto" latinLnBrk="0" hangingPunct="1">
+              <a:lnSpc>
+                <a:spcPct val="100000"/>
+              </a:lnSpc>
+              <a:spcBef>
+                <a:spcPct val="0"/>
+              </a:spcBef>
+              <a:spcAft>
+                <a:spcPts val="0"/>
+              </a:spcAft>
+              <a:buClrTx/>
+              <a:buSzTx/>
+              <a:buFontTx/>
+              <a:buNone/>
+              <a:tabLst/>
+              <a:defRPr/>
+            </a:pPr>
+            <a:r>
+              <a:rPr kumimoji="0" lang="es-AR" sz="2000" b="0" i="0" u="none" strike="noStrike" kern="1200" cap="none" spc="0" normalizeH="0" baseline="0" noProof="0" smtClean="0">
+                <a:ln>
+                  <a:noFill/>
+                </a:ln>
+                <a:solidFill>
+                  <a:srgbClr val="C00000"/>
+                </a:solidFill>
+                <a:effectLst/>
+                <a:uLnTx/>
+                <a:uFillTx/>
+                <a:latin typeface="Aharoni" pitchFamily="2" charset="-79"/>
+                <a:ea typeface="+mj-ea"/>
+                <a:cs typeface="Aharoni" pitchFamily="2" charset="-79"/>
+              </a:rPr>
+              <a:t>Panic Dial Button</a:t>
+            </a:r>
+            <a:endParaRPr kumimoji="0" lang="es-AR" sz="2000" b="0" i="0" u="none" strike="noStrike" kern="1200" cap="none" spc="0" normalizeH="0" baseline="0" noProof="0" dirty="0">
+              <a:ln>
+                <a:noFill/>
+              </a:ln>
+              <a:solidFill>
+                <a:schemeClr val="tx1"/>
+              </a:solidFill>
+              <a:effectLst/>
+              <a:uLnTx/>
+              <a:uFillTx/>
+              <a:latin typeface="Aharoni" pitchFamily="2" charset="-79"/>
+              <a:ea typeface="+mj-ea"/>
+              <a:cs typeface="Aharoni" pitchFamily="2" charset="-79"/>
+            </a:endParaRPr>
+          </a:p>
+        </p:txBody>
+      </p:sp>
+      <p:pic>
+        <p:nvPicPr>
+          <p:cNvPr id="7" name="Picture 5"/>
+          <p:cNvPicPr>
+            <a:picLocks noChangeAspect="1"/>
+          </p:cNvPicPr>
+          <p:nvPr/>
+        </p:nvPicPr>
+        <p:blipFill>
+          <a:blip r:embed="rId2" cstate="print"/>
+          <a:srcRect/>
+          <a:stretch>
+            <a:fillRect/>
+          </a:stretch>
+        </p:blipFill>
+        <p:spPr bwMode="auto">
+          <a:xfrm>
+            <a:off x="2484438" y="279400"/>
+            <a:ext cx="466725" cy="277813"/>
+          </a:xfrm>
+          <a:prstGeom prst="rect">
+            <a:avLst/>
+          </a:prstGeom>
+          <a:noFill/>
+          <a:ln w="9525">
+            <a:noFill/>
+            <a:miter lim="800000"/>
+            <a:headEnd/>
+            <a:tailEnd/>
+          </a:ln>
+        </p:spPr>
+      </p:pic>
     </p:spTree>
   </p:cSld>
   <p:clrMapOvr>
@@ -9388,14 +10299,19 @@
             <p:ph type="title" idx="4294967295"/>
           </p:nvPr>
         </p:nvSpPr>
-        <p:spPr/>
+        <p:spPr>
+          <a:xfrm>
+            <a:off x="395536" y="404664"/>
+            <a:ext cx="8229600" cy="1143000"/>
+          </a:xfrm>
+        </p:spPr>
         <p:txBody>
           <a:bodyPr/>
           <a:lstStyle/>
           <a:p>
             <a:pPr eaLnBrk="1" hangingPunct="1"/>
             <a:r>
-              <a:rPr lang="es-AR" sz="4000" b="1" smtClean="0">
+              <a:rPr lang="es-AR" sz="4000" b="1" dirty="0" smtClean="0">
                 <a:latin typeface="Trebuchet MS" pitchFamily="34" charset="0"/>
               </a:rPr>
               <a:t>Arquitectura Implementada</a:t>
@@ -9491,6 +10407,229 @@
           </a:p>
         </p:txBody>
       </p:sp>
+      <p:sp>
+        <p:nvSpPr>
+          <p:cNvPr id="4" name="2 Subtítulo"/>
+          <p:cNvSpPr txBox="1">
+            <a:spLocks/>
+          </p:cNvSpPr>
+          <p:nvPr/>
+        </p:nvSpPr>
+        <p:spPr>
+          <a:xfrm>
+            <a:off x="5148263" y="239713"/>
+            <a:ext cx="3960812" cy="381000"/>
+          </a:xfrm>
+          <a:prstGeom prst="rect">
+            <a:avLst/>
+          </a:prstGeom>
+        </p:spPr>
+        <p:txBody>
+          <a:bodyPr rtlCol="0">
+            <a:normAutofit fontScale="47500" lnSpcReduction="20000"/>
+          </a:bodyPr>
+          <a:lstStyle/>
+          <a:p>
+            <a:pPr marL="342900" marR="0" lvl="0" indent="-342900" algn="l" defTabSz="914400" rtl="0" eaLnBrk="1" fontAlgn="auto" latinLnBrk="0" hangingPunct="1">
+              <a:lnSpc>
+                <a:spcPct val="100000"/>
+              </a:lnSpc>
+              <a:spcBef>
+                <a:spcPct val="20000"/>
+              </a:spcBef>
+              <a:spcAft>
+                <a:spcPts val="0"/>
+              </a:spcAft>
+              <a:buClrTx/>
+              <a:buSzTx/>
+              <a:buFont typeface="Arial" pitchFamily="34" charset="0"/>
+              <a:buNone/>
+              <a:tabLst/>
+              <a:defRPr/>
+            </a:pPr>
+            <a:r>
+              <a:rPr kumimoji="0" lang="es-AR" sz="3200" b="0" i="0" u="none" strike="noStrike" kern="1200" cap="none" spc="0" normalizeH="0" baseline="0" noProof="0" smtClean="0">
+                <a:ln>
+                  <a:noFill/>
+                </a:ln>
+                <a:solidFill>
+                  <a:schemeClr val="tx1">
+                    <a:lumMod val="65000"/>
+                    <a:lumOff val="35000"/>
+                  </a:schemeClr>
+                </a:solidFill>
+                <a:effectLst/>
+                <a:uLnTx/>
+                <a:uFillTx/>
+                <a:latin typeface="+mn-lt"/>
+                <a:ea typeface="+mn-ea"/>
+                <a:cs typeface="+mn-cs"/>
+              </a:rPr>
+              <a:t>75.45 - Taller de Desarrollo de Proyectos I</a:t>
+            </a:r>
+            <a:endParaRPr kumimoji="0" lang="es-AR" sz="3200" b="0" i="0" u="none" strike="noStrike" kern="1200" cap="none" spc="0" normalizeH="0" baseline="0" noProof="0" dirty="0">
+              <a:ln>
+                <a:noFill/>
+              </a:ln>
+              <a:solidFill>
+                <a:schemeClr val="tx1">
+                  <a:lumMod val="65000"/>
+                  <a:lumOff val="35000"/>
+                </a:schemeClr>
+              </a:solidFill>
+              <a:effectLst/>
+              <a:uLnTx/>
+              <a:uFillTx/>
+              <a:latin typeface="+mn-lt"/>
+              <a:ea typeface="+mn-ea"/>
+              <a:cs typeface="+mn-cs"/>
+            </a:endParaRPr>
+          </a:p>
+        </p:txBody>
+      </p:sp>
+      <p:cxnSp>
+        <p:nvCxnSpPr>
+          <p:cNvPr id="5" name="Straight Connector 4"/>
+          <p:cNvCxnSpPr/>
+          <p:nvPr/>
+        </p:nvCxnSpPr>
+        <p:spPr>
+          <a:xfrm>
+            <a:off x="395288" y="692150"/>
+            <a:ext cx="8497887" cy="0"/>
+          </a:xfrm>
+          <a:prstGeom prst="line">
+            <a:avLst/>
+          </a:prstGeom>
+          <a:ln>
+            <a:solidFill>
+              <a:schemeClr val="bg1">
+                <a:lumMod val="65000"/>
+              </a:schemeClr>
+            </a:solidFill>
+          </a:ln>
+        </p:spPr>
+        <p:style>
+          <a:lnRef idx="1">
+            <a:schemeClr val="accent1"/>
+          </a:lnRef>
+          <a:fillRef idx="0">
+            <a:schemeClr val="accent1"/>
+          </a:fillRef>
+          <a:effectRef idx="0">
+            <a:schemeClr val="accent1"/>
+          </a:effectRef>
+          <a:fontRef idx="minor">
+            <a:schemeClr val="tx1"/>
+          </a:fontRef>
+        </p:style>
+      </p:cxnSp>
+      <p:sp>
+        <p:nvSpPr>
+          <p:cNvPr id="6" name="1 Título"/>
+          <p:cNvSpPr txBox="1">
+            <a:spLocks/>
+          </p:cNvSpPr>
+          <p:nvPr/>
+        </p:nvSpPr>
+        <p:spPr>
+          <a:xfrm>
+            <a:off x="34925" y="260350"/>
+            <a:ext cx="2736850" cy="288925"/>
+          </a:xfrm>
+          <a:prstGeom prst="rect">
+            <a:avLst/>
+          </a:prstGeom>
+        </p:spPr>
+        <p:txBody>
+          <a:bodyPr rtlCol="0">
+            <a:normAutofit fontScale="75000" lnSpcReduction="20000"/>
+          </a:bodyPr>
+          <a:lstStyle/>
+          <a:p>
+            <a:pPr marL="0" marR="0" lvl="0" indent="0" algn="ctr" defTabSz="914400" rtl="0" eaLnBrk="1" fontAlgn="auto" latinLnBrk="0" hangingPunct="1">
+              <a:lnSpc>
+                <a:spcPct val="100000"/>
+              </a:lnSpc>
+              <a:spcBef>
+                <a:spcPct val="0"/>
+              </a:spcBef>
+              <a:spcAft>
+                <a:spcPts val="0"/>
+              </a:spcAft>
+              <a:buClrTx/>
+              <a:buSzTx/>
+              <a:buFontTx/>
+              <a:buNone/>
+              <a:tabLst/>
+              <a:defRPr/>
+            </a:pPr>
+            <a:r>
+              <a:rPr kumimoji="0" lang="es-AR" sz="2000" b="0" i="0" u="none" strike="noStrike" kern="1200" cap="none" spc="0" normalizeH="0" baseline="0" noProof="0" smtClean="0">
+                <a:ln>
+                  <a:noFill/>
+                </a:ln>
+                <a:solidFill>
+                  <a:srgbClr val="C00000"/>
+                </a:solidFill>
+                <a:effectLst/>
+                <a:uLnTx/>
+                <a:uFillTx/>
+                <a:latin typeface="Aharoni" pitchFamily="2" charset="-79"/>
+                <a:ea typeface="+mj-ea"/>
+                <a:cs typeface="Aharoni" pitchFamily="2" charset="-79"/>
+              </a:rPr>
+              <a:t>Panic Dial Button</a:t>
+            </a:r>
+            <a:endParaRPr kumimoji="0" lang="es-AR" sz="2000" b="0" i="0" u="none" strike="noStrike" kern="1200" cap="none" spc="0" normalizeH="0" baseline="0" noProof="0" dirty="0">
+              <a:ln>
+                <a:noFill/>
+              </a:ln>
+              <a:solidFill>
+                <a:schemeClr val="tx1"/>
+              </a:solidFill>
+              <a:effectLst/>
+              <a:uLnTx/>
+              <a:uFillTx/>
+              <a:latin typeface="Aharoni" pitchFamily="2" charset="-79"/>
+              <a:ea typeface="+mj-ea"/>
+              <a:cs typeface="Aharoni" pitchFamily="2" charset="-79"/>
+            </a:endParaRPr>
+          </a:p>
+        </p:txBody>
+      </p:sp>
+      <p:pic>
+        <p:nvPicPr>
+          <p:cNvPr id="7" name="Picture 5"/>
+          <p:cNvPicPr>
+            <a:picLocks noChangeAspect="1"/>
+          </p:cNvPicPr>
+          <p:nvPr/>
+        </p:nvPicPr>
+        <p:blipFill>
+          <a:blip r:embed="rId2" cstate="print"/>
+          <a:srcRect/>
+          <a:stretch>
+            <a:fillRect/>
+          </a:stretch>
+        </p:blipFill>
+        <p:spPr bwMode="auto">
+          <a:xfrm>
+            <a:off x="2484438" y="279400"/>
+            <a:ext cx="466725" cy="277813"/>
+          </a:xfrm>
+          <a:prstGeom prst="rect">
+            <a:avLst/>
+          </a:prstGeom>
+          <a:noFill/>
+          <a:ln w="9525">
+            <a:noFill/>
+            <a:miter lim="800000"/>
+            <a:headEnd/>
+            <a:tailEnd/>
+          </a:ln>
+        </p:spPr>
+      </p:pic>
     </p:spTree>
   </p:cSld>
   <p:clrMapOvr>
@@ -9526,14 +10665,19 @@
             <p:ph type="title"/>
           </p:nvPr>
         </p:nvSpPr>
-        <p:spPr/>
+        <p:spPr>
+          <a:xfrm>
+            <a:off x="467544" y="476672"/>
+            <a:ext cx="8229600" cy="1143000"/>
+          </a:xfrm>
+        </p:spPr>
         <p:txBody>
           <a:bodyPr/>
           <a:lstStyle/>
           <a:p>
             <a:pPr eaLnBrk="1" hangingPunct="1"/>
             <a:r>
-              <a:rPr lang="es-AR" sz="4000" b="1" smtClean="0">
+              <a:rPr lang="es-AR" sz="4000" b="1" dirty="0" smtClean="0">
                 <a:latin typeface="Trebuchet MS" pitchFamily="34" charset="0"/>
               </a:rPr>
               <a:t>Servicios de Localización</a:t>
@@ -9612,6 +10756,229 @@
           </a:p>
         </p:txBody>
       </p:sp>
+      <p:sp>
+        <p:nvSpPr>
+          <p:cNvPr id="4" name="2 Subtítulo"/>
+          <p:cNvSpPr txBox="1">
+            <a:spLocks/>
+          </p:cNvSpPr>
+          <p:nvPr/>
+        </p:nvSpPr>
+        <p:spPr>
+          <a:xfrm>
+            <a:off x="5148263" y="239713"/>
+            <a:ext cx="3960812" cy="381000"/>
+          </a:xfrm>
+          <a:prstGeom prst="rect">
+            <a:avLst/>
+          </a:prstGeom>
+        </p:spPr>
+        <p:txBody>
+          <a:bodyPr rtlCol="0">
+            <a:normAutofit fontScale="47500" lnSpcReduction="20000"/>
+          </a:bodyPr>
+          <a:lstStyle/>
+          <a:p>
+            <a:pPr marL="342900" marR="0" lvl="0" indent="-342900" algn="l" defTabSz="914400" rtl="0" eaLnBrk="1" fontAlgn="auto" latinLnBrk="0" hangingPunct="1">
+              <a:lnSpc>
+                <a:spcPct val="100000"/>
+              </a:lnSpc>
+              <a:spcBef>
+                <a:spcPct val="20000"/>
+              </a:spcBef>
+              <a:spcAft>
+                <a:spcPts val="0"/>
+              </a:spcAft>
+              <a:buClrTx/>
+              <a:buSzTx/>
+              <a:buFont typeface="Arial" pitchFamily="34" charset="0"/>
+              <a:buNone/>
+              <a:tabLst/>
+              <a:defRPr/>
+            </a:pPr>
+            <a:r>
+              <a:rPr kumimoji="0" lang="es-AR" sz="3200" b="0" i="0" u="none" strike="noStrike" kern="1200" cap="none" spc="0" normalizeH="0" baseline="0" noProof="0" smtClean="0">
+                <a:ln>
+                  <a:noFill/>
+                </a:ln>
+                <a:solidFill>
+                  <a:schemeClr val="tx1">
+                    <a:lumMod val="65000"/>
+                    <a:lumOff val="35000"/>
+                  </a:schemeClr>
+                </a:solidFill>
+                <a:effectLst/>
+                <a:uLnTx/>
+                <a:uFillTx/>
+                <a:latin typeface="+mn-lt"/>
+                <a:ea typeface="+mn-ea"/>
+                <a:cs typeface="+mn-cs"/>
+              </a:rPr>
+              <a:t>75.45 - Taller de Desarrollo de Proyectos I</a:t>
+            </a:r>
+            <a:endParaRPr kumimoji="0" lang="es-AR" sz="3200" b="0" i="0" u="none" strike="noStrike" kern="1200" cap="none" spc="0" normalizeH="0" baseline="0" noProof="0" dirty="0">
+              <a:ln>
+                <a:noFill/>
+              </a:ln>
+              <a:solidFill>
+                <a:schemeClr val="tx1">
+                  <a:lumMod val="65000"/>
+                  <a:lumOff val="35000"/>
+                </a:schemeClr>
+              </a:solidFill>
+              <a:effectLst/>
+              <a:uLnTx/>
+              <a:uFillTx/>
+              <a:latin typeface="+mn-lt"/>
+              <a:ea typeface="+mn-ea"/>
+              <a:cs typeface="+mn-cs"/>
+            </a:endParaRPr>
+          </a:p>
+        </p:txBody>
+      </p:sp>
+      <p:cxnSp>
+        <p:nvCxnSpPr>
+          <p:cNvPr id="5" name="Straight Connector 4"/>
+          <p:cNvCxnSpPr/>
+          <p:nvPr/>
+        </p:nvCxnSpPr>
+        <p:spPr>
+          <a:xfrm>
+            <a:off x="395288" y="692150"/>
+            <a:ext cx="8497887" cy="0"/>
+          </a:xfrm>
+          <a:prstGeom prst="line">
+            <a:avLst/>
+          </a:prstGeom>
+          <a:ln>
+            <a:solidFill>
+              <a:schemeClr val="bg1">
+                <a:lumMod val="65000"/>
+              </a:schemeClr>
+            </a:solidFill>
+          </a:ln>
+        </p:spPr>
+        <p:style>
+          <a:lnRef idx="1">
+            <a:schemeClr val="accent1"/>
+          </a:lnRef>
+          <a:fillRef idx="0">
+            <a:schemeClr val="accent1"/>
+          </a:fillRef>
+          <a:effectRef idx="0">
+            <a:schemeClr val="accent1"/>
+          </a:effectRef>
+          <a:fontRef idx="minor">
+            <a:schemeClr val="tx1"/>
+          </a:fontRef>
+        </p:style>
+      </p:cxnSp>
+      <p:sp>
+        <p:nvSpPr>
+          <p:cNvPr id="6" name="1 Título"/>
+          <p:cNvSpPr txBox="1">
+            <a:spLocks/>
+          </p:cNvSpPr>
+          <p:nvPr/>
+        </p:nvSpPr>
+        <p:spPr>
+          <a:xfrm>
+            <a:off x="34925" y="260350"/>
+            <a:ext cx="2736850" cy="288925"/>
+          </a:xfrm>
+          <a:prstGeom prst="rect">
+            <a:avLst/>
+          </a:prstGeom>
+        </p:spPr>
+        <p:txBody>
+          <a:bodyPr rtlCol="0">
+            <a:normAutofit fontScale="75000" lnSpcReduction="20000"/>
+          </a:bodyPr>
+          <a:lstStyle/>
+          <a:p>
+            <a:pPr marL="0" marR="0" lvl="0" indent="0" algn="ctr" defTabSz="914400" rtl="0" eaLnBrk="1" fontAlgn="auto" latinLnBrk="0" hangingPunct="1">
+              <a:lnSpc>
+                <a:spcPct val="100000"/>
+              </a:lnSpc>
+              <a:spcBef>
+                <a:spcPct val="0"/>
+              </a:spcBef>
+              <a:spcAft>
+                <a:spcPts val="0"/>
+              </a:spcAft>
+              <a:buClrTx/>
+              <a:buSzTx/>
+              <a:buFontTx/>
+              <a:buNone/>
+              <a:tabLst/>
+              <a:defRPr/>
+            </a:pPr>
+            <a:r>
+              <a:rPr kumimoji="0" lang="es-AR" sz="2000" b="0" i="0" u="none" strike="noStrike" kern="1200" cap="none" spc="0" normalizeH="0" baseline="0" noProof="0" smtClean="0">
+                <a:ln>
+                  <a:noFill/>
+                </a:ln>
+                <a:solidFill>
+                  <a:srgbClr val="C00000"/>
+                </a:solidFill>
+                <a:effectLst/>
+                <a:uLnTx/>
+                <a:uFillTx/>
+                <a:latin typeface="Aharoni" pitchFamily="2" charset="-79"/>
+                <a:ea typeface="+mj-ea"/>
+                <a:cs typeface="Aharoni" pitchFamily="2" charset="-79"/>
+              </a:rPr>
+              <a:t>Panic Dial Button</a:t>
+            </a:r>
+            <a:endParaRPr kumimoji="0" lang="es-AR" sz="2000" b="0" i="0" u="none" strike="noStrike" kern="1200" cap="none" spc="0" normalizeH="0" baseline="0" noProof="0" dirty="0">
+              <a:ln>
+                <a:noFill/>
+              </a:ln>
+              <a:solidFill>
+                <a:schemeClr val="tx1"/>
+              </a:solidFill>
+              <a:effectLst/>
+              <a:uLnTx/>
+              <a:uFillTx/>
+              <a:latin typeface="Aharoni" pitchFamily="2" charset="-79"/>
+              <a:ea typeface="+mj-ea"/>
+              <a:cs typeface="Aharoni" pitchFamily="2" charset="-79"/>
+            </a:endParaRPr>
+          </a:p>
+        </p:txBody>
+      </p:sp>
+      <p:pic>
+        <p:nvPicPr>
+          <p:cNvPr id="7" name="Picture 5"/>
+          <p:cNvPicPr>
+            <a:picLocks noChangeAspect="1"/>
+          </p:cNvPicPr>
+          <p:nvPr/>
+        </p:nvPicPr>
+        <p:blipFill>
+          <a:blip r:embed="rId2" cstate="print"/>
+          <a:srcRect/>
+          <a:stretch>
+            <a:fillRect/>
+          </a:stretch>
+        </p:blipFill>
+        <p:spPr bwMode="auto">
+          <a:xfrm>
+            <a:off x="2484438" y="279400"/>
+            <a:ext cx="466725" cy="277813"/>
+          </a:xfrm>
+          <a:prstGeom prst="rect">
+            <a:avLst/>
+          </a:prstGeom>
+          <a:noFill/>
+          <a:ln w="9525">
+            <a:noFill/>
+            <a:miter lim="800000"/>
+            <a:headEnd/>
+            <a:tailEnd/>
+          </a:ln>
+        </p:spPr>
+      </p:pic>
     </p:spTree>
   </p:cSld>
   <p:clrMapOvr>
@@ -9647,14 +11014,19 @@
             <p:ph type="title"/>
           </p:nvPr>
         </p:nvSpPr>
-        <p:spPr/>
+        <p:spPr>
+          <a:xfrm>
+            <a:off x="467544" y="476672"/>
+            <a:ext cx="8229600" cy="1143000"/>
+          </a:xfrm>
+        </p:spPr>
         <p:txBody>
           <a:bodyPr/>
           <a:lstStyle/>
           <a:p>
             <a:pPr eaLnBrk="1" hangingPunct="1"/>
             <a:r>
-              <a:rPr lang="es-AR" sz="4000" b="1" smtClean="0">
+              <a:rPr lang="es-AR" sz="4000" b="1" dirty="0" smtClean="0">
                 <a:latin typeface="Trebuchet MS" pitchFamily="34" charset="0"/>
               </a:rPr>
               <a:t>Servicios de Localización</a:t>
@@ -9729,6 +11101,229 @@
           </a:p>
         </p:txBody>
       </p:sp>
+      <p:sp>
+        <p:nvSpPr>
+          <p:cNvPr id="4" name="2 Subtítulo"/>
+          <p:cNvSpPr txBox="1">
+            <a:spLocks/>
+          </p:cNvSpPr>
+          <p:nvPr/>
+        </p:nvSpPr>
+        <p:spPr>
+          <a:xfrm>
+            <a:off x="5148263" y="239713"/>
+            <a:ext cx="3960812" cy="381000"/>
+          </a:xfrm>
+          <a:prstGeom prst="rect">
+            <a:avLst/>
+          </a:prstGeom>
+        </p:spPr>
+        <p:txBody>
+          <a:bodyPr rtlCol="0">
+            <a:normAutofit fontScale="47500" lnSpcReduction="20000"/>
+          </a:bodyPr>
+          <a:lstStyle/>
+          <a:p>
+            <a:pPr marL="342900" marR="0" lvl="0" indent="-342900" algn="l" defTabSz="914400" rtl="0" eaLnBrk="1" fontAlgn="auto" latinLnBrk="0" hangingPunct="1">
+              <a:lnSpc>
+                <a:spcPct val="100000"/>
+              </a:lnSpc>
+              <a:spcBef>
+                <a:spcPct val="20000"/>
+              </a:spcBef>
+              <a:spcAft>
+                <a:spcPts val="0"/>
+              </a:spcAft>
+              <a:buClrTx/>
+              <a:buSzTx/>
+              <a:buFont typeface="Arial" pitchFamily="34" charset="0"/>
+              <a:buNone/>
+              <a:tabLst/>
+              <a:defRPr/>
+            </a:pPr>
+            <a:r>
+              <a:rPr kumimoji="0" lang="es-AR" sz="3200" b="0" i="0" u="none" strike="noStrike" kern="1200" cap="none" spc="0" normalizeH="0" baseline="0" noProof="0" smtClean="0">
+                <a:ln>
+                  <a:noFill/>
+                </a:ln>
+                <a:solidFill>
+                  <a:schemeClr val="tx1">
+                    <a:lumMod val="65000"/>
+                    <a:lumOff val="35000"/>
+                  </a:schemeClr>
+                </a:solidFill>
+                <a:effectLst/>
+                <a:uLnTx/>
+                <a:uFillTx/>
+                <a:latin typeface="+mn-lt"/>
+                <a:ea typeface="+mn-ea"/>
+                <a:cs typeface="+mn-cs"/>
+              </a:rPr>
+              <a:t>75.45 - Taller de Desarrollo de Proyectos I</a:t>
+            </a:r>
+            <a:endParaRPr kumimoji="0" lang="es-AR" sz="3200" b="0" i="0" u="none" strike="noStrike" kern="1200" cap="none" spc="0" normalizeH="0" baseline="0" noProof="0" dirty="0">
+              <a:ln>
+                <a:noFill/>
+              </a:ln>
+              <a:solidFill>
+                <a:schemeClr val="tx1">
+                  <a:lumMod val="65000"/>
+                  <a:lumOff val="35000"/>
+                </a:schemeClr>
+              </a:solidFill>
+              <a:effectLst/>
+              <a:uLnTx/>
+              <a:uFillTx/>
+              <a:latin typeface="+mn-lt"/>
+              <a:ea typeface="+mn-ea"/>
+              <a:cs typeface="+mn-cs"/>
+            </a:endParaRPr>
+          </a:p>
+        </p:txBody>
+      </p:sp>
+      <p:cxnSp>
+        <p:nvCxnSpPr>
+          <p:cNvPr id="5" name="Straight Connector 4"/>
+          <p:cNvCxnSpPr/>
+          <p:nvPr/>
+        </p:nvCxnSpPr>
+        <p:spPr>
+          <a:xfrm>
+            <a:off x="395288" y="692150"/>
+            <a:ext cx="8497887" cy="0"/>
+          </a:xfrm>
+          <a:prstGeom prst="line">
+            <a:avLst/>
+          </a:prstGeom>
+          <a:ln>
+            <a:solidFill>
+              <a:schemeClr val="bg1">
+                <a:lumMod val="65000"/>
+              </a:schemeClr>
+            </a:solidFill>
+          </a:ln>
+        </p:spPr>
+        <p:style>
+          <a:lnRef idx="1">
+            <a:schemeClr val="accent1"/>
+          </a:lnRef>
+          <a:fillRef idx="0">
+            <a:schemeClr val="accent1"/>
+          </a:fillRef>
+          <a:effectRef idx="0">
+            <a:schemeClr val="accent1"/>
+          </a:effectRef>
+          <a:fontRef idx="minor">
+            <a:schemeClr val="tx1"/>
+          </a:fontRef>
+        </p:style>
+      </p:cxnSp>
+      <p:sp>
+        <p:nvSpPr>
+          <p:cNvPr id="6" name="1 Título"/>
+          <p:cNvSpPr txBox="1">
+            <a:spLocks/>
+          </p:cNvSpPr>
+          <p:nvPr/>
+        </p:nvSpPr>
+        <p:spPr>
+          <a:xfrm>
+            <a:off x="34925" y="260350"/>
+            <a:ext cx="2736850" cy="288925"/>
+          </a:xfrm>
+          <a:prstGeom prst="rect">
+            <a:avLst/>
+          </a:prstGeom>
+        </p:spPr>
+        <p:txBody>
+          <a:bodyPr rtlCol="0">
+            <a:normAutofit fontScale="75000" lnSpcReduction="20000"/>
+          </a:bodyPr>
+          <a:lstStyle/>
+          <a:p>
+            <a:pPr marL="0" marR="0" lvl="0" indent="0" algn="ctr" defTabSz="914400" rtl="0" eaLnBrk="1" fontAlgn="auto" latinLnBrk="0" hangingPunct="1">
+              <a:lnSpc>
+                <a:spcPct val="100000"/>
+              </a:lnSpc>
+              <a:spcBef>
+                <a:spcPct val="0"/>
+              </a:spcBef>
+              <a:spcAft>
+                <a:spcPts val="0"/>
+              </a:spcAft>
+              <a:buClrTx/>
+              <a:buSzTx/>
+              <a:buFontTx/>
+              <a:buNone/>
+              <a:tabLst/>
+              <a:defRPr/>
+            </a:pPr>
+            <a:r>
+              <a:rPr kumimoji="0" lang="es-AR" sz="2000" b="0" i="0" u="none" strike="noStrike" kern="1200" cap="none" spc="0" normalizeH="0" baseline="0" noProof="0" smtClean="0">
+                <a:ln>
+                  <a:noFill/>
+                </a:ln>
+                <a:solidFill>
+                  <a:srgbClr val="C00000"/>
+                </a:solidFill>
+                <a:effectLst/>
+                <a:uLnTx/>
+                <a:uFillTx/>
+                <a:latin typeface="Aharoni" pitchFamily="2" charset="-79"/>
+                <a:ea typeface="+mj-ea"/>
+                <a:cs typeface="Aharoni" pitchFamily="2" charset="-79"/>
+              </a:rPr>
+              <a:t>Panic Dial Button</a:t>
+            </a:r>
+            <a:endParaRPr kumimoji="0" lang="es-AR" sz="2000" b="0" i="0" u="none" strike="noStrike" kern="1200" cap="none" spc="0" normalizeH="0" baseline="0" noProof="0" dirty="0">
+              <a:ln>
+                <a:noFill/>
+              </a:ln>
+              <a:solidFill>
+                <a:schemeClr val="tx1"/>
+              </a:solidFill>
+              <a:effectLst/>
+              <a:uLnTx/>
+              <a:uFillTx/>
+              <a:latin typeface="Aharoni" pitchFamily="2" charset="-79"/>
+              <a:ea typeface="+mj-ea"/>
+              <a:cs typeface="Aharoni" pitchFamily="2" charset="-79"/>
+            </a:endParaRPr>
+          </a:p>
+        </p:txBody>
+      </p:sp>
+      <p:pic>
+        <p:nvPicPr>
+          <p:cNvPr id="7" name="Picture 5"/>
+          <p:cNvPicPr>
+            <a:picLocks noChangeAspect="1"/>
+          </p:cNvPicPr>
+          <p:nvPr/>
+        </p:nvPicPr>
+        <p:blipFill>
+          <a:blip r:embed="rId2" cstate="print"/>
+          <a:srcRect/>
+          <a:stretch>
+            <a:fillRect/>
+          </a:stretch>
+        </p:blipFill>
+        <p:spPr bwMode="auto">
+          <a:xfrm>
+            <a:off x="2484438" y="279400"/>
+            <a:ext cx="466725" cy="277813"/>
+          </a:xfrm>
+          <a:prstGeom prst="rect">
+            <a:avLst/>
+          </a:prstGeom>
+          <a:noFill/>
+          <a:ln w="9525">
+            <a:noFill/>
+            <a:miter lim="800000"/>
+            <a:headEnd/>
+            <a:tailEnd/>
+          </a:ln>
+        </p:spPr>
+      </p:pic>
     </p:spTree>
   </p:cSld>
   <p:clrMapOvr>
@@ -9764,14 +11359,19 @@
             <p:ph type="title" idx="4294967295"/>
           </p:nvPr>
         </p:nvSpPr>
-        <p:spPr/>
+        <p:spPr>
+          <a:xfrm>
+            <a:off x="467544" y="476672"/>
+            <a:ext cx="8229600" cy="1143000"/>
+          </a:xfrm>
+        </p:spPr>
         <p:txBody>
           <a:bodyPr/>
           <a:lstStyle/>
           <a:p>
             <a:pPr eaLnBrk="1" hangingPunct="1"/>
             <a:r>
-              <a:rPr lang="es-AR" sz="4000" b="1" smtClean="0">
+              <a:rPr lang="es-AR" sz="4000" b="1" dirty="0" smtClean="0">
                 <a:latin typeface="Trebuchet MS" pitchFamily="34" charset="0"/>
               </a:rPr>
               <a:t>Servicios de Localización</a:t>
@@ -9846,6 +11446,229 @@
           </a:p>
         </p:txBody>
       </p:sp>
+      <p:sp>
+        <p:nvSpPr>
+          <p:cNvPr id="4" name="2 Subtítulo"/>
+          <p:cNvSpPr txBox="1">
+            <a:spLocks/>
+          </p:cNvSpPr>
+          <p:nvPr/>
+        </p:nvSpPr>
+        <p:spPr>
+          <a:xfrm>
+            <a:off x="5148263" y="239713"/>
+            <a:ext cx="3960812" cy="381000"/>
+          </a:xfrm>
+          <a:prstGeom prst="rect">
+            <a:avLst/>
+          </a:prstGeom>
+        </p:spPr>
+        <p:txBody>
+          <a:bodyPr rtlCol="0">
+            <a:normAutofit fontScale="47500" lnSpcReduction="20000"/>
+          </a:bodyPr>
+          <a:lstStyle/>
+          <a:p>
+            <a:pPr marL="342900" marR="0" lvl="0" indent="-342900" algn="l" defTabSz="914400" rtl="0" eaLnBrk="1" fontAlgn="auto" latinLnBrk="0" hangingPunct="1">
+              <a:lnSpc>
+                <a:spcPct val="100000"/>
+              </a:lnSpc>
+              <a:spcBef>
+                <a:spcPct val="20000"/>
+              </a:spcBef>
+              <a:spcAft>
+                <a:spcPts val="0"/>
+              </a:spcAft>
+              <a:buClrTx/>
+              <a:buSzTx/>
+              <a:buFont typeface="Arial" pitchFamily="34" charset="0"/>
+              <a:buNone/>
+              <a:tabLst/>
+              <a:defRPr/>
+            </a:pPr>
+            <a:r>
+              <a:rPr kumimoji="0" lang="es-AR" sz="3200" b="0" i="0" u="none" strike="noStrike" kern="1200" cap="none" spc="0" normalizeH="0" baseline="0" noProof="0" smtClean="0">
+                <a:ln>
+                  <a:noFill/>
+                </a:ln>
+                <a:solidFill>
+                  <a:schemeClr val="tx1">
+                    <a:lumMod val="65000"/>
+                    <a:lumOff val="35000"/>
+                  </a:schemeClr>
+                </a:solidFill>
+                <a:effectLst/>
+                <a:uLnTx/>
+                <a:uFillTx/>
+                <a:latin typeface="+mn-lt"/>
+                <a:ea typeface="+mn-ea"/>
+                <a:cs typeface="+mn-cs"/>
+              </a:rPr>
+              <a:t>75.45 - Taller de Desarrollo de Proyectos I</a:t>
+            </a:r>
+            <a:endParaRPr kumimoji="0" lang="es-AR" sz="3200" b="0" i="0" u="none" strike="noStrike" kern="1200" cap="none" spc="0" normalizeH="0" baseline="0" noProof="0" dirty="0">
+              <a:ln>
+                <a:noFill/>
+              </a:ln>
+              <a:solidFill>
+                <a:schemeClr val="tx1">
+                  <a:lumMod val="65000"/>
+                  <a:lumOff val="35000"/>
+                </a:schemeClr>
+              </a:solidFill>
+              <a:effectLst/>
+              <a:uLnTx/>
+              <a:uFillTx/>
+              <a:latin typeface="+mn-lt"/>
+              <a:ea typeface="+mn-ea"/>
+              <a:cs typeface="+mn-cs"/>
+            </a:endParaRPr>
+          </a:p>
+        </p:txBody>
+      </p:sp>
+      <p:cxnSp>
+        <p:nvCxnSpPr>
+          <p:cNvPr id="5" name="Straight Connector 4"/>
+          <p:cNvCxnSpPr/>
+          <p:nvPr/>
+        </p:nvCxnSpPr>
+        <p:spPr>
+          <a:xfrm>
+            <a:off x="395288" y="692150"/>
+            <a:ext cx="8497887" cy="0"/>
+          </a:xfrm>
+          <a:prstGeom prst="line">
+            <a:avLst/>
+          </a:prstGeom>
+          <a:ln>
+            <a:solidFill>
+              <a:schemeClr val="bg1">
+                <a:lumMod val="65000"/>
+              </a:schemeClr>
+            </a:solidFill>
+          </a:ln>
+        </p:spPr>
+        <p:style>
+          <a:lnRef idx="1">
+            <a:schemeClr val="accent1"/>
+          </a:lnRef>
+          <a:fillRef idx="0">
+            <a:schemeClr val="accent1"/>
+          </a:fillRef>
+          <a:effectRef idx="0">
+            <a:schemeClr val="accent1"/>
+          </a:effectRef>
+          <a:fontRef idx="minor">
+            <a:schemeClr val="tx1"/>
+          </a:fontRef>
+        </p:style>
+      </p:cxnSp>
+      <p:sp>
+        <p:nvSpPr>
+          <p:cNvPr id="6" name="1 Título"/>
+          <p:cNvSpPr txBox="1">
+            <a:spLocks/>
+          </p:cNvSpPr>
+          <p:nvPr/>
+        </p:nvSpPr>
+        <p:spPr>
+          <a:xfrm>
+            <a:off x="34925" y="260350"/>
+            <a:ext cx="2736850" cy="288925"/>
+          </a:xfrm>
+          <a:prstGeom prst="rect">
+            <a:avLst/>
+          </a:prstGeom>
+        </p:spPr>
+        <p:txBody>
+          <a:bodyPr rtlCol="0">
+            <a:normAutofit fontScale="75000" lnSpcReduction="20000"/>
+          </a:bodyPr>
+          <a:lstStyle/>
+          <a:p>
+            <a:pPr marL="0" marR="0" lvl="0" indent="0" algn="ctr" defTabSz="914400" rtl="0" eaLnBrk="1" fontAlgn="auto" latinLnBrk="0" hangingPunct="1">
+              <a:lnSpc>
+                <a:spcPct val="100000"/>
+              </a:lnSpc>
+              <a:spcBef>
+                <a:spcPct val="0"/>
+              </a:spcBef>
+              <a:spcAft>
+                <a:spcPts val="0"/>
+              </a:spcAft>
+              <a:buClrTx/>
+              <a:buSzTx/>
+              <a:buFontTx/>
+              <a:buNone/>
+              <a:tabLst/>
+              <a:defRPr/>
+            </a:pPr>
+            <a:r>
+              <a:rPr kumimoji="0" lang="es-AR" sz="2000" b="0" i="0" u="none" strike="noStrike" kern="1200" cap="none" spc="0" normalizeH="0" baseline="0" noProof="0" smtClean="0">
+                <a:ln>
+                  <a:noFill/>
+                </a:ln>
+                <a:solidFill>
+                  <a:srgbClr val="C00000"/>
+                </a:solidFill>
+                <a:effectLst/>
+                <a:uLnTx/>
+                <a:uFillTx/>
+                <a:latin typeface="Aharoni" pitchFamily="2" charset="-79"/>
+                <a:ea typeface="+mj-ea"/>
+                <a:cs typeface="Aharoni" pitchFamily="2" charset="-79"/>
+              </a:rPr>
+              <a:t>Panic Dial Button</a:t>
+            </a:r>
+            <a:endParaRPr kumimoji="0" lang="es-AR" sz="2000" b="0" i="0" u="none" strike="noStrike" kern="1200" cap="none" spc="0" normalizeH="0" baseline="0" noProof="0" dirty="0">
+              <a:ln>
+                <a:noFill/>
+              </a:ln>
+              <a:solidFill>
+                <a:schemeClr val="tx1"/>
+              </a:solidFill>
+              <a:effectLst/>
+              <a:uLnTx/>
+              <a:uFillTx/>
+              <a:latin typeface="Aharoni" pitchFamily="2" charset="-79"/>
+              <a:ea typeface="+mj-ea"/>
+              <a:cs typeface="Aharoni" pitchFamily="2" charset="-79"/>
+            </a:endParaRPr>
+          </a:p>
+        </p:txBody>
+      </p:sp>
+      <p:pic>
+        <p:nvPicPr>
+          <p:cNvPr id="7" name="Picture 5"/>
+          <p:cNvPicPr>
+            <a:picLocks noChangeAspect="1"/>
+          </p:cNvPicPr>
+          <p:nvPr/>
+        </p:nvPicPr>
+        <p:blipFill>
+          <a:blip r:embed="rId2" cstate="print"/>
+          <a:srcRect/>
+          <a:stretch>
+            <a:fillRect/>
+          </a:stretch>
+        </p:blipFill>
+        <p:spPr bwMode="auto">
+          <a:xfrm>
+            <a:off x="2484438" y="279400"/>
+            <a:ext cx="466725" cy="277813"/>
+          </a:xfrm>
+          <a:prstGeom prst="rect">
+            <a:avLst/>
+          </a:prstGeom>
+          <a:noFill/>
+          <a:ln w="9525">
+            <a:noFill/>
+            <a:miter lim="800000"/>
+            <a:headEnd/>
+            <a:tailEnd/>
+          </a:ln>
+        </p:spPr>
+      </p:pic>
     </p:spTree>
   </p:cSld>
   <p:clrMapOvr>
@@ -9871,83 +11694,6 @@
           <a:chExt cx="0" cy="0"/>
         </a:xfrm>
       </p:grpSpPr>
-      <p:sp>
-        <p:nvSpPr>
-          <p:cNvPr id="41985" name="1 Título"/>
-          <p:cNvSpPr>
-            <a:spLocks noGrp="1"/>
-          </p:cNvSpPr>
-          <p:nvPr>
-            <p:ph type="title" idx="4294967295"/>
-          </p:nvPr>
-        </p:nvSpPr>
-        <p:spPr>
-          <a:xfrm>
-            <a:off x="468313" y="115888"/>
-            <a:ext cx="8229600" cy="1143000"/>
-          </a:xfrm>
-        </p:spPr>
-        <p:txBody>
-          <a:bodyPr/>
-          <a:lstStyle/>
-          <a:p>
-            <a:pPr eaLnBrk="1" hangingPunct="1"/>
-            <a:r>
-              <a:rPr lang="es-AR" sz="4000" b="1" smtClean="0">
-                <a:latin typeface="Trebuchet MS" pitchFamily="34" charset="0"/>
-              </a:rPr>
-              <a:t>Funciones aplicación gratuita</a:t>
-            </a:r>
-          </a:p>
-        </p:txBody>
-      </p:sp>
-      <p:sp>
-        <p:nvSpPr>
-          <p:cNvPr id="41986" name="2 Marcador de contenido"/>
-          <p:cNvSpPr>
-            <a:spLocks/>
-          </p:cNvSpPr>
-          <p:nvPr/>
-        </p:nvSpPr>
-        <p:spPr bwMode="auto">
-          <a:xfrm>
-            <a:off x="250825" y="1125538"/>
-            <a:ext cx="8229600" cy="676275"/>
-          </a:xfrm>
-          <a:prstGeom prst="rect">
-            <a:avLst/>
-          </a:prstGeom>
-          <a:noFill/>
-          <a:ln w="9525">
-            <a:noFill/>
-            <a:miter lim="800000"/>
-            <a:headEnd/>
-            <a:tailEnd/>
-          </a:ln>
-        </p:spPr>
-        <p:txBody>
-          <a:bodyPr/>
-          <a:lstStyle/>
-          <a:p>
-            <a:pPr marL="342900" indent="-342900">
-              <a:spcBef>
-                <a:spcPct val="20000"/>
-              </a:spcBef>
-              <a:buFont typeface="Arial" charset="0"/>
-              <a:buChar char="•"/>
-            </a:pPr>
-            <a:r>
-              <a:rPr lang="es-AR" sz="3600" b="1" u="none">
-                <a:latin typeface="Calibri" pitchFamily="34" charset="0"/>
-              </a:rPr>
-              <a:t>Envío señal de emergencia:</a:t>
-            </a:r>
-            <a:endParaRPr lang="es-AR" sz="3400" u="none">
-              <a:latin typeface="Calibri" pitchFamily="34" charset="0"/>
-            </a:endParaRPr>
-          </a:p>
-        </p:txBody>
-      </p:sp>
       <p:pic>
         <p:nvPicPr>
           <p:cNvPr id="41987" name="Picture 5" descr="MU Enviar Alerta_4"/>
@@ -9967,6 +11713,345 @@
           <a:xfrm>
             <a:off x="250825" y="1916113"/>
             <a:ext cx="8642350" cy="4443412"/>
+          </a:xfrm>
+          <a:prstGeom prst="rect">
+            <a:avLst/>
+          </a:prstGeom>
+          <a:noFill/>
+          <a:ln w="9525">
+            <a:noFill/>
+            <a:miter lim="800000"/>
+            <a:headEnd/>
+            <a:tailEnd/>
+          </a:ln>
+        </p:spPr>
+      </p:pic>
+      <p:sp>
+        <p:nvSpPr>
+          <p:cNvPr id="5" name="1 Título"/>
+          <p:cNvSpPr txBox="1">
+            <a:spLocks/>
+          </p:cNvSpPr>
+          <p:nvPr/>
+        </p:nvSpPr>
+        <p:spPr bwMode="auto">
+          <a:xfrm>
+            <a:off x="467544" y="476672"/>
+            <a:ext cx="8229600" cy="998984"/>
+          </a:xfrm>
+          <a:prstGeom prst="rect">
+            <a:avLst/>
+          </a:prstGeom>
+          <a:noFill/>
+          <a:ln w="9525">
+            <a:noFill/>
+            <a:miter lim="800000"/>
+            <a:headEnd/>
+            <a:tailEnd/>
+          </a:ln>
+        </p:spPr>
+        <p:txBody>
+          <a:bodyPr vert="horz" wrap="square" lIns="91440" tIns="45720" rIns="91440" bIns="45720" numCol="1" anchor="ctr" anchorCtr="0" compatLnSpc="1">
+            <a:prstTxWarp prst="textNoShape">
+              <a:avLst/>
+            </a:prstTxWarp>
+          </a:bodyPr>
+          <a:lstStyle/>
+          <a:p>
+            <a:pPr marL="0" marR="0" lvl="0" indent="0" algn="ctr" defTabSz="914400" rtl="0" eaLnBrk="1" fontAlgn="base" latinLnBrk="0" hangingPunct="1">
+              <a:lnSpc>
+                <a:spcPct val="100000"/>
+              </a:lnSpc>
+              <a:spcBef>
+                <a:spcPct val="0"/>
+              </a:spcBef>
+              <a:spcAft>
+                <a:spcPct val="0"/>
+              </a:spcAft>
+              <a:buClrTx/>
+              <a:buSzTx/>
+              <a:buFontTx/>
+              <a:buNone/>
+              <a:tabLst/>
+              <a:defRPr/>
+            </a:pPr>
+            <a:r>
+              <a:rPr kumimoji="0" lang="es-AR" sz="4000" b="1" i="0" u="none" strike="noStrike" kern="1200" cap="none" spc="0" normalizeH="0" baseline="0" noProof="0" dirty="0" smtClean="0">
+                <a:ln>
+                  <a:noFill/>
+                </a:ln>
+                <a:solidFill>
+                  <a:schemeClr val="tx1"/>
+                </a:solidFill>
+                <a:effectLst/>
+                <a:uLnTx/>
+                <a:uFillTx/>
+                <a:latin typeface="Trebuchet MS" pitchFamily="34" charset="0"/>
+                <a:ea typeface="+mj-ea"/>
+                <a:cs typeface="+mj-cs"/>
+              </a:rPr>
+              <a:t>Funciones aplicación gratuita</a:t>
+            </a:r>
+          </a:p>
+        </p:txBody>
+      </p:sp>
+      <p:sp>
+        <p:nvSpPr>
+          <p:cNvPr id="6" name="2 Marcador de contenido"/>
+          <p:cNvSpPr>
+            <a:spLocks/>
+          </p:cNvSpPr>
+          <p:nvPr/>
+        </p:nvSpPr>
+        <p:spPr bwMode="auto">
+          <a:xfrm>
+            <a:off x="323528" y="1268760"/>
+            <a:ext cx="8229600" cy="676275"/>
+          </a:xfrm>
+          <a:prstGeom prst="rect">
+            <a:avLst/>
+          </a:prstGeom>
+          <a:noFill/>
+          <a:ln w="9525">
+            <a:noFill/>
+            <a:miter lim="800000"/>
+            <a:headEnd/>
+            <a:tailEnd/>
+          </a:ln>
+        </p:spPr>
+        <p:txBody>
+          <a:bodyPr/>
+          <a:lstStyle/>
+          <a:p>
+            <a:pPr marL="342900" indent="-342900">
+              <a:spcBef>
+                <a:spcPct val="20000"/>
+              </a:spcBef>
+              <a:buFont typeface="Arial" charset="0"/>
+              <a:buChar char="•"/>
+            </a:pPr>
+            <a:r>
+              <a:rPr lang="es-AR" sz="3200" b="1" u="none" dirty="0" smtClean="0">
+                <a:latin typeface="Calibri" pitchFamily="34" charset="0"/>
+              </a:rPr>
+              <a:t>Envío de señal de emergencia:</a:t>
+            </a:r>
+            <a:endParaRPr lang="es-AR" sz="3200" u="none" dirty="0">
+              <a:latin typeface="Calibri" pitchFamily="34" charset="0"/>
+            </a:endParaRPr>
+          </a:p>
+        </p:txBody>
+      </p:sp>
+      <p:sp>
+        <p:nvSpPr>
+          <p:cNvPr id="7" name="2 Subtítulo"/>
+          <p:cNvSpPr txBox="1">
+            <a:spLocks/>
+          </p:cNvSpPr>
+          <p:nvPr/>
+        </p:nvSpPr>
+        <p:spPr>
+          <a:xfrm>
+            <a:off x="5148263" y="239713"/>
+            <a:ext cx="3960812" cy="381000"/>
+          </a:xfrm>
+          <a:prstGeom prst="rect">
+            <a:avLst/>
+          </a:prstGeom>
+        </p:spPr>
+        <p:txBody>
+          <a:bodyPr rtlCol="0">
+            <a:normAutofit fontScale="47500" lnSpcReduction="20000"/>
+          </a:bodyPr>
+          <a:lstStyle/>
+          <a:p>
+            <a:pPr marL="342900" marR="0" lvl="0" indent="-342900" algn="l" defTabSz="914400" rtl="0" eaLnBrk="1" fontAlgn="auto" latinLnBrk="0" hangingPunct="1">
+              <a:lnSpc>
+                <a:spcPct val="100000"/>
+              </a:lnSpc>
+              <a:spcBef>
+                <a:spcPct val="20000"/>
+              </a:spcBef>
+              <a:spcAft>
+                <a:spcPts val="0"/>
+              </a:spcAft>
+              <a:buClrTx/>
+              <a:buSzTx/>
+              <a:buFont typeface="Arial" pitchFamily="34" charset="0"/>
+              <a:buNone/>
+              <a:tabLst/>
+              <a:defRPr/>
+            </a:pPr>
+            <a:r>
+              <a:rPr kumimoji="0" lang="es-AR" sz="3200" b="0" i="0" u="none" strike="noStrike" kern="1200" cap="none" spc="0" normalizeH="0" baseline="0" noProof="0" smtClean="0">
+                <a:ln>
+                  <a:noFill/>
+                </a:ln>
+                <a:solidFill>
+                  <a:schemeClr val="tx1">
+                    <a:lumMod val="65000"/>
+                    <a:lumOff val="35000"/>
+                  </a:schemeClr>
+                </a:solidFill>
+                <a:effectLst/>
+                <a:uLnTx/>
+                <a:uFillTx/>
+                <a:latin typeface="+mn-lt"/>
+                <a:ea typeface="+mn-ea"/>
+                <a:cs typeface="+mn-cs"/>
+              </a:rPr>
+              <a:t>75.45 - Taller de Desarrollo de Proyectos I</a:t>
+            </a:r>
+            <a:endParaRPr kumimoji="0" lang="es-AR" sz="3200" b="0" i="0" u="none" strike="noStrike" kern="1200" cap="none" spc="0" normalizeH="0" baseline="0" noProof="0" dirty="0">
+              <a:ln>
+                <a:noFill/>
+              </a:ln>
+              <a:solidFill>
+                <a:schemeClr val="tx1">
+                  <a:lumMod val="65000"/>
+                  <a:lumOff val="35000"/>
+                </a:schemeClr>
+              </a:solidFill>
+              <a:effectLst/>
+              <a:uLnTx/>
+              <a:uFillTx/>
+              <a:latin typeface="+mn-lt"/>
+              <a:ea typeface="+mn-ea"/>
+              <a:cs typeface="+mn-cs"/>
+            </a:endParaRPr>
+          </a:p>
+        </p:txBody>
+      </p:sp>
+      <p:cxnSp>
+        <p:nvCxnSpPr>
+          <p:cNvPr id="8" name="Straight Connector 4"/>
+          <p:cNvCxnSpPr/>
+          <p:nvPr/>
+        </p:nvCxnSpPr>
+        <p:spPr>
+          <a:xfrm>
+            <a:off x="395288" y="692150"/>
+            <a:ext cx="8497887" cy="0"/>
+          </a:xfrm>
+          <a:prstGeom prst="line">
+            <a:avLst/>
+          </a:prstGeom>
+          <a:ln>
+            <a:solidFill>
+              <a:schemeClr val="bg1">
+                <a:lumMod val="65000"/>
+              </a:schemeClr>
+            </a:solidFill>
+          </a:ln>
+        </p:spPr>
+        <p:style>
+          <a:lnRef idx="1">
+            <a:schemeClr val="accent1"/>
+          </a:lnRef>
+          <a:fillRef idx="0">
+            <a:schemeClr val="accent1"/>
+          </a:fillRef>
+          <a:effectRef idx="0">
+            <a:schemeClr val="accent1"/>
+          </a:effectRef>
+          <a:fontRef idx="minor">
+            <a:schemeClr val="tx1"/>
+          </a:fontRef>
+        </p:style>
+      </p:cxnSp>
+      <p:sp>
+        <p:nvSpPr>
+          <p:cNvPr id="9" name="1 Título"/>
+          <p:cNvSpPr txBox="1">
+            <a:spLocks/>
+          </p:cNvSpPr>
+          <p:nvPr/>
+        </p:nvSpPr>
+        <p:spPr>
+          <a:xfrm>
+            <a:off x="34925" y="260350"/>
+            <a:ext cx="2736850" cy="288925"/>
+          </a:xfrm>
+          <a:prstGeom prst="rect">
+            <a:avLst/>
+          </a:prstGeom>
+        </p:spPr>
+        <p:txBody>
+          <a:bodyPr rtlCol="0">
+            <a:normAutofit fontScale="75000" lnSpcReduction="20000"/>
+          </a:bodyPr>
+          <a:lstStyle/>
+          <a:p>
+            <a:pPr marL="0" marR="0" lvl="0" indent="0" algn="ctr" defTabSz="914400" rtl="0" eaLnBrk="1" fontAlgn="auto" latinLnBrk="0" hangingPunct="1">
+              <a:lnSpc>
+                <a:spcPct val="100000"/>
+              </a:lnSpc>
+              <a:spcBef>
+                <a:spcPct val="0"/>
+              </a:spcBef>
+              <a:spcAft>
+                <a:spcPts val="0"/>
+              </a:spcAft>
+              <a:buClrTx/>
+              <a:buSzTx/>
+              <a:buFontTx/>
+              <a:buNone/>
+              <a:tabLst/>
+              <a:defRPr/>
+            </a:pPr>
+            <a:r>
+              <a:rPr kumimoji="0" lang="es-AR" sz="2000" b="0" i="0" u="none" strike="noStrike" kern="1200" cap="none" spc="0" normalizeH="0" baseline="0" noProof="0" smtClean="0">
+                <a:ln>
+                  <a:noFill/>
+                </a:ln>
+                <a:solidFill>
+                  <a:srgbClr val="C00000"/>
+                </a:solidFill>
+                <a:effectLst/>
+                <a:uLnTx/>
+                <a:uFillTx/>
+                <a:latin typeface="Aharoni" pitchFamily="2" charset="-79"/>
+                <a:ea typeface="+mj-ea"/>
+                <a:cs typeface="Aharoni" pitchFamily="2" charset="-79"/>
+              </a:rPr>
+              <a:t>Panic Dial Button</a:t>
+            </a:r>
+            <a:endParaRPr kumimoji="0" lang="es-AR" sz="2000" b="0" i="0" u="none" strike="noStrike" kern="1200" cap="none" spc="0" normalizeH="0" baseline="0" noProof="0" dirty="0">
+              <a:ln>
+                <a:noFill/>
+              </a:ln>
+              <a:solidFill>
+                <a:schemeClr val="tx1"/>
+              </a:solidFill>
+              <a:effectLst/>
+              <a:uLnTx/>
+              <a:uFillTx/>
+              <a:latin typeface="Aharoni" pitchFamily="2" charset="-79"/>
+              <a:ea typeface="+mj-ea"/>
+              <a:cs typeface="Aharoni" pitchFamily="2" charset="-79"/>
+            </a:endParaRPr>
+          </a:p>
+        </p:txBody>
+      </p:sp>
+      <p:pic>
+        <p:nvPicPr>
+          <p:cNvPr id="10" name="Picture 5"/>
+          <p:cNvPicPr>
+            <a:picLocks noChangeAspect="1"/>
+          </p:cNvPicPr>
+          <p:nvPr/>
+        </p:nvPicPr>
+        <p:blipFill>
+          <a:blip r:embed="rId3" cstate="print"/>
+          <a:srcRect/>
+          <a:stretch>
+            <a:fillRect/>
+          </a:stretch>
+        </p:blipFill>
+        <p:spPr bwMode="auto">
+          <a:xfrm>
+            <a:off x="2484438" y="279400"/>
+            <a:ext cx="466725" cy="277813"/>
           </a:xfrm>
           <a:prstGeom prst="rect">
             <a:avLst/>
@@ -10005,83 +12090,6 @@
           <a:chExt cx="0" cy="0"/>
         </a:xfrm>
       </p:grpSpPr>
-      <p:sp>
-        <p:nvSpPr>
-          <p:cNvPr id="43009" name="1 Título"/>
-          <p:cNvSpPr>
-            <a:spLocks noGrp="1"/>
-          </p:cNvSpPr>
-          <p:nvPr>
-            <p:ph type="title" idx="4294967295"/>
-          </p:nvPr>
-        </p:nvSpPr>
-        <p:spPr>
-          <a:xfrm>
-            <a:off x="468313" y="115888"/>
-            <a:ext cx="8229600" cy="1143000"/>
-          </a:xfrm>
-        </p:spPr>
-        <p:txBody>
-          <a:bodyPr/>
-          <a:lstStyle/>
-          <a:p>
-            <a:pPr eaLnBrk="1" hangingPunct="1"/>
-            <a:r>
-              <a:rPr lang="es-AR" sz="4000" b="1" smtClean="0">
-                <a:latin typeface="Trebuchet MS" pitchFamily="34" charset="0"/>
-              </a:rPr>
-              <a:t>Funciones aplicación completa</a:t>
-            </a:r>
-          </a:p>
-        </p:txBody>
-      </p:sp>
-      <p:sp>
-        <p:nvSpPr>
-          <p:cNvPr id="43010" name="2 Marcador de contenido"/>
-          <p:cNvSpPr>
-            <a:spLocks/>
-          </p:cNvSpPr>
-          <p:nvPr/>
-        </p:nvSpPr>
-        <p:spPr bwMode="auto">
-          <a:xfrm>
-            <a:off x="250825" y="1125538"/>
-            <a:ext cx="8229600" cy="676275"/>
-          </a:xfrm>
-          <a:prstGeom prst="rect">
-            <a:avLst/>
-          </a:prstGeom>
-          <a:noFill/>
-          <a:ln w="9525">
-            <a:noFill/>
-            <a:miter lim="800000"/>
-            <a:headEnd/>
-            <a:tailEnd/>
-          </a:ln>
-        </p:spPr>
-        <p:txBody>
-          <a:bodyPr/>
-          <a:lstStyle/>
-          <a:p>
-            <a:pPr marL="342900" indent="-342900">
-              <a:spcBef>
-                <a:spcPct val="20000"/>
-              </a:spcBef>
-              <a:buFont typeface="Arial" charset="0"/>
-              <a:buChar char="•"/>
-            </a:pPr>
-            <a:r>
-              <a:rPr lang="es-AR" sz="3600" b="1" u="none">
-                <a:latin typeface="Calibri" pitchFamily="34" charset="0"/>
-              </a:rPr>
-              <a:t>Configurar Checkpoint:</a:t>
-            </a:r>
-            <a:endParaRPr lang="es-AR" sz="3400" u="none">
-              <a:latin typeface="Calibri" pitchFamily="34" charset="0"/>
-            </a:endParaRPr>
-          </a:p>
-        </p:txBody>
-      </p:sp>
       <p:pic>
         <p:nvPicPr>
           <p:cNvPr id="43011" name="Picture 4" descr="MU Configurar Checkpoint_4 para ppt"/>
@@ -10101,6 +12109,371 @@
           <a:xfrm>
             <a:off x="250825" y="1989138"/>
             <a:ext cx="8713788" cy="4295775"/>
+          </a:xfrm>
+          <a:prstGeom prst="rect">
+            <a:avLst/>
+          </a:prstGeom>
+          <a:noFill/>
+          <a:ln w="9525">
+            <a:noFill/>
+            <a:miter lim="800000"/>
+            <a:headEnd/>
+            <a:tailEnd/>
+          </a:ln>
+        </p:spPr>
+      </p:pic>
+      <p:sp>
+        <p:nvSpPr>
+          <p:cNvPr id="5" name="1 Título"/>
+          <p:cNvSpPr txBox="1">
+            <a:spLocks/>
+          </p:cNvSpPr>
+          <p:nvPr/>
+        </p:nvSpPr>
+        <p:spPr bwMode="auto">
+          <a:xfrm>
+            <a:off x="467544" y="476672"/>
+            <a:ext cx="8229600" cy="998984"/>
+          </a:xfrm>
+          <a:prstGeom prst="rect">
+            <a:avLst/>
+          </a:prstGeom>
+          <a:noFill/>
+          <a:ln w="9525">
+            <a:noFill/>
+            <a:miter lim="800000"/>
+            <a:headEnd/>
+            <a:tailEnd/>
+          </a:ln>
+        </p:spPr>
+        <p:txBody>
+          <a:bodyPr vert="horz" wrap="square" lIns="91440" tIns="45720" rIns="91440" bIns="45720" numCol="1" anchor="ctr" anchorCtr="0" compatLnSpc="1">
+            <a:prstTxWarp prst="textNoShape">
+              <a:avLst/>
+            </a:prstTxWarp>
+          </a:bodyPr>
+          <a:lstStyle/>
+          <a:p>
+            <a:pPr marL="0" marR="0" lvl="0" indent="0" algn="ctr" defTabSz="914400" rtl="0" eaLnBrk="1" fontAlgn="base" latinLnBrk="0" hangingPunct="1">
+              <a:lnSpc>
+                <a:spcPct val="100000"/>
+              </a:lnSpc>
+              <a:spcBef>
+                <a:spcPct val="0"/>
+              </a:spcBef>
+              <a:spcAft>
+                <a:spcPct val="0"/>
+              </a:spcAft>
+              <a:buClrTx/>
+              <a:buSzTx/>
+              <a:buFontTx/>
+              <a:buNone/>
+              <a:tabLst/>
+              <a:defRPr/>
+            </a:pPr>
+            <a:r>
+              <a:rPr kumimoji="0" lang="es-AR" sz="4000" b="1" i="0" u="none" strike="noStrike" kern="1200" cap="none" spc="0" normalizeH="0" baseline="0" noProof="0" smtClean="0">
+                <a:ln>
+                  <a:noFill/>
+                </a:ln>
+                <a:solidFill>
+                  <a:schemeClr val="tx1"/>
+                </a:solidFill>
+                <a:effectLst/>
+                <a:uLnTx/>
+                <a:uFillTx/>
+                <a:latin typeface="Trebuchet MS" pitchFamily="34" charset="0"/>
+                <a:ea typeface="+mj-ea"/>
+                <a:cs typeface="+mj-cs"/>
+              </a:rPr>
+              <a:t>Funciones aplicación completa</a:t>
+            </a:r>
+            <a:endParaRPr kumimoji="0" lang="es-AR" sz="4000" b="1" i="0" u="none" strike="noStrike" kern="1200" cap="none" spc="0" normalizeH="0" baseline="0" noProof="0" dirty="0" smtClean="0">
+              <a:ln>
+                <a:noFill/>
+              </a:ln>
+              <a:solidFill>
+                <a:schemeClr val="tx1"/>
+              </a:solidFill>
+              <a:effectLst/>
+              <a:uLnTx/>
+              <a:uFillTx/>
+              <a:latin typeface="Trebuchet MS" pitchFamily="34" charset="0"/>
+              <a:ea typeface="+mj-ea"/>
+              <a:cs typeface="+mj-cs"/>
+            </a:endParaRPr>
+          </a:p>
+        </p:txBody>
+      </p:sp>
+      <p:sp>
+        <p:nvSpPr>
+          <p:cNvPr id="6" name="2 Marcador de contenido"/>
+          <p:cNvSpPr>
+            <a:spLocks/>
+          </p:cNvSpPr>
+          <p:nvPr/>
+        </p:nvSpPr>
+        <p:spPr bwMode="auto">
+          <a:xfrm>
+            <a:off x="251520" y="1268760"/>
+            <a:ext cx="8229600" cy="676275"/>
+          </a:xfrm>
+          <a:prstGeom prst="rect">
+            <a:avLst/>
+          </a:prstGeom>
+          <a:noFill/>
+          <a:ln w="9525">
+            <a:noFill/>
+            <a:miter lim="800000"/>
+            <a:headEnd/>
+            <a:tailEnd/>
+          </a:ln>
+        </p:spPr>
+        <p:txBody>
+          <a:bodyPr/>
+          <a:lstStyle/>
+          <a:p>
+            <a:pPr marL="342900" indent="-342900">
+              <a:spcBef>
+                <a:spcPct val="20000"/>
+              </a:spcBef>
+              <a:buFont typeface="Arial" charset="0"/>
+              <a:buChar char="•"/>
+            </a:pPr>
+            <a:r>
+              <a:rPr lang="es-AR" sz="3200" b="1" u="none" dirty="0">
+                <a:latin typeface="Calibri" pitchFamily="34" charset="0"/>
+              </a:rPr>
+              <a:t>Configurar </a:t>
+            </a:r>
+            <a:r>
+              <a:rPr lang="es-AR" sz="3200" b="1" u="none" dirty="0" err="1" smtClean="0">
+                <a:latin typeface="Calibri" pitchFamily="34" charset="0"/>
+              </a:rPr>
+              <a:t>Checkpoints</a:t>
+            </a:r>
+            <a:r>
+              <a:rPr lang="es-AR" sz="3200" b="1" u="none" dirty="0" smtClean="0">
+                <a:latin typeface="Calibri" pitchFamily="34" charset="0"/>
+              </a:rPr>
+              <a:t>:</a:t>
+            </a:r>
+            <a:endParaRPr lang="es-AR" sz="3200" u="none" dirty="0">
+              <a:latin typeface="Calibri" pitchFamily="34" charset="0"/>
+            </a:endParaRPr>
+          </a:p>
+        </p:txBody>
+      </p:sp>
+      <p:sp>
+        <p:nvSpPr>
+          <p:cNvPr id="7" name="2 Subtítulo"/>
+          <p:cNvSpPr txBox="1">
+            <a:spLocks/>
+          </p:cNvSpPr>
+          <p:nvPr/>
+        </p:nvSpPr>
+        <p:spPr>
+          <a:xfrm>
+            <a:off x="5148263" y="239713"/>
+            <a:ext cx="3960812" cy="381000"/>
+          </a:xfrm>
+          <a:prstGeom prst="rect">
+            <a:avLst/>
+          </a:prstGeom>
+        </p:spPr>
+        <p:txBody>
+          <a:bodyPr rtlCol="0">
+            <a:normAutofit fontScale="47500" lnSpcReduction="20000"/>
+          </a:bodyPr>
+          <a:lstStyle/>
+          <a:p>
+            <a:pPr marL="342900" marR="0" lvl="0" indent="-342900" algn="l" defTabSz="914400" rtl="0" eaLnBrk="1" fontAlgn="auto" latinLnBrk="0" hangingPunct="1">
+              <a:lnSpc>
+                <a:spcPct val="100000"/>
+              </a:lnSpc>
+              <a:spcBef>
+                <a:spcPct val="20000"/>
+              </a:spcBef>
+              <a:spcAft>
+                <a:spcPts val="0"/>
+              </a:spcAft>
+              <a:buClrTx/>
+              <a:buSzTx/>
+              <a:buFont typeface="Arial" pitchFamily="34" charset="0"/>
+              <a:buNone/>
+              <a:tabLst/>
+              <a:defRPr/>
+            </a:pPr>
+            <a:r>
+              <a:rPr kumimoji="0" lang="es-AR" sz="3200" b="0" i="0" u="none" strike="noStrike" kern="1200" cap="none" spc="0" normalizeH="0" baseline="0" noProof="0" smtClean="0">
+                <a:ln>
+                  <a:noFill/>
+                </a:ln>
+                <a:solidFill>
+                  <a:schemeClr val="tx1">
+                    <a:lumMod val="65000"/>
+                    <a:lumOff val="35000"/>
+                  </a:schemeClr>
+                </a:solidFill>
+                <a:effectLst/>
+                <a:uLnTx/>
+                <a:uFillTx/>
+                <a:latin typeface="+mn-lt"/>
+                <a:ea typeface="+mn-ea"/>
+                <a:cs typeface="+mn-cs"/>
+              </a:rPr>
+              <a:t>75.45 - Taller de Desarrollo de Proyectos I</a:t>
+            </a:r>
+            <a:endParaRPr kumimoji="0" lang="es-AR" sz="3200" b="0" i="0" u="none" strike="noStrike" kern="1200" cap="none" spc="0" normalizeH="0" baseline="0" noProof="0" dirty="0">
+              <a:ln>
+                <a:noFill/>
+              </a:ln>
+              <a:solidFill>
+                <a:schemeClr val="tx1">
+                  <a:lumMod val="65000"/>
+                  <a:lumOff val="35000"/>
+                </a:schemeClr>
+              </a:solidFill>
+              <a:effectLst/>
+              <a:uLnTx/>
+              <a:uFillTx/>
+              <a:latin typeface="+mn-lt"/>
+              <a:ea typeface="+mn-ea"/>
+              <a:cs typeface="+mn-cs"/>
+            </a:endParaRPr>
+          </a:p>
+        </p:txBody>
+      </p:sp>
+      <p:cxnSp>
+        <p:nvCxnSpPr>
+          <p:cNvPr id="8" name="Straight Connector 4"/>
+          <p:cNvCxnSpPr/>
+          <p:nvPr/>
+        </p:nvCxnSpPr>
+        <p:spPr>
+          <a:xfrm>
+            <a:off x="395288" y="692150"/>
+            <a:ext cx="8497887" cy="0"/>
+          </a:xfrm>
+          <a:prstGeom prst="line">
+            <a:avLst/>
+          </a:prstGeom>
+          <a:ln>
+            <a:solidFill>
+              <a:schemeClr val="bg1">
+                <a:lumMod val="65000"/>
+              </a:schemeClr>
+            </a:solidFill>
+          </a:ln>
+        </p:spPr>
+        <p:style>
+          <a:lnRef idx="1">
+            <a:schemeClr val="accent1"/>
+          </a:lnRef>
+          <a:fillRef idx="0">
+            <a:schemeClr val="accent1"/>
+          </a:fillRef>
+          <a:effectRef idx="0">
+            <a:schemeClr val="accent1"/>
+          </a:effectRef>
+          <a:fontRef idx="minor">
+            <a:schemeClr val="tx1"/>
+          </a:fontRef>
+        </p:style>
+      </p:cxnSp>
+      <p:sp>
+        <p:nvSpPr>
+          <p:cNvPr id="9" name="1 Título"/>
+          <p:cNvSpPr txBox="1">
+            <a:spLocks/>
+          </p:cNvSpPr>
+          <p:nvPr/>
+        </p:nvSpPr>
+        <p:spPr>
+          <a:xfrm>
+            <a:off x="34925" y="260350"/>
+            <a:ext cx="2736850" cy="288925"/>
+          </a:xfrm>
+          <a:prstGeom prst="rect">
+            <a:avLst/>
+          </a:prstGeom>
+        </p:spPr>
+        <p:txBody>
+          <a:bodyPr rtlCol="0">
+            <a:normAutofit fontScale="75000" lnSpcReduction="20000"/>
+          </a:bodyPr>
+          <a:lstStyle/>
+          <a:p>
+            <a:pPr marL="0" marR="0" lvl="0" indent="0" algn="ctr" defTabSz="914400" rtl="0" eaLnBrk="1" fontAlgn="auto" latinLnBrk="0" hangingPunct="1">
+              <a:lnSpc>
+                <a:spcPct val="100000"/>
+              </a:lnSpc>
+              <a:spcBef>
+                <a:spcPct val="0"/>
+              </a:spcBef>
+              <a:spcAft>
+                <a:spcPts val="0"/>
+              </a:spcAft>
+              <a:buClrTx/>
+              <a:buSzTx/>
+              <a:buFontTx/>
+              <a:buNone/>
+              <a:tabLst/>
+              <a:defRPr/>
+            </a:pPr>
+            <a:r>
+              <a:rPr kumimoji="0" lang="es-AR" sz="2000" b="0" i="0" u="none" strike="noStrike" kern="1200" cap="none" spc="0" normalizeH="0" baseline="0" noProof="0" smtClean="0">
+                <a:ln>
+                  <a:noFill/>
+                </a:ln>
+                <a:solidFill>
+                  <a:srgbClr val="C00000"/>
+                </a:solidFill>
+                <a:effectLst/>
+                <a:uLnTx/>
+                <a:uFillTx/>
+                <a:latin typeface="Aharoni" pitchFamily="2" charset="-79"/>
+                <a:ea typeface="+mj-ea"/>
+                <a:cs typeface="Aharoni" pitchFamily="2" charset="-79"/>
+              </a:rPr>
+              <a:t>Panic Dial Button</a:t>
+            </a:r>
+            <a:endParaRPr kumimoji="0" lang="es-AR" sz="2000" b="0" i="0" u="none" strike="noStrike" kern="1200" cap="none" spc="0" normalizeH="0" baseline="0" noProof="0" dirty="0">
+              <a:ln>
+                <a:noFill/>
+              </a:ln>
+              <a:solidFill>
+                <a:schemeClr val="tx1"/>
+              </a:solidFill>
+              <a:effectLst/>
+              <a:uLnTx/>
+              <a:uFillTx/>
+              <a:latin typeface="Aharoni" pitchFamily="2" charset="-79"/>
+              <a:ea typeface="+mj-ea"/>
+              <a:cs typeface="Aharoni" pitchFamily="2" charset="-79"/>
+            </a:endParaRPr>
+          </a:p>
+        </p:txBody>
+      </p:sp>
+      <p:pic>
+        <p:nvPicPr>
+          <p:cNvPr id="10" name="Picture 5"/>
+          <p:cNvPicPr>
+            <a:picLocks noChangeAspect="1"/>
+          </p:cNvPicPr>
+          <p:nvPr/>
+        </p:nvPicPr>
+        <p:blipFill>
+          <a:blip r:embed="rId3" cstate="print"/>
+          <a:srcRect/>
+          <a:stretch>
+            <a:fillRect/>
+          </a:stretch>
+        </p:blipFill>
+        <p:spPr bwMode="auto">
+          <a:xfrm>
+            <a:off x="2484438" y="279400"/>
+            <a:ext cx="466725" cy="277813"/>
           </a:xfrm>
           <a:prstGeom prst="rect">
             <a:avLst/>
@@ -10519,83 +12892,6 @@
           <a:chExt cx="0" cy="0"/>
         </a:xfrm>
       </p:grpSpPr>
-      <p:sp>
-        <p:nvSpPr>
-          <p:cNvPr id="44033" name="1 Título"/>
-          <p:cNvSpPr>
-            <a:spLocks noGrp="1"/>
-          </p:cNvSpPr>
-          <p:nvPr>
-            <p:ph type="title" idx="4294967295"/>
-          </p:nvPr>
-        </p:nvSpPr>
-        <p:spPr>
-          <a:xfrm>
-            <a:off x="468313" y="115888"/>
-            <a:ext cx="8229600" cy="1143000"/>
-          </a:xfrm>
-        </p:spPr>
-        <p:txBody>
-          <a:bodyPr/>
-          <a:lstStyle/>
-          <a:p>
-            <a:pPr eaLnBrk="1" hangingPunct="1"/>
-            <a:r>
-              <a:rPr lang="es-AR" sz="4000" b="1" smtClean="0">
-                <a:latin typeface="Trebuchet MS" pitchFamily="34" charset="0"/>
-              </a:rPr>
-              <a:t>Funciones aplicación completa</a:t>
-            </a:r>
-          </a:p>
-        </p:txBody>
-      </p:sp>
-      <p:sp>
-        <p:nvSpPr>
-          <p:cNvPr id="44034" name="2 Marcador de contenido"/>
-          <p:cNvSpPr>
-            <a:spLocks/>
-          </p:cNvSpPr>
-          <p:nvPr/>
-        </p:nvSpPr>
-        <p:spPr bwMode="auto">
-          <a:xfrm>
-            <a:off x="250825" y="1125538"/>
-            <a:ext cx="8229600" cy="676275"/>
-          </a:xfrm>
-          <a:prstGeom prst="rect">
-            <a:avLst/>
-          </a:prstGeom>
-          <a:noFill/>
-          <a:ln w="9525">
-            <a:noFill/>
-            <a:miter lim="800000"/>
-            <a:headEnd/>
-            <a:tailEnd/>
-          </a:ln>
-        </p:spPr>
-        <p:txBody>
-          <a:bodyPr/>
-          <a:lstStyle/>
-          <a:p>
-            <a:pPr marL="342900" indent="-342900">
-              <a:spcBef>
-                <a:spcPct val="20000"/>
-              </a:spcBef>
-              <a:buFont typeface="Arial" charset="0"/>
-              <a:buChar char="•"/>
-            </a:pPr>
-            <a:r>
-              <a:rPr lang="es-AR" sz="3600" b="1" u="none">
-                <a:latin typeface="Calibri" pitchFamily="34" charset="0"/>
-              </a:rPr>
-              <a:t>Configurar destinatarios:</a:t>
-            </a:r>
-            <a:endParaRPr lang="es-AR" sz="3400" u="none">
-              <a:latin typeface="Calibri" pitchFamily="34" charset="0"/>
-            </a:endParaRPr>
-          </a:p>
-        </p:txBody>
-      </p:sp>
       <p:pic>
         <p:nvPicPr>
           <p:cNvPr id="44035" name="Picture 4" descr="MU Configurar Destinatarios_4 para ppt"/>
@@ -10615,6 +12911,365 @@
           <a:xfrm>
             <a:off x="539750" y="1700213"/>
             <a:ext cx="7920038" cy="5021262"/>
+          </a:xfrm>
+          <a:prstGeom prst="rect">
+            <a:avLst/>
+          </a:prstGeom>
+          <a:noFill/>
+          <a:ln w="9525">
+            <a:noFill/>
+            <a:miter lim="800000"/>
+            <a:headEnd/>
+            <a:tailEnd/>
+          </a:ln>
+        </p:spPr>
+      </p:pic>
+      <p:sp>
+        <p:nvSpPr>
+          <p:cNvPr id="5" name="1 Título"/>
+          <p:cNvSpPr txBox="1">
+            <a:spLocks/>
+          </p:cNvSpPr>
+          <p:nvPr/>
+        </p:nvSpPr>
+        <p:spPr bwMode="auto">
+          <a:xfrm>
+            <a:off x="467544" y="476672"/>
+            <a:ext cx="8229600" cy="998984"/>
+          </a:xfrm>
+          <a:prstGeom prst="rect">
+            <a:avLst/>
+          </a:prstGeom>
+          <a:noFill/>
+          <a:ln w="9525">
+            <a:noFill/>
+            <a:miter lim="800000"/>
+            <a:headEnd/>
+            <a:tailEnd/>
+          </a:ln>
+        </p:spPr>
+        <p:txBody>
+          <a:bodyPr vert="horz" wrap="square" lIns="91440" tIns="45720" rIns="91440" bIns="45720" numCol="1" anchor="ctr" anchorCtr="0" compatLnSpc="1">
+            <a:prstTxWarp prst="textNoShape">
+              <a:avLst/>
+            </a:prstTxWarp>
+          </a:bodyPr>
+          <a:lstStyle/>
+          <a:p>
+            <a:pPr marL="0" marR="0" lvl="0" indent="0" algn="ctr" defTabSz="914400" rtl="0" eaLnBrk="1" fontAlgn="base" latinLnBrk="0" hangingPunct="1">
+              <a:lnSpc>
+                <a:spcPct val="100000"/>
+              </a:lnSpc>
+              <a:spcBef>
+                <a:spcPct val="0"/>
+              </a:spcBef>
+              <a:spcAft>
+                <a:spcPct val="0"/>
+              </a:spcAft>
+              <a:buClrTx/>
+              <a:buSzTx/>
+              <a:buFontTx/>
+              <a:buNone/>
+              <a:tabLst/>
+              <a:defRPr/>
+            </a:pPr>
+            <a:r>
+              <a:rPr kumimoji="0" lang="es-AR" sz="4000" b="1" i="0" u="none" strike="noStrike" kern="1200" cap="none" spc="0" normalizeH="0" baseline="0" noProof="0" smtClean="0">
+                <a:ln>
+                  <a:noFill/>
+                </a:ln>
+                <a:solidFill>
+                  <a:schemeClr val="tx1"/>
+                </a:solidFill>
+                <a:effectLst/>
+                <a:uLnTx/>
+                <a:uFillTx/>
+                <a:latin typeface="Trebuchet MS" pitchFamily="34" charset="0"/>
+                <a:ea typeface="+mj-ea"/>
+                <a:cs typeface="+mj-cs"/>
+              </a:rPr>
+              <a:t>Funciones aplicación completa</a:t>
+            </a:r>
+            <a:endParaRPr kumimoji="0" lang="es-AR" sz="4000" b="1" i="0" u="none" strike="noStrike" kern="1200" cap="none" spc="0" normalizeH="0" baseline="0" noProof="0" dirty="0" smtClean="0">
+              <a:ln>
+                <a:noFill/>
+              </a:ln>
+              <a:solidFill>
+                <a:schemeClr val="tx1"/>
+              </a:solidFill>
+              <a:effectLst/>
+              <a:uLnTx/>
+              <a:uFillTx/>
+              <a:latin typeface="Trebuchet MS" pitchFamily="34" charset="0"/>
+              <a:ea typeface="+mj-ea"/>
+              <a:cs typeface="+mj-cs"/>
+            </a:endParaRPr>
+          </a:p>
+        </p:txBody>
+      </p:sp>
+      <p:sp>
+        <p:nvSpPr>
+          <p:cNvPr id="6" name="2 Marcador de contenido"/>
+          <p:cNvSpPr>
+            <a:spLocks/>
+          </p:cNvSpPr>
+          <p:nvPr/>
+        </p:nvSpPr>
+        <p:spPr bwMode="auto">
+          <a:xfrm>
+            <a:off x="251520" y="1124744"/>
+            <a:ext cx="8229600" cy="676275"/>
+          </a:xfrm>
+          <a:prstGeom prst="rect">
+            <a:avLst/>
+          </a:prstGeom>
+          <a:noFill/>
+          <a:ln w="9525">
+            <a:noFill/>
+            <a:miter lim="800000"/>
+            <a:headEnd/>
+            <a:tailEnd/>
+          </a:ln>
+        </p:spPr>
+        <p:txBody>
+          <a:bodyPr/>
+          <a:lstStyle/>
+          <a:p>
+            <a:pPr marL="342900" indent="-342900">
+              <a:spcBef>
+                <a:spcPct val="20000"/>
+              </a:spcBef>
+              <a:buFont typeface="Arial" charset="0"/>
+              <a:buChar char="•"/>
+            </a:pPr>
+            <a:r>
+              <a:rPr lang="es-AR" sz="3200" b="1" u="none" dirty="0">
+                <a:latin typeface="Calibri" pitchFamily="34" charset="0"/>
+              </a:rPr>
+              <a:t>Configurar </a:t>
+            </a:r>
+            <a:r>
+              <a:rPr lang="es-AR" sz="3200" b="1" u="none" dirty="0" smtClean="0">
+                <a:latin typeface="Calibri" pitchFamily="34" charset="0"/>
+              </a:rPr>
+              <a:t>destinatarios:</a:t>
+            </a:r>
+            <a:endParaRPr lang="es-AR" sz="3200" u="none" dirty="0">
+              <a:latin typeface="Calibri" pitchFamily="34" charset="0"/>
+            </a:endParaRPr>
+          </a:p>
+        </p:txBody>
+      </p:sp>
+      <p:sp>
+        <p:nvSpPr>
+          <p:cNvPr id="7" name="2 Subtítulo"/>
+          <p:cNvSpPr txBox="1">
+            <a:spLocks/>
+          </p:cNvSpPr>
+          <p:nvPr/>
+        </p:nvSpPr>
+        <p:spPr>
+          <a:xfrm>
+            <a:off x="5148263" y="239713"/>
+            <a:ext cx="3960812" cy="381000"/>
+          </a:xfrm>
+          <a:prstGeom prst="rect">
+            <a:avLst/>
+          </a:prstGeom>
+        </p:spPr>
+        <p:txBody>
+          <a:bodyPr rtlCol="0">
+            <a:normAutofit fontScale="47500" lnSpcReduction="20000"/>
+          </a:bodyPr>
+          <a:lstStyle/>
+          <a:p>
+            <a:pPr marL="342900" marR="0" lvl="0" indent="-342900" algn="l" defTabSz="914400" rtl="0" eaLnBrk="1" fontAlgn="auto" latinLnBrk="0" hangingPunct="1">
+              <a:lnSpc>
+                <a:spcPct val="100000"/>
+              </a:lnSpc>
+              <a:spcBef>
+                <a:spcPct val="20000"/>
+              </a:spcBef>
+              <a:spcAft>
+                <a:spcPts val="0"/>
+              </a:spcAft>
+              <a:buClrTx/>
+              <a:buSzTx/>
+              <a:buFont typeface="Arial" pitchFamily="34" charset="0"/>
+              <a:buNone/>
+              <a:tabLst/>
+              <a:defRPr/>
+            </a:pPr>
+            <a:r>
+              <a:rPr kumimoji="0" lang="es-AR" sz="3200" b="0" i="0" u="none" strike="noStrike" kern="1200" cap="none" spc="0" normalizeH="0" baseline="0" noProof="0" smtClean="0">
+                <a:ln>
+                  <a:noFill/>
+                </a:ln>
+                <a:solidFill>
+                  <a:schemeClr val="tx1">
+                    <a:lumMod val="65000"/>
+                    <a:lumOff val="35000"/>
+                  </a:schemeClr>
+                </a:solidFill>
+                <a:effectLst/>
+                <a:uLnTx/>
+                <a:uFillTx/>
+                <a:latin typeface="+mn-lt"/>
+                <a:ea typeface="+mn-ea"/>
+                <a:cs typeface="+mn-cs"/>
+              </a:rPr>
+              <a:t>75.45 - Taller de Desarrollo de Proyectos I</a:t>
+            </a:r>
+            <a:endParaRPr kumimoji="0" lang="es-AR" sz="3200" b="0" i="0" u="none" strike="noStrike" kern="1200" cap="none" spc="0" normalizeH="0" baseline="0" noProof="0" dirty="0">
+              <a:ln>
+                <a:noFill/>
+              </a:ln>
+              <a:solidFill>
+                <a:schemeClr val="tx1">
+                  <a:lumMod val="65000"/>
+                  <a:lumOff val="35000"/>
+                </a:schemeClr>
+              </a:solidFill>
+              <a:effectLst/>
+              <a:uLnTx/>
+              <a:uFillTx/>
+              <a:latin typeface="+mn-lt"/>
+              <a:ea typeface="+mn-ea"/>
+              <a:cs typeface="+mn-cs"/>
+            </a:endParaRPr>
+          </a:p>
+        </p:txBody>
+      </p:sp>
+      <p:cxnSp>
+        <p:nvCxnSpPr>
+          <p:cNvPr id="8" name="Straight Connector 4"/>
+          <p:cNvCxnSpPr/>
+          <p:nvPr/>
+        </p:nvCxnSpPr>
+        <p:spPr>
+          <a:xfrm>
+            <a:off x="395288" y="692150"/>
+            <a:ext cx="8497887" cy="0"/>
+          </a:xfrm>
+          <a:prstGeom prst="line">
+            <a:avLst/>
+          </a:prstGeom>
+          <a:ln>
+            <a:solidFill>
+              <a:schemeClr val="bg1">
+                <a:lumMod val="65000"/>
+              </a:schemeClr>
+            </a:solidFill>
+          </a:ln>
+        </p:spPr>
+        <p:style>
+          <a:lnRef idx="1">
+            <a:schemeClr val="accent1"/>
+          </a:lnRef>
+          <a:fillRef idx="0">
+            <a:schemeClr val="accent1"/>
+          </a:fillRef>
+          <a:effectRef idx="0">
+            <a:schemeClr val="accent1"/>
+          </a:effectRef>
+          <a:fontRef idx="minor">
+            <a:schemeClr val="tx1"/>
+          </a:fontRef>
+        </p:style>
+      </p:cxnSp>
+      <p:sp>
+        <p:nvSpPr>
+          <p:cNvPr id="9" name="1 Título"/>
+          <p:cNvSpPr txBox="1">
+            <a:spLocks/>
+          </p:cNvSpPr>
+          <p:nvPr/>
+        </p:nvSpPr>
+        <p:spPr>
+          <a:xfrm>
+            <a:off x="34925" y="260350"/>
+            <a:ext cx="2736850" cy="288925"/>
+          </a:xfrm>
+          <a:prstGeom prst="rect">
+            <a:avLst/>
+          </a:prstGeom>
+        </p:spPr>
+        <p:txBody>
+          <a:bodyPr rtlCol="0">
+            <a:normAutofit fontScale="75000" lnSpcReduction="20000"/>
+          </a:bodyPr>
+          <a:lstStyle/>
+          <a:p>
+            <a:pPr marL="0" marR="0" lvl="0" indent="0" algn="ctr" defTabSz="914400" rtl="0" eaLnBrk="1" fontAlgn="auto" latinLnBrk="0" hangingPunct="1">
+              <a:lnSpc>
+                <a:spcPct val="100000"/>
+              </a:lnSpc>
+              <a:spcBef>
+                <a:spcPct val="0"/>
+              </a:spcBef>
+              <a:spcAft>
+                <a:spcPts val="0"/>
+              </a:spcAft>
+              <a:buClrTx/>
+              <a:buSzTx/>
+              <a:buFontTx/>
+              <a:buNone/>
+              <a:tabLst/>
+              <a:defRPr/>
+            </a:pPr>
+            <a:r>
+              <a:rPr kumimoji="0" lang="es-AR" sz="2000" b="0" i="0" u="none" strike="noStrike" kern="1200" cap="none" spc="0" normalizeH="0" baseline="0" noProof="0" smtClean="0">
+                <a:ln>
+                  <a:noFill/>
+                </a:ln>
+                <a:solidFill>
+                  <a:srgbClr val="C00000"/>
+                </a:solidFill>
+                <a:effectLst/>
+                <a:uLnTx/>
+                <a:uFillTx/>
+                <a:latin typeface="Aharoni" pitchFamily="2" charset="-79"/>
+                <a:ea typeface="+mj-ea"/>
+                <a:cs typeface="Aharoni" pitchFamily="2" charset="-79"/>
+              </a:rPr>
+              <a:t>Panic Dial Button</a:t>
+            </a:r>
+            <a:endParaRPr kumimoji="0" lang="es-AR" sz="2000" b="0" i="0" u="none" strike="noStrike" kern="1200" cap="none" spc="0" normalizeH="0" baseline="0" noProof="0" dirty="0">
+              <a:ln>
+                <a:noFill/>
+              </a:ln>
+              <a:solidFill>
+                <a:schemeClr val="tx1"/>
+              </a:solidFill>
+              <a:effectLst/>
+              <a:uLnTx/>
+              <a:uFillTx/>
+              <a:latin typeface="Aharoni" pitchFamily="2" charset="-79"/>
+              <a:ea typeface="+mj-ea"/>
+              <a:cs typeface="Aharoni" pitchFamily="2" charset="-79"/>
+            </a:endParaRPr>
+          </a:p>
+        </p:txBody>
+      </p:sp>
+      <p:pic>
+        <p:nvPicPr>
+          <p:cNvPr id="10" name="Picture 5"/>
+          <p:cNvPicPr>
+            <a:picLocks noChangeAspect="1"/>
+          </p:cNvPicPr>
+          <p:nvPr/>
+        </p:nvPicPr>
+        <p:blipFill>
+          <a:blip r:embed="rId3" cstate="print"/>
+          <a:srcRect/>
+          <a:stretch>
+            <a:fillRect/>
+          </a:stretch>
+        </p:blipFill>
+        <p:spPr bwMode="auto">
+          <a:xfrm>
+            <a:off x="2484438" y="279400"/>
+            <a:ext cx="466725" cy="277813"/>
           </a:xfrm>
           <a:prstGeom prst="rect">
             <a:avLst/>
@@ -10665,8 +13320,8 @@
         </p:nvSpPr>
         <p:spPr>
           <a:xfrm>
-            <a:off x="468313" y="115888"/>
-            <a:ext cx="8229600" cy="1143000"/>
+            <a:off x="467544" y="476672"/>
+            <a:ext cx="8229600" cy="998984"/>
           </a:xfrm>
         </p:spPr>
         <p:txBody>
@@ -10675,7 +13330,7 @@
           <a:p>
             <a:pPr eaLnBrk="1" hangingPunct="1"/>
             <a:r>
-              <a:rPr lang="es-AR" sz="4000" b="1" smtClean="0">
+              <a:rPr lang="es-AR" sz="4000" b="1" dirty="0" smtClean="0">
                 <a:latin typeface="Trebuchet MS" pitchFamily="34" charset="0"/>
               </a:rPr>
               <a:t>Funciones aplicación completa</a:t>
@@ -10693,7 +13348,7 @@
         </p:nvSpPr>
         <p:spPr bwMode="auto">
           <a:xfrm>
-            <a:off x="250825" y="981075"/>
+            <a:off x="251520" y="1124744"/>
             <a:ext cx="8229600" cy="676275"/>
           </a:xfrm>
           <a:prstGeom prst="rect">
@@ -10719,12 +13374,12 @@
               <a:buChar char="•"/>
             </a:pPr>
             <a:r>
-              <a:rPr lang="es-AR" sz="3600" b="1" u="none">
+              <a:rPr lang="es-AR" sz="3200" b="1" u="none" dirty="0">
                 <a:latin typeface="Calibri" pitchFamily="34" charset="0"/>
               </a:rPr>
               <a:t>Configurar mensaje:</a:t>
             </a:r>
-            <a:endParaRPr lang="es-AR" sz="3400" u="none">
+            <a:endParaRPr lang="es-AR" sz="3200" u="none" dirty="0">
               <a:latin typeface="Calibri" pitchFamily="34" charset="0"/>
             </a:endParaRPr>
           </a:p>
@@ -10747,8 +13402,231 @@
         </p:blipFill>
         <p:spPr bwMode="auto">
           <a:xfrm>
-            <a:off x="468313" y="1557338"/>
-            <a:ext cx="8137525" cy="5122862"/>
+            <a:off x="467544" y="1628800"/>
+            <a:ext cx="7993509" cy="5032199"/>
+          </a:xfrm>
+          <a:prstGeom prst="rect">
+            <a:avLst/>
+          </a:prstGeom>
+          <a:noFill/>
+          <a:ln w="9525">
+            <a:noFill/>
+            <a:miter lim="800000"/>
+            <a:headEnd/>
+            <a:tailEnd/>
+          </a:ln>
+        </p:spPr>
+      </p:pic>
+      <p:sp>
+        <p:nvSpPr>
+          <p:cNvPr id="5" name="2 Subtítulo"/>
+          <p:cNvSpPr txBox="1">
+            <a:spLocks/>
+          </p:cNvSpPr>
+          <p:nvPr/>
+        </p:nvSpPr>
+        <p:spPr>
+          <a:xfrm>
+            <a:off x="5148263" y="239713"/>
+            <a:ext cx="3960812" cy="381000"/>
+          </a:xfrm>
+          <a:prstGeom prst="rect">
+            <a:avLst/>
+          </a:prstGeom>
+        </p:spPr>
+        <p:txBody>
+          <a:bodyPr rtlCol="0">
+            <a:normAutofit fontScale="47500" lnSpcReduction="20000"/>
+          </a:bodyPr>
+          <a:lstStyle/>
+          <a:p>
+            <a:pPr marL="342900" marR="0" lvl="0" indent="-342900" algn="l" defTabSz="914400" rtl="0" eaLnBrk="1" fontAlgn="auto" latinLnBrk="0" hangingPunct="1">
+              <a:lnSpc>
+                <a:spcPct val="100000"/>
+              </a:lnSpc>
+              <a:spcBef>
+                <a:spcPct val="20000"/>
+              </a:spcBef>
+              <a:spcAft>
+                <a:spcPts val="0"/>
+              </a:spcAft>
+              <a:buClrTx/>
+              <a:buSzTx/>
+              <a:buFont typeface="Arial" pitchFamily="34" charset="0"/>
+              <a:buNone/>
+              <a:tabLst/>
+              <a:defRPr/>
+            </a:pPr>
+            <a:r>
+              <a:rPr kumimoji="0" lang="es-AR" sz="3200" b="0" i="0" u="none" strike="noStrike" kern="1200" cap="none" spc="0" normalizeH="0" baseline="0" noProof="0" smtClean="0">
+                <a:ln>
+                  <a:noFill/>
+                </a:ln>
+                <a:solidFill>
+                  <a:schemeClr val="tx1">
+                    <a:lumMod val="65000"/>
+                    <a:lumOff val="35000"/>
+                  </a:schemeClr>
+                </a:solidFill>
+                <a:effectLst/>
+                <a:uLnTx/>
+                <a:uFillTx/>
+                <a:latin typeface="+mn-lt"/>
+                <a:ea typeface="+mn-ea"/>
+                <a:cs typeface="+mn-cs"/>
+              </a:rPr>
+              <a:t>75.45 - Taller de Desarrollo de Proyectos I</a:t>
+            </a:r>
+            <a:endParaRPr kumimoji="0" lang="es-AR" sz="3200" b="0" i="0" u="none" strike="noStrike" kern="1200" cap="none" spc="0" normalizeH="0" baseline="0" noProof="0" dirty="0">
+              <a:ln>
+                <a:noFill/>
+              </a:ln>
+              <a:solidFill>
+                <a:schemeClr val="tx1">
+                  <a:lumMod val="65000"/>
+                  <a:lumOff val="35000"/>
+                </a:schemeClr>
+              </a:solidFill>
+              <a:effectLst/>
+              <a:uLnTx/>
+              <a:uFillTx/>
+              <a:latin typeface="+mn-lt"/>
+              <a:ea typeface="+mn-ea"/>
+              <a:cs typeface="+mn-cs"/>
+            </a:endParaRPr>
+          </a:p>
+        </p:txBody>
+      </p:sp>
+      <p:cxnSp>
+        <p:nvCxnSpPr>
+          <p:cNvPr id="6" name="Straight Connector 4"/>
+          <p:cNvCxnSpPr/>
+          <p:nvPr/>
+        </p:nvCxnSpPr>
+        <p:spPr>
+          <a:xfrm>
+            <a:off x="395288" y="692150"/>
+            <a:ext cx="8497887" cy="0"/>
+          </a:xfrm>
+          <a:prstGeom prst="line">
+            <a:avLst/>
+          </a:prstGeom>
+          <a:ln>
+            <a:solidFill>
+              <a:schemeClr val="bg1">
+                <a:lumMod val="65000"/>
+              </a:schemeClr>
+            </a:solidFill>
+          </a:ln>
+        </p:spPr>
+        <p:style>
+          <a:lnRef idx="1">
+            <a:schemeClr val="accent1"/>
+          </a:lnRef>
+          <a:fillRef idx="0">
+            <a:schemeClr val="accent1"/>
+          </a:fillRef>
+          <a:effectRef idx="0">
+            <a:schemeClr val="accent1"/>
+          </a:effectRef>
+          <a:fontRef idx="minor">
+            <a:schemeClr val="tx1"/>
+          </a:fontRef>
+        </p:style>
+      </p:cxnSp>
+      <p:sp>
+        <p:nvSpPr>
+          <p:cNvPr id="7" name="1 Título"/>
+          <p:cNvSpPr txBox="1">
+            <a:spLocks/>
+          </p:cNvSpPr>
+          <p:nvPr/>
+        </p:nvSpPr>
+        <p:spPr>
+          <a:xfrm>
+            <a:off x="34925" y="260350"/>
+            <a:ext cx="2736850" cy="288925"/>
+          </a:xfrm>
+          <a:prstGeom prst="rect">
+            <a:avLst/>
+          </a:prstGeom>
+        </p:spPr>
+        <p:txBody>
+          <a:bodyPr rtlCol="0">
+            <a:normAutofit fontScale="75000" lnSpcReduction="20000"/>
+          </a:bodyPr>
+          <a:lstStyle/>
+          <a:p>
+            <a:pPr marL="0" marR="0" lvl="0" indent="0" algn="ctr" defTabSz="914400" rtl="0" eaLnBrk="1" fontAlgn="auto" latinLnBrk="0" hangingPunct="1">
+              <a:lnSpc>
+                <a:spcPct val="100000"/>
+              </a:lnSpc>
+              <a:spcBef>
+                <a:spcPct val="0"/>
+              </a:spcBef>
+              <a:spcAft>
+                <a:spcPts val="0"/>
+              </a:spcAft>
+              <a:buClrTx/>
+              <a:buSzTx/>
+              <a:buFontTx/>
+              <a:buNone/>
+              <a:tabLst/>
+              <a:defRPr/>
+            </a:pPr>
+            <a:r>
+              <a:rPr kumimoji="0" lang="es-AR" sz="2000" b="0" i="0" u="none" strike="noStrike" kern="1200" cap="none" spc="0" normalizeH="0" baseline="0" noProof="0" smtClean="0">
+                <a:ln>
+                  <a:noFill/>
+                </a:ln>
+                <a:solidFill>
+                  <a:srgbClr val="C00000"/>
+                </a:solidFill>
+                <a:effectLst/>
+                <a:uLnTx/>
+                <a:uFillTx/>
+                <a:latin typeface="Aharoni" pitchFamily="2" charset="-79"/>
+                <a:ea typeface="+mj-ea"/>
+                <a:cs typeface="Aharoni" pitchFamily="2" charset="-79"/>
+              </a:rPr>
+              <a:t>Panic Dial Button</a:t>
+            </a:r>
+            <a:endParaRPr kumimoji="0" lang="es-AR" sz="2000" b="0" i="0" u="none" strike="noStrike" kern="1200" cap="none" spc="0" normalizeH="0" baseline="0" noProof="0" dirty="0">
+              <a:ln>
+                <a:noFill/>
+              </a:ln>
+              <a:solidFill>
+                <a:schemeClr val="tx1"/>
+              </a:solidFill>
+              <a:effectLst/>
+              <a:uLnTx/>
+              <a:uFillTx/>
+              <a:latin typeface="Aharoni" pitchFamily="2" charset="-79"/>
+              <a:ea typeface="+mj-ea"/>
+              <a:cs typeface="Aharoni" pitchFamily="2" charset="-79"/>
+            </a:endParaRPr>
+          </a:p>
+        </p:txBody>
+      </p:sp>
+      <p:pic>
+        <p:nvPicPr>
+          <p:cNvPr id="8" name="Picture 5"/>
+          <p:cNvPicPr>
+            <a:picLocks noChangeAspect="1"/>
+          </p:cNvPicPr>
+          <p:nvPr/>
+        </p:nvPicPr>
+        <p:blipFill>
+          <a:blip r:embed="rId3" cstate="print"/>
+          <a:srcRect/>
+          <a:stretch>
+            <a:fillRect/>
+          </a:stretch>
+        </p:blipFill>
+        <p:spPr bwMode="auto">
+          <a:xfrm>
+            <a:off x="2484438" y="279400"/>
+            <a:ext cx="466725" cy="277813"/>
           </a:xfrm>
           <a:prstGeom prst="rect">
             <a:avLst/>
@@ -10797,14 +13675,19 @@
             <p:ph type="title" idx="4294967295"/>
           </p:nvPr>
         </p:nvSpPr>
-        <p:spPr/>
+        <p:spPr>
+          <a:xfrm>
+            <a:off x="467544" y="476672"/>
+            <a:ext cx="8229600" cy="1143000"/>
+          </a:xfrm>
+        </p:spPr>
         <p:txBody>
           <a:bodyPr/>
           <a:lstStyle/>
           <a:p>
             <a:pPr eaLnBrk="1" hangingPunct="1"/>
             <a:r>
-              <a:rPr lang="es-AR" sz="4000" b="1" smtClean="0">
+              <a:rPr lang="es-AR" sz="4000" b="1" dirty="0" smtClean="0">
                 <a:latin typeface="Trebuchet MS" pitchFamily="34" charset="0"/>
               </a:rPr>
               <a:t>Funciones aplicación web</a:t>
@@ -10856,6 +13739,229 @@
           </a:p>
         </p:txBody>
       </p:sp>
+      <p:sp>
+        <p:nvSpPr>
+          <p:cNvPr id="4" name="2 Subtítulo"/>
+          <p:cNvSpPr txBox="1">
+            <a:spLocks/>
+          </p:cNvSpPr>
+          <p:nvPr/>
+        </p:nvSpPr>
+        <p:spPr>
+          <a:xfrm>
+            <a:off x="5148263" y="239713"/>
+            <a:ext cx="3960812" cy="381000"/>
+          </a:xfrm>
+          <a:prstGeom prst="rect">
+            <a:avLst/>
+          </a:prstGeom>
+        </p:spPr>
+        <p:txBody>
+          <a:bodyPr rtlCol="0">
+            <a:normAutofit fontScale="47500" lnSpcReduction="20000"/>
+          </a:bodyPr>
+          <a:lstStyle/>
+          <a:p>
+            <a:pPr marL="342900" marR="0" lvl="0" indent="-342900" algn="l" defTabSz="914400" rtl="0" eaLnBrk="1" fontAlgn="auto" latinLnBrk="0" hangingPunct="1">
+              <a:lnSpc>
+                <a:spcPct val="100000"/>
+              </a:lnSpc>
+              <a:spcBef>
+                <a:spcPct val="20000"/>
+              </a:spcBef>
+              <a:spcAft>
+                <a:spcPts val="0"/>
+              </a:spcAft>
+              <a:buClrTx/>
+              <a:buSzTx/>
+              <a:buFont typeface="Arial" pitchFamily="34" charset="0"/>
+              <a:buNone/>
+              <a:tabLst/>
+              <a:defRPr/>
+            </a:pPr>
+            <a:r>
+              <a:rPr kumimoji="0" lang="es-AR" sz="3200" b="0" i="0" u="none" strike="noStrike" kern="1200" cap="none" spc="0" normalizeH="0" baseline="0" noProof="0" smtClean="0">
+                <a:ln>
+                  <a:noFill/>
+                </a:ln>
+                <a:solidFill>
+                  <a:schemeClr val="tx1">
+                    <a:lumMod val="65000"/>
+                    <a:lumOff val="35000"/>
+                  </a:schemeClr>
+                </a:solidFill>
+                <a:effectLst/>
+                <a:uLnTx/>
+                <a:uFillTx/>
+                <a:latin typeface="+mn-lt"/>
+                <a:ea typeface="+mn-ea"/>
+                <a:cs typeface="+mn-cs"/>
+              </a:rPr>
+              <a:t>75.45 - Taller de Desarrollo de Proyectos I</a:t>
+            </a:r>
+            <a:endParaRPr kumimoji="0" lang="es-AR" sz="3200" b="0" i="0" u="none" strike="noStrike" kern="1200" cap="none" spc="0" normalizeH="0" baseline="0" noProof="0" dirty="0">
+              <a:ln>
+                <a:noFill/>
+              </a:ln>
+              <a:solidFill>
+                <a:schemeClr val="tx1">
+                  <a:lumMod val="65000"/>
+                  <a:lumOff val="35000"/>
+                </a:schemeClr>
+              </a:solidFill>
+              <a:effectLst/>
+              <a:uLnTx/>
+              <a:uFillTx/>
+              <a:latin typeface="+mn-lt"/>
+              <a:ea typeface="+mn-ea"/>
+              <a:cs typeface="+mn-cs"/>
+            </a:endParaRPr>
+          </a:p>
+        </p:txBody>
+      </p:sp>
+      <p:cxnSp>
+        <p:nvCxnSpPr>
+          <p:cNvPr id="5" name="Straight Connector 4"/>
+          <p:cNvCxnSpPr/>
+          <p:nvPr/>
+        </p:nvCxnSpPr>
+        <p:spPr>
+          <a:xfrm>
+            <a:off x="395288" y="692150"/>
+            <a:ext cx="8497887" cy="0"/>
+          </a:xfrm>
+          <a:prstGeom prst="line">
+            <a:avLst/>
+          </a:prstGeom>
+          <a:ln>
+            <a:solidFill>
+              <a:schemeClr val="bg1">
+                <a:lumMod val="65000"/>
+              </a:schemeClr>
+            </a:solidFill>
+          </a:ln>
+        </p:spPr>
+        <p:style>
+          <a:lnRef idx="1">
+            <a:schemeClr val="accent1"/>
+          </a:lnRef>
+          <a:fillRef idx="0">
+            <a:schemeClr val="accent1"/>
+          </a:fillRef>
+          <a:effectRef idx="0">
+            <a:schemeClr val="accent1"/>
+          </a:effectRef>
+          <a:fontRef idx="minor">
+            <a:schemeClr val="tx1"/>
+          </a:fontRef>
+        </p:style>
+      </p:cxnSp>
+      <p:sp>
+        <p:nvSpPr>
+          <p:cNvPr id="6" name="1 Título"/>
+          <p:cNvSpPr txBox="1">
+            <a:spLocks/>
+          </p:cNvSpPr>
+          <p:nvPr/>
+        </p:nvSpPr>
+        <p:spPr>
+          <a:xfrm>
+            <a:off x="34925" y="260350"/>
+            <a:ext cx="2736850" cy="288925"/>
+          </a:xfrm>
+          <a:prstGeom prst="rect">
+            <a:avLst/>
+          </a:prstGeom>
+        </p:spPr>
+        <p:txBody>
+          <a:bodyPr rtlCol="0">
+            <a:normAutofit fontScale="75000" lnSpcReduction="20000"/>
+          </a:bodyPr>
+          <a:lstStyle/>
+          <a:p>
+            <a:pPr marL="0" marR="0" lvl="0" indent="0" algn="ctr" defTabSz="914400" rtl="0" eaLnBrk="1" fontAlgn="auto" latinLnBrk="0" hangingPunct="1">
+              <a:lnSpc>
+                <a:spcPct val="100000"/>
+              </a:lnSpc>
+              <a:spcBef>
+                <a:spcPct val="0"/>
+              </a:spcBef>
+              <a:spcAft>
+                <a:spcPts val="0"/>
+              </a:spcAft>
+              <a:buClrTx/>
+              <a:buSzTx/>
+              <a:buFontTx/>
+              <a:buNone/>
+              <a:tabLst/>
+              <a:defRPr/>
+            </a:pPr>
+            <a:r>
+              <a:rPr kumimoji="0" lang="es-AR" sz="2000" b="0" i="0" u="none" strike="noStrike" kern="1200" cap="none" spc="0" normalizeH="0" baseline="0" noProof="0" smtClean="0">
+                <a:ln>
+                  <a:noFill/>
+                </a:ln>
+                <a:solidFill>
+                  <a:srgbClr val="C00000"/>
+                </a:solidFill>
+                <a:effectLst/>
+                <a:uLnTx/>
+                <a:uFillTx/>
+                <a:latin typeface="Aharoni" pitchFamily="2" charset="-79"/>
+                <a:ea typeface="+mj-ea"/>
+                <a:cs typeface="Aharoni" pitchFamily="2" charset="-79"/>
+              </a:rPr>
+              <a:t>Panic Dial Button</a:t>
+            </a:r>
+            <a:endParaRPr kumimoji="0" lang="es-AR" sz="2000" b="0" i="0" u="none" strike="noStrike" kern="1200" cap="none" spc="0" normalizeH="0" baseline="0" noProof="0" dirty="0">
+              <a:ln>
+                <a:noFill/>
+              </a:ln>
+              <a:solidFill>
+                <a:schemeClr val="tx1"/>
+              </a:solidFill>
+              <a:effectLst/>
+              <a:uLnTx/>
+              <a:uFillTx/>
+              <a:latin typeface="Aharoni" pitchFamily="2" charset="-79"/>
+              <a:ea typeface="+mj-ea"/>
+              <a:cs typeface="Aharoni" pitchFamily="2" charset="-79"/>
+            </a:endParaRPr>
+          </a:p>
+        </p:txBody>
+      </p:sp>
+      <p:pic>
+        <p:nvPicPr>
+          <p:cNvPr id="7" name="Picture 5"/>
+          <p:cNvPicPr>
+            <a:picLocks noChangeAspect="1"/>
+          </p:cNvPicPr>
+          <p:nvPr/>
+        </p:nvPicPr>
+        <p:blipFill>
+          <a:blip r:embed="rId2" cstate="print"/>
+          <a:srcRect/>
+          <a:stretch>
+            <a:fillRect/>
+          </a:stretch>
+        </p:blipFill>
+        <p:spPr bwMode="auto">
+          <a:xfrm>
+            <a:off x="2484438" y="279400"/>
+            <a:ext cx="466725" cy="277813"/>
+          </a:xfrm>
+          <a:prstGeom prst="rect">
+            <a:avLst/>
+          </a:prstGeom>
+          <a:noFill/>
+          <a:ln w="9525">
+            <a:noFill/>
+            <a:miter lim="800000"/>
+            <a:headEnd/>
+            <a:tailEnd/>
+          </a:ln>
+        </p:spPr>
+      </p:pic>
     </p:spTree>
   </p:cSld>
   <p:clrMapOvr>
@@ -10891,14 +13997,19 @@
             <p:ph type="title" idx="4294967295"/>
           </p:nvPr>
         </p:nvSpPr>
-        <p:spPr/>
+        <p:spPr>
+          <a:xfrm>
+            <a:off x="467544" y="476672"/>
+            <a:ext cx="8229600" cy="1143000"/>
+          </a:xfrm>
+        </p:spPr>
         <p:txBody>
           <a:bodyPr/>
           <a:lstStyle/>
           <a:p>
             <a:pPr eaLnBrk="1" hangingPunct="1"/>
             <a:r>
-              <a:rPr lang="es-AR" sz="4000" b="1" smtClean="0">
+              <a:rPr lang="es-AR" sz="4000" b="1" dirty="0" smtClean="0">
                 <a:latin typeface="Trebuchet MS" pitchFamily="34" charset="0"/>
               </a:rPr>
               <a:t>Funciones aplicación web</a:t>
@@ -10971,6 +14082,229 @@
           </a:p>
         </p:txBody>
       </p:sp>
+      <p:sp>
+        <p:nvSpPr>
+          <p:cNvPr id="4" name="2 Subtítulo"/>
+          <p:cNvSpPr txBox="1">
+            <a:spLocks/>
+          </p:cNvSpPr>
+          <p:nvPr/>
+        </p:nvSpPr>
+        <p:spPr>
+          <a:xfrm>
+            <a:off x="5148263" y="239713"/>
+            <a:ext cx="3960812" cy="381000"/>
+          </a:xfrm>
+          <a:prstGeom prst="rect">
+            <a:avLst/>
+          </a:prstGeom>
+        </p:spPr>
+        <p:txBody>
+          <a:bodyPr rtlCol="0">
+            <a:normAutofit fontScale="47500" lnSpcReduction="20000"/>
+          </a:bodyPr>
+          <a:lstStyle/>
+          <a:p>
+            <a:pPr marL="342900" marR="0" lvl="0" indent="-342900" algn="l" defTabSz="914400" rtl="0" eaLnBrk="1" fontAlgn="auto" latinLnBrk="0" hangingPunct="1">
+              <a:lnSpc>
+                <a:spcPct val="100000"/>
+              </a:lnSpc>
+              <a:spcBef>
+                <a:spcPct val="20000"/>
+              </a:spcBef>
+              <a:spcAft>
+                <a:spcPts val="0"/>
+              </a:spcAft>
+              <a:buClrTx/>
+              <a:buSzTx/>
+              <a:buFont typeface="Arial" pitchFamily="34" charset="0"/>
+              <a:buNone/>
+              <a:tabLst/>
+              <a:defRPr/>
+            </a:pPr>
+            <a:r>
+              <a:rPr kumimoji="0" lang="es-AR" sz="3200" b="0" i="0" u="none" strike="noStrike" kern="1200" cap="none" spc="0" normalizeH="0" baseline="0" noProof="0" smtClean="0">
+                <a:ln>
+                  <a:noFill/>
+                </a:ln>
+                <a:solidFill>
+                  <a:schemeClr val="tx1">
+                    <a:lumMod val="65000"/>
+                    <a:lumOff val="35000"/>
+                  </a:schemeClr>
+                </a:solidFill>
+                <a:effectLst/>
+                <a:uLnTx/>
+                <a:uFillTx/>
+                <a:latin typeface="+mn-lt"/>
+                <a:ea typeface="+mn-ea"/>
+                <a:cs typeface="+mn-cs"/>
+              </a:rPr>
+              <a:t>75.45 - Taller de Desarrollo de Proyectos I</a:t>
+            </a:r>
+            <a:endParaRPr kumimoji="0" lang="es-AR" sz="3200" b="0" i="0" u="none" strike="noStrike" kern="1200" cap="none" spc="0" normalizeH="0" baseline="0" noProof="0" dirty="0">
+              <a:ln>
+                <a:noFill/>
+              </a:ln>
+              <a:solidFill>
+                <a:schemeClr val="tx1">
+                  <a:lumMod val="65000"/>
+                  <a:lumOff val="35000"/>
+                </a:schemeClr>
+              </a:solidFill>
+              <a:effectLst/>
+              <a:uLnTx/>
+              <a:uFillTx/>
+              <a:latin typeface="+mn-lt"/>
+              <a:ea typeface="+mn-ea"/>
+              <a:cs typeface="+mn-cs"/>
+            </a:endParaRPr>
+          </a:p>
+        </p:txBody>
+      </p:sp>
+      <p:cxnSp>
+        <p:nvCxnSpPr>
+          <p:cNvPr id="5" name="Straight Connector 4"/>
+          <p:cNvCxnSpPr/>
+          <p:nvPr/>
+        </p:nvCxnSpPr>
+        <p:spPr>
+          <a:xfrm>
+            <a:off x="395288" y="692150"/>
+            <a:ext cx="8497887" cy="0"/>
+          </a:xfrm>
+          <a:prstGeom prst="line">
+            <a:avLst/>
+          </a:prstGeom>
+          <a:ln>
+            <a:solidFill>
+              <a:schemeClr val="bg1">
+                <a:lumMod val="65000"/>
+              </a:schemeClr>
+            </a:solidFill>
+          </a:ln>
+        </p:spPr>
+        <p:style>
+          <a:lnRef idx="1">
+            <a:schemeClr val="accent1"/>
+          </a:lnRef>
+          <a:fillRef idx="0">
+            <a:schemeClr val="accent1"/>
+          </a:fillRef>
+          <a:effectRef idx="0">
+            <a:schemeClr val="accent1"/>
+          </a:effectRef>
+          <a:fontRef idx="minor">
+            <a:schemeClr val="tx1"/>
+          </a:fontRef>
+        </p:style>
+      </p:cxnSp>
+      <p:sp>
+        <p:nvSpPr>
+          <p:cNvPr id="6" name="1 Título"/>
+          <p:cNvSpPr txBox="1">
+            <a:spLocks/>
+          </p:cNvSpPr>
+          <p:nvPr/>
+        </p:nvSpPr>
+        <p:spPr>
+          <a:xfrm>
+            <a:off x="34925" y="260350"/>
+            <a:ext cx="2736850" cy="288925"/>
+          </a:xfrm>
+          <a:prstGeom prst="rect">
+            <a:avLst/>
+          </a:prstGeom>
+        </p:spPr>
+        <p:txBody>
+          <a:bodyPr rtlCol="0">
+            <a:normAutofit fontScale="75000" lnSpcReduction="20000"/>
+          </a:bodyPr>
+          <a:lstStyle/>
+          <a:p>
+            <a:pPr marL="0" marR="0" lvl="0" indent="0" algn="ctr" defTabSz="914400" rtl="0" eaLnBrk="1" fontAlgn="auto" latinLnBrk="0" hangingPunct="1">
+              <a:lnSpc>
+                <a:spcPct val="100000"/>
+              </a:lnSpc>
+              <a:spcBef>
+                <a:spcPct val="0"/>
+              </a:spcBef>
+              <a:spcAft>
+                <a:spcPts val="0"/>
+              </a:spcAft>
+              <a:buClrTx/>
+              <a:buSzTx/>
+              <a:buFontTx/>
+              <a:buNone/>
+              <a:tabLst/>
+              <a:defRPr/>
+            </a:pPr>
+            <a:r>
+              <a:rPr kumimoji="0" lang="es-AR" sz="2000" b="0" i="0" u="none" strike="noStrike" kern="1200" cap="none" spc="0" normalizeH="0" baseline="0" noProof="0" smtClean="0">
+                <a:ln>
+                  <a:noFill/>
+                </a:ln>
+                <a:solidFill>
+                  <a:srgbClr val="C00000"/>
+                </a:solidFill>
+                <a:effectLst/>
+                <a:uLnTx/>
+                <a:uFillTx/>
+                <a:latin typeface="Aharoni" pitchFamily="2" charset="-79"/>
+                <a:ea typeface="+mj-ea"/>
+                <a:cs typeface="Aharoni" pitchFamily="2" charset="-79"/>
+              </a:rPr>
+              <a:t>Panic Dial Button</a:t>
+            </a:r>
+            <a:endParaRPr kumimoji="0" lang="es-AR" sz="2000" b="0" i="0" u="none" strike="noStrike" kern="1200" cap="none" spc="0" normalizeH="0" baseline="0" noProof="0" dirty="0">
+              <a:ln>
+                <a:noFill/>
+              </a:ln>
+              <a:solidFill>
+                <a:schemeClr val="tx1"/>
+              </a:solidFill>
+              <a:effectLst/>
+              <a:uLnTx/>
+              <a:uFillTx/>
+              <a:latin typeface="Aharoni" pitchFamily="2" charset="-79"/>
+              <a:ea typeface="+mj-ea"/>
+              <a:cs typeface="Aharoni" pitchFamily="2" charset="-79"/>
+            </a:endParaRPr>
+          </a:p>
+        </p:txBody>
+      </p:sp>
+      <p:pic>
+        <p:nvPicPr>
+          <p:cNvPr id="7" name="Picture 5"/>
+          <p:cNvPicPr>
+            <a:picLocks noChangeAspect="1"/>
+          </p:cNvPicPr>
+          <p:nvPr/>
+        </p:nvPicPr>
+        <p:blipFill>
+          <a:blip r:embed="rId2" cstate="print"/>
+          <a:srcRect/>
+          <a:stretch>
+            <a:fillRect/>
+          </a:stretch>
+        </p:blipFill>
+        <p:spPr bwMode="auto">
+          <a:xfrm>
+            <a:off x="2484438" y="279400"/>
+            <a:ext cx="466725" cy="277813"/>
+          </a:xfrm>
+          <a:prstGeom prst="rect">
+            <a:avLst/>
+          </a:prstGeom>
+          <a:noFill/>
+          <a:ln w="9525">
+            <a:noFill/>
+            <a:miter lim="800000"/>
+            <a:headEnd/>
+            <a:tailEnd/>
+          </a:ln>
+        </p:spPr>
+      </p:pic>
     </p:spTree>
   </p:cSld>
   <p:clrMapOvr>
@@ -11006,7 +14340,12 @@
             <p:ph type="title" idx="4294967295"/>
           </p:nvPr>
         </p:nvSpPr>
-        <p:spPr/>
+        <p:spPr>
+          <a:xfrm>
+            <a:off x="467544" y="476672"/>
+            <a:ext cx="8229600" cy="1143000"/>
+          </a:xfrm>
+        </p:spPr>
         <p:txBody>
           <a:bodyPr/>
           <a:lstStyle/>
@@ -11018,9 +14357,6 @@
               </a:rPr>
               <a:t>Implementación  del Prototipo</a:t>
             </a:r>
-            <a:endParaRPr lang="es-AR" sz="4000" b="1" dirty="0" smtClean="0">
-              <a:latin typeface="Trebuchet MS" pitchFamily="34" charset="0"/>
-            </a:endParaRPr>
           </a:p>
         </p:txBody>
       </p:sp>
@@ -11116,6 +14452,229 @@
           </a:p>
         </p:txBody>
       </p:sp>
+      <p:sp>
+        <p:nvSpPr>
+          <p:cNvPr id="4" name="2 Subtítulo"/>
+          <p:cNvSpPr txBox="1">
+            <a:spLocks/>
+          </p:cNvSpPr>
+          <p:nvPr/>
+        </p:nvSpPr>
+        <p:spPr>
+          <a:xfrm>
+            <a:off x="5148263" y="239713"/>
+            <a:ext cx="3960812" cy="381000"/>
+          </a:xfrm>
+          <a:prstGeom prst="rect">
+            <a:avLst/>
+          </a:prstGeom>
+        </p:spPr>
+        <p:txBody>
+          <a:bodyPr rtlCol="0">
+            <a:normAutofit fontScale="47500" lnSpcReduction="20000"/>
+          </a:bodyPr>
+          <a:lstStyle/>
+          <a:p>
+            <a:pPr marL="342900" marR="0" lvl="0" indent="-342900" algn="l" defTabSz="914400" rtl="0" eaLnBrk="1" fontAlgn="auto" latinLnBrk="0" hangingPunct="1">
+              <a:lnSpc>
+                <a:spcPct val="100000"/>
+              </a:lnSpc>
+              <a:spcBef>
+                <a:spcPct val="20000"/>
+              </a:spcBef>
+              <a:spcAft>
+                <a:spcPts val="0"/>
+              </a:spcAft>
+              <a:buClrTx/>
+              <a:buSzTx/>
+              <a:buFont typeface="Arial" pitchFamily="34" charset="0"/>
+              <a:buNone/>
+              <a:tabLst/>
+              <a:defRPr/>
+            </a:pPr>
+            <a:r>
+              <a:rPr kumimoji="0" lang="es-AR" sz="3200" b="0" i="0" u="none" strike="noStrike" kern="1200" cap="none" spc="0" normalizeH="0" baseline="0" noProof="0" smtClean="0">
+                <a:ln>
+                  <a:noFill/>
+                </a:ln>
+                <a:solidFill>
+                  <a:schemeClr val="tx1">
+                    <a:lumMod val="65000"/>
+                    <a:lumOff val="35000"/>
+                  </a:schemeClr>
+                </a:solidFill>
+                <a:effectLst/>
+                <a:uLnTx/>
+                <a:uFillTx/>
+                <a:latin typeface="+mn-lt"/>
+                <a:ea typeface="+mn-ea"/>
+                <a:cs typeface="+mn-cs"/>
+              </a:rPr>
+              <a:t>75.45 - Taller de Desarrollo de Proyectos I</a:t>
+            </a:r>
+            <a:endParaRPr kumimoji="0" lang="es-AR" sz="3200" b="0" i="0" u="none" strike="noStrike" kern="1200" cap="none" spc="0" normalizeH="0" baseline="0" noProof="0" dirty="0">
+              <a:ln>
+                <a:noFill/>
+              </a:ln>
+              <a:solidFill>
+                <a:schemeClr val="tx1">
+                  <a:lumMod val="65000"/>
+                  <a:lumOff val="35000"/>
+                </a:schemeClr>
+              </a:solidFill>
+              <a:effectLst/>
+              <a:uLnTx/>
+              <a:uFillTx/>
+              <a:latin typeface="+mn-lt"/>
+              <a:ea typeface="+mn-ea"/>
+              <a:cs typeface="+mn-cs"/>
+            </a:endParaRPr>
+          </a:p>
+        </p:txBody>
+      </p:sp>
+      <p:cxnSp>
+        <p:nvCxnSpPr>
+          <p:cNvPr id="5" name="Straight Connector 4"/>
+          <p:cNvCxnSpPr/>
+          <p:nvPr/>
+        </p:nvCxnSpPr>
+        <p:spPr>
+          <a:xfrm>
+            <a:off x="395288" y="692150"/>
+            <a:ext cx="8497887" cy="0"/>
+          </a:xfrm>
+          <a:prstGeom prst="line">
+            <a:avLst/>
+          </a:prstGeom>
+          <a:ln>
+            <a:solidFill>
+              <a:schemeClr val="bg1">
+                <a:lumMod val="65000"/>
+              </a:schemeClr>
+            </a:solidFill>
+          </a:ln>
+        </p:spPr>
+        <p:style>
+          <a:lnRef idx="1">
+            <a:schemeClr val="accent1"/>
+          </a:lnRef>
+          <a:fillRef idx="0">
+            <a:schemeClr val="accent1"/>
+          </a:fillRef>
+          <a:effectRef idx="0">
+            <a:schemeClr val="accent1"/>
+          </a:effectRef>
+          <a:fontRef idx="minor">
+            <a:schemeClr val="tx1"/>
+          </a:fontRef>
+        </p:style>
+      </p:cxnSp>
+      <p:sp>
+        <p:nvSpPr>
+          <p:cNvPr id="6" name="1 Título"/>
+          <p:cNvSpPr txBox="1">
+            <a:spLocks/>
+          </p:cNvSpPr>
+          <p:nvPr/>
+        </p:nvSpPr>
+        <p:spPr>
+          <a:xfrm>
+            <a:off x="34925" y="260350"/>
+            <a:ext cx="2736850" cy="288925"/>
+          </a:xfrm>
+          <a:prstGeom prst="rect">
+            <a:avLst/>
+          </a:prstGeom>
+        </p:spPr>
+        <p:txBody>
+          <a:bodyPr rtlCol="0">
+            <a:normAutofit fontScale="75000" lnSpcReduction="20000"/>
+          </a:bodyPr>
+          <a:lstStyle/>
+          <a:p>
+            <a:pPr marL="0" marR="0" lvl="0" indent="0" algn="ctr" defTabSz="914400" rtl="0" eaLnBrk="1" fontAlgn="auto" latinLnBrk="0" hangingPunct="1">
+              <a:lnSpc>
+                <a:spcPct val="100000"/>
+              </a:lnSpc>
+              <a:spcBef>
+                <a:spcPct val="0"/>
+              </a:spcBef>
+              <a:spcAft>
+                <a:spcPts val="0"/>
+              </a:spcAft>
+              <a:buClrTx/>
+              <a:buSzTx/>
+              <a:buFontTx/>
+              <a:buNone/>
+              <a:tabLst/>
+              <a:defRPr/>
+            </a:pPr>
+            <a:r>
+              <a:rPr kumimoji="0" lang="es-AR" sz="2000" b="0" i="0" u="none" strike="noStrike" kern="1200" cap="none" spc="0" normalizeH="0" baseline="0" noProof="0" smtClean="0">
+                <a:ln>
+                  <a:noFill/>
+                </a:ln>
+                <a:solidFill>
+                  <a:srgbClr val="C00000"/>
+                </a:solidFill>
+                <a:effectLst/>
+                <a:uLnTx/>
+                <a:uFillTx/>
+                <a:latin typeface="Aharoni" pitchFamily="2" charset="-79"/>
+                <a:ea typeface="+mj-ea"/>
+                <a:cs typeface="Aharoni" pitchFamily="2" charset="-79"/>
+              </a:rPr>
+              <a:t>Panic Dial Button</a:t>
+            </a:r>
+            <a:endParaRPr kumimoji="0" lang="es-AR" sz="2000" b="0" i="0" u="none" strike="noStrike" kern="1200" cap="none" spc="0" normalizeH="0" baseline="0" noProof="0" dirty="0">
+              <a:ln>
+                <a:noFill/>
+              </a:ln>
+              <a:solidFill>
+                <a:schemeClr val="tx1"/>
+              </a:solidFill>
+              <a:effectLst/>
+              <a:uLnTx/>
+              <a:uFillTx/>
+              <a:latin typeface="Aharoni" pitchFamily="2" charset="-79"/>
+              <a:ea typeface="+mj-ea"/>
+              <a:cs typeface="Aharoni" pitchFamily="2" charset="-79"/>
+            </a:endParaRPr>
+          </a:p>
+        </p:txBody>
+      </p:sp>
+      <p:pic>
+        <p:nvPicPr>
+          <p:cNvPr id="7" name="Picture 5"/>
+          <p:cNvPicPr>
+            <a:picLocks noChangeAspect="1"/>
+          </p:cNvPicPr>
+          <p:nvPr/>
+        </p:nvPicPr>
+        <p:blipFill>
+          <a:blip r:embed="rId2" cstate="print"/>
+          <a:srcRect/>
+          <a:stretch>
+            <a:fillRect/>
+          </a:stretch>
+        </p:blipFill>
+        <p:spPr bwMode="auto">
+          <a:xfrm>
+            <a:off x="2484438" y="279400"/>
+            <a:ext cx="466725" cy="277813"/>
+          </a:xfrm>
+          <a:prstGeom prst="rect">
+            <a:avLst/>
+          </a:prstGeom>
+          <a:noFill/>
+          <a:ln w="9525">
+            <a:noFill/>
+            <a:miter lim="800000"/>
+            <a:headEnd/>
+            <a:tailEnd/>
+          </a:ln>
+        </p:spPr>
+      </p:pic>
     </p:spTree>
   </p:cSld>
   <p:clrMapOvr>
@@ -11151,7 +14710,12 @@
             <p:ph type="title" idx="4294967295"/>
           </p:nvPr>
         </p:nvSpPr>
-        <p:spPr/>
+        <p:spPr>
+          <a:xfrm>
+            <a:off x="467544" y="476672"/>
+            <a:ext cx="8229600" cy="1143000"/>
+          </a:xfrm>
+        </p:spPr>
         <p:txBody>
           <a:bodyPr/>
           <a:lstStyle/>
@@ -11163,9 +14727,6 @@
               </a:rPr>
               <a:t>Implementación  del Prototipo</a:t>
             </a:r>
-            <a:endParaRPr lang="es-AR" sz="4000" b="1" dirty="0" smtClean="0">
-              <a:latin typeface="Trebuchet MS" pitchFamily="34" charset="0"/>
-            </a:endParaRPr>
           </a:p>
         </p:txBody>
       </p:sp>
@@ -11273,13 +14834,7 @@
               <a:rPr lang="es-AR" sz="3400" u="none" dirty="0" smtClean="0">
                 <a:latin typeface="+mn-lt"/>
               </a:rPr>
-              <a:t> </a:t>
-            </a:r>
-            <a:r>
-              <a:rPr lang="es-AR" sz="3400" u="none" dirty="0" smtClean="0">
-                <a:latin typeface="+mn-lt"/>
-              </a:rPr>
-              <a:t>Alarma sonora al realizar una alerta</a:t>
+              <a:t> Alarma sonora al realizar una alerta</a:t>
             </a:r>
           </a:p>
           <a:p>
@@ -11309,13 +14864,7 @@
               <a:rPr lang="es-AR" sz="3400" u="none" dirty="0" smtClean="0">
                 <a:latin typeface="+mn-lt"/>
               </a:rPr>
-              <a:t> </a:t>
-            </a:r>
-            <a:r>
-              <a:rPr lang="es-AR" sz="3400" u="none" dirty="0" smtClean="0">
-                <a:latin typeface="+mn-lt"/>
-              </a:rPr>
-              <a:t>Certificados digitales</a:t>
+              <a:t> Certificados digitales</a:t>
             </a:r>
             <a:endParaRPr kumimoji="0" lang="es-MX" sz="3400" b="0" i="0" u="none" strike="noStrike" kern="1200" cap="none" spc="0" normalizeH="0" baseline="0" noProof="0" dirty="0" smtClean="0">
               <a:ln>
@@ -11334,6 +14883,229 @@
           </a:p>
         </p:txBody>
       </p:sp>
+      <p:sp>
+        <p:nvSpPr>
+          <p:cNvPr id="5" name="2 Subtítulo"/>
+          <p:cNvSpPr txBox="1">
+            <a:spLocks/>
+          </p:cNvSpPr>
+          <p:nvPr/>
+        </p:nvSpPr>
+        <p:spPr>
+          <a:xfrm>
+            <a:off x="5148263" y="239713"/>
+            <a:ext cx="3960812" cy="381000"/>
+          </a:xfrm>
+          <a:prstGeom prst="rect">
+            <a:avLst/>
+          </a:prstGeom>
+        </p:spPr>
+        <p:txBody>
+          <a:bodyPr rtlCol="0">
+            <a:normAutofit fontScale="47500" lnSpcReduction="20000"/>
+          </a:bodyPr>
+          <a:lstStyle/>
+          <a:p>
+            <a:pPr marL="342900" marR="0" lvl="0" indent="-342900" algn="l" defTabSz="914400" rtl="0" eaLnBrk="1" fontAlgn="auto" latinLnBrk="0" hangingPunct="1">
+              <a:lnSpc>
+                <a:spcPct val="100000"/>
+              </a:lnSpc>
+              <a:spcBef>
+                <a:spcPct val="20000"/>
+              </a:spcBef>
+              <a:spcAft>
+                <a:spcPts val="0"/>
+              </a:spcAft>
+              <a:buClrTx/>
+              <a:buSzTx/>
+              <a:buFont typeface="Arial" pitchFamily="34" charset="0"/>
+              <a:buNone/>
+              <a:tabLst/>
+              <a:defRPr/>
+            </a:pPr>
+            <a:r>
+              <a:rPr kumimoji="0" lang="es-AR" sz="3200" b="0" i="0" u="none" strike="noStrike" kern="1200" cap="none" spc="0" normalizeH="0" baseline="0" noProof="0" smtClean="0">
+                <a:ln>
+                  <a:noFill/>
+                </a:ln>
+                <a:solidFill>
+                  <a:schemeClr val="tx1">
+                    <a:lumMod val="65000"/>
+                    <a:lumOff val="35000"/>
+                  </a:schemeClr>
+                </a:solidFill>
+                <a:effectLst/>
+                <a:uLnTx/>
+                <a:uFillTx/>
+                <a:latin typeface="+mn-lt"/>
+                <a:ea typeface="+mn-ea"/>
+                <a:cs typeface="+mn-cs"/>
+              </a:rPr>
+              <a:t>75.45 - Taller de Desarrollo de Proyectos I</a:t>
+            </a:r>
+            <a:endParaRPr kumimoji="0" lang="es-AR" sz="3200" b="0" i="0" u="none" strike="noStrike" kern="1200" cap="none" spc="0" normalizeH="0" baseline="0" noProof="0" dirty="0">
+              <a:ln>
+                <a:noFill/>
+              </a:ln>
+              <a:solidFill>
+                <a:schemeClr val="tx1">
+                  <a:lumMod val="65000"/>
+                  <a:lumOff val="35000"/>
+                </a:schemeClr>
+              </a:solidFill>
+              <a:effectLst/>
+              <a:uLnTx/>
+              <a:uFillTx/>
+              <a:latin typeface="+mn-lt"/>
+              <a:ea typeface="+mn-ea"/>
+              <a:cs typeface="+mn-cs"/>
+            </a:endParaRPr>
+          </a:p>
+        </p:txBody>
+      </p:sp>
+      <p:cxnSp>
+        <p:nvCxnSpPr>
+          <p:cNvPr id="6" name="Straight Connector 4"/>
+          <p:cNvCxnSpPr/>
+          <p:nvPr/>
+        </p:nvCxnSpPr>
+        <p:spPr>
+          <a:xfrm>
+            <a:off x="395288" y="692150"/>
+            <a:ext cx="8497887" cy="0"/>
+          </a:xfrm>
+          <a:prstGeom prst="line">
+            <a:avLst/>
+          </a:prstGeom>
+          <a:ln>
+            <a:solidFill>
+              <a:schemeClr val="bg1">
+                <a:lumMod val="65000"/>
+              </a:schemeClr>
+            </a:solidFill>
+          </a:ln>
+        </p:spPr>
+        <p:style>
+          <a:lnRef idx="1">
+            <a:schemeClr val="accent1"/>
+          </a:lnRef>
+          <a:fillRef idx="0">
+            <a:schemeClr val="accent1"/>
+          </a:fillRef>
+          <a:effectRef idx="0">
+            <a:schemeClr val="accent1"/>
+          </a:effectRef>
+          <a:fontRef idx="minor">
+            <a:schemeClr val="tx1"/>
+          </a:fontRef>
+        </p:style>
+      </p:cxnSp>
+      <p:sp>
+        <p:nvSpPr>
+          <p:cNvPr id="7" name="1 Título"/>
+          <p:cNvSpPr txBox="1">
+            <a:spLocks/>
+          </p:cNvSpPr>
+          <p:nvPr/>
+        </p:nvSpPr>
+        <p:spPr>
+          <a:xfrm>
+            <a:off x="34925" y="260350"/>
+            <a:ext cx="2736850" cy="288925"/>
+          </a:xfrm>
+          <a:prstGeom prst="rect">
+            <a:avLst/>
+          </a:prstGeom>
+        </p:spPr>
+        <p:txBody>
+          <a:bodyPr rtlCol="0">
+            <a:normAutofit fontScale="75000" lnSpcReduction="20000"/>
+          </a:bodyPr>
+          <a:lstStyle/>
+          <a:p>
+            <a:pPr marL="0" marR="0" lvl="0" indent="0" algn="ctr" defTabSz="914400" rtl="0" eaLnBrk="1" fontAlgn="auto" latinLnBrk="0" hangingPunct="1">
+              <a:lnSpc>
+                <a:spcPct val="100000"/>
+              </a:lnSpc>
+              <a:spcBef>
+                <a:spcPct val="0"/>
+              </a:spcBef>
+              <a:spcAft>
+                <a:spcPts val="0"/>
+              </a:spcAft>
+              <a:buClrTx/>
+              <a:buSzTx/>
+              <a:buFontTx/>
+              <a:buNone/>
+              <a:tabLst/>
+              <a:defRPr/>
+            </a:pPr>
+            <a:r>
+              <a:rPr kumimoji="0" lang="es-AR" sz="2000" b="0" i="0" u="none" strike="noStrike" kern="1200" cap="none" spc="0" normalizeH="0" baseline="0" noProof="0" smtClean="0">
+                <a:ln>
+                  <a:noFill/>
+                </a:ln>
+                <a:solidFill>
+                  <a:srgbClr val="C00000"/>
+                </a:solidFill>
+                <a:effectLst/>
+                <a:uLnTx/>
+                <a:uFillTx/>
+                <a:latin typeface="Aharoni" pitchFamily="2" charset="-79"/>
+                <a:ea typeface="+mj-ea"/>
+                <a:cs typeface="Aharoni" pitchFamily="2" charset="-79"/>
+              </a:rPr>
+              <a:t>Panic Dial Button</a:t>
+            </a:r>
+            <a:endParaRPr kumimoji="0" lang="es-AR" sz="2000" b="0" i="0" u="none" strike="noStrike" kern="1200" cap="none" spc="0" normalizeH="0" baseline="0" noProof="0" dirty="0">
+              <a:ln>
+                <a:noFill/>
+              </a:ln>
+              <a:solidFill>
+                <a:schemeClr val="tx1"/>
+              </a:solidFill>
+              <a:effectLst/>
+              <a:uLnTx/>
+              <a:uFillTx/>
+              <a:latin typeface="Aharoni" pitchFamily="2" charset="-79"/>
+              <a:ea typeface="+mj-ea"/>
+              <a:cs typeface="Aharoni" pitchFamily="2" charset="-79"/>
+            </a:endParaRPr>
+          </a:p>
+        </p:txBody>
+      </p:sp>
+      <p:pic>
+        <p:nvPicPr>
+          <p:cNvPr id="8" name="Picture 5"/>
+          <p:cNvPicPr>
+            <a:picLocks noChangeAspect="1"/>
+          </p:cNvPicPr>
+          <p:nvPr/>
+        </p:nvPicPr>
+        <p:blipFill>
+          <a:blip r:embed="rId2" cstate="print"/>
+          <a:srcRect/>
+          <a:stretch>
+            <a:fillRect/>
+          </a:stretch>
+        </p:blipFill>
+        <p:spPr bwMode="auto">
+          <a:xfrm>
+            <a:off x="2484438" y="279400"/>
+            <a:ext cx="466725" cy="277813"/>
+          </a:xfrm>
+          <a:prstGeom prst="rect">
+            <a:avLst/>
+          </a:prstGeom>
+          <a:noFill/>
+          <a:ln w="9525">
+            <a:noFill/>
+            <a:miter lim="800000"/>
+            <a:headEnd/>
+            <a:tailEnd/>
+          </a:ln>
+        </p:spPr>
+      </p:pic>
     </p:spTree>
   </p:cSld>
   <p:clrMapOvr>
@@ -11369,7 +15141,12 @@
             <p:ph type="title" idx="4294967295"/>
           </p:nvPr>
         </p:nvSpPr>
-        <p:spPr/>
+        <p:spPr>
+          <a:xfrm>
+            <a:off x="467544" y="476672"/>
+            <a:ext cx="8229600" cy="1143000"/>
+          </a:xfrm>
+        </p:spPr>
         <p:txBody>
           <a:bodyPr/>
           <a:lstStyle/>
@@ -11381,9 +15158,6 @@
               </a:rPr>
               <a:t>Implementación  del Prototipo</a:t>
             </a:r>
-            <a:endParaRPr lang="es-AR" sz="4000" b="1" dirty="0" smtClean="0">
-              <a:latin typeface="Trebuchet MS" pitchFamily="34" charset="0"/>
-            </a:endParaRPr>
           </a:p>
         </p:txBody>
       </p:sp>
@@ -11523,13 +15297,7 @@
               <a:rPr lang="es-MX" sz="3400" u="none" dirty="0" smtClean="0">
                 <a:latin typeface="+mn-lt"/>
               </a:rPr>
-              <a:t> </a:t>
-            </a:r>
-            <a:r>
-              <a:rPr lang="es-MX" sz="3400" u="none" dirty="0" smtClean="0">
-                <a:latin typeface="+mn-lt"/>
-              </a:rPr>
-              <a:t>FAQ</a:t>
+              <a:t> FAQ</a:t>
             </a:r>
           </a:p>
           <a:p>
@@ -11591,6 +15359,229 @@
           </a:p>
         </p:txBody>
       </p:sp>
+      <p:sp>
+        <p:nvSpPr>
+          <p:cNvPr id="5" name="2 Subtítulo"/>
+          <p:cNvSpPr txBox="1">
+            <a:spLocks/>
+          </p:cNvSpPr>
+          <p:nvPr/>
+        </p:nvSpPr>
+        <p:spPr>
+          <a:xfrm>
+            <a:off x="5148263" y="239713"/>
+            <a:ext cx="3960812" cy="381000"/>
+          </a:xfrm>
+          <a:prstGeom prst="rect">
+            <a:avLst/>
+          </a:prstGeom>
+        </p:spPr>
+        <p:txBody>
+          <a:bodyPr rtlCol="0">
+            <a:normAutofit fontScale="47500" lnSpcReduction="20000"/>
+          </a:bodyPr>
+          <a:lstStyle/>
+          <a:p>
+            <a:pPr marL="342900" marR="0" lvl="0" indent="-342900" algn="l" defTabSz="914400" rtl="0" eaLnBrk="1" fontAlgn="auto" latinLnBrk="0" hangingPunct="1">
+              <a:lnSpc>
+                <a:spcPct val="100000"/>
+              </a:lnSpc>
+              <a:spcBef>
+                <a:spcPct val="20000"/>
+              </a:spcBef>
+              <a:spcAft>
+                <a:spcPts val="0"/>
+              </a:spcAft>
+              <a:buClrTx/>
+              <a:buSzTx/>
+              <a:buFont typeface="Arial" pitchFamily="34" charset="0"/>
+              <a:buNone/>
+              <a:tabLst/>
+              <a:defRPr/>
+            </a:pPr>
+            <a:r>
+              <a:rPr kumimoji="0" lang="es-AR" sz="3200" b="0" i="0" u="none" strike="noStrike" kern="1200" cap="none" spc="0" normalizeH="0" baseline="0" noProof="0" smtClean="0">
+                <a:ln>
+                  <a:noFill/>
+                </a:ln>
+                <a:solidFill>
+                  <a:schemeClr val="tx1">
+                    <a:lumMod val="65000"/>
+                    <a:lumOff val="35000"/>
+                  </a:schemeClr>
+                </a:solidFill>
+                <a:effectLst/>
+                <a:uLnTx/>
+                <a:uFillTx/>
+                <a:latin typeface="+mn-lt"/>
+                <a:ea typeface="+mn-ea"/>
+                <a:cs typeface="+mn-cs"/>
+              </a:rPr>
+              <a:t>75.45 - Taller de Desarrollo de Proyectos I</a:t>
+            </a:r>
+            <a:endParaRPr kumimoji="0" lang="es-AR" sz="3200" b="0" i="0" u="none" strike="noStrike" kern="1200" cap="none" spc="0" normalizeH="0" baseline="0" noProof="0" dirty="0">
+              <a:ln>
+                <a:noFill/>
+              </a:ln>
+              <a:solidFill>
+                <a:schemeClr val="tx1">
+                  <a:lumMod val="65000"/>
+                  <a:lumOff val="35000"/>
+                </a:schemeClr>
+              </a:solidFill>
+              <a:effectLst/>
+              <a:uLnTx/>
+              <a:uFillTx/>
+              <a:latin typeface="+mn-lt"/>
+              <a:ea typeface="+mn-ea"/>
+              <a:cs typeface="+mn-cs"/>
+            </a:endParaRPr>
+          </a:p>
+        </p:txBody>
+      </p:sp>
+      <p:cxnSp>
+        <p:nvCxnSpPr>
+          <p:cNvPr id="6" name="Straight Connector 4"/>
+          <p:cNvCxnSpPr/>
+          <p:nvPr/>
+        </p:nvCxnSpPr>
+        <p:spPr>
+          <a:xfrm>
+            <a:off x="395288" y="692150"/>
+            <a:ext cx="8497887" cy="0"/>
+          </a:xfrm>
+          <a:prstGeom prst="line">
+            <a:avLst/>
+          </a:prstGeom>
+          <a:ln>
+            <a:solidFill>
+              <a:schemeClr val="bg1">
+                <a:lumMod val="65000"/>
+              </a:schemeClr>
+            </a:solidFill>
+          </a:ln>
+        </p:spPr>
+        <p:style>
+          <a:lnRef idx="1">
+            <a:schemeClr val="accent1"/>
+          </a:lnRef>
+          <a:fillRef idx="0">
+            <a:schemeClr val="accent1"/>
+          </a:fillRef>
+          <a:effectRef idx="0">
+            <a:schemeClr val="accent1"/>
+          </a:effectRef>
+          <a:fontRef idx="minor">
+            <a:schemeClr val="tx1"/>
+          </a:fontRef>
+        </p:style>
+      </p:cxnSp>
+      <p:sp>
+        <p:nvSpPr>
+          <p:cNvPr id="7" name="1 Título"/>
+          <p:cNvSpPr txBox="1">
+            <a:spLocks/>
+          </p:cNvSpPr>
+          <p:nvPr/>
+        </p:nvSpPr>
+        <p:spPr>
+          <a:xfrm>
+            <a:off x="34925" y="260350"/>
+            <a:ext cx="2736850" cy="288925"/>
+          </a:xfrm>
+          <a:prstGeom prst="rect">
+            <a:avLst/>
+          </a:prstGeom>
+        </p:spPr>
+        <p:txBody>
+          <a:bodyPr rtlCol="0">
+            <a:normAutofit fontScale="75000" lnSpcReduction="20000"/>
+          </a:bodyPr>
+          <a:lstStyle/>
+          <a:p>
+            <a:pPr marL="0" marR="0" lvl="0" indent="0" algn="ctr" defTabSz="914400" rtl="0" eaLnBrk="1" fontAlgn="auto" latinLnBrk="0" hangingPunct="1">
+              <a:lnSpc>
+                <a:spcPct val="100000"/>
+              </a:lnSpc>
+              <a:spcBef>
+                <a:spcPct val="0"/>
+              </a:spcBef>
+              <a:spcAft>
+                <a:spcPts val="0"/>
+              </a:spcAft>
+              <a:buClrTx/>
+              <a:buSzTx/>
+              <a:buFontTx/>
+              <a:buNone/>
+              <a:tabLst/>
+              <a:defRPr/>
+            </a:pPr>
+            <a:r>
+              <a:rPr kumimoji="0" lang="es-AR" sz="2000" b="0" i="0" u="none" strike="noStrike" kern="1200" cap="none" spc="0" normalizeH="0" baseline="0" noProof="0" smtClean="0">
+                <a:ln>
+                  <a:noFill/>
+                </a:ln>
+                <a:solidFill>
+                  <a:srgbClr val="C00000"/>
+                </a:solidFill>
+                <a:effectLst/>
+                <a:uLnTx/>
+                <a:uFillTx/>
+                <a:latin typeface="Aharoni" pitchFamily="2" charset="-79"/>
+                <a:ea typeface="+mj-ea"/>
+                <a:cs typeface="Aharoni" pitchFamily="2" charset="-79"/>
+              </a:rPr>
+              <a:t>Panic Dial Button</a:t>
+            </a:r>
+            <a:endParaRPr kumimoji="0" lang="es-AR" sz="2000" b="0" i="0" u="none" strike="noStrike" kern="1200" cap="none" spc="0" normalizeH="0" baseline="0" noProof="0" dirty="0">
+              <a:ln>
+                <a:noFill/>
+              </a:ln>
+              <a:solidFill>
+                <a:schemeClr val="tx1"/>
+              </a:solidFill>
+              <a:effectLst/>
+              <a:uLnTx/>
+              <a:uFillTx/>
+              <a:latin typeface="Aharoni" pitchFamily="2" charset="-79"/>
+              <a:ea typeface="+mj-ea"/>
+              <a:cs typeface="Aharoni" pitchFamily="2" charset="-79"/>
+            </a:endParaRPr>
+          </a:p>
+        </p:txBody>
+      </p:sp>
+      <p:pic>
+        <p:nvPicPr>
+          <p:cNvPr id="8" name="Picture 5"/>
+          <p:cNvPicPr>
+            <a:picLocks noChangeAspect="1"/>
+          </p:cNvPicPr>
+          <p:nvPr/>
+        </p:nvPicPr>
+        <p:blipFill>
+          <a:blip r:embed="rId2" cstate="print"/>
+          <a:srcRect/>
+          <a:stretch>
+            <a:fillRect/>
+          </a:stretch>
+        </p:blipFill>
+        <p:spPr bwMode="auto">
+          <a:xfrm>
+            <a:off x="2484438" y="279400"/>
+            <a:ext cx="466725" cy="277813"/>
+          </a:xfrm>
+          <a:prstGeom prst="rect">
+            <a:avLst/>
+          </a:prstGeom>
+          <a:noFill/>
+          <a:ln w="9525">
+            <a:noFill/>
+            <a:miter lim="800000"/>
+            <a:headEnd/>
+            <a:tailEnd/>
+          </a:ln>
+        </p:spPr>
+      </p:pic>
     </p:spTree>
   </p:cSld>
   <p:clrMapOvr>
@@ -11626,7 +15617,12 @@
             <p:ph type="title" idx="4294967295"/>
           </p:nvPr>
         </p:nvSpPr>
-        <p:spPr/>
+        <p:spPr>
+          <a:xfrm>
+            <a:off x="467544" y="692696"/>
+            <a:ext cx="8229600" cy="1143000"/>
+          </a:xfrm>
+        </p:spPr>
         <p:txBody>
           <a:bodyPr/>
           <a:lstStyle/>
@@ -11638,9 +15634,6 @@
               </a:rPr>
               <a:t>Implementación  del Prototipo</a:t>
             </a:r>
-            <a:endParaRPr lang="es-AR" sz="4000" b="1" dirty="0" smtClean="0">
-              <a:latin typeface="Trebuchet MS" pitchFamily="34" charset="0"/>
-            </a:endParaRPr>
           </a:p>
         </p:txBody>
       </p:sp>
@@ -11733,19 +15726,7 @@
               <a:rPr lang="es-AR" sz="3400" u="none" dirty="0" smtClean="0">
                 <a:latin typeface="+mn-lt"/>
               </a:rPr>
-              <a:t> Certificados digitales </a:t>
-            </a:r>
-            <a:r>
-              <a:rPr lang="es-AR" sz="3400" u="none" dirty="0" smtClean="0">
-                <a:latin typeface="+mn-lt"/>
-              </a:rPr>
-              <a:t>para validar la identidad del </a:t>
-            </a:r>
-            <a:r>
-              <a:rPr lang="es-AR" sz="3400" u="none" dirty="0" smtClean="0">
-                <a:latin typeface="+mn-lt"/>
-              </a:rPr>
-              <a:t>servidor.</a:t>
+              <a:t> Certificados digitales para validar la identidad del servidor.</a:t>
             </a:r>
           </a:p>
           <a:p>
@@ -11762,6 +15743,229 @@
           </a:p>
         </p:txBody>
       </p:sp>
+      <p:sp>
+        <p:nvSpPr>
+          <p:cNvPr id="5" name="2 Subtítulo"/>
+          <p:cNvSpPr txBox="1">
+            <a:spLocks/>
+          </p:cNvSpPr>
+          <p:nvPr/>
+        </p:nvSpPr>
+        <p:spPr>
+          <a:xfrm>
+            <a:off x="5148263" y="239713"/>
+            <a:ext cx="3960812" cy="381000"/>
+          </a:xfrm>
+          <a:prstGeom prst="rect">
+            <a:avLst/>
+          </a:prstGeom>
+        </p:spPr>
+        <p:txBody>
+          <a:bodyPr rtlCol="0">
+            <a:normAutofit fontScale="47500" lnSpcReduction="20000"/>
+          </a:bodyPr>
+          <a:lstStyle/>
+          <a:p>
+            <a:pPr marL="342900" marR="0" lvl="0" indent="-342900" algn="l" defTabSz="914400" rtl="0" eaLnBrk="1" fontAlgn="auto" latinLnBrk="0" hangingPunct="1">
+              <a:lnSpc>
+                <a:spcPct val="100000"/>
+              </a:lnSpc>
+              <a:spcBef>
+                <a:spcPct val="20000"/>
+              </a:spcBef>
+              <a:spcAft>
+                <a:spcPts val="0"/>
+              </a:spcAft>
+              <a:buClrTx/>
+              <a:buSzTx/>
+              <a:buFont typeface="Arial" pitchFamily="34" charset="0"/>
+              <a:buNone/>
+              <a:tabLst/>
+              <a:defRPr/>
+            </a:pPr>
+            <a:r>
+              <a:rPr kumimoji="0" lang="es-AR" sz="3200" b="0" i="0" u="none" strike="noStrike" kern="1200" cap="none" spc="0" normalizeH="0" baseline="0" noProof="0" smtClean="0">
+                <a:ln>
+                  <a:noFill/>
+                </a:ln>
+                <a:solidFill>
+                  <a:schemeClr val="tx1">
+                    <a:lumMod val="65000"/>
+                    <a:lumOff val="35000"/>
+                  </a:schemeClr>
+                </a:solidFill>
+                <a:effectLst/>
+                <a:uLnTx/>
+                <a:uFillTx/>
+                <a:latin typeface="+mn-lt"/>
+                <a:ea typeface="+mn-ea"/>
+                <a:cs typeface="+mn-cs"/>
+              </a:rPr>
+              <a:t>75.45 - Taller de Desarrollo de Proyectos I</a:t>
+            </a:r>
+            <a:endParaRPr kumimoji="0" lang="es-AR" sz="3200" b="0" i="0" u="none" strike="noStrike" kern="1200" cap="none" spc="0" normalizeH="0" baseline="0" noProof="0" dirty="0">
+              <a:ln>
+                <a:noFill/>
+              </a:ln>
+              <a:solidFill>
+                <a:schemeClr val="tx1">
+                  <a:lumMod val="65000"/>
+                  <a:lumOff val="35000"/>
+                </a:schemeClr>
+              </a:solidFill>
+              <a:effectLst/>
+              <a:uLnTx/>
+              <a:uFillTx/>
+              <a:latin typeface="+mn-lt"/>
+              <a:ea typeface="+mn-ea"/>
+              <a:cs typeface="+mn-cs"/>
+            </a:endParaRPr>
+          </a:p>
+        </p:txBody>
+      </p:sp>
+      <p:cxnSp>
+        <p:nvCxnSpPr>
+          <p:cNvPr id="6" name="Straight Connector 4"/>
+          <p:cNvCxnSpPr/>
+          <p:nvPr/>
+        </p:nvCxnSpPr>
+        <p:spPr>
+          <a:xfrm>
+            <a:off x="395288" y="692150"/>
+            <a:ext cx="8497887" cy="0"/>
+          </a:xfrm>
+          <a:prstGeom prst="line">
+            <a:avLst/>
+          </a:prstGeom>
+          <a:ln>
+            <a:solidFill>
+              <a:schemeClr val="bg1">
+                <a:lumMod val="65000"/>
+              </a:schemeClr>
+            </a:solidFill>
+          </a:ln>
+        </p:spPr>
+        <p:style>
+          <a:lnRef idx="1">
+            <a:schemeClr val="accent1"/>
+          </a:lnRef>
+          <a:fillRef idx="0">
+            <a:schemeClr val="accent1"/>
+          </a:fillRef>
+          <a:effectRef idx="0">
+            <a:schemeClr val="accent1"/>
+          </a:effectRef>
+          <a:fontRef idx="minor">
+            <a:schemeClr val="tx1"/>
+          </a:fontRef>
+        </p:style>
+      </p:cxnSp>
+      <p:sp>
+        <p:nvSpPr>
+          <p:cNvPr id="7" name="1 Título"/>
+          <p:cNvSpPr txBox="1">
+            <a:spLocks/>
+          </p:cNvSpPr>
+          <p:nvPr/>
+        </p:nvSpPr>
+        <p:spPr>
+          <a:xfrm>
+            <a:off x="34925" y="260350"/>
+            <a:ext cx="2736850" cy="288925"/>
+          </a:xfrm>
+          <a:prstGeom prst="rect">
+            <a:avLst/>
+          </a:prstGeom>
+        </p:spPr>
+        <p:txBody>
+          <a:bodyPr rtlCol="0">
+            <a:normAutofit fontScale="75000" lnSpcReduction="20000"/>
+          </a:bodyPr>
+          <a:lstStyle/>
+          <a:p>
+            <a:pPr marL="0" marR="0" lvl="0" indent="0" algn="ctr" defTabSz="914400" rtl="0" eaLnBrk="1" fontAlgn="auto" latinLnBrk="0" hangingPunct="1">
+              <a:lnSpc>
+                <a:spcPct val="100000"/>
+              </a:lnSpc>
+              <a:spcBef>
+                <a:spcPct val="0"/>
+              </a:spcBef>
+              <a:spcAft>
+                <a:spcPts val="0"/>
+              </a:spcAft>
+              <a:buClrTx/>
+              <a:buSzTx/>
+              <a:buFontTx/>
+              <a:buNone/>
+              <a:tabLst/>
+              <a:defRPr/>
+            </a:pPr>
+            <a:r>
+              <a:rPr kumimoji="0" lang="es-AR" sz="2000" b="0" i="0" u="none" strike="noStrike" kern="1200" cap="none" spc="0" normalizeH="0" baseline="0" noProof="0" smtClean="0">
+                <a:ln>
+                  <a:noFill/>
+                </a:ln>
+                <a:solidFill>
+                  <a:srgbClr val="C00000"/>
+                </a:solidFill>
+                <a:effectLst/>
+                <a:uLnTx/>
+                <a:uFillTx/>
+                <a:latin typeface="Aharoni" pitchFamily="2" charset="-79"/>
+                <a:ea typeface="+mj-ea"/>
+                <a:cs typeface="Aharoni" pitchFamily="2" charset="-79"/>
+              </a:rPr>
+              <a:t>Panic Dial Button</a:t>
+            </a:r>
+            <a:endParaRPr kumimoji="0" lang="es-AR" sz="2000" b="0" i="0" u="none" strike="noStrike" kern="1200" cap="none" spc="0" normalizeH="0" baseline="0" noProof="0" dirty="0">
+              <a:ln>
+                <a:noFill/>
+              </a:ln>
+              <a:solidFill>
+                <a:schemeClr val="tx1"/>
+              </a:solidFill>
+              <a:effectLst/>
+              <a:uLnTx/>
+              <a:uFillTx/>
+              <a:latin typeface="Aharoni" pitchFamily="2" charset="-79"/>
+              <a:ea typeface="+mj-ea"/>
+              <a:cs typeface="Aharoni" pitchFamily="2" charset="-79"/>
+            </a:endParaRPr>
+          </a:p>
+        </p:txBody>
+      </p:sp>
+      <p:pic>
+        <p:nvPicPr>
+          <p:cNvPr id="8" name="Picture 5"/>
+          <p:cNvPicPr>
+            <a:picLocks noChangeAspect="1"/>
+          </p:cNvPicPr>
+          <p:nvPr/>
+        </p:nvPicPr>
+        <p:blipFill>
+          <a:blip r:embed="rId2" cstate="print"/>
+          <a:srcRect/>
+          <a:stretch>
+            <a:fillRect/>
+          </a:stretch>
+        </p:blipFill>
+        <p:spPr bwMode="auto">
+          <a:xfrm>
+            <a:off x="2484438" y="279400"/>
+            <a:ext cx="466725" cy="277813"/>
+          </a:xfrm>
+          <a:prstGeom prst="rect">
+            <a:avLst/>
+          </a:prstGeom>
+          <a:noFill/>
+          <a:ln w="9525">
+            <a:noFill/>
+            <a:miter lim="800000"/>
+            <a:headEnd/>
+            <a:tailEnd/>
+          </a:ln>
+        </p:spPr>
+      </p:pic>
     </p:spTree>
   </p:cSld>
   <p:clrMapOvr>

--- a/docs/Presentacion final/PresentacionFinal_V9.pptx
+++ b/docs/Presentacion final/PresentacionFinal_V9.pptx
@@ -5,7 +5,7 @@
     <p:sldMasterId id="2147483648" r:id="rId1"/>
   </p:sldMasterIdLst>
   <p:notesMasterIdLst>
-    <p:notesMasterId r:id="rId40"/>
+    <p:notesMasterId r:id="rId38"/>
   </p:notesMasterIdLst>
   <p:sldIdLst>
     <p:sldId id="256" r:id="rId2"/>
@@ -42,10 +42,8 @@
     <p:sldId id="296" r:id="rId33"/>
     <p:sldId id="297" r:id="rId34"/>
     <p:sldId id="299" r:id="rId35"/>
-    <p:sldId id="300" r:id="rId36"/>
-    <p:sldId id="302" r:id="rId37"/>
-    <p:sldId id="301" r:id="rId38"/>
-    <p:sldId id="261" r:id="rId39"/>
+    <p:sldId id="261" r:id="rId36"/>
+    <p:sldId id="303" r:id="rId37"/>
   </p:sldIdLst>
   <p:sldSz cx="9144000" cy="6858000" type="screen4x3"/>
   <p:notesSz cx="6858000" cy="9144000"/>
@@ -179,12 +177,24 @@
 
 <file path=ppt/charts/chart1.xml><?xml version="1.0" encoding="utf-8"?>
 <c:chartSpace xmlns:c="http://schemas.openxmlformats.org/drawingml/2006/chart" xmlns:a="http://schemas.openxmlformats.org/drawingml/2006/main" xmlns:r="http://schemas.openxmlformats.org/officeDocument/2006/relationships">
+  <c:date1904 val="0"/>
   <c:lang val="es-AR"/>
+  <c:roundedCorners val="0"/>
+  <mc:AlternateContent xmlns:mc="http://schemas.openxmlformats.org/markup-compatibility/2006">
+    <mc:Choice xmlns:c14="http://schemas.microsoft.com/office/drawing/2007/8/2/chart" Requires="c14">
+      <c14:style val="102"/>
+    </mc:Choice>
+    <mc:Fallback>
+      <c:style val="2"/>
+    </mc:Fallback>
+  </mc:AlternateContent>
   <c:chart>
+    <c:autoTitleDeleted val="0"/>
     <c:plotArea>
       <c:layout/>
       <c:scatterChart>
         <c:scatterStyle val="smoothMarker"/>
+        <c:varyColors val="0"/>
         <c:ser>
           <c:idx val="0"/>
           <c:order val="0"/>
@@ -611,14 +621,23 @@
           </c:yVal>
           <c:smooth val="1"/>
         </c:ser>
-        <c:axId val="58508032"/>
-        <c:axId val="58509952"/>
+        <c:dLbls>
+          <c:showLegendKey val="0"/>
+          <c:showVal val="0"/>
+          <c:showCatName val="0"/>
+          <c:showSerName val="0"/>
+          <c:showPercent val="0"/>
+          <c:showBubbleSize val="0"/>
+        </c:dLbls>
+        <c:axId val="54455296"/>
+        <c:axId val="58606720"/>
       </c:scatterChart>
       <c:valAx>
-        <c:axId val="58508032"/>
+        <c:axId val="54455296"/>
         <c:scaling>
           <c:orientation val="minMax"/>
         </c:scaling>
+        <c:delete val="0"/>
         <c:axPos val="b"/>
         <c:majorGridlines/>
         <c:title>
@@ -638,8 +657,11 @@
             </c:rich>
           </c:tx>
           <c:layout/>
+          <c:overlay val="0"/>
         </c:title>
         <c:numFmt formatCode="General" sourceLinked="1"/>
+        <c:majorTickMark val="out"/>
+        <c:minorTickMark val="none"/>
         <c:tickLblPos val="nextTo"/>
         <c:txPr>
           <a:bodyPr/>
@@ -651,16 +673,17 @@
             <a:endParaRPr lang="es-AR"/>
           </a:p>
         </c:txPr>
-        <c:crossAx val="58509952"/>
+        <c:crossAx val="58606720"/>
         <c:crosses val="autoZero"/>
         <c:crossBetween val="midCat"/>
         <c:majorUnit val="1"/>
       </c:valAx>
       <c:valAx>
-        <c:axId val="58509952"/>
+        <c:axId val="58606720"/>
         <c:scaling>
           <c:orientation val="minMax"/>
         </c:scaling>
+        <c:delete val="0"/>
         <c:axPos val="l"/>
         <c:majorGridlines/>
         <c:title>
@@ -680,8 +703,11 @@
             </c:rich>
           </c:tx>
           <c:layout/>
+          <c:overlay val="0"/>
         </c:title>
         <c:numFmt formatCode="General" sourceLinked="1"/>
+        <c:majorTickMark val="out"/>
+        <c:minorTickMark val="none"/>
         <c:tickLblPos val="nextTo"/>
         <c:txPr>
           <a:bodyPr/>
@@ -693,7 +719,7 @@
             <a:endParaRPr lang="es-AR"/>
           </a:p>
         </c:txPr>
-        <c:crossAx val="58508032"/>
+        <c:crossAx val="54455296"/>
         <c:crosses val="autoZero"/>
         <c:crossBetween val="midCat"/>
       </c:valAx>
@@ -708,6 +734,7 @@
     <c:legend>
       <c:legendPos val="r"/>
       <c:layout/>
+      <c:overlay val="0"/>
       <c:txPr>
         <a:bodyPr/>
         <a:lstStyle/>
@@ -721,8 +748,11 @@
     </c:legend>
     <c:plotVisOnly val="1"/>
     <c:dispBlanksAs val="gap"/>
+    <c:showDLblsOverMax val="0"/>
   </c:chart>
-  <c:externalData r:id="rId1"/>
+  <c:externalData r:id="rId1">
+    <c:autoUpdate val="0"/>
+  </c:externalData>
 </c:chartSpace>
 </file>
 
@@ -833,7 +863,7 @@
               <a:pPr>
                 <a:defRPr/>
               </a:pPr>
-              <a:t>02/07/2012</a:t>
+              <a:t>04/07/2012</a:t>
             </a:fld>
             <a:endParaRPr lang="es-AR"/>
           </a:p>
@@ -1020,7 +1050,7 @@
               <a:pPr>
                 <a:defRPr/>
               </a:pPr>
-              <a:t>‹Nº›</a:t>
+              <a:t>‹#›</a:t>
             </a:fld>
             <a:endParaRPr lang="es-AR"/>
           </a:p>
@@ -1029,7 +1059,7 @@
     </p:spTree>
     <p:extLst>
       <p:ext uri="{BB962C8B-B14F-4D97-AF65-F5344CB8AC3E}">
-        <p14:creationId xmlns="" xmlns:p14="http://schemas.microsoft.com/office/powerpoint/2010/main" val="2421384208"/>
+        <p14:creationId xmlns:p14="http://schemas.microsoft.com/office/powerpoint/2010/main" val="2421384208"/>
       </p:ext>
     </p:extLst>
   </p:cSld>
@@ -1287,6 +1317,96 @@
 </p:notes>
 </file>
 
+<file path=ppt/notesSlides/notesSlide2.xml><?xml version="1.0" encoding="utf-8"?>
+<p:notes xmlns:a="http://schemas.openxmlformats.org/drawingml/2006/main" xmlns:r="http://schemas.openxmlformats.org/officeDocument/2006/relationships" xmlns:p="http://schemas.openxmlformats.org/presentationml/2006/main">
+  <p:cSld>
+    <p:spTree>
+      <p:nvGrpSpPr>
+        <p:cNvPr id="1" name=""/>
+        <p:cNvGrpSpPr/>
+        <p:nvPr/>
+      </p:nvGrpSpPr>
+      <p:grpSpPr>
+        <a:xfrm>
+          <a:off x="0" y="0"/>
+          <a:ext cx="0" cy="0"/>
+          <a:chOff x="0" y="0"/>
+          <a:chExt cx="0" cy="0"/>
+        </a:xfrm>
+      </p:grpSpPr>
+      <p:sp>
+        <p:nvSpPr>
+          <p:cNvPr id="2" name="Slide Image Placeholder 1"/>
+          <p:cNvSpPr>
+            <a:spLocks noGrp="1" noRot="1" noChangeAspect="1"/>
+          </p:cNvSpPr>
+          <p:nvPr>
+            <p:ph type="sldImg"/>
+          </p:nvPr>
+        </p:nvSpPr>
+        <p:spPr/>
+      </p:sp>
+      <p:sp>
+        <p:nvSpPr>
+          <p:cNvPr id="3" name="Notes Placeholder 2"/>
+          <p:cNvSpPr>
+            <a:spLocks noGrp="1"/>
+          </p:cNvSpPr>
+          <p:nvPr>
+            <p:ph type="body" idx="1"/>
+          </p:nvPr>
+        </p:nvSpPr>
+        <p:spPr/>
+        <p:txBody>
+          <a:bodyPr/>
+          <a:lstStyle/>
+          <a:p>
+            <a:endParaRPr lang="es-AR"/>
+          </a:p>
+        </p:txBody>
+      </p:sp>
+      <p:sp>
+        <p:nvSpPr>
+          <p:cNvPr id="4" name="Slide Number Placeholder 3"/>
+          <p:cNvSpPr>
+            <a:spLocks noGrp="1"/>
+          </p:cNvSpPr>
+          <p:nvPr>
+            <p:ph type="sldNum" sz="quarter" idx="10"/>
+          </p:nvPr>
+        </p:nvSpPr>
+        <p:spPr/>
+        <p:txBody>
+          <a:bodyPr/>
+          <a:lstStyle/>
+          <a:p>
+            <a:pPr>
+              <a:defRPr/>
+            </a:pPr>
+            <a:fld id="{64CC5390-9431-4174-9490-58C1E72F0AE0}" type="slidenum">
+              <a:rPr lang="es-AR" smtClean="0"/>
+              <a:pPr>
+                <a:defRPr/>
+              </a:pPr>
+              <a:t>16</a:t>
+            </a:fld>
+            <a:endParaRPr lang="es-AR"/>
+          </a:p>
+        </p:txBody>
+      </p:sp>
+    </p:spTree>
+    <p:extLst>
+      <p:ext uri="{BB962C8B-B14F-4D97-AF65-F5344CB8AC3E}">
+        <p14:creationId xmlns:p14="http://schemas.microsoft.com/office/powerpoint/2010/main" val="2952161191"/>
+      </p:ext>
+    </p:extLst>
+  </p:cSld>
+  <p:clrMapOvr>
+    <a:masterClrMapping/>
+  </p:clrMapOvr>
+</p:notes>
+</file>
+
 <file path=ppt/slideLayouts/slideLayout1.xml><?xml version="1.0" encoding="utf-8"?>
 <p:sldLayout xmlns:a="http://schemas.openxmlformats.org/drawingml/2006/main" xmlns:r="http://schemas.openxmlformats.org/officeDocument/2006/relationships" xmlns:p="http://schemas.openxmlformats.org/presentationml/2006/main" type="title" preserve="1">
   <p:cSld name="Diapositiva de título">
@@ -1325,10 +1445,10 @@
           <a:lstStyle/>
           <a:p>
             <a:r>
-              <a:rPr lang="es-ES" smtClean="0"/>
+              <a:rPr lang="es-ES" dirty="0" smtClean="0"/>
               <a:t>Haga clic para modificar el estilo de título del patrón</a:t>
             </a:r>
-            <a:endParaRPr lang="es-AR"/>
+            <a:endParaRPr lang="es-AR" dirty="0"/>
           </a:p>
         </p:txBody>
       </p:sp>
@@ -1478,7 +1598,7 @@
               <a:pPr>
                 <a:defRPr/>
               </a:pPr>
-              <a:t>02/07/2012</a:t>
+              <a:t>05/07/2012</a:t>
             </a:fld>
             <a:endParaRPr lang="es-AR"/>
           </a:p>
@@ -1537,7 +1657,7 @@
               <a:pPr>
                 <a:defRPr/>
               </a:pPr>
-              <a:t>‹Nº›</a:t>
+              <a:t>‹#›</a:t>
             </a:fld>
             <a:endParaRPr lang="es-AR"/>
           </a:p>
@@ -1670,7 +1790,7 @@
               <a:pPr>
                 <a:defRPr/>
               </a:pPr>
-              <a:t>02/07/2012</a:t>
+              <a:t>04/07/2012</a:t>
             </a:fld>
             <a:endParaRPr lang="es-AR"/>
           </a:p>
@@ -1729,7 +1849,7 @@
               <a:pPr>
                 <a:defRPr/>
               </a:pPr>
-              <a:t>‹Nº›</a:t>
+              <a:t>‹#›</a:t>
             </a:fld>
             <a:endParaRPr lang="es-AR"/>
           </a:p>
@@ -1872,7 +1992,7 @@
               <a:pPr>
                 <a:defRPr/>
               </a:pPr>
-              <a:t>02/07/2012</a:t>
+              <a:t>04/07/2012</a:t>
             </a:fld>
             <a:endParaRPr lang="es-AR"/>
           </a:p>
@@ -1931,7 +2051,7 @@
               <a:pPr>
                 <a:defRPr/>
               </a:pPr>
-              <a:t>‹Nº›</a:t>
+              <a:t>‹#›</a:t>
             </a:fld>
             <a:endParaRPr lang="es-AR"/>
           </a:p>
@@ -2064,7 +2184,7 @@
               <a:pPr>
                 <a:defRPr/>
               </a:pPr>
-              <a:t>02/07/2012</a:t>
+              <a:t>04/07/2012</a:t>
             </a:fld>
             <a:endParaRPr lang="es-AR"/>
           </a:p>
@@ -2123,7 +2243,7 @@
               <a:pPr>
                 <a:defRPr/>
               </a:pPr>
-              <a:t>‹Nº›</a:t>
+              <a:t>‹#›</a:t>
             </a:fld>
             <a:endParaRPr lang="es-AR"/>
           </a:p>
@@ -2332,7 +2452,7 @@
               <a:pPr>
                 <a:defRPr/>
               </a:pPr>
-              <a:t>02/07/2012</a:t>
+              <a:t>05/07/2012</a:t>
             </a:fld>
             <a:endParaRPr lang="es-AR"/>
           </a:p>
@@ -2391,7 +2511,7 @@
               <a:pPr>
                 <a:defRPr/>
               </a:pPr>
-              <a:t>‹Nº›</a:t>
+              <a:t>‹#›</a:t>
             </a:fld>
             <a:endParaRPr lang="es-AR"/>
           </a:p>
@@ -2642,7 +2762,7 @@
               <a:pPr>
                 <a:defRPr/>
               </a:pPr>
-              <a:t>02/07/2012</a:t>
+              <a:t>04/07/2012</a:t>
             </a:fld>
             <a:endParaRPr lang="es-AR"/>
           </a:p>
@@ -2701,7 +2821,7 @@
               <a:pPr>
                 <a:defRPr/>
               </a:pPr>
-              <a:t>‹Nº›</a:t>
+              <a:t>‹#›</a:t>
             </a:fld>
             <a:endParaRPr lang="es-AR"/>
           </a:p>
@@ -3086,7 +3206,7 @@
               <a:pPr>
                 <a:defRPr/>
               </a:pPr>
-              <a:t>02/07/2012</a:t>
+              <a:t>04/07/2012</a:t>
             </a:fld>
             <a:endParaRPr lang="es-AR"/>
           </a:p>
@@ -3145,7 +3265,7 @@
               <a:pPr>
                 <a:defRPr/>
               </a:pPr>
-              <a:t>‹Nº›</a:t>
+              <a:t>‹#›</a:t>
             </a:fld>
             <a:endParaRPr lang="es-AR"/>
           </a:p>
@@ -3226,7 +3346,7 @@
               <a:pPr>
                 <a:defRPr/>
               </a:pPr>
-              <a:t>02/07/2012</a:t>
+              <a:t>04/07/2012</a:t>
             </a:fld>
             <a:endParaRPr lang="es-AR"/>
           </a:p>
@@ -3285,7 +3405,7 @@
               <a:pPr>
                 <a:defRPr/>
               </a:pPr>
-              <a:t>‹Nº›</a:t>
+              <a:t>‹#›</a:t>
             </a:fld>
             <a:endParaRPr lang="es-AR"/>
           </a:p>
@@ -3343,7 +3463,7 @@
               <a:pPr>
                 <a:defRPr/>
               </a:pPr>
-              <a:t>02/07/2012</a:t>
+              <a:t>04/07/2012</a:t>
             </a:fld>
             <a:endParaRPr lang="es-AR"/>
           </a:p>
@@ -3402,7 +3522,7 @@
               <a:pPr>
                 <a:defRPr/>
               </a:pPr>
-              <a:t>‹Nº›</a:t>
+              <a:t>‹#›</a:t>
             </a:fld>
             <a:endParaRPr lang="es-AR"/>
           </a:p>
@@ -3642,7 +3762,7 @@
               <a:pPr>
                 <a:defRPr/>
               </a:pPr>
-              <a:t>02/07/2012</a:t>
+              <a:t>04/07/2012</a:t>
             </a:fld>
             <a:endParaRPr lang="es-AR"/>
           </a:p>
@@ -3701,7 +3821,7 @@
               <a:pPr>
                 <a:defRPr/>
               </a:pPr>
-              <a:t>‹Nº›</a:t>
+              <a:t>‹#›</a:t>
             </a:fld>
             <a:endParaRPr lang="es-AR"/>
           </a:p>
@@ -3920,7 +4040,7 @@
               <a:pPr>
                 <a:defRPr/>
               </a:pPr>
-              <a:t>02/07/2012</a:t>
+              <a:t>04/07/2012</a:t>
             </a:fld>
             <a:endParaRPr lang="es-AR"/>
           </a:p>
@@ -3979,7 +4099,7 @@
               <a:pPr>
                 <a:defRPr/>
               </a:pPr>
-              <a:t>‹Nº›</a:t>
+              <a:t>‹#›</a:t>
             </a:fld>
             <a:endParaRPr lang="es-AR"/>
           </a:p>
@@ -4103,38 +4223,38 @@
           <a:p>
             <a:pPr lvl="0"/>
             <a:r>
-              <a:rPr lang="es-ES" smtClean="0"/>
+              <a:rPr lang="es-ES" dirty="0" smtClean="0"/>
               <a:t>Haga clic para modificar el estilo de texto del patrón</a:t>
             </a:r>
           </a:p>
           <a:p>
             <a:pPr lvl="1"/>
             <a:r>
-              <a:rPr lang="es-ES" smtClean="0"/>
+              <a:rPr lang="es-ES" dirty="0" smtClean="0"/>
               <a:t>Segundo nivel</a:t>
             </a:r>
           </a:p>
           <a:p>
             <a:pPr lvl="2"/>
             <a:r>
-              <a:rPr lang="es-ES" smtClean="0"/>
+              <a:rPr lang="es-ES" dirty="0" smtClean="0"/>
               <a:t>Tercer nivel</a:t>
             </a:r>
           </a:p>
           <a:p>
             <a:pPr lvl="3"/>
             <a:r>
-              <a:rPr lang="es-ES" smtClean="0"/>
+              <a:rPr lang="es-ES" dirty="0" smtClean="0"/>
               <a:t>Cuarto nivel</a:t>
             </a:r>
           </a:p>
           <a:p>
             <a:pPr lvl="4"/>
             <a:r>
-              <a:rPr lang="es-ES" smtClean="0"/>
+              <a:rPr lang="es-ES" dirty="0" smtClean="0"/>
               <a:t>Quinto nivel</a:t>
             </a:r>
-            <a:endParaRPr lang="es-AR" smtClean="0"/>
+            <a:endParaRPr lang="es-AR" dirty="0" smtClean="0"/>
           </a:p>
         </p:txBody>
       </p:sp>
@@ -4186,7 +4306,7 @@
               <a:pPr>
                 <a:defRPr/>
               </a:pPr>
-              <a:t>02/07/2012</a:t>
+              <a:t>04/07/2012</a:t>
             </a:fld>
             <a:endParaRPr lang="es-AR"/>
           </a:p>
@@ -4287,7 +4407,7 @@
               <a:pPr>
                 <a:defRPr/>
               </a:pPr>
-              <a:t>‹Nº›</a:t>
+              <a:t>‹#›</a:t>
             </a:fld>
             <a:endParaRPr lang="es-AR"/>
           </a:p>
@@ -7321,7 +7441,7 @@
           <a:p>
             <a:pPr algn="ctr"/>
             <a:r>
-              <a:rPr lang="es-AR" u="none">
+              <a:rPr lang="es-AR" u="none" dirty="0" err="1">
                 <a:solidFill>
                   <a:srgbClr val="C00000"/>
                 </a:solidFill>
@@ -7329,9 +7449,31 @@
                 <a:ea typeface="Aharoni"/>
                 <a:cs typeface="Aharoni"/>
               </a:rPr>
-              <a:t>Panic Dial Button</a:t>
-            </a:r>
-            <a:endParaRPr lang="es-AR" u="none">
+              <a:t>Panic</a:t>
+            </a:r>
+            <a:r>
+              <a:rPr lang="es-AR" u="none" dirty="0">
+                <a:solidFill>
+                  <a:srgbClr val="C00000"/>
+                </a:solidFill>
+                <a:latin typeface="Aharoni"/>
+                <a:ea typeface="Aharoni"/>
+                <a:cs typeface="Aharoni"/>
+              </a:rPr>
+              <a:t> Dial </a:t>
+            </a:r>
+            <a:r>
+              <a:rPr lang="es-AR" u="none" dirty="0" err="1">
+                <a:solidFill>
+                  <a:srgbClr val="C00000"/>
+                </a:solidFill>
+                <a:latin typeface="Aharoni"/>
+                <a:ea typeface="Aharoni"/>
+                <a:cs typeface="Aharoni"/>
+              </a:rPr>
+              <a:t>Button</a:t>
+            </a:r>
+            <a:endParaRPr lang="es-AR" u="none" dirty="0">
               <a:latin typeface="Aharoni"/>
               <a:ea typeface="Aharoni"/>
               <a:cs typeface="Aharoni"/>
@@ -7348,7 +7490,7 @@
           <p:nvPr/>
         </p:nvPicPr>
         <p:blipFill>
-          <a:blip r:embed="rId2" cstate="print"/>
+          <a:blip r:embed="rId3" cstate="print"/>
           <a:srcRect/>
           <a:stretch>
             <a:fillRect/>
@@ -7950,7 +8092,7 @@
               <a:defRPr/>
             </a:pPr>
             <a:r>
-              <a:rPr lang="es-AR" smtClean="0">
+              <a:rPr lang="es-AR" u="none" dirty="0" smtClean="0">
                 <a:solidFill>
                   <a:schemeClr val="tx1">
                     <a:lumMod val="65000"/>
@@ -7960,7 +8102,7 @@
               </a:rPr>
               <a:t>75.45 - Taller de Desarrollo de Proyectos I</a:t>
             </a:r>
-            <a:endParaRPr lang="es-AR" dirty="0">
+            <a:endParaRPr lang="es-AR" u="none" dirty="0">
               <a:solidFill>
                 <a:schemeClr val="tx1">
                   <a:lumMod val="65000"/>
@@ -8313,7 +8455,7 @@
     </p:spTree>
     <p:extLst>
       <p:ext uri="{BB962C8B-B14F-4D97-AF65-F5344CB8AC3E}">
-        <p14:creationId xmlns="" xmlns:p14="http://schemas.microsoft.com/office/powerpoint/2010/main" val="4083604085"/>
+        <p14:creationId xmlns:p14="http://schemas.microsoft.com/office/powerpoint/2010/main" val="4083604085"/>
       </p:ext>
     </p:extLst>
   </p:cSld>
@@ -8516,25 +8658,35 @@
         </p:spPr>
         <p:txBody>
           <a:bodyPr anchor="ctr"/>
-          <a:lstStyle/>
-          <a:p>
-            <a:pPr algn="ctr"/>
-            <a:r>
-              <a:rPr lang="es-AR" u="none">
+          <a:lstStyle>
+            <a:defPPr>
+              <a:defRPr lang="es-AR"/>
+            </a:defPPr>
+            <a:lvl1pPr algn="ctr">
+              <a:defRPr u="none">
                 <a:solidFill>
                   <a:srgbClr val="C00000"/>
                 </a:solidFill>
                 <a:latin typeface="Aharoni"/>
                 <a:ea typeface="Aharoni"/>
                 <a:cs typeface="Aharoni"/>
-              </a:rPr>
-              <a:t>Panic Dial Button</a:t>
-            </a:r>
-            <a:endParaRPr lang="es-AR" u="none">
-              <a:latin typeface="Aharoni"/>
-              <a:ea typeface="Aharoni"/>
-              <a:cs typeface="Aharoni"/>
-            </a:endParaRPr>
+              </a:defRPr>
+            </a:lvl1pPr>
+          </a:lstStyle>
+          <a:p>
+            <a:r>
+              <a:rPr lang="es-AR" dirty="0" err="1"/>
+              <a:t>Panic</a:t>
+            </a:r>
+            <a:r>
+              <a:rPr lang="es-AR" dirty="0"/>
+              <a:t> Dial </a:t>
+            </a:r>
+            <a:r>
+              <a:rPr lang="es-AR" dirty="0" err="1"/>
+              <a:t>Button</a:t>
+            </a:r>
+            <a:endParaRPr lang="es-AR" dirty="0"/>
           </a:p>
         </p:txBody>
       </p:sp>
@@ -9047,87 +9199,221 @@
       </p:sp>
       <p:sp>
         <p:nvSpPr>
-          <p:cNvPr id="4" name="2 Subtítulo"/>
+          <p:cNvPr id="8" name="2 Subtítulo"/>
           <p:cNvSpPr txBox="1">
             <a:spLocks/>
           </p:cNvSpPr>
           <p:nvPr/>
         </p:nvSpPr>
-        <p:spPr>
-          <a:xfrm>
-            <a:off x="5148263" y="239713"/>
+        <p:spPr bwMode="auto">
+          <a:xfrm>
+            <a:off x="5436096" y="239713"/>
             <a:ext cx="3960812" cy="381000"/>
           </a:xfrm>
           <a:prstGeom prst="rect">
             <a:avLst/>
           </a:prstGeom>
-        </p:spPr>
-        <p:txBody>
-          <a:bodyPr rtlCol="0">
+          <a:noFill/>
+          <a:ln w="9525">
+            <a:noFill/>
+            <a:miter lim="800000"/>
+            <a:headEnd/>
+            <a:tailEnd/>
+          </a:ln>
+        </p:spPr>
+        <p:txBody>
+          <a:bodyPr vert="horz" wrap="square" lIns="91440" tIns="45720" rIns="91440" bIns="45720" numCol="1" rtlCol="0" anchor="t" anchorCtr="0" compatLnSpc="1">
+            <a:prstTxWarp prst="textNoShape">
+              <a:avLst/>
+            </a:prstTxWarp>
             <a:normAutofit fontScale="47500" lnSpcReduction="20000"/>
           </a:bodyPr>
-          <a:lstStyle/>
-          <a:p>
-            <a:pPr marL="342900" marR="0" lvl="0" indent="-342900" algn="l" defTabSz="914400" rtl="0" eaLnBrk="1" fontAlgn="auto" latinLnBrk="0" hangingPunct="1">
-              <a:lnSpc>
-                <a:spcPct val="100000"/>
-              </a:lnSpc>
+          <a:lstStyle>
+            <a:lvl1pPr marL="342900" indent="-342900" algn="l" rtl="0" eaLnBrk="0" fontAlgn="base" hangingPunct="0">
               <a:spcBef>
                 <a:spcPct val="20000"/>
               </a:spcBef>
               <a:spcAft>
+                <a:spcPct val="0"/>
+              </a:spcAft>
+              <a:buFont typeface="Arial" charset="0"/>
+              <a:buChar char="•"/>
+              <a:defRPr sz="3200" kern="1200">
+                <a:solidFill>
+                  <a:schemeClr val="tx1"/>
+                </a:solidFill>
+                <a:latin typeface="+mn-lt"/>
+                <a:ea typeface="+mn-ea"/>
+                <a:cs typeface="+mn-cs"/>
+              </a:defRPr>
+            </a:lvl1pPr>
+            <a:lvl2pPr marL="742950" indent="-285750" algn="l" rtl="0" eaLnBrk="0" fontAlgn="base" hangingPunct="0">
+              <a:spcBef>
+                <a:spcPct val="20000"/>
+              </a:spcBef>
+              <a:spcAft>
+                <a:spcPct val="0"/>
+              </a:spcAft>
+              <a:buFont typeface="Arial" charset="0"/>
+              <a:buChar char="–"/>
+              <a:defRPr sz="2800" kern="1200">
+                <a:solidFill>
+                  <a:schemeClr val="tx1"/>
+                </a:solidFill>
+                <a:latin typeface="+mn-lt"/>
+                <a:ea typeface="+mn-ea"/>
+                <a:cs typeface="+mn-cs"/>
+              </a:defRPr>
+            </a:lvl2pPr>
+            <a:lvl3pPr marL="1143000" indent="-228600" algn="l" rtl="0" eaLnBrk="0" fontAlgn="base" hangingPunct="0">
+              <a:spcBef>
+                <a:spcPct val="20000"/>
+              </a:spcBef>
+              <a:spcAft>
+                <a:spcPct val="0"/>
+              </a:spcAft>
+              <a:buFont typeface="Arial" charset="0"/>
+              <a:buChar char="•"/>
+              <a:defRPr sz="2400" kern="1200">
+                <a:solidFill>
+                  <a:schemeClr val="tx1"/>
+                </a:solidFill>
+                <a:latin typeface="+mn-lt"/>
+                <a:ea typeface="+mn-ea"/>
+                <a:cs typeface="+mn-cs"/>
+              </a:defRPr>
+            </a:lvl3pPr>
+            <a:lvl4pPr marL="1600200" indent="-228600" algn="l" rtl="0" eaLnBrk="0" fontAlgn="base" hangingPunct="0">
+              <a:spcBef>
+                <a:spcPct val="20000"/>
+              </a:spcBef>
+              <a:spcAft>
+                <a:spcPct val="0"/>
+              </a:spcAft>
+              <a:buFont typeface="Arial" charset="0"/>
+              <a:buChar char="–"/>
+              <a:defRPr sz="2000" kern="1200">
+                <a:solidFill>
+                  <a:schemeClr val="tx1"/>
+                </a:solidFill>
+                <a:latin typeface="+mn-lt"/>
+                <a:ea typeface="+mn-ea"/>
+                <a:cs typeface="+mn-cs"/>
+              </a:defRPr>
+            </a:lvl4pPr>
+            <a:lvl5pPr marL="2057400" indent="-228600" algn="l" rtl="0" eaLnBrk="0" fontAlgn="base" hangingPunct="0">
+              <a:spcBef>
+                <a:spcPct val="20000"/>
+              </a:spcBef>
+              <a:spcAft>
+                <a:spcPct val="0"/>
+              </a:spcAft>
+              <a:buFont typeface="Arial" charset="0"/>
+              <a:buChar char="»"/>
+              <a:defRPr sz="2000" kern="1200">
+                <a:solidFill>
+                  <a:schemeClr val="tx1"/>
+                </a:solidFill>
+                <a:latin typeface="+mn-lt"/>
+                <a:ea typeface="+mn-ea"/>
+                <a:cs typeface="+mn-cs"/>
+              </a:defRPr>
+            </a:lvl5pPr>
+            <a:lvl6pPr marL="2514600" indent="-228600" algn="l" defTabSz="914400" rtl="0" eaLnBrk="1" latinLnBrk="0" hangingPunct="1">
+              <a:spcBef>
+                <a:spcPct val="20000"/>
+              </a:spcBef>
+              <a:buFont typeface="Arial" pitchFamily="34" charset="0"/>
+              <a:buChar char="•"/>
+              <a:defRPr sz="2000" kern="1200">
+                <a:solidFill>
+                  <a:schemeClr val="tx1"/>
+                </a:solidFill>
+                <a:latin typeface="+mn-lt"/>
+                <a:ea typeface="+mn-ea"/>
+                <a:cs typeface="+mn-cs"/>
+              </a:defRPr>
+            </a:lvl6pPr>
+            <a:lvl7pPr marL="2971800" indent="-228600" algn="l" defTabSz="914400" rtl="0" eaLnBrk="1" latinLnBrk="0" hangingPunct="1">
+              <a:spcBef>
+                <a:spcPct val="20000"/>
+              </a:spcBef>
+              <a:buFont typeface="Arial" pitchFamily="34" charset="0"/>
+              <a:buChar char="•"/>
+              <a:defRPr sz="2000" kern="1200">
+                <a:solidFill>
+                  <a:schemeClr val="tx1"/>
+                </a:solidFill>
+                <a:latin typeface="+mn-lt"/>
+                <a:ea typeface="+mn-ea"/>
+                <a:cs typeface="+mn-cs"/>
+              </a:defRPr>
+            </a:lvl7pPr>
+            <a:lvl8pPr marL="3429000" indent="-228600" algn="l" defTabSz="914400" rtl="0" eaLnBrk="1" latinLnBrk="0" hangingPunct="1">
+              <a:spcBef>
+                <a:spcPct val="20000"/>
+              </a:spcBef>
+              <a:buFont typeface="Arial" pitchFamily="34" charset="0"/>
+              <a:buChar char="•"/>
+              <a:defRPr sz="2000" kern="1200">
+                <a:solidFill>
+                  <a:schemeClr val="tx1"/>
+                </a:solidFill>
+                <a:latin typeface="+mn-lt"/>
+                <a:ea typeface="+mn-ea"/>
+                <a:cs typeface="+mn-cs"/>
+              </a:defRPr>
+            </a:lvl8pPr>
+            <a:lvl9pPr marL="3886200" indent="-228600" algn="l" defTabSz="914400" rtl="0" eaLnBrk="1" latinLnBrk="0" hangingPunct="1">
+              <a:spcBef>
+                <a:spcPct val="20000"/>
+              </a:spcBef>
+              <a:buFont typeface="Arial" pitchFamily="34" charset="0"/>
+              <a:buChar char="•"/>
+              <a:defRPr sz="2000" kern="1200">
+                <a:solidFill>
+                  <a:schemeClr val="tx1"/>
+                </a:solidFill>
+                <a:latin typeface="+mn-lt"/>
+                <a:ea typeface="+mn-ea"/>
+                <a:cs typeface="+mn-cs"/>
+              </a:defRPr>
+            </a:lvl9pPr>
+          </a:lstStyle>
+          <a:p>
+            <a:pPr eaLnBrk="1" fontAlgn="auto" hangingPunct="1">
+              <a:spcAft>
                 <a:spcPts val="0"/>
               </a:spcAft>
-              <a:buClrTx/>
-              <a:buSzTx/>
               <a:buFont typeface="Arial" pitchFamily="34" charset="0"/>
               <a:buNone/>
-              <a:tabLst/>
               <a:defRPr/>
             </a:pPr>
             <a:r>
-              <a:rPr kumimoji="0" lang="es-AR" sz="3200" b="0" i="0" u="none" strike="noStrike" kern="1200" cap="none" spc="0" normalizeH="0" baseline="0" noProof="0" smtClean="0">
-                <a:ln>
-                  <a:noFill/>
-                </a:ln>
+              <a:rPr lang="es-AR" u="none" dirty="0" smtClean="0">
                 <a:solidFill>
                   <a:schemeClr val="tx1">
                     <a:lumMod val="65000"/>
                     <a:lumOff val="35000"/>
                   </a:schemeClr>
                 </a:solidFill>
-                <a:effectLst/>
-                <a:uLnTx/>
-                <a:uFillTx/>
-                <a:latin typeface="+mn-lt"/>
-                <a:ea typeface="+mn-ea"/>
-                <a:cs typeface="+mn-cs"/>
               </a:rPr>
               <a:t>75.45 - Taller de Desarrollo de Proyectos I</a:t>
             </a:r>
-            <a:endParaRPr kumimoji="0" lang="es-AR" sz="3200" b="0" i="0" u="none" strike="noStrike" kern="1200" cap="none" spc="0" normalizeH="0" baseline="0" noProof="0" dirty="0">
-              <a:ln>
-                <a:noFill/>
-              </a:ln>
+            <a:endParaRPr lang="es-AR" u="none" dirty="0">
               <a:solidFill>
                 <a:schemeClr val="tx1">
                   <a:lumMod val="65000"/>
                   <a:lumOff val="35000"/>
                 </a:schemeClr>
               </a:solidFill>
-              <a:effectLst/>
-              <a:uLnTx/>
-              <a:uFillTx/>
-              <a:latin typeface="+mn-lt"/>
-              <a:ea typeface="+mn-ea"/>
-              <a:cs typeface="+mn-cs"/>
             </a:endParaRPr>
           </a:p>
         </p:txBody>
       </p:sp>
       <p:cxnSp>
         <p:nvCxnSpPr>
-          <p:cNvPr id="5" name="Straight Connector 4"/>
+          <p:cNvPr id="9" name="Straight Connector 8"/>
           <p:cNvCxnSpPr/>
           <p:nvPr/>
         </p:nvCxnSpPr>
@@ -9164,13 +9450,13 @@
       </p:cxnSp>
       <p:sp>
         <p:nvSpPr>
-          <p:cNvPr id="6" name="1 Título"/>
+          <p:cNvPr id="10" name="1 Título"/>
           <p:cNvSpPr txBox="1">
             <a:spLocks/>
           </p:cNvSpPr>
           <p:nvPr/>
         </p:nvSpPr>
-        <p:spPr>
+        <p:spPr bwMode="auto">
           <a:xfrm>
             <a:off x="34925" y="260350"/>
             <a:ext cx="2736850" cy="288925"/>
@@ -9178,67 +9464,63 @@
           <a:prstGeom prst="rect">
             <a:avLst/>
           </a:prstGeom>
-        </p:spPr>
-        <p:txBody>
-          <a:bodyPr rtlCol="0">
-            <a:normAutofit fontScale="75000" lnSpcReduction="20000"/>
-          </a:bodyPr>
+          <a:noFill/>
+          <a:ln w="9525">
+            <a:noFill/>
+            <a:miter lim="800000"/>
+            <a:headEnd/>
+            <a:tailEnd/>
+          </a:ln>
+        </p:spPr>
+        <p:txBody>
+          <a:bodyPr anchor="ctr"/>
           <a:lstStyle/>
           <a:p>
-            <a:pPr marL="0" marR="0" lvl="0" indent="0" algn="ctr" defTabSz="914400" rtl="0" eaLnBrk="1" fontAlgn="auto" latinLnBrk="0" hangingPunct="1">
-              <a:lnSpc>
-                <a:spcPct val="100000"/>
-              </a:lnSpc>
-              <a:spcBef>
-                <a:spcPct val="0"/>
-              </a:spcBef>
-              <a:spcAft>
-                <a:spcPts val="0"/>
-              </a:spcAft>
-              <a:buClrTx/>
-              <a:buSzTx/>
-              <a:buFontTx/>
-              <a:buNone/>
-              <a:tabLst/>
-              <a:defRPr/>
-            </a:pPr>
-            <a:r>
-              <a:rPr kumimoji="0" lang="es-AR" sz="2000" b="0" i="0" u="none" strike="noStrike" kern="1200" cap="none" spc="0" normalizeH="0" baseline="0" noProof="0" smtClean="0">
-                <a:ln>
-                  <a:noFill/>
-                </a:ln>
+            <a:pPr algn="ctr"/>
+            <a:r>
+              <a:rPr lang="es-AR" u="none" dirty="0" err="1">
                 <a:solidFill>
                   <a:srgbClr val="C00000"/>
                 </a:solidFill>
-                <a:effectLst/>
-                <a:uLnTx/>
-                <a:uFillTx/>
-                <a:latin typeface="Aharoni" pitchFamily="2" charset="-79"/>
-                <a:ea typeface="+mj-ea"/>
-                <a:cs typeface="Aharoni" pitchFamily="2" charset="-79"/>
-              </a:rPr>
-              <a:t>Panic Dial Button</a:t>
-            </a:r>
-            <a:endParaRPr kumimoji="0" lang="es-AR" sz="2000" b="0" i="0" u="none" strike="noStrike" kern="1200" cap="none" spc="0" normalizeH="0" baseline="0" noProof="0" dirty="0">
-              <a:ln>
-                <a:noFill/>
-              </a:ln>
-              <a:solidFill>
-                <a:schemeClr val="tx1"/>
-              </a:solidFill>
-              <a:effectLst/>
-              <a:uLnTx/>
-              <a:uFillTx/>
-              <a:latin typeface="Aharoni" pitchFamily="2" charset="-79"/>
-              <a:ea typeface="+mj-ea"/>
-              <a:cs typeface="Aharoni" pitchFamily="2" charset="-79"/>
+                <a:latin typeface="Aharoni"/>
+                <a:ea typeface="Aharoni"/>
+                <a:cs typeface="Aharoni"/>
+              </a:rPr>
+              <a:t>Panic</a:t>
+            </a:r>
+            <a:r>
+              <a:rPr lang="es-AR" u="none" dirty="0">
+                <a:solidFill>
+                  <a:srgbClr val="C00000"/>
+                </a:solidFill>
+                <a:latin typeface="Aharoni"/>
+                <a:ea typeface="Aharoni"/>
+                <a:cs typeface="Aharoni"/>
+              </a:rPr>
+              <a:t> Dial </a:t>
+            </a:r>
+            <a:r>
+              <a:rPr lang="es-AR" u="none" dirty="0" err="1">
+                <a:solidFill>
+                  <a:srgbClr val="C00000"/>
+                </a:solidFill>
+                <a:latin typeface="Aharoni"/>
+                <a:ea typeface="Aharoni"/>
+                <a:cs typeface="Aharoni"/>
+              </a:rPr>
+              <a:t>Button</a:t>
+            </a:r>
+            <a:endParaRPr lang="es-AR" u="none" dirty="0">
+              <a:latin typeface="Aharoni"/>
+              <a:ea typeface="Aharoni"/>
+              <a:cs typeface="Aharoni"/>
             </a:endParaRPr>
           </a:p>
         </p:txBody>
       </p:sp>
       <p:pic>
         <p:nvPicPr>
-          <p:cNvPr id="7" name="Picture 5"/>
+          <p:cNvPr id="11" name="Picture 5"/>
           <p:cNvPicPr>
             <a:picLocks noChangeAspect="1"/>
           </p:cNvPicPr>
@@ -9405,7 +9687,7 @@
       </p:sp>
       <p:sp>
         <p:nvSpPr>
-          <p:cNvPr id="4" name="2 Subtítulo"/>
+          <p:cNvPr id="8" name="2 Subtítulo"/>
           <p:cNvSpPr txBox="1">
             <a:spLocks/>
           </p:cNvSpPr>
@@ -9413,7 +9695,7 @@
         </p:nvSpPr>
         <p:spPr>
           <a:xfrm>
-            <a:off x="5148263" y="239713"/>
+            <a:off x="5435724" y="239713"/>
             <a:ext cx="3960812" cy="381000"/>
           </a:xfrm>
           <a:prstGeom prst="rect">
@@ -9424,68 +9706,192 @@
           <a:bodyPr rtlCol="0">
             <a:normAutofit fontScale="47500" lnSpcReduction="20000"/>
           </a:bodyPr>
-          <a:lstStyle/>
-          <a:p>
-            <a:pPr marL="342900" marR="0" lvl="0" indent="-342900" algn="l" defTabSz="914400" rtl="0" eaLnBrk="1" fontAlgn="auto" latinLnBrk="0" hangingPunct="1">
-              <a:lnSpc>
-                <a:spcPct val="100000"/>
-              </a:lnSpc>
+          <a:lstStyle>
+            <a:lvl1pPr marL="342900" indent="-342900" algn="l" rtl="0" eaLnBrk="0" fontAlgn="base" hangingPunct="0">
               <a:spcBef>
                 <a:spcPct val="20000"/>
               </a:spcBef>
               <a:spcAft>
+                <a:spcPct val="0"/>
+              </a:spcAft>
+              <a:buFont typeface="Arial" charset="0"/>
+              <a:buChar char="•"/>
+              <a:defRPr sz="3200" kern="1200">
+                <a:solidFill>
+                  <a:schemeClr val="tx1"/>
+                </a:solidFill>
+                <a:latin typeface="+mn-lt"/>
+                <a:ea typeface="+mn-ea"/>
+                <a:cs typeface="+mn-cs"/>
+              </a:defRPr>
+            </a:lvl1pPr>
+            <a:lvl2pPr marL="742950" indent="-285750" algn="l" rtl="0" eaLnBrk="0" fontAlgn="base" hangingPunct="0">
+              <a:spcBef>
+                <a:spcPct val="20000"/>
+              </a:spcBef>
+              <a:spcAft>
+                <a:spcPct val="0"/>
+              </a:spcAft>
+              <a:buFont typeface="Arial" charset="0"/>
+              <a:buChar char="–"/>
+              <a:defRPr sz="2800" kern="1200">
+                <a:solidFill>
+                  <a:schemeClr val="tx1"/>
+                </a:solidFill>
+                <a:latin typeface="+mn-lt"/>
+                <a:ea typeface="+mn-ea"/>
+                <a:cs typeface="+mn-cs"/>
+              </a:defRPr>
+            </a:lvl2pPr>
+            <a:lvl3pPr marL="1143000" indent="-228600" algn="l" rtl="0" eaLnBrk="0" fontAlgn="base" hangingPunct="0">
+              <a:spcBef>
+                <a:spcPct val="20000"/>
+              </a:spcBef>
+              <a:spcAft>
+                <a:spcPct val="0"/>
+              </a:spcAft>
+              <a:buFont typeface="Arial" charset="0"/>
+              <a:buChar char="•"/>
+              <a:defRPr sz="2400" kern="1200">
+                <a:solidFill>
+                  <a:schemeClr val="tx1"/>
+                </a:solidFill>
+                <a:latin typeface="+mn-lt"/>
+                <a:ea typeface="+mn-ea"/>
+                <a:cs typeface="+mn-cs"/>
+              </a:defRPr>
+            </a:lvl3pPr>
+            <a:lvl4pPr marL="1600200" indent="-228600" algn="l" rtl="0" eaLnBrk="0" fontAlgn="base" hangingPunct="0">
+              <a:spcBef>
+                <a:spcPct val="20000"/>
+              </a:spcBef>
+              <a:spcAft>
+                <a:spcPct val="0"/>
+              </a:spcAft>
+              <a:buFont typeface="Arial" charset="0"/>
+              <a:buChar char="–"/>
+              <a:defRPr sz="2000" kern="1200">
+                <a:solidFill>
+                  <a:schemeClr val="tx1"/>
+                </a:solidFill>
+                <a:latin typeface="+mn-lt"/>
+                <a:ea typeface="+mn-ea"/>
+                <a:cs typeface="+mn-cs"/>
+              </a:defRPr>
+            </a:lvl4pPr>
+            <a:lvl5pPr marL="2057400" indent="-228600" algn="l" rtl="0" eaLnBrk="0" fontAlgn="base" hangingPunct="0">
+              <a:spcBef>
+                <a:spcPct val="20000"/>
+              </a:spcBef>
+              <a:spcAft>
+                <a:spcPct val="0"/>
+              </a:spcAft>
+              <a:buFont typeface="Arial" charset="0"/>
+              <a:buChar char="»"/>
+              <a:defRPr sz="2000" kern="1200">
+                <a:solidFill>
+                  <a:schemeClr val="tx1"/>
+                </a:solidFill>
+                <a:latin typeface="+mn-lt"/>
+                <a:ea typeface="+mn-ea"/>
+                <a:cs typeface="+mn-cs"/>
+              </a:defRPr>
+            </a:lvl5pPr>
+            <a:lvl6pPr marL="2514600" indent="-228600" algn="l" defTabSz="914400" rtl="0" eaLnBrk="1" latinLnBrk="0" hangingPunct="1">
+              <a:spcBef>
+                <a:spcPct val="20000"/>
+              </a:spcBef>
+              <a:buFont typeface="Arial" pitchFamily="34" charset="0"/>
+              <a:buChar char="•"/>
+              <a:defRPr sz="2000" kern="1200">
+                <a:solidFill>
+                  <a:schemeClr val="tx1"/>
+                </a:solidFill>
+                <a:latin typeface="+mn-lt"/>
+                <a:ea typeface="+mn-ea"/>
+                <a:cs typeface="+mn-cs"/>
+              </a:defRPr>
+            </a:lvl6pPr>
+            <a:lvl7pPr marL="2971800" indent="-228600" algn="l" defTabSz="914400" rtl="0" eaLnBrk="1" latinLnBrk="0" hangingPunct="1">
+              <a:spcBef>
+                <a:spcPct val="20000"/>
+              </a:spcBef>
+              <a:buFont typeface="Arial" pitchFamily="34" charset="0"/>
+              <a:buChar char="•"/>
+              <a:defRPr sz="2000" kern="1200">
+                <a:solidFill>
+                  <a:schemeClr val="tx1"/>
+                </a:solidFill>
+                <a:latin typeface="+mn-lt"/>
+                <a:ea typeface="+mn-ea"/>
+                <a:cs typeface="+mn-cs"/>
+              </a:defRPr>
+            </a:lvl7pPr>
+            <a:lvl8pPr marL="3429000" indent="-228600" algn="l" defTabSz="914400" rtl="0" eaLnBrk="1" latinLnBrk="0" hangingPunct="1">
+              <a:spcBef>
+                <a:spcPct val="20000"/>
+              </a:spcBef>
+              <a:buFont typeface="Arial" pitchFamily="34" charset="0"/>
+              <a:buChar char="•"/>
+              <a:defRPr sz="2000" kern="1200">
+                <a:solidFill>
+                  <a:schemeClr val="tx1"/>
+                </a:solidFill>
+                <a:latin typeface="+mn-lt"/>
+                <a:ea typeface="+mn-ea"/>
+                <a:cs typeface="+mn-cs"/>
+              </a:defRPr>
+            </a:lvl8pPr>
+            <a:lvl9pPr marL="3886200" indent="-228600" algn="l" defTabSz="914400" rtl="0" eaLnBrk="1" latinLnBrk="0" hangingPunct="1">
+              <a:spcBef>
+                <a:spcPct val="20000"/>
+              </a:spcBef>
+              <a:buFont typeface="Arial" pitchFamily="34" charset="0"/>
+              <a:buChar char="•"/>
+              <a:defRPr sz="2000" kern="1200">
+                <a:solidFill>
+                  <a:schemeClr val="tx1"/>
+                </a:solidFill>
+                <a:latin typeface="+mn-lt"/>
+                <a:ea typeface="+mn-ea"/>
+                <a:cs typeface="+mn-cs"/>
+              </a:defRPr>
+            </a:lvl9pPr>
+          </a:lstStyle>
+          <a:p>
+            <a:pPr eaLnBrk="1" fontAlgn="auto" hangingPunct="1">
+              <a:spcAft>
                 <a:spcPts val="0"/>
               </a:spcAft>
-              <a:buClrTx/>
-              <a:buSzTx/>
               <a:buFont typeface="Arial" pitchFamily="34" charset="0"/>
               <a:buNone/>
-              <a:tabLst/>
               <a:defRPr/>
             </a:pPr>
             <a:r>
-              <a:rPr kumimoji="0" lang="es-AR" sz="3200" b="0" i="0" u="none" strike="noStrike" kern="1200" cap="none" spc="0" normalizeH="0" baseline="0" noProof="0" smtClean="0">
-                <a:ln>
-                  <a:noFill/>
-                </a:ln>
+              <a:rPr lang="es-AR" u="none" dirty="0" smtClean="0">
                 <a:solidFill>
                   <a:schemeClr val="tx1">
                     <a:lumMod val="65000"/>
                     <a:lumOff val="35000"/>
                   </a:schemeClr>
                 </a:solidFill>
-                <a:effectLst/>
-                <a:uLnTx/>
-                <a:uFillTx/>
-                <a:latin typeface="+mn-lt"/>
-                <a:ea typeface="+mn-ea"/>
-                <a:cs typeface="+mn-cs"/>
               </a:rPr>
               <a:t>75.45 - Taller de Desarrollo de Proyectos I</a:t>
             </a:r>
-            <a:endParaRPr kumimoji="0" lang="es-AR" sz="3200" b="0" i="0" u="none" strike="noStrike" kern="1200" cap="none" spc="0" normalizeH="0" baseline="0" noProof="0" dirty="0">
-              <a:ln>
-                <a:noFill/>
-              </a:ln>
+            <a:endParaRPr lang="es-AR" u="none" dirty="0">
               <a:solidFill>
                 <a:schemeClr val="tx1">
                   <a:lumMod val="65000"/>
                   <a:lumOff val="35000"/>
                 </a:schemeClr>
               </a:solidFill>
-              <a:effectLst/>
-              <a:uLnTx/>
-              <a:uFillTx/>
-              <a:latin typeface="+mn-lt"/>
-              <a:ea typeface="+mn-ea"/>
-              <a:cs typeface="+mn-cs"/>
             </a:endParaRPr>
           </a:p>
         </p:txBody>
       </p:sp>
       <p:cxnSp>
         <p:nvCxnSpPr>
-          <p:cNvPr id="5" name="Straight Connector 4"/>
+          <p:cNvPr id="9" name="Straight Connector 8"/>
           <p:cNvCxnSpPr/>
           <p:nvPr/>
         </p:nvCxnSpPr>
@@ -9522,13 +9928,13 @@
       </p:cxnSp>
       <p:sp>
         <p:nvSpPr>
-          <p:cNvPr id="6" name="1 Título"/>
+          <p:cNvPr id="10" name="1 Título"/>
           <p:cNvSpPr txBox="1">
             <a:spLocks/>
           </p:cNvSpPr>
           <p:nvPr/>
         </p:nvSpPr>
-        <p:spPr>
+        <p:spPr bwMode="auto">
           <a:xfrm>
             <a:off x="34925" y="260350"/>
             <a:ext cx="2736850" cy="288925"/>
@@ -9536,67 +9942,63 @@
           <a:prstGeom prst="rect">
             <a:avLst/>
           </a:prstGeom>
-        </p:spPr>
-        <p:txBody>
-          <a:bodyPr rtlCol="0">
-            <a:normAutofit fontScale="75000" lnSpcReduction="20000"/>
-          </a:bodyPr>
+          <a:noFill/>
+          <a:ln w="9525">
+            <a:noFill/>
+            <a:miter lim="800000"/>
+            <a:headEnd/>
+            <a:tailEnd/>
+          </a:ln>
+        </p:spPr>
+        <p:txBody>
+          <a:bodyPr anchor="ctr"/>
           <a:lstStyle/>
           <a:p>
-            <a:pPr marL="0" marR="0" lvl="0" indent="0" algn="ctr" defTabSz="914400" rtl="0" eaLnBrk="1" fontAlgn="auto" latinLnBrk="0" hangingPunct="1">
-              <a:lnSpc>
-                <a:spcPct val="100000"/>
-              </a:lnSpc>
-              <a:spcBef>
-                <a:spcPct val="0"/>
-              </a:spcBef>
-              <a:spcAft>
-                <a:spcPts val="0"/>
-              </a:spcAft>
-              <a:buClrTx/>
-              <a:buSzTx/>
-              <a:buFontTx/>
-              <a:buNone/>
-              <a:tabLst/>
-              <a:defRPr/>
-            </a:pPr>
-            <a:r>
-              <a:rPr kumimoji="0" lang="es-AR" sz="2000" b="0" i="0" u="none" strike="noStrike" kern="1200" cap="none" spc="0" normalizeH="0" baseline="0" noProof="0" smtClean="0">
-                <a:ln>
-                  <a:noFill/>
-                </a:ln>
+            <a:pPr algn="ctr"/>
+            <a:r>
+              <a:rPr lang="es-AR" u="none" dirty="0" err="1">
                 <a:solidFill>
                   <a:srgbClr val="C00000"/>
                 </a:solidFill>
-                <a:effectLst/>
-                <a:uLnTx/>
-                <a:uFillTx/>
-                <a:latin typeface="Aharoni" pitchFamily="2" charset="-79"/>
-                <a:ea typeface="+mj-ea"/>
-                <a:cs typeface="Aharoni" pitchFamily="2" charset="-79"/>
-              </a:rPr>
-              <a:t>Panic Dial Button</a:t>
-            </a:r>
-            <a:endParaRPr kumimoji="0" lang="es-AR" sz="2000" b="0" i="0" u="none" strike="noStrike" kern="1200" cap="none" spc="0" normalizeH="0" baseline="0" noProof="0" dirty="0">
-              <a:ln>
-                <a:noFill/>
-              </a:ln>
-              <a:solidFill>
-                <a:schemeClr val="tx1"/>
-              </a:solidFill>
-              <a:effectLst/>
-              <a:uLnTx/>
-              <a:uFillTx/>
-              <a:latin typeface="Aharoni" pitchFamily="2" charset="-79"/>
-              <a:ea typeface="+mj-ea"/>
-              <a:cs typeface="Aharoni" pitchFamily="2" charset="-79"/>
+                <a:latin typeface="Aharoni"/>
+                <a:ea typeface="Aharoni"/>
+                <a:cs typeface="Aharoni"/>
+              </a:rPr>
+              <a:t>Panic</a:t>
+            </a:r>
+            <a:r>
+              <a:rPr lang="es-AR" u="none" dirty="0">
+                <a:solidFill>
+                  <a:srgbClr val="C00000"/>
+                </a:solidFill>
+                <a:latin typeface="Aharoni"/>
+                <a:ea typeface="Aharoni"/>
+                <a:cs typeface="Aharoni"/>
+              </a:rPr>
+              <a:t> Dial </a:t>
+            </a:r>
+            <a:r>
+              <a:rPr lang="es-AR" u="none" dirty="0" err="1">
+                <a:solidFill>
+                  <a:srgbClr val="C00000"/>
+                </a:solidFill>
+                <a:latin typeface="Aharoni"/>
+                <a:ea typeface="Aharoni"/>
+                <a:cs typeface="Aharoni"/>
+              </a:rPr>
+              <a:t>Button</a:t>
+            </a:r>
+            <a:endParaRPr lang="es-AR" u="none" dirty="0">
+              <a:latin typeface="Aharoni"/>
+              <a:ea typeface="Aharoni"/>
+              <a:cs typeface="Aharoni"/>
             </a:endParaRPr>
           </a:p>
         </p:txBody>
       </p:sp>
       <p:pic>
         <p:nvPicPr>
-          <p:cNvPr id="7" name="Picture 5"/>
+          <p:cNvPr id="11" name="Picture 5"/>
           <p:cNvPicPr>
             <a:picLocks noChangeAspect="1"/>
           </p:cNvPicPr>
@@ -9707,7 +10109,7 @@
       </p:pic>
       <p:sp>
         <p:nvSpPr>
-          <p:cNvPr id="4" name="2 Subtítulo"/>
+          <p:cNvPr id="16" name="2 Subtítulo"/>
           <p:cNvSpPr txBox="1">
             <a:spLocks/>
           </p:cNvSpPr>
@@ -9715,7 +10117,7 @@
         </p:nvSpPr>
         <p:spPr>
           <a:xfrm>
-            <a:off x="5148263" y="239713"/>
+            <a:off x="5435724" y="239713"/>
             <a:ext cx="3960812" cy="381000"/>
           </a:xfrm>
           <a:prstGeom prst="rect">
@@ -9726,68 +10128,192 @@
           <a:bodyPr rtlCol="0">
             <a:normAutofit fontScale="47500" lnSpcReduction="20000"/>
           </a:bodyPr>
-          <a:lstStyle/>
-          <a:p>
-            <a:pPr marL="342900" marR="0" lvl="0" indent="-342900" algn="l" defTabSz="914400" rtl="0" eaLnBrk="1" fontAlgn="auto" latinLnBrk="0" hangingPunct="1">
-              <a:lnSpc>
-                <a:spcPct val="100000"/>
-              </a:lnSpc>
+          <a:lstStyle>
+            <a:lvl1pPr marL="342900" indent="-342900" algn="l" rtl="0" eaLnBrk="0" fontAlgn="base" hangingPunct="0">
               <a:spcBef>
                 <a:spcPct val="20000"/>
               </a:spcBef>
               <a:spcAft>
+                <a:spcPct val="0"/>
+              </a:spcAft>
+              <a:buFont typeface="Arial" charset="0"/>
+              <a:buChar char="•"/>
+              <a:defRPr sz="3200" kern="1200">
+                <a:solidFill>
+                  <a:schemeClr val="tx1"/>
+                </a:solidFill>
+                <a:latin typeface="+mn-lt"/>
+                <a:ea typeface="+mn-ea"/>
+                <a:cs typeface="+mn-cs"/>
+              </a:defRPr>
+            </a:lvl1pPr>
+            <a:lvl2pPr marL="742950" indent="-285750" algn="l" rtl="0" eaLnBrk="0" fontAlgn="base" hangingPunct="0">
+              <a:spcBef>
+                <a:spcPct val="20000"/>
+              </a:spcBef>
+              <a:spcAft>
+                <a:spcPct val="0"/>
+              </a:spcAft>
+              <a:buFont typeface="Arial" charset="0"/>
+              <a:buChar char="–"/>
+              <a:defRPr sz="2800" kern="1200">
+                <a:solidFill>
+                  <a:schemeClr val="tx1"/>
+                </a:solidFill>
+                <a:latin typeface="+mn-lt"/>
+                <a:ea typeface="+mn-ea"/>
+                <a:cs typeface="+mn-cs"/>
+              </a:defRPr>
+            </a:lvl2pPr>
+            <a:lvl3pPr marL="1143000" indent="-228600" algn="l" rtl="0" eaLnBrk="0" fontAlgn="base" hangingPunct="0">
+              <a:spcBef>
+                <a:spcPct val="20000"/>
+              </a:spcBef>
+              <a:spcAft>
+                <a:spcPct val="0"/>
+              </a:spcAft>
+              <a:buFont typeface="Arial" charset="0"/>
+              <a:buChar char="•"/>
+              <a:defRPr sz="2400" kern="1200">
+                <a:solidFill>
+                  <a:schemeClr val="tx1"/>
+                </a:solidFill>
+                <a:latin typeface="+mn-lt"/>
+                <a:ea typeface="+mn-ea"/>
+                <a:cs typeface="+mn-cs"/>
+              </a:defRPr>
+            </a:lvl3pPr>
+            <a:lvl4pPr marL="1600200" indent="-228600" algn="l" rtl="0" eaLnBrk="0" fontAlgn="base" hangingPunct="0">
+              <a:spcBef>
+                <a:spcPct val="20000"/>
+              </a:spcBef>
+              <a:spcAft>
+                <a:spcPct val="0"/>
+              </a:spcAft>
+              <a:buFont typeface="Arial" charset="0"/>
+              <a:buChar char="–"/>
+              <a:defRPr sz="2000" kern="1200">
+                <a:solidFill>
+                  <a:schemeClr val="tx1"/>
+                </a:solidFill>
+                <a:latin typeface="+mn-lt"/>
+                <a:ea typeface="+mn-ea"/>
+                <a:cs typeface="+mn-cs"/>
+              </a:defRPr>
+            </a:lvl4pPr>
+            <a:lvl5pPr marL="2057400" indent="-228600" algn="l" rtl="0" eaLnBrk="0" fontAlgn="base" hangingPunct="0">
+              <a:spcBef>
+                <a:spcPct val="20000"/>
+              </a:spcBef>
+              <a:spcAft>
+                <a:spcPct val="0"/>
+              </a:spcAft>
+              <a:buFont typeface="Arial" charset="0"/>
+              <a:buChar char="»"/>
+              <a:defRPr sz="2000" kern="1200">
+                <a:solidFill>
+                  <a:schemeClr val="tx1"/>
+                </a:solidFill>
+                <a:latin typeface="+mn-lt"/>
+                <a:ea typeface="+mn-ea"/>
+                <a:cs typeface="+mn-cs"/>
+              </a:defRPr>
+            </a:lvl5pPr>
+            <a:lvl6pPr marL="2514600" indent="-228600" algn="l" defTabSz="914400" rtl="0" eaLnBrk="1" latinLnBrk="0" hangingPunct="1">
+              <a:spcBef>
+                <a:spcPct val="20000"/>
+              </a:spcBef>
+              <a:buFont typeface="Arial" pitchFamily="34" charset="0"/>
+              <a:buChar char="•"/>
+              <a:defRPr sz="2000" kern="1200">
+                <a:solidFill>
+                  <a:schemeClr val="tx1"/>
+                </a:solidFill>
+                <a:latin typeface="+mn-lt"/>
+                <a:ea typeface="+mn-ea"/>
+                <a:cs typeface="+mn-cs"/>
+              </a:defRPr>
+            </a:lvl6pPr>
+            <a:lvl7pPr marL="2971800" indent="-228600" algn="l" defTabSz="914400" rtl="0" eaLnBrk="1" latinLnBrk="0" hangingPunct="1">
+              <a:spcBef>
+                <a:spcPct val="20000"/>
+              </a:spcBef>
+              <a:buFont typeface="Arial" pitchFamily="34" charset="0"/>
+              <a:buChar char="•"/>
+              <a:defRPr sz="2000" kern="1200">
+                <a:solidFill>
+                  <a:schemeClr val="tx1"/>
+                </a:solidFill>
+                <a:latin typeface="+mn-lt"/>
+                <a:ea typeface="+mn-ea"/>
+                <a:cs typeface="+mn-cs"/>
+              </a:defRPr>
+            </a:lvl7pPr>
+            <a:lvl8pPr marL="3429000" indent="-228600" algn="l" defTabSz="914400" rtl="0" eaLnBrk="1" latinLnBrk="0" hangingPunct="1">
+              <a:spcBef>
+                <a:spcPct val="20000"/>
+              </a:spcBef>
+              <a:buFont typeface="Arial" pitchFamily="34" charset="0"/>
+              <a:buChar char="•"/>
+              <a:defRPr sz="2000" kern="1200">
+                <a:solidFill>
+                  <a:schemeClr val="tx1"/>
+                </a:solidFill>
+                <a:latin typeface="+mn-lt"/>
+                <a:ea typeface="+mn-ea"/>
+                <a:cs typeface="+mn-cs"/>
+              </a:defRPr>
+            </a:lvl8pPr>
+            <a:lvl9pPr marL="3886200" indent="-228600" algn="l" defTabSz="914400" rtl="0" eaLnBrk="1" latinLnBrk="0" hangingPunct="1">
+              <a:spcBef>
+                <a:spcPct val="20000"/>
+              </a:spcBef>
+              <a:buFont typeface="Arial" pitchFamily="34" charset="0"/>
+              <a:buChar char="•"/>
+              <a:defRPr sz="2000" kern="1200">
+                <a:solidFill>
+                  <a:schemeClr val="tx1"/>
+                </a:solidFill>
+                <a:latin typeface="+mn-lt"/>
+                <a:ea typeface="+mn-ea"/>
+                <a:cs typeface="+mn-cs"/>
+              </a:defRPr>
+            </a:lvl9pPr>
+          </a:lstStyle>
+          <a:p>
+            <a:pPr eaLnBrk="1" fontAlgn="auto" hangingPunct="1">
+              <a:spcAft>
                 <a:spcPts val="0"/>
               </a:spcAft>
-              <a:buClrTx/>
-              <a:buSzTx/>
               <a:buFont typeface="Arial" pitchFamily="34" charset="0"/>
               <a:buNone/>
-              <a:tabLst/>
               <a:defRPr/>
             </a:pPr>
             <a:r>
-              <a:rPr kumimoji="0" lang="es-AR" sz="3200" b="0" i="0" u="none" strike="noStrike" kern="1200" cap="none" spc="0" normalizeH="0" baseline="0" noProof="0" smtClean="0">
-                <a:ln>
-                  <a:noFill/>
-                </a:ln>
+              <a:rPr lang="es-AR" u="none" dirty="0" smtClean="0">
                 <a:solidFill>
                   <a:schemeClr val="tx1">
                     <a:lumMod val="65000"/>
                     <a:lumOff val="35000"/>
                   </a:schemeClr>
                 </a:solidFill>
-                <a:effectLst/>
-                <a:uLnTx/>
-                <a:uFillTx/>
-                <a:latin typeface="+mn-lt"/>
-                <a:ea typeface="+mn-ea"/>
-                <a:cs typeface="+mn-cs"/>
               </a:rPr>
               <a:t>75.45 - Taller de Desarrollo de Proyectos I</a:t>
             </a:r>
-            <a:endParaRPr kumimoji="0" lang="es-AR" sz="3200" b="0" i="0" u="none" strike="noStrike" kern="1200" cap="none" spc="0" normalizeH="0" baseline="0" noProof="0" dirty="0">
-              <a:ln>
-                <a:noFill/>
-              </a:ln>
+            <a:endParaRPr lang="es-AR" u="none" dirty="0">
               <a:solidFill>
                 <a:schemeClr val="tx1">
                   <a:lumMod val="65000"/>
                   <a:lumOff val="35000"/>
                 </a:schemeClr>
               </a:solidFill>
-              <a:effectLst/>
-              <a:uLnTx/>
-              <a:uFillTx/>
-              <a:latin typeface="+mn-lt"/>
-              <a:ea typeface="+mn-ea"/>
-              <a:cs typeface="+mn-cs"/>
             </a:endParaRPr>
           </a:p>
         </p:txBody>
       </p:sp>
       <p:cxnSp>
         <p:nvCxnSpPr>
-          <p:cNvPr id="5" name="Straight Connector 4"/>
+          <p:cNvPr id="17" name="Straight Connector 16"/>
           <p:cNvCxnSpPr/>
           <p:nvPr/>
         </p:nvCxnSpPr>
@@ -9824,13 +10350,13 @@
       </p:cxnSp>
       <p:sp>
         <p:nvSpPr>
-          <p:cNvPr id="6" name="1 Título"/>
+          <p:cNvPr id="18" name="1 Título"/>
           <p:cNvSpPr txBox="1">
             <a:spLocks/>
           </p:cNvSpPr>
           <p:nvPr/>
         </p:nvSpPr>
-        <p:spPr>
+        <p:spPr bwMode="auto">
           <a:xfrm>
             <a:off x="34925" y="260350"/>
             <a:ext cx="2736850" cy="288925"/>
@@ -9838,67 +10364,63 @@
           <a:prstGeom prst="rect">
             <a:avLst/>
           </a:prstGeom>
-        </p:spPr>
-        <p:txBody>
-          <a:bodyPr rtlCol="0">
-            <a:normAutofit fontScale="75000" lnSpcReduction="20000"/>
-          </a:bodyPr>
+          <a:noFill/>
+          <a:ln w="9525">
+            <a:noFill/>
+            <a:miter lim="800000"/>
+            <a:headEnd/>
+            <a:tailEnd/>
+          </a:ln>
+        </p:spPr>
+        <p:txBody>
+          <a:bodyPr anchor="ctr"/>
           <a:lstStyle/>
           <a:p>
-            <a:pPr marL="0" marR="0" lvl="0" indent="0" algn="ctr" defTabSz="914400" rtl="0" eaLnBrk="1" fontAlgn="auto" latinLnBrk="0" hangingPunct="1">
-              <a:lnSpc>
-                <a:spcPct val="100000"/>
-              </a:lnSpc>
-              <a:spcBef>
-                <a:spcPct val="0"/>
-              </a:spcBef>
-              <a:spcAft>
-                <a:spcPts val="0"/>
-              </a:spcAft>
-              <a:buClrTx/>
-              <a:buSzTx/>
-              <a:buFontTx/>
-              <a:buNone/>
-              <a:tabLst/>
-              <a:defRPr/>
-            </a:pPr>
-            <a:r>
-              <a:rPr kumimoji="0" lang="es-AR" sz="2000" b="0" i="0" u="none" strike="noStrike" kern="1200" cap="none" spc="0" normalizeH="0" baseline="0" noProof="0" smtClean="0">
-                <a:ln>
-                  <a:noFill/>
-                </a:ln>
+            <a:pPr algn="ctr"/>
+            <a:r>
+              <a:rPr lang="es-AR" u="none" dirty="0" err="1">
                 <a:solidFill>
                   <a:srgbClr val="C00000"/>
                 </a:solidFill>
-                <a:effectLst/>
-                <a:uLnTx/>
-                <a:uFillTx/>
-                <a:latin typeface="Aharoni" pitchFamily="2" charset="-79"/>
-                <a:ea typeface="+mj-ea"/>
-                <a:cs typeface="Aharoni" pitchFamily="2" charset="-79"/>
-              </a:rPr>
-              <a:t>Panic Dial Button</a:t>
-            </a:r>
-            <a:endParaRPr kumimoji="0" lang="es-AR" sz="2000" b="0" i="0" u="none" strike="noStrike" kern="1200" cap="none" spc="0" normalizeH="0" baseline="0" noProof="0" dirty="0">
-              <a:ln>
-                <a:noFill/>
-              </a:ln>
-              <a:solidFill>
-                <a:schemeClr val="tx1"/>
-              </a:solidFill>
-              <a:effectLst/>
-              <a:uLnTx/>
-              <a:uFillTx/>
-              <a:latin typeface="Aharoni" pitchFamily="2" charset="-79"/>
-              <a:ea typeface="+mj-ea"/>
-              <a:cs typeface="Aharoni" pitchFamily="2" charset="-79"/>
+                <a:latin typeface="Aharoni"/>
+                <a:ea typeface="Aharoni"/>
+                <a:cs typeface="Aharoni"/>
+              </a:rPr>
+              <a:t>Panic</a:t>
+            </a:r>
+            <a:r>
+              <a:rPr lang="es-AR" u="none" dirty="0">
+                <a:solidFill>
+                  <a:srgbClr val="C00000"/>
+                </a:solidFill>
+                <a:latin typeface="Aharoni"/>
+                <a:ea typeface="Aharoni"/>
+                <a:cs typeface="Aharoni"/>
+              </a:rPr>
+              <a:t> Dial </a:t>
+            </a:r>
+            <a:r>
+              <a:rPr lang="es-AR" u="none" dirty="0" err="1">
+                <a:solidFill>
+                  <a:srgbClr val="C00000"/>
+                </a:solidFill>
+                <a:latin typeface="Aharoni"/>
+                <a:ea typeface="Aharoni"/>
+                <a:cs typeface="Aharoni"/>
+              </a:rPr>
+              <a:t>Button</a:t>
+            </a:r>
+            <a:endParaRPr lang="es-AR" u="none" dirty="0">
+              <a:latin typeface="Aharoni"/>
+              <a:ea typeface="Aharoni"/>
+              <a:cs typeface="Aharoni"/>
             </a:endParaRPr>
           </a:p>
         </p:txBody>
       </p:sp>
       <p:pic>
         <p:nvPicPr>
-          <p:cNvPr id="7" name="Picture 5"/>
+          <p:cNvPr id="19" name="Picture 5"/>
           <p:cNvPicPr>
             <a:picLocks noChangeAspect="1"/>
           </p:cNvPicPr>
@@ -10043,7 +10565,7 @@
       </p:sp>
       <p:sp>
         <p:nvSpPr>
-          <p:cNvPr id="4" name="2 Subtítulo"/>
+          <p:cNvPr id="8" name="2 Subtítulo"/>
           <p:cNvSpPr txBox="1">
             <a:spLocks/>
           </p:cNvSpPr>
@@ -10051,7 +10573,7 @@
         </p:nvSpPr>
         <p:spPr>
           <a:xfrm>
-            <a:off x="5148263" y="239713"/>
+            <a:off x="5435724" y="239713"/>
             <a:ext cx="3960812" cy="381000"/>
           </a:xfrm>
           <a:prstGeom prst="rect">
@@ -10062,68 +10584,192 @@
           <a:bodyPr rtlCol="0">
             <a:normAutofit fontScale="47500" lnSpcReduction="20000"/>
           </a:bodyPr>
-          <a:lstStyle/>
-          <a:p>
-            <a:pPr marL="342900" marR="0" lvl="0" indent="-342900" algn="l" defTabSz="914400" rtl="0" eaLnBrk="1" fontAlgn="auto" latinLnBrk="0" hangingPunct="1">
-              <a:lnSpc>
-                <a:spcPct val="100000"/>
-              </a:lnSpc>
+          <a:lstStyle>
+            <a:lvl1pPr marL="342900" indent="-342900" algn="l" rtl="0" eaLnBrk="0" fontAlgn="base" hangingPunct="0">
               <a:spcBef>
                 <a:spcPct val="20000"/>
               </a:spcBef>
               <a:spcAft>
+                <a:spcPct val="0"/>
+              </a:spcAft>
+              <a:buFont typeface="Arial" charset="0"/>
+              <a:buChar char="•"/>
+              <a:defRPr sz="3200" kern="1200">
+                <a:solidFill>
+                  <a:schemeClr val="tx1"/>
+                </a:solidFill>
+                <a:latin typeface="+mn-lt"/>
+                <a:ea typeface="+mn-ea"/>
+                <a:cs typeface="+mn-cs"/>
+              </a:defRPr>
+            </a:lvl1pPr>
+            <a:lvl2pPr marL="742950" indent="-285750" algn="l" rtl="0" eaLnBrk="0" fontAlgn="base" hangingPunct="0">
+              <a:spcBef>
+                <a:spcPct val="20000"/>
+              </a:spcBef>
+              <a:spcAft>
+                <a:spcPct val="0"/>
+              </a:spcAft>
+              <a:buFont typeface="Arial" charset="0"/>
+              <a:buChar char="–"/>
+              <a:defRPr sz="2800" kern="1200">
+                <a:solidFill>
+                  <a:schemeClr val="tx1"/>
+                </a:solidFill>
+                <a:latin typeface="+mn-lt"/>
+                <a:ea typeface="+mn-ea"/>
+                <a:cs typeface="+mn-cs"/>
+              </a:defRPr>
+            </a:lvl2pPr>
+            <a:lvl3pPr marL="1143000" indent="-228600" algn="l" rtl="0" eaLnBrk="0" fontAlgn="base" hangingPunct="0">
+              <a:spcBef>
+                <a:spcPct val="20000"/>
+              </a:spcBef>
+              <a:spcAft>
+                <a:spcPct val="0"/>
+              </a:spcAft>
+              <a:buFont typeface="Arial" charset="0"/>
+              <a:buChar char="•"/>
+              <a:defRPr sz="2400" kern="1200">
+                <a:solidFill>
+                  <a:schemeClr val="tx1"/>
+                </a:solidFill>
+                <a:latin typeface="+mn-lt"/>
+                <a:ea typeface="+mn-ea"/>
+                <a:cs typeface="+mn-cs"/>
+              </a:defRPr>
+            </a:lvl3pPr>
+            <a:lvl4pPr marL="1600200" indent="-228600" algn="l" rtl="0" eaLnBrk="0" fontAlgn="base" hangingPunct="0">
+              <a:spcBef>
+                <a:spcPct val="20000"/>
+              </a:spcBef>
+              <a:spcAft>
+                <a:spcPct val="0"/>
+              </a:spcAft>
+              <a:buFont typeface="Arial" charset="0"/>
+              <a:buChar char="–"/>
+              <a:defRPr sz="2000" kern="1200">
+                <a:solidFill>
+                  <a:schemeClr val="tx1"/>
+                </a:solidFill>
+                <a:latin typeface="+mn-lt"/>
+                <a:ea typeface="+mn-ea"/>
+                <a:cs typeface="+mn-cs"/>
+              </a:defRPr>
+            </a:lvl4pPr>
+            <a:lvl5pPr marL="2057400" indent="-228600" algn="l" rtl="0" eaLnBrk="0" fontAlgn="base" hangingPunct="0">
+              <a:spcBef>
+                <a:spcPct val="20000"/>
+              </a:spcBef>
+              <a:spcAft>
+                <a:spcPct val="0"/>
+              </a:spcAft>
+              <a:buFont typeface="Arial" charset="0"/>
+              <a:buChar char="»"/>
+              <a:defRPr sz="2000" kern="1200">
+                <a:solidFill>
+                  <a:schemeClr val="tx1"/>
+                </a:solidFill>
+                <a:latin typeface="+mn-lt"/>
+                <a:ea typeface="+mn-ea"/>
+                <a:cs typeface="+mn-cs"/>
+              </a:defRPr>
+            </a:lvl5pPr>
+            <a:lvl6pPr marL="2514600" indent="-228600" algn="l" defTabSz="914400" rtl="0" eaLnBrk="1" latinLnBrk="0" hangingPunct="1">
+              <a:spcBef>
+                <a:spcPct val="20000"/>
+              </a:spcBef>
+              <a:buFont typeface="Arial" pitchFamily="34" charset="0"/>
+              <a:buChar char="•"/>
+              <a:defRPr sz="2000" kern="1200">
+                <a:solidFill>
+                  <a:schemeClr val="tx1"/>
+                </a:solidFill>
+                <a:latin typeface="+mn-lt"/>
+                <a:ea typeface="+mn-ea"/>
+                <a:cs typeface="+mn-cs"/>
+              </a:defRPr>
+            </a:lvl6pPr>
+            <a:lvl7pPr marL="2971800" indent="-228600" algn="l" defTabSz="914400" rtl="0" eaLnBrk="1" latinLnBrk="0" hangingPunct="1">
+              <a:spcBef>
+                <a:spcPct val="20000"/>
+              </a:spcBef>
+              <a:buFont typeface="Arial" pitchFamily="34" charset="0"/>
+              <a:buChar char="•"/>
+              <a:defRPr sz="2000" kern="1200">
+                <a:solidFill>
+                  <a:schemeClr val="tx1"/>
+                </a:solidFill>
+                <a:latin typeface="+mn-lt"/>
+                <a:ea typeface="+mn-ea"/>
+                <a:cs typeface="+mn-cs"/>
+              </a:defRPr>
+            </a:lvl7pPr>
+            <a:lvl8pPr marL="3429000" indent="-228600" algn="l" defTabSz="914400" rtl="0" eaLnBrk="1" latinLnBrk="0" hangingPunct="1">
+              <a:spcBef>
+                <a:spcPct val="20000"/>
+              </a:spcBef>
+              <a:buFont typeface="Arial" pitchFamily="34" charset="0"/>
+              <a:buChar char="•"/>
+              <a:defRPr sz="2000" kern="1200">
+                <a:solidFill>
+                  <a:schemeClr val="tx1"/>
+                </a:solidFill>
+                <a:latin typeface="+mn-lt"/>
+                <a:ea typeface="+mn-ea"/>
+                <a:cs typeface="+mn-cs"/>
+              </a:defRPr>
+            </a:lvl8pPr>
+            <a:lvl9pPr marL="3886200" indent="-228600" algn="l" defTabSz="914400" rtl="0" eaLnBrk="1" latinLnBrk="0" hangingPunct="1">
+              <a:spcBef>
+                <a:spcPct val="20000"/>
+              </a:spcBef>
+              <a:buFont typeface="Arial" pitchFamily="34" charset="0"/>
+              <a:buChar char="•"/>
+              <a:defRPr sz="2000" kern="1200">
+                <a:solidFill>
+                  <a:schemeClr val="tx1"/>
+                </a:solidFill>
+                <a:latin typeface="+mn-lt"/>
+                <a:ea typeface="+mn-ea"/>
+                <a:cs typeface="+mn-cs"/>
+              </a:defRPr>
+            </a:lvl9pPr>
+          </a:lstStyle>
+          <a:p>
+            <a:pPr eaLnBrk="1" fontAlgn="auto" hangingPunct="1">
+              <a:spcAft>
                 <a:spcPts val="0"/>
               </a:spcAft>
-              <a:buClrTx/>
-              <a:buSzTx/>
               <a:buFont typeface="Arial" pitchFamily="34" charset="0"/>
               <a:buNone/>
-              <a:tabLst/>
               <a:defRPr/>
             </a:pPr>
             <a:r>
-              <a:rPr kumimoji="0" lang="es-AR" sz="3200" b="0" i="0" u="none" strike="noStrike" kern="1200" cap="none" spc="0" normalizeH="0" baseline="0" noProof="0" smtClean="0">
-                <a:ln>
-                  <a:noFill/>
-                </a:ln>
+              <a:rPr lang="es-AR" u="none" dirty="0" smtClean="0">
                 <a:solidFill>
                   <a:schemeClr val="tx1">
                     <a:lumMod val="65000"/>
                     <a:lumOff val="35000"/>
                   </a:schemeClr>
                 </a:solidFill>
-                <a:effectLst/>
-                <a:uLnTx/>
-                <a:uFillTx/>
-                <a:latin typeface="+mn-lt"/>
-                <a:ea typeface="+mn-ea"/>
-                <a:cs typeface="+mn-cs"/>
               </a:rPr>
               <a:t>75.45 - Taller de Desarrollo de Proyectos I</a:t>
             </a:r>
-            <a:endParaRPr kumimoji="0" lang="es-AR" sz="3200" b="0" i="0" u="none" strike="noStrike" kern="1200" cap="none" spc="0" normalizeH="0" baseline="0" noProof="0" dirty="0">
-              <a:ln>
-                <a:noFill/>
-              </a:ln>
+            <a:endParaRPr lang="es-AR" u="none" dirty="0">
               <a:solidFill>
                 <a:schemeClr val="tx1">
                   <a:lumMod val="65000"/>
                   <a:lumOff val="35000"/>
                 </a:schemeClr>
               </a:solidFill>
-              <a:effectLst/>
-              <a:uLnTx/>
-              <a:uFillTx/>
-              <a:latin typeface="+mn-lt"/>
-              <a:ea typeface="+mn-ea"/>
-              <a:cs typeface="+mn-cs"/>
             </a:endParaRPr>
           </a:p>
         </p:txBody>
       </p:sp>
       <p:cxnSp>
         <p:nvCxnSpPr>
-          <p:cNvPr id="5" name="Straight Connector 4"/>
+          <p:cNvPr id="9" name="Straight Connector 8"/>
           <p:cNvCxnSpPr/>
           <p:nvPr/>
         </p:nvCxnSpPr>
@@ -10160,13 +10806,13 @@
       </p:cxnSp>
       <p:sp>
         <p:nvSpPr>
-          <p:cNvPr id="6" name="1 Título"/>
+          <p:cNvPr id="10" name="1 Título"/>
           <p:cNvSpPr txBox="1">
             <a:spLocks/>
           </p:cNvSpPr>
           <p:nvPr/>
         </p:nvSpPr>
-        <p:spPr>
+        <p:spPr bwMode="auto">
           <a:xfrm>
             <a:off x="34925" y="260350"/>
             <a:ext cx="2736850" cy="288925"/>
@@ -10174,67 +10820,63 @@
           <a:prstGeom prst="rect">
             <a:avLst/>
           </a:prstGeom>
-        </p:spPr>
-        <p:txBody>
-          <a:bodyPr rtlCol="0">
-            <a:normAutofit fontScale="75000" lnSpcReduction="20000"/>
-          </a:bodyPr>
+          <a:noFill/>
+          <a:ln w="9525">
+            <a:noFill/>
+            <a:miter lim="800000"/>
+            <a:headEnd/>
+            <a:tailEnd/>
+          </a:ln>
+        </p:spPr>
+        <p:txBody>
+          <a:bodyPr anchor="ctr"/>
           <a:lstStyle/>
           <a:p>
-            <a:pPr marL="0" marR="0" lvl="0" indent="0" algn="ctr" defTabSz="914400" rtl="0" eaLnBrk="1" fontAlgn="auto" latinLnBrk="0" hangingPunct="1">
-              <a:lnSpc>
-                <a:spcPct val="100000"/>
-              </a:lnSpc>
-              <a:spcBef>
-                <a:spcPct val="0"/>
-              </a:spcBef>
-              <a:spcAft>
-                <a:spcPts val="0"/>
-              </a:spcAft>
-              <a:buClrTx/>
-              <a:buSzTx/>
-              <a:buFontTx/>
-              <a:buNone/>
-              <a:tabLst/>
-              <a:defRPr/>
-            </a:pPr>
-            <a:r>
-              <a:rPr kumimoji="0" lang="es-AR" sz="2000" b="0" i="0" u="none" strike="noStrike" kern="1200" cap="none" spc="0" normalizeH="0" baseline="0" noProof="0" smtClean="0">
-                <a:ln>
-                  <a:noFill/>
-                </a:ln>
+            <a:pPr algn="ctr"/>
+            <a:r>
+              <a:rPr lang="es-AR" u="none" dirty="0" err="1">
                 <a:solidFill>
                   <a:srgbClr val="C00000"/>
                 </a:solidFill>
-                <a:effectLst/>
-                <a:uLnTx/>
-                <a:uFillTx/>
-                <a:latin typeface="Aharoni" pitchFamily="2" charset="-79"/>
-                <a:ea typeface="+mj-ea"/>
-                <a:cs typeface="Aharoni" pitchFamily="2" charset="-79"/>
-              </a:rPr>
-              <a:t>Panic Dial Button</a:t>
-            </a:r>
-            <a:endParaRPr kumimoji="0" lang="es-AR" sz="2000" b="0" i="0" u="none" strike="noStrike" kern="1200" cap="none" spc="0" normalizeH="0" baseline="0" noProof="0" dirty="0">
-              <a:ln>
-                <a:noFill/>
-              </a:ln>
-              <a:solidFill>
-                <a:schemeClr val="tx1"/>
-              </a:solidFill>
-              <a:effectLst/>
-              <a:uLnTx/>
-              <a:uFillTx/>
-              <a:latin typeface="Aharoni" pitchFamily="2" charset="-79"/>
-              <a:ea typeface="+mj-ea"/>
-              <a:cs typeface="Aharoni" pitchFamily="2" charset="-79"/>
+                <a:latin typeface="Aharoni"/>
+                <a:ea typeface="Aharoni"/>
+                <a:cs typeface="Aharoni"/>
+              </a:rPr>
+              <a:t>Panic</a:t>
+            </a:r>
+            <a:r>
+              <a:rPr lang="es-AR" u="none" dirty="0">
+                <a:solidFill>
+                  <a:srgbClr val="C00000"/>
+                </a:solidFill>
+                <a:latin typeface="Aharoni"/>
+                <a:ea typeface="Aharoni"/>
+                <a:cs typeface="Aharoni"/>
+              </a:rPr>
+              <a:t> Dial </a:t>
+            </a:r>
+            <a:r>
+              <a:rPr lang="es-AR" u="none" dirty="0" err="1">
+                <a:solidFill>
+                  <a:srgbClr val="C00000"/>
+                </a:solidFill>
+                <a:latin typeface="Aharoni"/>
+                <a:ea typeface="Aharoni"/>
+                <a:cs typeface="Aharoni"/>
+              </a:rPr>
+              <a:t>Button</a:t>
+            </a:r>
+            <a:endParaRPr lang="es-AR" u="none" dirty="0">
+              <a:latin typeface="Aharoni"/>
+              <a:ea typeface="Aharoni"/>
+              <a:cs typeface="Aharoni"/>
             </a:endParaRPr>
           </a:p>
         </p:txBody>
       </p:sp>
       <p:pic>
         <p:nvPicPr>
-          <p:cNvPr id="7" name="Picture 5"/>
+          <p:cNvPr id="11" name="Picture 5"/>
           <p:cNvPicPr>
             <a:picLocks noChangeAspect="1"/>
           </p:cNvPicPr>
@@ -10409,7 +11051,7 @@
       </p:sp>
       <p:sp>
         <p:nvSpPr>
-          <p:cNvPr id="4" name="2 Subtítulo"/>
+          <p:cNvPr id="8" name="2 Subtítulo"/>
           <p:cNvSpPr txBox="1">
             <a:spLocks/>
           </p:cNvSpPr>
@@ -10417,7 +11059,7 @@
         </p:nvSpPr>
         <p:spPr>
           <a:xfrm>
-            <a:off x="5148263" y="239713"/>
+            <a:off x="5435724" y="239713"/>
             <a:ext cx="3960812" cy="381000"/>
           </a:xfrm>
           <a:prstGeom prst="rect">
@@ -10428,68 +11070,192 @@
           <a:bodyPr rtlCol="0">
             <a:normAutofit fontScale="47500" lnSpcReduction="20000"/>
           </a:bodyPr>
-          <a:lstStyle/>
-          <a:p>
-            <a:pPr marL="342900" marR="0" lvl="0" indent="-342900" algn="l" defTabSz="914400" rtl="0" eaLnBrk="1" fontAlgn="auto" latinLnBrk="0" hangingPunct="1">
-              <a:lnSpc>
-                <a:spcPct val="100000"/>
-              </a:lnSpc>
+          <a:lstStyle>
+            <a:lvl1pPr marL="342900" indent="-342900" algn="l" rtl="0" eaLnBrk="0" fontAlgn="base" hangingPunct="0">
               <a:spcBef>
                 <a:spcPct val="20000"/>
               </a:spcBef>
               <a:spcAft>
+                <a:spcPct val="0"/>
+              </a:spcAft>
+              <a:buFont typeface="Arial" charset="0"/>
+              <a:buChar char="•"/>
+              <a:defRPr sz="3200" kern="1200">
+                <a:solidFill>
+                  <a:schemeClr val="tx1"/>
+                </a:solidFill>
+                <a:latin typeface="+mn-lt"/>
+                <a:ea typeface="+mn-ea"/>
+                <a:cs typeface="+mn-cs"/>
+              </a:defRPr>
+            </a:lvl1pPr>
+            <a:lvl2pPr marL="742950" indent="-285750" algn="l" rtl="0" eaLnBrk="0" fontAlgn="base" hangingPunct="0">
+              <a:spcBef>
+                <a:spcPct val="20000"/>
+              </a:spcBef>
+              <a:spcAft>
+                <a:spcPct val="0"/>
+              </a:spcAft>
+              <a:buFont typeface="Arial" charset="0"/>
+              <a:buChar char="–"/>
+              <a:defRPr sz="2800" kern="1200">
+                <a:solidFill>
+                  <a:schemeClr val="tx1"/>
+                </a:solidFill>
+                <a:latin typeface="+mn-lt"/>
+                <a:ea typeface="+mn-ea"/>
+                <a:cs typeface="+mn-cs"/>
+              </a:defRPr>
+            </a:lvl2pPr>
+            <a:lvl3pPr marL="1143000" indent="-228600" algn="l" rtl="0" eaLnBrk="0" fontAlgn="base" hangingPunct="0">
+              <a:spcBef>
+                <a:spcPct val="20000"/>
+              </a:spcBef>
+              <a:spcAft>
+                <a:spcPct val="0"/>
+              </a:spcAft>
+              <a:buFont typeface="Arial" charset="0"/>
+              <a:buChar char="•"/>
+              <a:defRPr sz="2400" kern="1200">
+                <a:solidFill>
+                  <a:schemeClr val="tx1"/>
+                </a:solidFill>
+                <a:latin typeface="+mn-lt"/>
+                <a:ea typeface="+mn-ea"/>
+                <a:cs typeface="+mn-cs"/>
+              </a:defRPr>
+            </a:lvl3pPr>
+            <a:lvl4pPr marL="1600200" indent="-228600" algn="l" rtl="0" eaLnBrk="0" fontAlgn="base" hangingPunct="0">
+              <a:spcBef>
+                <a:spcPct val="20000"/>
+              </a:spcBef>
+              <a:spcAft>
+                <a:spcPct val="0"/>
+              </a:spcAft>
+              <a:buFont typeface="Arial" charset="0"/>
+              <a:buChar char="–"/>
+              <a:defRPr sz="2000" kern="1200">
+                <a:solidFill>
+                  <a:schemeClr val="tx1"/>
+                </a:solidFill>
+                <a:latin typeface="+mn-lt"/>
+                <a:ea typeface="+mn-ea"/>
+                <a:cs typeface="+mn-cs"/>
+              </a:defRPr>
+            </a:lvl4pPr>
+            <a:lvl5pPr marL="2057400" indent="-228600" algn="l" rtl="0" eaLnBrk="0" fontAlgn="base" hangingPunct="0">
+              <a:spcBef>
+                <a:spcPct val="20000"/>
+              </a:spcBef>
+              <a:spcAft>
+                <a:spcPct val="0"/>
+              </a:spcAft>
+              <a:buFont typeface="Arial" charset="0"/>
+              <a:buChar char="»"/>
+              <a:defRPr sz="2000" kern="1200">
+                <a:solidFill>
+                  <a:schemeClr val="tx1"/>
+                </a:solidFill>
+                <a:latin typeface="+mn-lt"/>
+                <a:ea typeface="+mn-ea"/>
+                <a:cs typeface="+mn-cs"/>
+              </a:defRPr>
+            </a:lvl5pPr>
+            <a:lvl6pPr marL="2514600" indent="-228600" algn="l" defTabSz="914400" rtl="0" eaLnBrk="1" latinLnBrk="0" hangingPunct="1">
+              <a:spcBef>
+                <a:spcPct val="20000"/>
+              </a:spcBef>
+              <a:buFont typeface="Arial" pitchFamily="34" charset="0"/>
+              <a:buChar char="•"/>
+              <a:defRPr sz="2000" kern="1200">
+                <a:solidFill>
+                  <a:schemeClr val="tx1"/>
+                </a:solidFill>
+                <a:latin typeface="+mn-lt"/>
+                <a:ea typeface="+mn-ea"/>
+                <a:cs typeface="+mn-cs"/>
+              </a:defRPr>
+            </a:lvl6pPr>
+            <a:lvl7pPr marL="2971800" indent="-228600" algn="l" defTabSz="914400" rtl="0" eaLnBrk="1" latinLnBrk="0" hangingPunct="1">
+              <a:spcBef>
+                <a:spcPct val="20000"/>
+              </a:spcBef>
+              <a:buFont typeface="Arial" pitchFamily="34" charset="0"/>
+              <a:buChar char="•"/>
+              <a:defRPr sz="2000" kern="1200">
+                <a:solidFill>
+                  <a:schemeClr val="tx1"/>
+                </a:solidFill>
+                <a:latin typeface="+mn-lt"/>
+                <a:ea typeface="+mn-ea"/>
+                <a:cs typeface="+mn-cs"/>
+              </a:defRPr>
+            </a:lvl7pPr>
+            <a:lvl8pPr marL="3429000" indent="-228600" algn="l" defTabSz="914400" rtl="0" eaLnBrk="1" latinLnBrk="0" hangingPunct="1">
+              <a:spcBef>
+                <a:spcPct val="20000"/>
+              </a:spcBef>
+              <a:buFont typeface="Arial" pitchFamily="34" charset="0"/>
+              <a:buChar char="•"/>
+              <a:defRPr sz="2000" kern="1200">
+                <a:solidFill>
+                  <a:schemeClr val="tx1"/>
+                </a:solidFill>
+                <a:latin typeface="+mn-lt"/>
+                <a:ea typeface="+mn-ea"/>
+                <a:cs typeface="+mn-cs"/>
+              </a:defRPr>
+            </a:lvl8pPr>
+            <a:lvl9pPr marL="3886200" indent="-228600" algn="l" defTabSz="914400" rtl="0" eaLnBrk="1" latinLnBrk="0" hangingPunct="1">
+              <a:spcBef>
+                <a:spcPct val="20000"/>
+              </a:spcBef>
+              <a:buFont typeface="Arial" pitchFamily="34" charset="0"/>
+              <a:buChar char="•"/>
+              <a:defRPr sz="2000" kern="1200">
+                <a:solidFill>
+                  <a:schemeClr val="tx1"/>
+                </a:solidFill>
+                <a:latin typeface="+mn-lt"/>
+                <a:ea typeface="+mn-ea"/>
+                <a:cs typeface="+mn-cs"/>
+              </a:defRPr>
+            </a:lvl9pPr>
+          </a:lstStyle>
+          <a:p>
+            <a:pPr eaLnBrk="1" fontAlgn="auto" hangingPunct="1">
+              <a:spcAft>
                 <a:spcPts val="0"/>
               </a:spcAft>
-              <a:buClrTx/>
-              <a:buSzTx/>
               <a:buFont typeface="Arial" pitchFamily="34" charset="0"/>
               <a:buNone/>
-              <a:tabLst/>
               <a:defRPr/>
             </a:pPr>
             <a:r>
-              <a:rPr kumimoji="0" lang="es-AR" sz="3200" b="0" i="0" u="none" strike="noStrike" kern="1200" cap="none" spc="0" normalizeH="0" baseline="0" noProof="0" smtClean="0">
-                <a:ln>
-                  <a:noFill/>
-                </a:ln>
+              <a:rPr lang="es-AR" u="none" dirty="0" smtClean="0">
                 <a:solidFill>
                   <a:schemeClr val="tx1">
                     <a:lumMod val="65000"/>
                     <a:lumOff val="35000"/>
                   </a:schemeClr>
                 </a:solidFill>
-                <a:effectLst/>
-                <a:uLnTx/>
-                <a:uFillTx/>
-                <a:latin typeface="+mn-lt"/>
-                <a:ea typeface="+mn-ea"/>
-                <a:cs typeface="+mn-cs"/>
               </a:rPr>
               <a:t>75.45 - Taller de Desarrollo de Proyectos I</a:t>
             </a:r>
-            <a:endParaRPr kumimoji="0" lang="es-AR" sz="3200" b="0" i="0" u="none" strike="noStrike" kern="1200" cap="none" spc="0" normalizeH="0" baseline="0" noProof="0" dirty="0">
-              <a:ln>
-                <a:noFill/>
-              </a:ln>
+            <a:endParaRPr lang="es-AR" u="none" dirty="0">
               <a:solidFill>
                 <a:schemeClr val="tx1">
                   <a:lumMod val="65000"/>
                   <a:lumOff val="35000"/>
                 </a:schemeClr>
               </a:solidFill>
-              <a:effectLst/>
-              <a:uLnTx/>
-              <a:uFillTx/>
-              <a:latin typeface="+mn-lt"/>
-              <a:ea typeface="+mn-ea"/>
-              <a:cs typeface="+mn-cs"/>
             </a:endParaRPr>
           </a:p>
         </p:txBody>
       </p:sp>
       <p:cxnSp>
         <p:nvCxnSpPr>
-          <p:cNvPr id="5" name="Straight Connector 4"/>
+          <p:cNvPr id="9" name="Straight Connector 8"/>
           <p:cNvCxnSpPr/>
           <p:nvPr/>
         </p:nvCxnSpPr>
@@ -10526,13 +11292,13 @@
       </p:cxnSp>
       <p:sp>
         <p:nvSpPr>
-          <p:cNvPr id="6" name="1 Título"/>
+          <p:cNvPr id="10" name="1 Título"/>
           <p:cNvSpPr txBox="1">
             <a:spLocks/>
           </p:cNvSpPr>
           <p:nvPr/>
         </p:nvSpPr>
-        <p:spPr>
+        <p:spPr bwMode="auto">
           <a:xfrm>
             <a:off x="34925" y="260350"/>
             <a:ext cx="2736850" cy="288925"/>
@@ -10540,67 +11306,63 @@
           <a:prstGeom prst="rect">
             <a:avLst/>
           </a:prstGeom>
-        </p:spPr>
-        <p:txBody>
-          <a:bodyPr rtlCol="0">
-            <a:normAutofit fontScale="75000" lnSpcReduction="20000"/>
-          </a:bodyPr>
+          <a:noFill/>
+          <a:ln w="9525">
+            <a:noFill/>
+            <a:miter lim="800000"/>
+            <a:headEnd/>
+            <a:tailEnd/>
+          </a:ln>
+        </p:spPr>
+        <p:txBody>
+          <a:bodyPr anchor="ctr"/>
           <a:lstStyle/>
           <a:p>
-            <a:pPr marL="0" marR="0" lvl="0" indent="0" algn="ctr" defTabSz="914400" rtl="0" eaLnBrk="1" fontAlgn="auto" latinLnBrk="0" hangingPunct="1">
-              <a:lnSpc>
-                <a:spcPct val="100000"/>
-              </a:lnSpc>
-              <a:spcBef>
-                <a:spcPct val="0"/>
-              </a:spcBef>
-              <a:spcAft>
-                <a:spcPts val="0"/>
-              </a:spcAft>
-              <a:buClrTx/>
-              <a:buSzTx/>
-              <a:buFontTx/>
-              <a:buNone/>
-              <a:tabLst/>
-              <a:defRPr/>
-            </a:pPr>
-            <a:r>
-              <a:rPr kumimoji="0" lang="es-AR" sz="2000" b="0" i="0" u="none" strike="noStrike" kern="1200" cap="none" spc="0" normalizeH="0" baseline="0" noProof="0" smtClean="0">
-                <a:ln>
-                  <a:noFill/>
-                </a:ln>
+            <a:pPr algn="ctr"/>
+            <a:r>
+              <a:rPr lang="es-AR" u="none" dirty="0" err="1">
                 <a:solidFill>
                   <a:srgbClr val="C00000"/>
                 </a:solidFill>
-                <a:effectLst/>
-                <a:uLnTx/>
-                <a:uFillTx/>
-                <a:latin typeface="Aharoni" pitchFamily="2" charset="-79"/>
-                <a:ea typeface="+mj-ea"/>
-                <a:cs typeface="Aharoni" pitchFamily="2" charset="-79"/>
-              </a:rPr>
-              <a:t>Panic Dial Button</a:t>
-            </a:r>
-            <a:endParaRPr kumimoji="0" lang="es-AR" sz="2000" b="0" i="0" u="none" strike="noStrike" kern="1200" cap="none" spc="0" normalizeH="0" baseline="0" noProof="0" dirty="0">
-              <a:ln>
-                <a:noFill/>
-              </a:ln>
-              <a:solidFill>
-                <a:schemeClr val="tx1"/>
-              </a:solidFill>
-              <a:effectLst/>
-              <a:uLnTx/>
-              <a:uFillTx/>
-              <a:latin typeface="Aharoni" pitchFamily="2" charset="-79"/>
-              <a:ea typeface="+mj-ea"/>
-              <a:cs typeface="Aharoni" pitchFamily="2" charset="-79"/>
+                <a:latin typeface="Aharoni"/>
+                <a:ea typeface="Aharoni"/>
+                <a:cs typeface="Aharoni"/>
+              </a:rPr>
+              <a:t>Panic</a:t>
+            </a:r>
+            <a:r>
+              <a:rPr lang="es-AR" u="none" dirty="0">
+                <a:solidFill>
+                  <a:srgbClr val="C00000"/>
+                </a:solidFill>
+                <a:latin typeface="Aharoni"/>
+                <a:ea typeface="Aharoni"/>
+                <a:cs typeface="Aharoni"/>
+              </a:rPr>
+              <a:t> Dial </a:t>
+            </a:r>
+            <a:r>
+              <a:rPr lang="es-AR" u="none" dirty="0" err="1">
+                <a:solidFill>
+                  <a:srgbClr val="C00000"/>
+                </a:solidFill>
+                <a:latin typeface="Aharoni"/>
+                <a:ea typeface="Aharoni"/>
+                <a:cs typeface="Aharoni"/>
+              </a:rPr>
+              <a:t>Button</a:t>
+            </a:r>
+            <a:endParaRPr lang="es-AR" u="none" dirty="0">
+              <a:latin typeface="Aharoni"/>
+              <a:ea typeface="Aharoni"/>
+              <a:cs typeface="Aharoni"/>
             </a:endParaRPr>
           </a:p>
         </p:txBody>
       </p:sp>
       <p:pic>
         <p:nvPicPr>
-          <p:cNvPr id="7" name="Picture 5"/>
+          <p:cNvPr id="11" name="Picture 5"/>
           <p:cNvPicPr>
             <a:picLocks noChangeAspect="1"/>
           </p:cNvPicPr>
@@ -10758,7 +11520,7 @@
       </p:sp>
       <p:sp>
         <p:nvSpPr>
-          <p:cNvPr id="4" name="2 Subtítulo"/>
+          <p:cNvPr id="8" name="2 Subtítulo"/>
           <p:cNvSpPr txBox="1">
             <a:spLocks/>
           </p:cNvSpPr>
@@ -10766,7 +11528,7 @@
         </p:nvSpPr>
         <p:spPr>
           <a:xfrm>
-            <a:off x="5148263" y="239713"/>
+            <a:off x="5435724" y="239713"/>
             <a:ext cx="3960812" cy="381000"/>
           </a:xfrm>
           <a:prstGeom prst="rect">
@@ -10777,68 +11539,192 @@
           <a:bodyPr rtlCol="0">
             <a:normAutofit fontScale="47500" lnSpcReduction="20000"/>
           </a:bodyPr>
-          <a:lstStyle/>
-          <a:p>
-            <a:pPr marL="342900" marR="0" lvl="0" indent="-342900" algn="l" defTabSz="914400" rtl="0" eaLnBrk="1" fontAlgn="auto" latinLnBrk="0" hangingPunct="1">
-              <a:lnSpc>
-                <a:spcPct val="100000"/>
-              </a:lnSpc>
+          <a:lstStyle>
+            <a:lvl1pPr marL="342900" indent="-342900" algn="l" rtl="0" eaLnBrk="0" fontAlgn="base" hangingPunct="0">
               <a:spcBef>
                 <a:spcPct val="20000"/>
               </a:spcBef>
               <a:spcAft>
+                <a:spcPct val="0"/>
+              </a:spcAft>
+              <a:buFont typeface="Arial" charset="0"/>
+              <a:buChar char="•"/>
+              <a:defRPr sz="3200" kern="1200">
+                <a:solidFill>
+                  <a:schemeClr val="tx1"/>
+                </a:solidFill>
+                <a:latin typeface="+mn-lt"/>
+                <a:ea typeface="+mn-ea"/>
+                <a:cs typeface="+mn-cs"/>
+              </a:defRPr>
+            </a:lvl1pPr>
+            <a:lvl2pPr marL="742950" indent="-285750" algn="l" rtl="0" eaLnBrk="0" fontAlgn="base" hangingPunct="0">
+              <a:spcBef>
+                <a:spcPct val="20000"/>
+              </a:spcBef>
+              <a:spcAft>
+                <a:spcPct val="0"/>
+              </a:spcAft>
+              <a:buFont typeface="Arial" charset="0"/>
+              <a:buChar char="–"/>
+              <a:defRPr sz="2800" kern="1200">
+                <a:solidFill>
+                  <a:schemeClr val="tx1"/>
+                </a:solidFill>
+                <a:latin typeface="+mn-lt"/>
+                <a:ea typeface="+mn-ea"/>
+                <a:cs typeface="+mn-cs"/>
+              </a:defRPr>
+            </a:lvl2pPr>
+            <a:lvl3pPr marL="1143000" indent="-228600" algn="l" rtl="0" eaLnBrk="0" fontAlgn="base" hangingPunct="0">
+              <a:spcBef>
+                <a:spcPct val="20000"/>
+              </a:spcBef>
+              <a:spcAft>
+                <a:spcPct val="0"/>
+              </a:spcAft>
+              <a:buFont typeface="Arial" charset="0"/>
+              <a:buChar char="•"/>
+              <a:defRPr sz="2400" kern="1200">
+                <a:solidFill>
+                  <a:schemeClr val="tx1"/>
+                </a:solidFill>
+                <a:latin typeface="+mn-lt"/>
+                <a:ea typeface="+mn-ea"/>
+                <a:cs typeface="+mn-cs"/>
+              </a:defRPr>
+            </a:lvl3pPr>
+            <a:lvl4pPr marL="1600200" indent="-228600" algn="l" rtl="0" eaLnBrk="0" fontAlgn="base" hangingPunct="0">
+              <a:spcBef>
+                <a:spcPct val="20000"/>
+              </a:spcBef>
+              <a:spcAft>
+                <a:spcPct val="0"/>
+              </a:spcAft>
+              <a:buFont typeface="Arial" charset="0"/>
+              <a:buChar char="–"/>
+              <a:defRPr sz="2000" kern="1200">
+                <a:solidFill>
+                  <a:schemeClr val="tx1"/>
+                </a:solidFill>
+                <a:latin typeface="+mn-lt"/>
+                <a:ea typeface="+mn-ea"/>
+                <a:cs typeface="+mn-cs"/>
+              </a:defRPr>
+            </a:lvl4pPr>
+            <a:lvl5pPr marL="2057400" indent="-228600" algn="l" rtl="0" eaLnBrk="0" fontAlgn="base" hangingPunct="0">
+              <a:spcBef>
+                <a:spcPct val="20000"/>
+              </a:spcBef>
+              <a:spcAft>
+                <a:spcPct val="0"/>
+              </a:spcAft>
+              <a:buFont typeface="Arial" charset="0"/>
+              <a:buChar char="»"/>
+              <a:defRPr sz="2000" kern="1200">
+                <a:solidFill>
+                  <a:schemeClr val="tx1"/>
+                </a:solidFill>
+                <a:latin typeface="+mn-lt"/>
+                <a:ea typeface="+mn-ea"/>
+                <a:cs typeface="+mn-cs"/>
+              </a:defRPr>
+            </a:lvl5pPr>
+            <a:lvl6pPr marL="2514600" indent="-228600" algn="l" defTabSz="914400" rtl="0" eaLnBrk="1" latinLnBrk="0" hangingPunct="1">
+              <a:spcBef>
+                <a:spcPct val="20000"/>
+              </a:spcBef>
+              <a:buFont typeface="Arial" pitchFamily="34" charset="0"/>
+              <a:buChar char="•"/>
+              <a:defRPr sz="2000" kern="1200">
+                <a:solidFill>
+                  <a:schemeClr val="tx1"/>
+                </a:solidFill>
+                <a:latin typeface="+mn-lt"/>
+                <a:ea typeface="+mn-ea"/>
+                <a:cs typeface="+mn-cs"/>
+              </a:defRPr>
+            </a:lvl6pPr>
+            <a:lvl7pPr marL="2971800" indent="-228600" algn="l" defTabSz="914400" rtl="0" eaLnBrk="1" latinLnBrk="0" hangingPunct="1">
+              <a:spcBef>
+                <a:spcPct val="20000"/>
+              </a:spcBef>
+              <a:buFont typeface="Arial" pitchFamily="34" charset="0"/>
+              <a:buChar char="•"/>
+              <a:defRPr sz="2000" kern="1200">
+                <a:solidFill>
+                  <a:schemeClr val="tx1"/>
+                </a:solidFill>
+                <a:latin typeface="+mn-lt"/>
+                <a:ea typeface="+mn-ea"/>
+                <a:cs typeface="+mn-cs"/>
+              </a:defRPr>
+            </a:lvl7pPr>
+            <a:lvl8pPr marL="3429000" indent="-228600" algn="l" defTabSz="914400" rtl="0" eaLnBrk="1" latinLnBrk="0" hangingPunct="1">
+              <a:spcBef>
+                <a:spcPct val="20000"/>
+              </a:spcBef>
+              <a:buFont typeface="Arial" pitchFamily="34" charset="0"/>
+              <a:buChar char="•"/>
+              <a:defRPr sz="2000" kern="1200">
+                <a:solidFill>
+                  <a:schemeClr val="tx1"/>
+                </a:solidFill>
+                <a:latin typeface="+mn-lt"/>
+                <a:ea typeface="+mn-ea"/>
+                <a:cs typeface="+mn-cs"/>
+              </a:defRPr>
+            </a:lvl8pPr>
+            <a:lvl9pPr marL="3886200" indent="-228600" algn="l" defTabSz="914400" rtl="0" eaLnBrk="1" latinLnBrk="0" hangingPunct="1">
+              <a:spcBef>
+                <a:spcPct val="20000"/>
+              </a:spcBef>
+              <a:buFont typeface="Arial" pitchFamily="34" charset="0"/>
+              <a:buChar char="•"/>
+              <a:defRPr sz="2000" kern="1200">
+                <a:solidFill>
+                  <a:schemeClr val="tx1"/>
+                </a:solidFill>
+                <a:latin typeface="+mn-lt"/>
+                <a:ea typeface="+mn-ea"/>
+                <a:cs typeface="+mn-cs"/>
+              </a:defRPr>
+            </a:lvl9pPr>
+          </a:lstStyle>
+          <a:p>
+            <a:pPr eaLnBrk="1" fontAlgn="auto" hangingPunct="1">
+              <a:spcAft>
                 <a:spcPts val="0"/>
               </a:spcAft>
-              <a:buClrTx/>
-              <a:buSzTx/>
               <a:buFont typeface="Arial" pitchFamily="34" charset="0"/>
               <a:buNone/>
-              <a:tabLst/>
               <a:defRPr/>
             </a:pPr>
             <a:r>
-              <a:rPr kumimoji="0" lang="es-AR" sz="3200" b="0" i="0" u="none" strike="noStrike" kern="1200" cap="none" spc="0" normalizeH="0" baseline="0" noProof="0" smtClean="0">
-                <a:ln>
-                  <a:noFill/>
-                </a:ln>
+              <a:rPr lang="es-AR" u="none" dirty="0" smtClean="0">
                 <a:solidFill>
                   <a:schemeClr val="tx1">
                     <a:lumMod val="65000"/>
                     <a:lumOff val="35000"/>
                   </a:schemeClr>
                 </a:solidFill>
-                <a:effectLst/>
-                <a:uLnTx/>
-                <a:uFillTx/>
-                <a:latin typeface="+mn-lt"/>
-                <a:ea typeface="+mn-ea"/>
-                <a:cs typeface="+mn-cs"/>
               </a:rPr>
               <a:t>75.45 - Taller de Desarrollo de Proyectos I</a:t>
             </a:r>
-            <a:endParaRPr kumimoji="0" lang="es-AR" sz="3200" b="0" i="0" u="none" strike="noStrike" kern="1200" cap="none" spc="0" normalizeH="0" baseline="0" noProof="0" dirty="0">
-              <a:ln>
-                <a:noFill/>
-              </a:ln>
+            <a:endParaRPr lang="es-AR" u="none" dirty="0">
               <a:solidFill>
                 <a:schemeClr val="tx1">
                   <a:lumMod val="65000"/>
                   <a:lumOff val="35000"/>
                 </a:schemeClr>
               </a:solidFill>
-              <a:effectLst/>
-              <a:uLnTx/>
-              <a:uFillTx/>
-              <a:latin typeface="+mn-lt"/>
-              <a:ea typeface="+mn-ea"/>
-              <a:cs typeface="+mn-cs"/>
             </a:endParaRPr>
           </a:p>
         </p:txBody>
       </p:sp>
       <p:cxnSp>
         <p:nvCxnSpPr>
-          <p:cNvPr id="5" name="Straight Connector 4"/>
+          <p:cNvPr id="9" name="Straight Connector 8"/>
           <p:cNvCxnSpPr/>
           <p:nvPr/>
         </p:nvCxnSpPr>
@@ -10875,13 +11761,13 @@
       </p:cxnSp>
       <p:sp>
         <p:nvSpPr>
-          <p:cNvPr id="6" name="1 Título"/>
+          <p:cNvPr id="10" name="1 Título"/>
           <p:cNvSpPr txBox="1">
             <a:spLocks/>
           </p:cNvSpPr>
           <p:nvPr/>
         </p:nvSpPr>
-        <p:spPr>
+        <p:spPr bwMode="auto">
           <a:xfrm>
             <a:off x="34925" y="260350"/>
             <a:ext cx="2736850" cy="288925"/>
@@ -10889,67 +11775,63 @@
           <a:prstGeom prst="rect">
             <a:avLst/>
           </a:prstGeom>
-        </p:spPr>
-        <p:txBody>
-          <a:bodyPr rtlCol="0">
-            <a:normAutofit fontScale="75000" lnSpcReduction="20000"/>
-          </a:bodyPr>
+          <a:noFill/>
+          <a:ln w="9525">
+            <a:noFill/>
+            <a:miter lim="800000"/>
+            <a:headEnd/>
+            <a:tailEnd/>
+          </a:ln>
+        </p:spPr>
+        <p:txBody>
+          <a:bodyPr anchor="ctr"/>
           <a:lstStyle/>
           <a:p>
-            <a:pPr marL="0" marR="0" lvl="0" indent="0" algn="ctr" defTabSz="914400" rtl="0" eaLnBrk="1" fontAlgn="auto" latinLnBrk="0" hangingPunct="1">
-              <a:lnSpc>
-                <a:spcPct val="100000"/>
-              </a:lnSpc>
-              <a:spcBef>
-                <a:spcPct val="0"/>
-              </a:spcBef>
-              <a:spcAft>
-                <a:spcPts val="0"/>
-              </a:spcAft>
-              <a:buClrTx/>
-              <a:buSzTx/>
-              <a:buFontTx/>
-              <a:buNone/>
-              <a:tabLst/>
-              <a:defRPr/>
-            </a:pPr>
-            <a:r>
-              <a:rPr kumimoji="0" lang="es-AR" sz="2000" b="0" i="0" u="none" strike="noStrike" kern="1200" cap="none" spc="0" normalizeH="0" baseline="0" noProof="0" smtClean="0">
-                <a:ln>
-                  <a:noFill/>
-                </a:ln>
+            <a:pPr algn="ctr"/>
+            <a:r>
+              <a:rPr lang="es-AR" u="none" dirty="0" err="1">
                 <a:solidFill>
                   <a:srgbClr val="C00000"/>
                 </a:solidFill>
-                <a:effectLst/>
-                <a:uLnTx/>
-                <a:uFillTx/>
-                <a:latin typeface="Aharoni" pitchFamily="2" charset="-79"/>
-                <a:ea typeface="+mj-ea"/>
-                <a:cs typeface="Aharoni" pitchFamily="2" charset="-79"/>
-              </a:rPr>
-              <a:t>Panic Dial Button</a:t>
-            </a:r>
-            <a:endParaRPr kumimoji="0" lang="es-AR" sz="2000" b="0" i="0" u="none" strike="noStrike" kern="1200" cap="none" spc="0" normalizeH="0" baseline="0" noProof="0" dirty="0">
-              <a:ln>
-                <a:noFill/>
-              </a:ln>
-              <a:solidFill>
-                <a:schemeClr val="tx1"/>
-              </a:solidFill>
-              <a:effectLst/>
-              <a:uLnTx/>
-              <a:uFillTx/>
-              <a:latin typeface="Aharoni" pitchFamily="2" charset="-79"/>
-              <a:ea typeface="+mj-ea"/>
-              <a:cs typeface="Aharoni" pitchFamily="2" charset="-79"/>
+                <a:latin typeface="Aharoni"/>
+                <a:ea typeface="Aharoni"/>
+                <a:cs typeface="Aharoni"/>
+              </a:rPr>
+              <a:t>Panic</a:t>
+            </a:r>
+            <a:r>
+              <a:rPr lang="es-AR" u="none" dirty="0">
+                <a:solidFill>
+                  <a:srgbClr val="C00000"/>
+                </a:solidFill>
+                <a:latin typeface="Aharoni"/>
+                <a:ea typeface="Aharoni"/>
+                <a:cs typeface="Aharoni"/>
+              </a:rPr>
+              <a:t> Dial </a:t>
+            </a:r>
+            <a:r>
+              <a:rPr lang="es-AR" u="none" dirty="0" err="1">
+                <a:solidFill>
+                  <a:srgbClr val="C00000"/>
+                </a:solidFill>
+                <a:latin typeface="Aharoni"/>
+                <a:ea typeface="Aharoni"/>
+                <a:cs typeface="Aharoni"/>
+              </a:rPr>
+              <a:t>Button</a:t>
+            </a:r>
+            <a:endParaRPr lang="es-AR" u="none" dirty="0">
+              <a:latin typeface="Aharoni"/>
+              <a:ea typeface="Aharoni"/>
+              <a:cs typeface="Aharoni"/>
             </a:endParaRPr>
           </a:p>
         </p:txBody>
       </p:sp>
       <p:pic>
         <p:nvPicPr>
-          <p:cNvPr id="7" name="Picture 5"/>
+          <p:cNvPr id="11" name="Picture 5"/>
           <p:cNvPicPr>
             <a:picLocks noChangeAspect="1"/>
           </p:cNvPicPr>
@@ -11103,7 +11985,7 @@
       </p:sp>
       <p:sp>
         <p:nvSpPr>
-          <p:cNvPr id="4" name="2 Subtítulo"/>
+          <p:cNvPr id="8" name="2 Subtítulo"/>
           <p:cNvSpPr txBox="1">
             <a:spLocks/>
           </p:cNvSpPr>
@@ -11111,7 +11993,7 @@
         </p:nvSpPr>
         <p:spPr>
           <a:xfrm>
-            <a:off x="5148263" y="239713"/>
+            <a:off x="5435724" y="239713"/>
             <a:ext cx="3960812" cy="381000"/>
           </a:xfrm>
           <a:prstGeom prst="rect">
@@ -11122,68 +12004,192 @@
           <a:bodyPr rtlCol="0">
             <a:normAutofit fontScale="47500" lnSpcReduction="20000"/>
           </a:bodyPr>
-          <a:lstStyle/>
-          <a:p>
-            <a:pPr marL="342900" marR="0" lvl="0" indent="-342900" algn="l" defTabSz="914400" rtl="0" eaLnBrk="1" fontAlgn="auto" latinLnBrk="0" hangingPunct="1">
-              <a:lnSpc>
-                <a:spcPct val="100000"/>
-              </a:lnSpc>
+          <a:lstStyle>
+            <a:lvl1pPr marL="342900" indent="-342900" algn="l" rtl="0" eaLnBrk="0" fontAlgn="base" hangingPunct="0">
               <a:spcBef>
                 <a:spcPct val="20000"/>
               </a:spcBef>
               <a:spcAft>
+                <a:spcPct val="0"/>
+              </a:spcAft>
+              <a:buFont typeface="Arial" charset="0"/>
+              <a:buChar char="•"/>
+              <a:defRPr sz="3200" kern="1200">
+                <a:solidFill>
+                  <a:schemeClr val="tx1"/>
+                </a:solidFill>
+                <a:latin typeface="+mn-lt"/>
+                <a:ea typeface="+mn-ea"/>
+                <a:cs typeface="+mn-cs"/>
+              </a:defRPr>
+            </a:lvl1pPr>
+            <a:lvl2pPr marL="742950" indent="-285750" algn="l" rtl="0" eaLnBrk="0" fontAlgn="base" hangingPunct="0">
+              <a:spcBef>
+                <a:spcPct val="20000"/>
+              </a:spcBef>
+              <a:spcAft>
+                <a:spcPct val="0"/>
+              </a:spcAft>
+              <a:buFont typeface="Arial" charset="0"/>
+              <a:buChar char="–"/>
+              <a:defRPr sz="2800" kern="1200">
+                <a:solidFill>
+                  <a:schemeClr val="tx1"/>
+                </a:solidFill>
+                <a:latin typeface="+mn-lt"/>
+                <a:ea typeface="+mn-ea"/>
+                <a:cs typeface="+mn-cs"/>
+              </a:defRPr>
+            </a:lvl2pPr>
+            <a:lvl3pPr marL="1143000" indent="-228600" algn="l" rtl="0" eaLnBrk="0" fontAlgn="base" hangingPunct="0">
+              <a:spcBef>
+                <a:spcPct val="20000"/>
+              </a:spcBef>
+              <a:spcAft>
+                <a:spcPct val="0"/>
+              </a:spcAft>
+              <a:buFont typeface="Arial" charset="0"/>
+              <a:buChar char="•"/>
+              <a:defRPr sz="2400" kern="1200">
+                <a:solidFill>
+                  <a:schemeClr val="tx1"/>
+                </a:solidFill>
+                <a:latin typeface="+mn-lt"/>
+                <a:ea typeface="+mn-ea"/>
+                <a:cs typeface="+mn-cs"/>
+              </a:defRPr>
+            </a:lvl3pPr>
+            <a:lvl4pPr marL="1600200" indent="-228600" algn="l" rtl="0" eaLnBrk="0" fontAlgn="base" hangingPunct="0">
+              <a:spcBef>
+                <a:spcPct val="20000"/>
+              </a:spcBef>
+              <a:spcAft>
+                <a:spcPct val="0"/>
+              </a:spcAft>
+              <a:buFont typeface="Arial" charset="0"/>
+              <a:buChar char="–"/>
+              <a:defRPr sz="2000" kern="1200">
+                <a:solidFill>
+                  <a:schemeClr val="tx1"/>
+                </a:solidFill>
+                <a:latin typeface="+mn-lt"/>
+                <a:ea typeface="+mn-ea"/>
+                <a:cs typeface="+mn-cs"/>
+              </a:defRPr>
+            </a:lvl4pPr>
+            <a:lvl5pPr marL="2057400" indent="-228600" algn="l" rtl="0" eaLnBrk="0" fontAlgn="base" hangingPunct="0">
+              <a:spcBef>
+                <a:spcPct val="20000"/>
+              </a:spcBef>
+              <a:spcAft>
+                <a:spcPct val="0"/>
+              </a:spcAft>
+              <a:buFont typeface="Arial" charset="0"/>
+              <a:buChar char="»"/>
+              <a:defRPr sz="2000" kern="1200">
+                <a:solidFill>
+                  <a:schemeClr val="tx1"/>
+                </a:solidFill>
+                <a:latin typeface="+mn-lt"/>
+                <a:ea typeface="+mn-ea"/>
+                <a:cs typeface="+mn-cs"/>
+              </a:defRPr>
+            </a:lvl5pPr>
+            <a:lvl6pPr marL="2514600" indent="-228600" algn="l" defTabSz="914400" rtl="0" eaLnBrk="1" latinLnBrk="0" hangingPunct="1">
+              <a:spcBef>
+                <a:spcPct val="20000"/>
+              </a:spcBef>
+              <a:buFont typeface="Arial" pitchFamily="34" charset="0"/>
+              <a:buChar char="•"/>
+              <a:defRPr sz="2000" kern="1200">
+                <a:solidFill>
+                  <a:schemeClr val="tx1"/>
+                </a:solidFill>
+                <a:latin typeface="+mn-lt"/>
+                <a:ea typeface="+mn-ea"/>
+                <a:cs typeface="+mn-cs"/>
+              </a:defRPr>
+            </a:lvl6pPr>
+            <a:lvl7pPr marL="2971800" indent="-228600" algn="l" defTabSz="914400" rtl="0" eaLnBrk="1" latinLnBrk="0" hangingPunct="1">
+              <a:spcBef>
+                <a:spcPct val="20000"/>
+              </a:spcBef>
+              <a:buFont typeface="Arial" pitchFamily="34" charset="0"/>
+              <a:buChar char="•"/>
+              <a:defRPr sz="2000" kern="1200">
+                <a:solidFill>
+                  <a:schemeClr val="tx1"/>
+                </a:solidFill>
+                <a:latin typeface="+mn-lt"/>
+                <a:ea typeface="+mn-ea"/>
+                <a:cs typeface="+mn-cs"/>
+              </a:defRPr>
+            </a:lvl7pPr>
+            <a:lvl8pPr marL="3429000" indent="-228600" algn="l" defTabSz="914400" rtl="0" eaLnBrk="1" latinLnBrk="0" hangingPunct="1">
+              <a:spcBef>
+                <a:spcPct val="20000"/>
+              </a:spcBef>
+              <a:buFont typeface="Arial" pitchFamily="34" charset="0"/>
+              <a:buChar char="•"/>
+              <a:defRPr sz="2000" kern="1200">
+                <a:solidFill>
+                  <a:schemeClr val="tx1"/>
+                </a:solidFill>
+                <a:latin typeface="+mn-lt"/>
+                <a:ea typeface="+mn-ea"/>
+                <a:cs typeface="+mn-cs"/>
+              </a:defRPr>
+            </a:lvl8pPr>
+            <a:lvl9pPr marL="3886200" indent="-228600" algn="l" defTabSz="914400" rtl="0" eaLnBrk="1" latinLnBrk="0" hangingPunct="1">
+              <a:spcBef>
+                <a:spcPct val="20000"/>
+              </a:spcBef>
+              <a:buFont typeface="Arial" pitchFamily="34" charset="0"/>
+              <a:buChar char="•"/>
+              <a:defRPr sz="2000" kern="1200">
+                <a:solidFill>
+                  <a:schemeClr val="tx1"/>
+                </a:solidFill>
+                <a:latin typeface="+mn-lt"/>
+                <a:ea typeface="+mn-ea"/>
+                <a:cs typeface="+mn-cs"/>
+              </a:defRPr>
+            </a:lvl9pPr>
+          </a:lstStyle>
+          <a:p>
+            <a:pPr eaLnBrk="1" fontAlgn="auto" hangingPunct="1">
+              <a:spcAft>
                 <a:spcPts val="0"/>
               </a:spcAft>
-              <a:buClrTx/>
-              <a:buSzTx/>
               <a:buFont typeface="Arial" pitchFamily="34" charset="0"/>
               <a:buNone/>
-              <a:tabLst/>
               <a:defRPr/>
             </a:pPr>
             <a:r>
-              <a:rPr kumimoji="0" lang="es-AR" sz="3200" b="0" i="0" u="none" strike="noStrike" kern="1200" cap="none" spc="0" normalizeH="0" baseline="0" noProof="0" smtClean="0">
-                <a:ln>
-                  <a:noFill/>
-                </a:ln>
+              <a:rPr lang="es-AR" u="none" dirty="0" smtClean="0">
                 <a:solidFill>
                   <a:schemeClr val="tx1">
                     <a:lumMod val="65000"/>
                     <a:lumOff val="35000"/>
                   </a:schemeClr>
                 </a:solidFill>
-                <a:effectLst/>
-                <a:uLnTx/>
-                <a:uFillTx/>
-                <a:latin typeface="+mn-lt"/>
-                <a:ea typeface="+mn-ea"/>
-                <a:cs typeface="+mn-cs"/>
               </a:rPr>
               <a:t>75.45 - Taller de Desarrollo de Proyectos I</a:t>
             </a:r>
-            <a:endParaRPr kumimoji="0" lang="es-AR" sz="3200" b="0" i="0" u="none" strike="noStrike" kern="1200" cap="none" spc="0" normalizeH="0" baseline="0" noProof="0" dirty="0">
-              <a:ln>
-                <a:noFill/>
-              </a:ln>
+            <a:endParaRPr lang="es-AR" u="none" dirty="0">
               <a:solidFill>
                 <a:schemeClr val="tx1">
                   <a:lumMod val="65000"/>
                   <a:lumOff val="35000"/>
                 </a:schemeClr>
               </a:solidFill>
-              <a:effectLst/>
-              <a:uLnTx/>
-              <a:uFillTx/>
-              <a:latin typeface="+mn-lt"/>
-              <a:ea typeface="+mn-ea"/>
-              <a:cs typeface="+mn-cs"/>
             </a:endParaRPr>
           </a:p>
         </p:txBody>
       </p:sp>
       <p:cxnSp>
         <p:nvCxnSpPr>
-          <p:cNvPr id="5" name="Straight Connector 4"/>
+          <p:cNvPr id="9" name="Straight Connector 8"/>
           <p:cNvCxnSpPr/>
           <p:nvPr/>
         </p:nvCxnSpPr>
@@ -11220,13 +12226,13 @@
       </p:cxnSp>
       <p:sp>
         <p:nvSpPr>
-          <p:cNvPr id="6" name="1 Título"/>
+          <p:cNvPr id="10" name="1 Título"/>
           <p:cNvSpPr txBox="1">
             <a:spLocks/>
           </p:cNvSpPr>
           <p:nvPr/>
         </p:nvSpPr>
-        <p:spPr>
+        <p:spPr bwMode="auto">
           <a:xfrm>
             <a:off x="34925" y="260350"/>
             <a:ext cx="2736850" cy="288925"/>
@@ -11234,67 +12240,63 @@
           <a:prstGeom prst="rect">
             <a:avLst/>
           </a:prstGeom>
-        </p:spPr>
-        <p:txBody>
-          <a:bodyPr rtlCol="0">
-            <a:normAutofit fontScale="75000" lnSpcReduction="20000"/>
-          </a:bodyPr>
+          <a:noFill/>
+          <a:ln w="9525">
+            <a:noFill/>
+            <a:miter lim="800000"/>
+            <a:headEnd/>
+            <a:tailEnd/>
+          </a:ln>
+        </p:spPr>
+        <p:txBody>
+          <a:bodyPr anchor="ctr"/>
           <a:lstStyle/>
           <a:p>
-            <a:pPr marL="0" marR="0" lvl="0" indent="0" algn="ctr" defTabSz="914400" rtl="0" eaLnBrk="1" fontAlgn="auto" latinLnBrk="0" hangingPunct="1">
-              <a:lnSpc>
-                <a:spcPct val="100000"/>
-              </a:lnSpc>
-              <a:spcBef>
-                <a:spcPct val="0"/>
-              </a:spcBef>
-              <a:spcAft>
-                <a:spcPts val="0"/>
-              </a:spcAft>
-              <a:buClrTx/>
-              <a:buSzTx/>
-              <a:buFontTx/>
-              <a:buNone/>
-              <a:tabLst/>
-              <a:defRPr/>
-            </a:pPr>
-            <a:r>
-              <a:rPr kumimoji="0" lang="es-AR" sz="2000" b="0" i="0" u="none" strike="noStrike" kern="1200" cap="none" spc="0" normalizeH="0" baseline="0" noProof="0" smtClean="0">
-                <a:ln>
-                  <a:noFill/>
-                </a:ln>
+            <a:pPr algn="ctr"/>
+            <a:r>
+              <a:rPr lang="es-AR" u="none" dirty="0" err="1">
                 <a:solidFill>
                   <a:srgbClr val="C00000"/>
                 </a:solidFill>
-                <a:effectLst/>
-                <a:uLnTx/>
-                <a:uFillTx/>
-                <a:latin typeface="Aharoni" pitchFamily="2" charset="-79"/>
-                <a:ea typeface="+mj-ea"/>
-                <a:cs typeface="Aharoni" pitchFamily="2" charset="-79"/>
-              </a:rPr>
-              <a:t>Panic Dial Button</a:t>
-            </a:r>
-            <a:endParaRPr kumimoji="0" lang="es-AR" sz="2000" b="0" i="0" u="none" strike="noStrike" kern="1200" cap="none" spc="0" normalizeH="0" baseline="0" noProof="0" dirty="0">
-              <a:ln>
-                <a:noFill/>
-              </a:ln>
-              <a:solidFill>
-                <a:schemeClr val="tx1"/>
-              </a:solidFill>
-              <a:effectLst/>
-              <a:uLnTx/>
-              <a:uFillTx/>
-              <a:latin typeface="Aharoni" pitchFamily="2" charset="-79"/>
-              <a:ea typeface="+mj-ea"/>
-              <a:cs typeface="Aharoni" pitchFamily="2" charset="-79"/>
+                <a:latin typeface="Aharoni"/>
+                <a:ea typeface="Aharoni"/>
+                <a:cs typeface="Aharoni"/>
+              </a:rPr>
+              <a:t>Panic</a:t>
+            </a:r>
+            <a:r>
+              <a:rPr lang="es-AR" u="none" dirty="0">
+                <a:solidFill>
+                  <a:srgbClr val="C00000"/>
+                </a:solidFill>
+                <a:latin typeface="Aharoni"/>
+                <a:ea typeface="Aharoni"/>
+                <a:cs typeface="Aharoni"/>
+              </a:rPr>
+              <a:t> Dial </a:t>
+            </a:r>
+            <a:r>
+              <a:rPr lang="es-AR" u="none" dirty="0" err="1">
+                <a:solidFill>
+                  <a:srgbClr val="C00000"/>
+                </a:solidFill>
+                <a:latin typeface="Aharoni"/>
+                <a:ea typeface="Aharoni"/>
+                <a:cs typeface="Aharoni"/>
+              </a:rPr>
+              <a:t>Button</a:t>
+            </a:r>
+            <a:endParaRPr lang="es-AR" u="none" dirty="0">
+              <a:latin typeface="Aharoni"/>
+              <a:ea typeface="Aharoni"/>
+              <a:cs typeface="Aharoni"/>
             </a:endParaRPr>
           </a:p>
         </p:txBody>
       </p:sp>
       <p:pic>
         <p:nvPicPr>
-          <p:cNvPr id="7" name="Picture 5"/>
+          <p:cNvPr id="11" name="Picture 5"/>
           <p:cNvPicPr>
             <a:picLocks noChangeAspect="1"/>
           </p:cNvPicPr>
@@ -11448,7 +12450,7 @@
       </p:sp>
       <p:sp>
         <p:nvSpPr>
-          <p:cNvPr id="4" name="2 Subtítulo"/>
+          <p:cNvPr id="8" name="2 Subtítulo"/>
           <p:cNvSpPr txBox="1">
             <a:spLocks/>
           </p:cNvSpPr>
@@ -11456,7 +12458,7 @@
         </p:nvSpPr>
         <p:spPr>
           <a:xfrm>
-            <a:off x="5148263" y="239713"/>
+            <a:off x="5435724" y="239713"/>
             <a:ext cx="3960812" cy="381000"/>
           </a:xfrm>
           <a:prstGeom prst="rect">
@@ -11467,68 +12469,192 @@
           <a:bodyPr rtlCol="0">
             <a:normAutofit fontScale="47500" lnSpcReduction="20000"/>
           </a:bodyPr>
-          <a:lstStyle/>
-          <a:p>
-            <a:pPr marL="342900" marR="0" lvl="0" indent="-342900" algn="l" defTabSz="914400" rtl="0" eaLnBrk="1" fontAlgn="auto" latinLnBrk="0" hangingPunct="1">
-              <a:lnSpc>
-                <a:spcPct val="100000"/>
-              </a:lnSpc>
+          <a:lstStyle>
+            <a:lvl1pPr marL="342900" indent="-342900" algn="l" rtl="0" eaLnBrk="0" fontAlgn="base" hangingPunct="0">
               <a:spcBef>
                 <a:spcPct val="20000"/>
               </a:spcBef>
               <a:spcAft>
+                <a:spcPct val="0"/>
+              </a:spcAft>
+              <a:buFont typeface="Arial" charset="0"/>
+              <a:buChar char="•"/>
+              <a:defRPr sz="3200" kern="1200">
+                <a:solidFill>
+                  <a:schemeClr val="tx1"/>
+                </a:solidFill>
+                <a:latin typeface="+mn-lt"/>
+                <a:ea typeface="+mn-ea"/>
+                <a:cs typeface="+mn-cs"/>
+              </a:defRPr>
+            </a:lvl1pPr>
+            <a:lvl2pPr marL="742950" indent="-285750" algn="l" rtl="0" eaLnBrk="0" fontAlgn="base" hangingPunct="0">
+              <a:spcBef>
+                <a:spcPct val="20000"/>
+              </a:spcBef>
+              <a:spcAft>
+                <a:spcPct val="0"/>
+              </a:spcAft>
+              <a:buFont typeface="Arial" charset="0"/>
+              <a:buChar char="–"/>
+              <a:defRPr sz="2800" kern="1200">
+                <a:solidFill>
+                  <a:schemeClr val="tx1"/>
+                </a:solidFill>
+                <a:latin typeface="+mn-lt"/>
+                <a:ea typeface="+mn-ea"/>
+                <a:cs typeface="+mn-cs"/>
+              </a:defRPr>
+            </a:lvl2pPr>
+            <a:lvl3pPr marL="1143000" indent="-228600" algn="l" rtl="0" eaLnBrk="0" fontAlgn="base" hangingPunct="0">
+              <a:spcBef>
+                <a:spcPct val="20000"/>
+              </a:spcBef>
+              <a:spcAft>
+                <a:spcPct val="0"/>
+              </a:spcAft>
+              <a:buFont typeface="Arial" charset="0"/>
+              <a:buChar char="•"/>
+              <a:defRPr sz="2400" kern="1200">
+                <a:solidFill>
+                  <a:schemeClr val="tx1"/>
+                </a:solidFill>
+                <a:latin typeface="+mn-lt"/>
+                <a:ea typeface="+mn-ea"/>
+                <a:cs typeface="+mn-cs"/>
+              </a:defRPr>
+            </a:lvl3pPr>
+            <a:lvl4pPr marL="1600200" indent="-228600" algn="l" rtl="0" eaLnBrk="0" fontAlgn="base" hangingPunct="0">
+              <a:spcBef>
+                <a:spcPct val="20000"/>
+              </a:spcBef>
+              <a:spcAft>
+                <a:spcPct val="0"/>
+              </a:spcAft>
+              <a:buFont typeface="Arial" charset="0"/>
+              <a:buChar char="–"/>
+              <a:defRPr sz="2000" kern="1200">
+                <a:solidFill>
+                  <a:schemeClr val="tx1"/>
+                </a:solidFill>
+                <a:latin typeface="+mn-lt"/>
+                <a:ea typeface="+mn-ea"/>
+                <a:cs typeface="+mn-cs"/>
+              </a:defRPr>
+            </a:lvl4pPr>
+            <a:lvl5pPr marL="2057400" indent="-228600" algn="l" rtl="0" eaLnBrk="0" fontAlgn="base" hangingPunct="0">
+              <a:spcBef>
+                <a:spcPct val="20000"/>
+              </a:spcBef>
+              <a:spcAft>
+                <a:spcPct val="0"/>
+              </a:spcAft>
+              <a:buFont typeface="Arial" charset="0"/>
+              <a:buChar char="»"/>
+              <a:defRPr sz="2000" kern="1200">
+                <a:solidFill>
+                  <a:schemeClr val="tx1"/>
+                </a:solidFill>
+                <a:latin typeface="+mn-lt"/>
+                <a:ea typeface="+mn-ea"/>
+                <a:cs typeface="+mn-cs"/>
+              </a:defRPr>
+            </a:lvl5pPr>
+            <a:lvl6pPr marL="2514600" indent="-228600" algn="l" defTabSz="914400" rtl="0" eaLnBrk="1" latinLnBrk="0" hangingPunct="1">
+              <a:spcBef>
+                <a:spcPct val="20000"/>
+              </a:spcBef>
+              <a:buFont typeface="Arial" pitchFamily="34" charset="0"/>
+              <a:buChar char="•"/>
+              <a:defRPr sz="2000" kern="1200">
+                <a:solidFill>
+                  <a:schemeClr val="tx1"/>
+                </a:solidFill>
+                <a:latin typeface="+mn-lt"/>
+                <a:ea typeface="+mn-ea"/>
+                <a:cs typeface="+mn-cs"/>
+              </a:defRPr>
+            </a:lvl6pPr>
+            <a:lvl7pPr marL="2971800" indent="-228600" algn="l" defTabSz="914400" rtl="0" eaLnBrk="1" latinLnBrk="0" hangingPunct="1">
+              <a:spcBef>
+                <a:spcPct val="20000"/>
+              </a:spcBef>
+              <a:buFont typeface="Arial" pitchFamily="34" charset="0"/>
+              <a:buChar char="•"/>
+              <a:defRPr sz="2000" kern="1200">
+                <a:solidFill>
+                  <a:schemeClr val="tx1"/>
+                </a:solidFill>
+                <a:latin typeface="+mn-lt"/>
+                <a:ea typeface="+mn-ea"/>
+                <a:cs typeface="+mn-cs"/>
+              </a:defRPr>
+            </a:lvl7pPr>
+            <a:lvl8pPr marL="3429000" indent="-228600" algn="l" defTabSz="914400" rtl="0" eaLnBrk="1" latinLnBrk="0" hangingPunct="1">
+              <a:spcBef>
+                <a:spcPct val="20000"/>
+              </a:spcBef>
+              <a:buFont typeface="Arial" pitchFamily="34" charset="0"/>
+              <a:buChar char="•"/>
+              <a:defRPr sz="2000" kern="1200">
+                <a:solidFill>
+                  <a:schemeClr val="tx1"/>
+                </a:solidFill>
+                <a:latin typeface="+mn-lt"/>
+                <a:ea typeface="+mn-ea"/>
+                <a:cs typeface="+mn-cs"/>
+              </a:defRPr>
+            </a:lvl8pPr>
+            <a:lvl9pPr marL="3886200" indent="-228600" algn="l" defTabSz="914400" rtl="0" eaLnBrk="1" latinLnBrk="0" hangingPunct="1">
+              <a:spcBef>
+                <a:spcPct val="20000"/>
+              </a:spcBef>
+              <a:buFont typeface="Arial" pitchFamily="34" charset="0"/>
+              <a:buChar char="•"/>
+              <a:defRPr sz="2000" kern="1200">
+                <a:solidFill>
+                  <a:schemeClr val="tx1"/>
+                </a:solidFill>
+                <a:latin typeface="+mn-lt"/>
+                <a:ea typeface="+mn-ea"/>
+                <a:cs typeface="+mn-cs"/>
+              </a:defRPr>
+            </a:lvl9pPr>
+          </a:lstStyle>
+          <a:p>
+            <a:pPr eaLnBrk="1" fontAlgn="auto" hangingPunct="1">
+              <a:spcAft>
                 <a:spcPts val="0"/>
               </a:spcAft>
-              <a:buClrTx/>
-              <a:buSzTx/>
               <a:buFont typeface="Arial" pitchFamily="34" charset="0"/>
               <a:buNone/>
-              <a:tabLst/>
               <a:defRPr/>
             </a:pPr>
             <a:r>
-              <a:rPr kumimoji="0" lang="es-AR" sz="3200" b="0" i="0" u="none" strike="noStrike" kern="1200" cap="none" spc="0" normalizeH="0" baseline="0" noProof="0" smtClean="0">
-                <a:ln>
-                  <a:noFill/>
-                </a:ln>
+              <a:rPr lang="es-AR" u="none" dirty="0" smtClean="0">
                 <a:solidFill>
                   <a:schemeClr val="tx1">
                     <a:lumMod val="65000"/>
                     <a:lumOff val="35000"/>
                   </a:schemeClr>
                 </a:solidFill>
-                <a:effectLst/>
-                <a:uLnTx/>
-                <a:uFillTx/>
-                <a:latin typeface="+mn-lt"/>
-                <a:ea typeface="+mn-ea"/>
-                <a:cs typeface="+mn-cs"/>
               </a:rPr>
               <a:t>75.45 - Taller de Desarrollo de Proyectos I</a:t>
             </a:r>
-            <a:endParaRPr kumimoji="0" lang="es-AR" sz="3200" b="0" i="0" u="none" strike="noStrike" kern="1200" cap="none" spc="0" normalizeH="0" baseline="0" noProof="0" dirty="0">
-              <a:ln>
-                <a:noFill/>
-              </a:ln>
+            <a:endParaRPr lang="es-AR" u="none" dirty="0">
               <a:solidFill>
                 <a:schemeClr val="tx1">
                   <a:lumMod val="65000"/>
                   <a:lumOff val="35000"/>
                 </a:schemeClr>
               </a:solidFill>
-              <a:effectLst/>
-              <a:uLnTx/>
-              <a:uFillTx/>
-              <a:latin typeface="+mn-lt"/>
-              <a:ea typeface="+mn-ea"/>
-              <a:cs typeface="+mn-cs"/>
             </a:endParaRPr>
           </a:p>
         </p:txBody>
       </p:sp>
       <p:cxnSp>
         <p:nvCxnSpPr>
-          <p:cNvPr id="5" name="Straight Connector 4"/>
+          <p:cNvPr id="9" name="Straight Connector 8"/>
           <p:cNvCxnSpPr/>
           <p:nvPr/>
         </p:nvCxnSpPr>
@@ -11565,13 +12691,13 @@
       </p:cxnSp>
       <p:sp>
         <p:nvSpPr>
-          <p:cNvPr id="6" name="1 Título"/>
+          <p:cNvPr id="10" name="1 Título"/>
           <p:cNvSpPr txBox="1">
             <a:spLocks/>
           </p:cNvSpPr>
           <p:nvPr/>
         </p:nvSpPr>
-        <p:spPr>
+        <p:spPr bwMode="auto">
           <a:xfrm>
             <a:off x="34925" y="260350"/>
             <a:ext cx="2736850" cy="288925"/>
@@ -11579,67 +12705,63 @@
           <a:prstGeom prst="rect">
             <a:avLst/>
           </a:prstGeom>
-        </p:spPr>
-        <p:txBody>
-          <a:bodyPr rtlCol="0">
-            <a:normAutofit fontScale="75000" lnSpcReduction="20000"/>
-          </a:bodyPr>
+          <a:noFill/>
+          <a:ln w="9525">
+            <a:noFill/>
+            <a:miter lim="800000"/>
+            <a:headEnd/>
+            <a:tailEnd/>
+          </a:ln>
+        </p:spPr>
+        <p:txBody>
+          <a:bodyPr anchor="ctr"/>
           <a:lstStyle/>
           <a:p>
-            <a:pPr marL="0" marR="0" lvl="0" indent="0" algn="ctr" defTabSz="914400" rtl="0" eaLnBrk="1" fontAlgn="auto" latinLnBrk="0" hangingPunct="1">
-              <a:lnSpc>
-                <a:spcPct val="100000"/>
-              </a:lnSpc>
-              <a:spcBef>
-                <a:spcPct val="0"/>
-              </a:spcBef>
-              <a:spcAft>
-                <a:spcPts val="0"/>
-              </a:spcAft>
-              <a:buClrTx/>
-              <a:buSzTx/>
-              <a:buFontTx/>
-              <a:buNone/>
-              <a:tabLst/>
-              <a:defRPr/>
-            </a:pPr>
-            <a:r>
-              <a:rPr kumimoji="0" lang="es-AR" sz="2000" b="0" i="0" u="none" strike="noStrike" kern="1200" cap="none" spc="0" normalizeH="0" baseline="0" noProof="0" smtClean="0">
-                <a:ln>
-                  <a:noFill/>
-                </a:ln>
+            <a:pPr algn="ctr"/>
+            <a:r>
+              <a:rPr lang="es-AR" u="none" dirty="0" err="1">
                 <a:solidFill>
                   <a:srgbClr val="C00000"/>
                 </a:solidFill>
-                <a:effectLst/>
-                <a:uLnTx/>
-                <a:uFillTx/>
-                <a:latin typeface="Aharoni" pitchFamily="2" charset="-79"/>
-                <a:ea typeface="+mj-ea"/>
-                <a:cs typeface="Aharoni" pitchFamily="2" charset="-79"/>
-              </a:rPr>
-              <a:t>Panic Dial Button</a:t>
-            </a:r>
-            <a:endParaRPr kumimoji="0" lang="es-AR" sz="2000" b="0" i="0" u="none" strike="noStrike" kern="1200" cap="none" spc="0" normalizeH="0" baseline="0" noProof="0" dirty="0">
-              <a:ln>
-                <a:noFill/>
-              </a:ln>
-              <a:solidFill>
-                <a:schemeClr val="tx1"/>
-              </a:solidFill>
-              <a:effectLst/>
-              <a:uLnTx/>
-              <a:uFillTx/>
-              <a:latin typeface="Aharoni" pitchFamily="2" charset="-79"/>
-              <a:ea typeface="+mj-ea"/>
-              <a:cs typeface="Aharoni" pitchFamily="2" charset="-79"/>
+                <a:latin typeface="Aharoni"/>
+                <a:ea typeface="Aharoni"/>
+                <a:cs typeface="Aharoni"/>
+              </a:rPr>
+              <a:t>Panic</a:t>
+            </a:r>
+            <a:r>
+              <a:rPr lang="es-AR" u="none" dirty="0">
+                <a:solidFill>
+                  <a:srgbClr val="C00000"/>
+                </a:solidFill>
+                <a:latin typeface="Aharoni"/>
+                <a:ea typeface="Aharoni"/>
+                <a:cs typeface="Aharoni"/>
+              </a:rPr>
+              <a:t> Dial </a:t>
+            </a:r>
+            <a:r>
+              <a:rPr lang="es-AR" u="none" dirty="0" err="1">
+                <a:solidFill>
+                  <a:srgbClr val="C00000"/>
+                </a:solidFill>
+                <a:latin typeface="Aharoni"/>
+                <a:ea typeface="Aharoni"/>
+                <a:cs typeface="Aharoni"/>
+              </a:rPr>
+              <a:t>Button</a:t>
+            </a:r>
+            <a:endParaRPr lang="es-AR" u="none" dirty="0">
+              <a:latin typeface="Aharoni"/>
+              <a:ea typeface="Aharoni"/>
+              <a:cs typeface="Aharoni"/>
             </a:endParaRPr>
           </a:p>
         </p:txBody>
       </p:sp>
       <p:pic>
         <p:nvPicPr>
-          <p:cNvPr id="7" name="Picture 5"/>
+          <p:cNvPr id="11" name="Picture 5"/>
           <p:cNvPicPr>
             <a:picLocks noChangeAspect="1"/>
           </p:cNvPicPr>
@@ -11776,7 +12898,15 @@
               <a:defRPr/>
             </a:pPr>
             <a:r>
-              <a:rPr kumimoji="0" lang="es-AR" sz="4000" b="1" i="0" u="none" strike="noStrike" kern="1200" cap="none" spc="0" normalizeH="0" baseline="0" noProof="0" dirty="0" smtClean="0">
+              <a:rPr lang="es-AR" sz="4000" b="1" u="none" dirty="0">
+                <a:latin typeface="Trebuchet MS" pitchFamily="34" charset="0"/>
+                <a:ea typeface="+mj-ea"/>
+                <a:cs typeface="+mj-cs"/>
+              </a:rPr>
+              <a:t>A</a:t>
+            </a:r>
+            <a:r>
+              <a:rPr kumimoji="0" lang="es-AR" sz="4000" b="1" i="0" u="none" strike="noStrike" kern="1200" cap="none" spc="0" normalizeH="0" baseline="0" noProof="0" dirty="0" err="1" smtClean="0">
                 <a:ln>
                   <a:noFill/>
                 </a:ln>
@@ -11790,8 +12920,64 @@
                 <a:ea typeface="+mj-ea"/>
                 <a:cs typeface="+mj-cs"/>
               </a:rPr>
-              <a:t>Funciones aplicación gratuita</a:t>
-            </a:r>
+              <a:t>plicación</a:t>
+            </a:r>
+            <a:r>
+              <a:rPr kumimoji="0" lang="es-AR" sz="4000" b="1" i="0" u="none" strike="noStrike" kern="1200" cap="none" spc="0" normalizeH="0" baseline="0" noProof="0" dirty="0" smtClean="0">
+                <a:ln>
+                  <a:noFill/>
+                </a:ln>
+                <a:solidFill>
+                  <a:schemeClr val="tx1"/>
+                </a:solidFill>
+                <a:effectLst/>
+                <a:uLnTx/>
+                <a:uFillTx/>
+                <a:latin typeface="Trebuchet MS" pitchFamily="34" charset="0"/>
+                <a:ea typeface="+mj-ea"/>
+                <a:cs typeface="+mj-cs"/>
+              </a:rPr>
+              <a:t> </a:t>
+            </a:r>
+            <a:r>
+              <a:rPr lang="es-AR" sz="4000" b="1" u="none" dirty="0">
+                <a:latin typeface="Trebuchet MS" pitchFamily="34" charset="0"/>
+                <a:ea typeface="+mj-ea"/>
+                <a:cs typeface="+mj-cs"/>
+              </a:rPr>
+              <a:t>G</a:t>
+            </a:r>
+            <a:r>
+              <a:rPr kumimoji="0" lang="es-AR" sz="4000" b="1" i="0" u="none" strike="noStrike" kern="1200" cap="none" spc="0" normalizeH="0" baseline="0" noProof="0" dirty="0" err="1" smtClean="0">
+                <a:ln>
+                  <a:noFill/>
+                </a:ln>
+                <a:solidFill>
+                  <a:schemeClr val="tx1"/>
+                </a:solidFill>
+                <a:effectLst/>
+                <a:uLnTx/>
+                <a:uFillTx/>
+                <a:latin typeface="Trebuchet MS" pitchFamily="34" charset="0"/>
+                <a:ea typeface="+mj-ea"/>
+                <a:cs typeface="+mj-cs"/>
+              </a:rPr>
+              <a:t>ratuita</a:t>
+            </a:r>
+            <a:endParaRPr kumimoji="0" lang="es-AR" sz="4000" b="1" i="0" u="none" strike="noStrike" kern="1200" cap="none" spc="0" normalizeH="0" baseline="0" noProof="0" dirty="0" smtClean="0">
+              <a:ln>
+                <a:noFill/>
+              </a:ln>
+              <a:solidFill>
+                <a:schemeClr val="tx1"/>
+              </a:solidFill>
+              <a:effectLst/>
+              <a:uLnTx/>
+              <a:uFillTx/>
+              <a:latin typeface="Trebuchet MS" pitchFamily="34" charset="0"/>
+              <a:ea typeface="+mj-ea"/>
+              <a:cs typeface="+mj-cs"/>
+            </a:endParaRPr>
           </a:p>
         </p:txBody>
       </p:sp>
@@ -11844,7 +13030,7 @@
       </p:sp>
       <p:sp>
         <p:nvSpPr>
-          <p:cNvPr id="7" name="2 Subtítulo"/>
+          <p:cNvPr id="15" name="2 Subtítulo"/>
           <p:cNvSpPr txBox="1">
             <a:spLocks/>
           </p:cNvSpPr>
@@ -11852,7 +13038,7 @@
         </p:nvSpPr>
         <p:spPr>
           <a:xfrm>
-            <a:off x="5148263" y="239713"/>
+            <a:off x="5435724" y="239713"/>
             <a:ext cx="3960812" cy="381000"/>
           </a:xfrm>
           <a:prstGeom prst="rect">
@@ -11863,68 +13049,192 @@
           <a:bodyPr rtlCol="0">
             <a:normAutofit fontScale="47500" lnSpcReduction="20000"/>
           </a:bodyPr>
-          <a:lstStyle/>
-          <a:p>
-            <a:pPr marL="342900" marR="0" lvl="0" indent="-342900" algn="l" defTabSz="914400" rtl="0" eaLnBrk="1" fontAlgn="auto" latinLnBrk="0" hangingPunct="1">
-              <a:lnSpc>
-                <a:spcPct val="100000"/>
-              </a:lnSpc>
+          <a:lstStyle>
+            <a:lvl1pPr marL="342900" indent="-342900" algn="l" rtl="0" eaLnBrk="0" fontAlgn="base" hangingPunct="0">
               <a:spcBef>
                 <a:spcPct val="20000"/>
               </a:spcBef>
               <a:spcAft>
+                <a:spcPct val="0"/>
+              </a:spcAft>
+              <a:buFont typeface="Arial" charset="0"/>
+              <a:buChar char="•"/>
+              <a:defRPr sz="3200" kern="1200">
+                <a:solidFill>
+                  <a:schemeClr val="tx1"/>
+                </a:solidFill>
+                <a:latin typeface="+mn-lt"/>
+                <a:ea typeface="+mn-ea"/>
+                <a:cs typeface="+mn-cs"/>
+              </a:defRPr>
+            </a:lvl1pPr>
+            <a:lvl2pPr marL="742950" indent="-285750" algn="l" rtl="0" eaLnBrk="0" fontAlgn="base" hangingPunct="0">
+              <a:spcBef>
+                <a:spcPct val="20000"/>
+              </a:spcBef>
+              <a:spcAft>
+                <a:spcPct val="0"/>
+              </a:spcAft>
+              <a:buFont typeface="Arial" charset="0"/>
+              <a:buChar char="–"/>
+              <a:defRPr sz="2800" kern="1200">
+                <a:solidFill>
+                  <a:schemeClr val="tx1"/>
+                </a:solidFill>
+                <a:latin typeface="+mn-lt"/>
+                <a:ea typeface="+mn-ea"/>
+                <a:cs typeface="+mn-cs"/>
+              </a:defRPr>
+            </a:lvl2pPr>
+            <a:lvl3pPr marL="1143000" indent="-228600" algn="l" rtl="0" eaLnBrk="0" fontAlgn="base" hangingPunct="0">
+              <a:spcBef>
+                <a:spcPct val="20000"/>
+              </a:spcBef>
+              <a:spcAft>
+                <a:spcPct val="0"/>
+              </a:spcAft>
+              <a:buFont typeface="Arial" charset="0"/>
+              <a:buChar char="•"/>
+              <a:defRPr sz="2400" kern="1200">
+                <a:solidFill>
+                  <a:schemeClr val="tx1"/>
+                </a:solidFill>
+                <a:latin typeface="+mn-lt"/>
+                <a:ea typeface="+mn-ea"/>
+                <a:cs typeface="+mn-cs"/>
+              </a:defRPr>
+            </a:lvl3pPr>
+            <a:lvl4pPr marL="1600200" indent="-228600" algn="l" rtl="0" eaLnBrk="0" fontAlgn="base" hangingPunct="0">
+              <a:spcBef>
+                <a:spcPct val="20000"/>
+              </a:spcBef>
+              <a:spcAft>
+                <a:spcPct val="0"/>
+              </a:spcAft>
+              <a:buFont typeface="Arial" charset="0"/>
+              <a:buChar char="–"/>
+              <a:defRPr sz="2000" kern="1200">
+                <a:solidFill>
+                  <a:schemeClr val="tx1"/>
+                </a:solidFill>
+                <a:latin typeface="+mn-lt"/>
+                <a:ea typeface="+mn-ea"/>
+                <a:cs typeface="+mn-cs"/>
+              </a:defRPr>
+            </a:lvl4pPr>
+            <a:lvl5pPr marL="2057400" indent="-228600" algn="l" rtl="0" eaLnBrk="0" fontAlgn="base" hangingPunct="0">
+              <a:spcBef>
+                <a:spcPct val="20000"/>
+              </a:spcBef>
+              <a:spcAft>
+                <a:spcPct val="0"/>
+              </a:spcAft>
+              <a:buFont typeface="Arial" charset="0"/>
+              <a:buChar char="»"/>
+              <a:defRPr sz="2000" kern="1200">
+                <a:solidFill>
+                  <a:schemeClr val="tx1"/>
+                </a:solidFill>
+                <a:latin typeface="+mn-lt"/>
+                <a:ea typeface="+mn-ea"/>
+                <a:cs typeface="+mn-cs"/>
+              </a:defRPr>
+            </a:lvl5pPr>
+            <a:lvl6pPr marL="2514600" indent="-228600" algn="l" defTabSz="914400" rtl="0" eaLnBrk="1" latinLnBrk="0" hangingPunct="1">
+              <a:spcBef>
+                <a:spcPct val="20000"/>
+              </a:spcBef>
+              <a:buFont typeface="Arial" pitchFamily="34" charset="0"/>
+              <a:buChar char="•"/>
+              <a:defRPr sz="2000" kern="1200">
+                <a:solidFill>
+                  <a:schemeClr val="tx1"/>
+                </a:solidFill>
+                <a:latin typeface="+mn-lt"/>
+                <a:ea typeface="+mn-ea"/>
+                <a:cs typeface="+mn-cs"/>
+              </a:defRPr>
+            </a:lvl6pPr>
+            <a:lvl7pPr marL="2971800" indent="-228600" algn="l" defTabSz="914400" rtl="0" eaLnBrk="1" latinLnBrk="0" hangingPunct="1">
+              <a:spcBef>
+                <a:spcPct val="20000"/>
+              </a:spcBef>
+              <a:buFont typeface="Arial" pitchFamily="34" charset="0"/>
+              <a:buChar char="•"/>
+              <a:defRPr sz="2000" kern="1200">
+                <a:solidFill>
+                  <a:schemeClr val="tx1"/>
+                </a:solidFill>
+                <a:latin typeface="+mn-lt"/>
+                <a:ea typeface="+mn-ea"/>
+                <a:cs typeface="+mn-cs"/>
+              </a:defRPr>
+            </a:lvl7pPr>
+            <a:lvl8pPr marL="3429000" indent="-228600" algn="l" defTabSz="914400" rtl="0" eaLnBrk="1" latinLnBrk="0" hangingPunct="1">
+              <a:spcBef>
+                <a:spcPct val="20000"/>
+              </a:spcBef>
+              <a:buFont typeface="Arial" pitchFamily="34" charset="0"/>
+              <a:buChar char="•"/>
+              <a:defRPr sz="2000" kern="1200">
+                <a:solidFill>
+                  <a:schemeClr val="tx1"/>
+                </a:solidFill>
+                <a:latin typeface="+mn-lt"/>
+                <a:ea typeface="+mn-ea"/>
+                <a:cs typeface="+mn-cs"/>
+              </a:defRPr>
+            </a:lvl8pPr>
+            <a:lvl9pPr marL="3886200" indent="-228600" algn="l" defTabSz="914400" rtl="0" eaLnBrk="1" latinLnBrk="0" hangingPunct="1">
+              <a:spcBef>
+                <a:spcPct val="20000"/>
+              </a:spcBef>
+              <a:buFont typeface="Arial" pitchFamily="34" charset="0"/>
+              <a:buChar char="•"/>
+              <a:defRPr sz="2000" kern="1200">
+                <a:solidFill>
+                  <a:schemeClr val="tx1"/>
+                </a:solidFill>
+                <a:latin typeface="+mn-lt"/>
+                <a:ea typeface="+mn-ea"/>
+                <a:cs typeface="+mn-cs"/>
+              </a:defRPr>
+            </a:lvl9pPr>
+          </a:lstStyle>
+          <a:p>
+            <a:pPr eaLnBrk="1" fontAlgn="auto" hangingPunct="1">
+              <a:spcAft>
                 <a:spcPts val="0"/>
               </a:spcAft>
-              <a:buClrTx/>
-              <a:buSzTx/>
               <a:buFont typeface="Arial" pitchFamily="34" charset="0"/>
               <a:buNone/>
-              <a:tabLst/>
               <a:defRPr/>
             </a:pPr>
             <a:r>
-              <a:rPr kumimoji="0" lang="es-AR" sz="3200" b="0" i="0" u="none" strike="noStrike" kern="1200" cap="none" spc="0" normalizeH="0" baseline="0" noProof="0" smtClean="0">
-                <a:ln>
-                  <a:noFill/>
-                </a:ln>
+              <a:rPr lang="es-AR" u="none" dirty="0" smtClean="0">
                 <a:solidFill>
                   <a:schemeClr val="tx1">
                     <a:lumMod val="65000"/>
                     <a:lumOff val="35000"/>
                   </a:schemeClr>
                 </a:solidFill>
-                <a:effectLst/>
-                <a:uLnTx/>
-                <a:uFillTx/>
-                <a:latin typeface="+mn-lt"/>
-                <a:ea typeface="+mn-ea"/>
-                <a:cs typeface="+mn-cs"/>
               </a:rPr>
               <a:t>75.45 - Taller de Desarrollo de Proyectos I</a:t>
             </a:r>
-            <a:endParaRPr kumimoji="0" lang="es-AR" sz="3200" b="0" i="0" u="none" strike="noStrike" kern="1200" cap="none" spc="0" normalizeH="0" baseline="0" noProof="0" dirty="0">
-              <a:ln>
-                <a:noFill/>
-              </a:ln>
+            <a:endParaRPr lang="es-AR" u="none" dirty="0">
               <a:solidFill>
                 <a:schemeClr val="tx1">
                   <a:lumMod val="65000"/>
                   <a:lumOff val="35000"/>
                 </a:schemeClr>
               </a:solidFill>
-              <a:effectLst/>
-              <a:uLnTx/>
-              <a:uFillTx/>
-              <a:latin typeface="+mn-lt"/>
-              <a:ea typeface="+mn-ea"/>
-              <a:cs typeface="+mn-cs"/>
             </a:endParaRPr>
           </a:p>
         </p:txBody>
       </p:sp>
       <p:cxnSp>
         <p:nvCxnSpPr>
-          <p:cNvPr id="8" name="Straight Connector 4"/>
+          <p:cNvPr id="16" name="Straight Connector 15"/>
           <p:cNvCxnSpPr/>
           <p:nvPr/>
         </p:nvCxnSpPr>
@@ -11961,13 +13271,13 @@
       </p:cxnSp>
       <p:sp>
         <p:nvSpPr>
-          <p:cNvPr id="9" name="1 Título"/>
+          <p:cNvPr id="17" name="1 Título"/>
           <p:cNvSpPr txBox="1">
             <a:spLocks/>
           </p:cNvSpPr>
           <p:nvPr/>
         </p:nvSpPr>
-        <p:spPr>
+        <p:spPr bwMode="auto">
           <a:xfrm>
             <a:off x="34925" y="260350"/>
             <a:ext cx="2736850" cy="288925"/>
@@ -11975,67 +13285,63 @@
           <a:prstGeom prst="rect">
             <a:avLst/>
           </a:prstGeom>
-        </p:spPr>
-        <p:txBody>
-          <a:bodyPr rtlCol="0">
-            <a:normAutofit fontScale="75000" lnSpcReduction="20000"/>
-          </a:bodyPr>
+          <a:noFill/>
+          <a:ln w="9525">
+            <a:noFill/>
+            <a:miter lim="800000"/>
+            <a:headEnd/>
+            <a:tailEnd/>
+          </a:ln>
+        </p:spPr>
+        <p:txBody>
+          <a:bodyPr anchor="ctr"/>
           <a:lstStyle/>
           <a:p>
-            <a:pPr marL="0" marR="0" lvl="0" indent="0" algn="ctr" defTabSz="914400" rtl="0" eaLnBrk="1" fontAlgn="auto" latinLnBrk="0" hangingPunct="1">
-              <a:lnSpc>
-                <a:spcPct val="100000"/>
-              </a:lnSpc>
-              <a:spcBef>
-                <a:spcPct val="0"/>
-              </a:spcBef>
-              <a:spcAft>
-                <a:spcPts val="0"/>
-              </a:spcAft>
-              <a:buClrTx/>
-              <a:buSzTx/>
-              <a:buFontTx/>
-              <a:buNone/>
-              <a:tabLst/>
-              <a:defRPr/>
-            </a:pPr>
-            <a:r>
-              <a:rPr kumimoji="0" lang="es-AR" sz="2000" b="0" i="0" u="none" strike="noStrike" kern="1200" cap="none" spc="0" normalizeH="0" baseline="0" noProof="0" smtClean="0">
-                <a:ln>
-                  <a:noFill/>
-                </a:ln>
+            <a:pPr algn="ctr"/>
+            <a:r>
+              <a:rPr lang="es-AR" u="none" dirty="0" err="1">
                 <a:solidFill>
                   <a:srgbClr val="C00000"/>
                 </a:solidFill>
-                <a:effectLst/>
-                <a:uLnTx/>
-                <a:uFillTx/>
-                <a:latin typeface="Aharoni" pitchFamily="2" charset="-79"/>
-                <a:ea typeface="+mj-ea"/>
-                <a:cs typeface="Aharoni" pitchFamily="2" charset="-79"/>
-              </a:rPr>
-              <a:t>Panic Dial Button</a:t>
-            </a:r>
-            <a:endParaRPr kumimoji="0" lang="es-AR" sz="2000" b="0" i="0" u="none" strike="noStrike" kern="1200" cap="none" spc="0" normalizeH="0" baseline="0" noProof="0" dirty="0">
-              <a:ln>
-                <a:noFill/>
-              </a:ln>
-              <a:solidFill>
-                <a:schemeClr val="tx1"/>
-              </a:solidFill>
-              <a:effectLst/>
-              <a:uLnTx/>
-              <a:uFillTx/>
-              <a:latin typeface="Aharoni" pitchFamily="2" charset="-79"/>
-              <a:ea typeface="+mj-ea"/>
-              <a:cs typeface="Aharoni" pitchFamily="2" charset="-79"/>
+                <a:latin typeface="Aharoni"/>
+                <a:ea typeface="Aharoni"/>
+                <a:cs typeface="Aharoni"/>
+              </a:rPr>
+              <a:t>Panic</a:t>
+            </a:r>
+            <a:r>
+              <a:rPr lang="es-AR" u="none" dirty="0">
+                <a:solidFill>
+                  <a:srgbClr val="C00000"/>
+                </a:solidFill>
+                <a:latin typeface="Aharoni"/>
+                <a:ea typeface="Aharoni"/>
+                <a:cs typeface="Aharoni"/>
+              </a:rPr>
+              <a:t> Dial </a:t>
+            </a:r>
+            <a:r>
+              <a:rPr lang="es-AR" u="none" dirty="0" err="1">
+                <a:solidFill>
+                  <a:srgbClr val="C00000"/>
+                </a:solidFill>
+                <a:latin typeface="Aharoni"/>
+                <a:ea typeface="Aharoni"/>
+                <a:cs typeface="Aharoni"/>
+              </a:rPr>
+              <a:t>Button</a:t>
+            </a:r>
+            <a:endParaRPr lang="es-AR" u="none" dirty="0">
+              <a:latin typeface="Aharoni"/>
+              <a:ea typeface="Aharoni"/>
+              <a:cs typeface="Aharoni"/>
             </a:endParaRPr>
           </a:p>
         </p:txBody>
       </p:sp>
       <p:pic>
         <p:nvPicPr>
-          <p:cNvPr id="10" name="Picture 5"/>
+          <p:cNvPr id="18" name="Picture 5"/>
           <p:cNvPicPr>
             <a:picLocks noChangeAspect="1"/>
           </p:cNvPicPr>
@@ -12172,7 +13478,7 @@
               <a:defRPr/>
             </a:pPr>
             <a:r>
-              <a:rPr kumimoji="0" lang="es-AR" sz="4000" b="1" i="0" u="none" strike="noStrike" kern="1200" cap="none" spc="0" normalizeH="0" baseline="0" noProof="0" smtClean="0">
+              <a:rPr kumimoji="0" lang="es-AR" sz="4000" b="1" i="0" u="none" strike="noStrike" kern="1200" cap="none" spc="0" normalizeH="0" baseline="0" noProof="0" dirty="0" smtClean="0">
                 <a:ln>
                   <a:noFill/>
                 </a:ln>
@@ -12186,7 +13492,32 @@
                 <a:ea typeface="+mj-ea"/>
                 <a:cs typeface="+mj-cs"/>
               </a:rPr>
-              <a:t>Funciones aplicación completa</a:t>
+              <a:t>Aplicación </a:t>
+            </a:r>
+            <a:r>
+              <a:rPr lang="es-AR" sz="4000" b="1" u="none" dirty="0">
+                <a:latin typeface="Trebuchet MS" pitchFamily="34" charset="0"/>
+                <a:ea typeface="+mj-ea"/>
+                <a:cs typeface="+mj-cs"/>
+              </a:rPr>
+              <a:t>C</a:t>
+            </a:r>
+            <a:r>
+              <a:rPr kumimoji="0" lang="es-AR" sz="4000" b="1" i="0" u="none" strike="noStrike" kern="1200" cap="none" spc="0" normalizeH="0" baseline="0" noProof="0" dirty="0" err="1" smtClean="0">
+                <a:ln>
+                  <a:noFill/>
+                </a:ln>
+                <a:solidFill>
+                  <a:schemeClr val="tx1"/>
+                </a:solidFill>
+                <a:effectLst/>
+                <a:uLnTx/>
+                <a:uFillTx/>
+                <a:latin typeface="Trebuchet MS" pitchFamily="34" charset="0"/>
+                <a:ea typeface="+mj-ea"/>
+                <a:cs typeface="+mj-cs"/>
+              </a:rPr>
+              <a:t>ompleta</a:t>
             </a:r>
             <a:endParaRPr kumimoji="0" lang="es-AR" sz="4000" b="1" i="0" u="none" strike="noStrike" kern="1200" cap="none" spc="0" normalizeH="0" baseline="0" noProof="0" dirty="0" smtClean="0">
               <a:ln>
@@ -12266,7 +13597,7 @@
       </p:sp>
       <p:sp>
         <p:nvSpPr>
-          <p:cNvPr id="7" name="2 Subtítulo"/>
+          <p:cNvPr id="11" name="2 Subtítulo"/>
           <p:cNvSpPr txBox="1">
             <a:spLocks/>
           </p:cNvSpPr>
@@ -12274,7 +13605,7 @@
         </p:nvSpPr>
         <p:spPr>
           <a:xfrm>
-            <a:off x="5148263" y="239713"/>
+            <a:off x="5435724" y="239713"/>
             <a:ext cx="3960812" cy="381000"/>
           </a:xfrm>
           <a:prstGeom prst="rect">
@@ -12285,68 +13616,192 @@
           <a:bodyPr rtlCol="0">
             <a:normAutofit fontScale="47500" lnSpcReduction="20000"/>
           </a:bodyPr>
-          <a:lstStyle/>
-          <a:p>
-            <a:pPr marL="342900" marR="0" lvl="0" indent="-342900" algn="l" defTabSz="914400" rtl="0" eaLnBrk="1" fontAlgn="auto" latinLnBrk="0" hangingPunct="1">
-              <a:lnSpc>
-                <a:spcPct val="100000"/>
-              </a:lnSpc>
+          <a:lstStyle>
+            <a:lvl1pPr marL="342900" indent="-342900" algn="l" rtl="0" eaLnBrk="0" fontAlgn="base" hangingPunct="0">
               <a:spcBef>
                 <a:spcPct val="20000"/>
               </a:spcBef>
               <a:spcAft>
+                <a:spcPct val="0"/>
+              </a:spcAft>
+              <a:buFont typeface="Arial" charset="0"/>
+              <a:buChar char="•"/>
+              <a:defRPr sz="3200" kern="1200">
+                <a:solidFill>
+                  <a:schemeClr val="tx1"/>
+                </a:solidFill>
+                <a:latin typeface="+mn-lt"/>
+                <a:ea typeface="+mn-ea"/>
+                <a:cs typeface="+mn-cs"/>
+              </a:defRPr>
+            </a:lvl1pPr>
+            <a:lvl2pPr marL="742950" indent="-285750" algn="l" rtl="0" eaLnBrk="0" fontAlgn="base" hangingPunct="0">
+              <a:spcBef>
+                <a:spcPct val="20000"/>
+              </a:spcBef>
+              <a:spcAft>
+                <a:spcPct val="0"/>
+              </a:spcAft>
+              <a:buFont typeface="Arial" charset="0"/>
+              <a:buChar char="–"/>
+              <a:defRPr sz="2800" kern="1200">
+                <a:solidFill>
+                  <a:schemeClr val="tx1"/>
+                </a:solidFill>
+                <a:latin typeface="+mn-lt"/>
+                <a:ea typeface="+mn-ea"/>
+                <a:cs typeface="+mn-cs"/>
+              </a:defRPr>
+            </a:lvl2pPr>
+            <a:lvl3pPr marL="1143000" indent="-228600" algn="l" rtl="0" eaLnBrk="0" fontAlgn="base" hangingPunct="0">
+              <a:spcBef>
+                <a:spcPct val="20000"/>
+              </a:spcBef>
+              <a:spcAft>
+                <a:spcPct val="0"/>
+              </a:spcAft>
+              <a:buFont typeface="Arial" charset="0"/>
+              <a:buChar char="•"/>
+              <a:defRPr sz="2400" kern="1200">
+                <a:solidFill>
+                  <a:schemeClr val="tx1"/>
+                </a:solidFill>
+                <a:latin typeface="+mn-lt"/>
+                <a:ea typeface="+mn-ea"/>
+                <a:cs typeface="+mn-cs"/>
+              </a:defRPr>
+            </a:lvl3pPr>
+            <a:lvl4pPr marL="1600200" indent="-228600" algn="l" rtl="0" eaLnBrk="0" fontAlgn="base" hangingPunct="0">
+              <a:spcBef>
+                <a:spcPct val="20000"/>
+              </a:spcBef>
+              <a:spcAft>
+                <a:spcPct val="0"/>
+              </a:spcAft>
+              <a:buFont typeface="Arial" charset="0"/>
+              <a:buChar char="–"/>
+              <a:defRPr sz="2000" kern="1200">
+                <a:solidFill>
+                  <a:schemeClr val="tx1"/>
+                </a:solidFill>
+                <a:latin typeface="+mn-lt"/>
+                <a:ea typeface="+mn-ea"/>
+                <a:cs typeface="+mn-cs"/>
+              </a:defRPr>
+            </a:lvl4pPr>
+            <a:lvl5pPr marL="2057400" indent="-228600" algn="l" rtl="0" eaLnBrk="0" fontAlgn="base" hangingPunct="0">
+              <a:spcBef>
+                <a:spcPct val="20000"/>
+              </a:spcBef>
+              <a:spcAft>
+                <a:spcPct val="0"/>
+              </a:spcAft>
+              <a:buFont typeface="Arial" charset="0"/>
+              <a:buChar char="»"/>
+              <a:defRPr sz="2000" kern="1200">
+                <a:solidFill>
+                  <a:schemeClr val="tx1"/>
+                </a:solidFill>
+                <a:latin typeface="+mn-lt"/>
+                <a:ea typeface="+mn-ea"/>
+                <a:cs typeface="+mn-cs"/>
+              </a:defRPr>
+            </a:lvl5pPr>
+            <a:lvl6pPr marL="2514600" indent="-228600" algn="l" defTabSz="914400" rtl="0" eaLnBrk="1" latinLnBrk="0" hangingPunct="1">
+              <a:spcBef>
+                <a:spcPct val="20000"/>
+              </a:spcBef>
+              <a:buFont typeface="Arial" pitchFamily="34" charset="0"/>
+              <a:buChar char="•"/>
+              <a:defRPr sz="2000" kern="1200">
+                <a:solidFill>
+                  <a:schemeClr val="tx1"/>
+                </a:solidFill>
+                <a:latin typeface="+mn-lt"/>
+                <a:ea typeface="+mn-ea"/>
+                <a:cs typeface="+mn-cs"/>
+              </a:defRPr>
+            </a:lvl6pPr>
+            <a:lvl7pPr marL="2971800" indent="-228600" algn="l" defTabSz="914400" rtl="0" eaLnBrk="1" latinLnBrk="0" hangingPunct="1">
+              <a:spcBef>
+                <a:spcPct val="20000"/>
+              </a:spcBef>
+              <a:buFont typeface="Arial" pitchFamily="34" charset="0"/>
+              <a:buChar char="•"/>
+              <a:defRPr sz="2000" kern="1200">
+                <a:solidFill>
+                  <a:schemeClr val="tx1"/>
+                </a:solidFill>
+                <a:latin typeface="+mn-lt"/>
+                <a:ea typeface="+mn-ea"/>
+                <a:cs typeface="+mn-cs"/>
+              </a:defRPr>
+            </a:lvl7pPr>
+            <a:lvl8pPr marL="3429000" indent="-228600" algn="l" defTabSz="914400" rtl="0" eaLnBrk="1" latinLnBrk="0" hangingPunct="1">
+              <a:spcBef>
+                <a:spcPct val="20000"/>
+              </a:spcBef>
+              <a:buFont typeface="Arial" pitchFamily="34" charset="0"/>
+              <a:buChar char="•"/>
+              <a:defRPr sz="2000" kern="1200">
+                <a:solidFill>
+                  <a:schemeClr val="tx1"/>
+                </a:solidFill>
+                <a:latin typeface="+mn-lt"/>
+                <a:ea typeface="+mn-ea"/>
+                <a:cs typeface="+mn-cs"/>
+              </a:defRPr>
+            </a:lvl8pPr>
+            <a:lvl9pPr marL="3886200" indent="-228600" algn="l" defTabSz="914400" rtl="0" eaLnBrk="1" latinLnBrk="0" hangingPunct="1">
+              <a:spcBef>
+                <a:spcPct val="20000"/>
+              </a:spcBef>
+              <a:buFont typeface="Arial" pitchFamily="34" charset="0"/>
+              <a:buChar char="•"/>
+              <a:defRPr sz="2000" kern="1200">
+                <a:solidFill>
+                  <a:schemeClr val="tx1"/>
+                </a:solidFill>
+                <a:latin typeface="+mn-lt"/>
+                <a:ea typeface="+mn-ea"/>
+                <a:cs typeface="+mn-cs"/>
+              </a:defRPr>
+            </a:lvl9pPr>
+          </a:lstStyle>
+          <a:p>
+            <a:pPr eaLnBrk="1" fontAlgn="auto" hangingPunct="1">
+              <a:spcAft>
                 <a:spcPts val="0"/>
               </a:spcAft>
-              <a:buClrTx/>
-              <a:buSzTx/>
               <a:buFont typeface="Arial" pitchFamily="34" charset="0"/>
               <a:buNone/>
-              <a:tabLst/>
               <a:defRPr/>
             </a:pPr>
             <a:r>
-              <a:rPr kumimoji="0" lang="es-AR" sz="3200" b="0" i="0" u="none" strike="noStrike" kern="1200" cap="none" spc="0" normalizeH="0" baseline="0" noProof="0" smtClean="0">
-                <a:ln>
-                  <a:noFill/>
-                </a:ln>
+              <a:rPr lang="es-AR" u="none" dirty="0" smtClean="0">
                 <a:solidFill>
                   <a:schemeClr val="tx1">
                     <a:lumMod val="65000"/>
                     <a:lumOff val="35000"/>
                   </a:schemeClr>
                 </a:solidFill>
-                <a:effectLst/>
-                <a:uLnTx/>
-                <a:uFillTx/>
-                <a:latin typeface="+mn-lt"/>
-                <a:ea typeface="+mn-ea"/>
-                <a:cs typeface="+mn-cs"/>
               </a:rPr>
               <a:t>75.45 - Taller de Desarrollo de Proyectos I</a:t>
             </a:r>
-            <a:endParaRPr kumimoji="0" lang="es-AR" sz="3200" b="0" i="0" u="none" strike="noStrike" kern="1200" cap="none" spc="0" normalizeH="0" baseline="0" noProof="0" dirty="0">
-              <a:ln>
-                <a:noFill/>
-              </a:ln>
+            <a:endParaRPr lang="es-AR" u="none" dirty="0">
               <a:solidFill>
                 <a:schemeClr val="tx1">
                   <a:lumMod val="65000"/>
                   <a:lumOff val="35000"/>
                 </a:schemeClr>
               </a:solidFill>
-              <a:effectLst/>
-              <a:uLnTx/>
-              <a:uFillTx/>
-              <a:latin typeface="+mn-lt"/>
-              <a:ea typeface="+mn-ea"/>
-              <a:cs typeface="+mn-cs"/>
             </a:endParaRPr>
           </a:p>
         </p:txBody>
       </p:sp>
       <p:cxnSp>
         <p:nvCxnSpPr>
-          <p:cNvPr id="8" name="Straight Connector 4"/>
+          <p:cNvPr id="12" name="Straight Connector 11"/>
           <p:cNvCxnSpPr/>
           <p:nvPr/>
         </p:nvCxnSpPr>
@@ -12383,13 +13838,13 @@
       </p:cxnSp>
       <p:sp>
         <p:nvSpPr>
-          <p:cNvPr id="9" name="1 Título"/>
+          <p:cNvPr id="13" name="1 Título"/>
           <p:cNvSpPr txBox="1">
             <a:spLocks/>
           </p:cNvSpPr>
           <p:nvPr/>
         </p:nvSpPr>
-        <p:spPr>
+        <p:spPr bwMode="auto">
           <a:xfrm>
             <a:off x="34925" y="260350"/>
             <a:ext cx="2736850" cy="288925"/>
@@ -12397,67 +13852,63 @@
           <a:prstGeom prst="rect">
             <a:avLst/>
           </a:prstGeom>
-        </p:spPr>
-        <p:txBody>
-          <a:bodyPr rtlCol="0">
-            <a:normAutofit fontScale="75000" lnSpcReduction="20000"/>
-          </a:bodyPr>
+          <a:noFill/>
+          <a:ln w="9525">
+            <a:noFill/>
+            <a:miter lim="800000"/>
+            <a:headEnd/>
+            <a:tailEnd/>
+          </a:ln>
+        </p:spPr>
+        <p:txBody>
+          <a:bodyPr anchor="ctr"/>
           <a:lstStyle/>
           <a:p>
-            <a:pPr marL="0" marR="0" lvl="0" indent="0" algn="ctr" defTabSz="914400" rtl="0" eaLnBrk="1" fontAlgn="auto" latinLnBrk="0" hangingPunct="1">
-              <a:lnSpc>
-                <a:spcPct val="100000"/>
-              </a:lnSpc>
-              <a:spcBef>
-                <a:spcPct val="0"/>
-              </a:spcBef>
-              <a:spcAft>
-                <a:spcPts val="0"/>
-              </a:spcAft>
-              <a:buClrTx/>
-              <a:buSzTx/>
-              <a:buFontTx/>
-              <a:buNone/>
-              <a:tabLst/>
-              <a:defRPr/>
-            </a:pPr>
-            <a:r>
-              <a:rPr kumimoji="0" lang="es-AR" sz="2000" b="0" i="0" u="none" strike="noStrike" kern="1200" cap="none" spc="0" normalizeH="0" baseline="0" noProof="0" smtClean="0">
-                <a:ln>
-                  <a:noFill/>
-                </a:ln>
+            <a:pPr algn="ctr"/>
+            <a:r>
+              <a:rPr lang="es-AR" u="none" dirty="0" err="1">
                 <a:solidFill>
                   <a:srgbClr val="C00000"/>
                 </a:solidFill>
-                <a:effectLst/>
-                <a:uLnTx/>
-                <a:uFillTx/>
-                <a:latin typeface="Aharoni" pitchFamily="2" charset="-79"/>
-                <a:ea typeface="+mj-ea"/>
-                <a:cs typeface="Aharoni" pitchFamily="2" charset="-79"/>
-              </a:rPr>
-              <a:t>Panic Dial Button</a:t>
-            </a:r>
-            <a:endParaRPr kumimoji="0" lang="es-AR" sz="2000" b="0" i="0" u="none" strike="noStrike" kern="1200" cap="none" spc="0" normalizeH="0" baseline="0" noProof="0" dirty="0">
-              <a:ln>
-                <a:noFill/>
-              </a:ln>
-              <a:solidFill>
-                <a:schemeClr val="tx1"/>
-              </a:solidFill>
-              <a:effectLst/>
-              <a:uLnTx/>
-              <a:uFillTx/>
-              <a:latin typeface="Aharoni" pitchFamily="2" charset="-79"/>
-              <a:ea typeface="+mj-ea"/>
-              <a:cs typeface="Aharoni" pitchFamily="2" charset="-79"/>
+                <a:latin typeface="Aharoni"/>
+                <a:ea typeface="Aharoni"/>
+                <a:cs typeface="Aharoni"/>
+              </a:rPr>
+              <a:t>Panic</a:t>
+            </a:r>
+            <a:r>
+              <a:rPr lang="es-AR" u="none" dirty="0">
+                <a:solidFill>
+                  <a:srgbClr val="C00000"/>
+                </a:solidFill>
+                <a:latin typeface="Aharoni"/>
+                <a:ea typeface="Aharoni"/>
+                <a:cs typeface="Aharoni"/>
+              </a:rPr>
+              <a:t> Dial </a:t>
+            </a:r>
+            <a:r>
+              <a:rPr lang="es-AR" u="none" dirty="0" err="1">
+                <a:solidFill>
+                  <a:srgbClr val="C00000"/>
+                </a:solidFill>
+                <a:latin typeface="Aharoni"/>
+                <a:ea typeface="Aharoni"/>
+                <a:cs typeface="Aharoni"/>
+              </a:rPr>
+              <a:t>Button</a:t>
+            </a:r>
+            <a:endParaRPr lang="es-AR" u="none" dirty="0">
+              <a:latin typeface="Aharoni"/>
+              <a:ea typeface="Aharoni"/>
+              <a:cs typeface="Aharoni"/>
             </a:endParaRPr>
           </a:p>
         </p:txBody>
       </p:sp>
       <p:pic>
         <p:nvPicPr>
-          <p:cNvPr id="10" name="Picture 5"/>
+          <p:cNvPr id="14" name="Picture 5"/>
           <p:cNvPicPr>
             <a:picLocks noChangeAspect="1"/>
           </p:cNvPicPr>
@@ -12810,7 +14261,7 @@
           <a:p>
             <a:pPr algn="ctr"/>
             <a:r>
-              <a:rPr lang="es-AR" u="none">
+              <a:rPr lang="es-AR" u="none" dirty="0" err="1">
                 <a:solidFill>
                   <a:srgbClr val="C00000"/>
                 </a:solidFill>
@@ -12818,9 +14269,31 @@
                 <a:ea typeface="Aharoni"/>
                 <a:cs typeface="Aharoni"/>
               </a:rPr>
-              <a:t>Panic Dial Button</a:t>
-            </a:r>
-            <a:endParaRPr lang="es-AR" u="none">
+              <a:t>Panic</a:t>
+            </a:r>
+            <a:r>
+              <a:rPr lang="es-AR" u="none" dirty="0">
+                <a:solidFill>
+                  <a:srgbClr val="C00000"/>
+                </a:solidFill>
+                <a:latin typeface="Aharoni"/>
+                <a:ea typeface="Aharoni"/>
+                <a:cs typeface="Aharoni"/>
+              </a:rPr>
+              <a:t> Dial </a:t>
+            </a:r>
+            <a:r>
+              <a:rPr lang="es-AR" u="none" dirty="0" err="1">
+                <a:solidFill>
+                  <a:srgbClr val="C00000"/>
+                </a:solidFill>
+                <a:latin typeface="Aharoni"/>
+                <a:ea typeface="Aharoni"/>
+                <a:cs typeface="Aharoni"/>
+              </a:rPr>
+              <a:t>Button</a:t>
+            </a:r>
+            <a:endParaRPr lang="es-AR" u="none" dirty="0">
               <a:latin typeface="Aharoni"/>
               <a:ea typeface="Aharoni"/>
               <a:cs typeface="Aharoni"/>
@@ -12974,7 +14447,7 @@
               <a:defRPr/>
             </a:pPr>
             <a:r>
-              <a:rPr kumimoji="0" lang="es-AR" sz="4000" b="1" i="0" u="none" strike="noStrike" kern="1200" cap="none" spc="0" normalizeH="0" baseline="0" noProof="0" smtClean="0">
+              <a:rPr kumimoji="0" lang="es-AR" sz="4000" b="1" i="0" u="none" strike="noStrike" kern="1200" cap="none" spc="0" normalizeH="0" baseline="0" noProof="0" dirty="0" smtClean="0">
                 <a:ln>
                   <a:noFill/>
                 </a:ln>
@@ -12988,7 +14461,32 @@
                 <a:ea typeface="+mj-ea"/>
                 <a:cs typeface="+mj-cs"/>
               </a:rPr>
-              <a:t>Funciones aplicación completa</a:t>
+              <a:t>Aplicación </a:t>
+            </a:r>
+            <a:r>
+              <a:rPr lang="es-AR" sz="4000" b="1" u="none" dirty="0">
+                <a:latin typeface="Trebuchet MS" pitchFamily="34" charset="0"/>
+                <a:ea typeface="+mj-ea"/>
+                <a:cs typeface="+mj-cs"/>
+              </a:rPr>
+              <a:t>C</a:t>
+            </a:r>
+            <a:r>
+              <a:rPr kumimoji="0" lang="es-AR" sz="4000" b="1" i="0" u="none" strike="noStrike" kern="1200" cap="none" spc="0" normalizeH="0" baseline="0" noProof="0" dirty="0" err="1" smtClean="0">
+                <a:ln>
+                  <a:noFill/>
+                </a:ln>
+                <a:solidFill>
+                  <a:schemeClr val="tx1"/>
+                </a:solidFill>
+                <a:effectLst/>
+                <a:uLnTx/>
+                <a:uFillTx/>
+                <a:latin typeface="Trebuchet MS" pitchFamily="34" charset="0"/>
+                <a:ea typeface="+mj-ea"/>
+                <a:cs typeface="+mj-cs"/>
+              </a:rPr>
+              <a:t>ompleta</a:t>
             </a:r>
             <a:endParaRPr kumimoji="0" lang="es-AR" sz="4000" b="1" i="0" u="none" strike="noStrike" kern="1200" cap="none" spc="0" normalizeH="0" baseline="0" noProof="0" dirty="0" smtClean="0">
               <a:ln>
@@ -13062,7 +14560,7 @@
       </p:sp>
       <p:sp>
         <p:nvSpPr>
-          <p:cNvPr id="7" name="2 Subtítulo"/>
+          <p:cNvPr id="11" name="2 Subtítulo"/>
           <p:cNvSpPr txBox="1">
             <a:spLocks/>
           </p:cNvSpPr>
@@ -13070,7 +14568,7 @@
         </p:nvSpPr>
         <p:spPr>
           <a:xfrm>
-            <a:off x="5148263" y="239713"/>
+            <a:off x="5435724" y="239713"/>
             <a:ext cx="3960812" cy="381000"/>
           </a:xfrm>
           <a:prstGeom prst="rect">
@@ -13081,68 +14579,192 @@
           <a:bodyPr rtlCol="0">
             <a:normAutofit fontScale="47500" lnSpcReduction="20000"/>
           </a:bodyPr>
-          <a:lstStyle/>
-          <a:p>
-            <a:pPr marL="342900" marR="0" lvl="0" indent="-342900" algn="l" defTabSz="914400" rtl="0" eaLnBrk="1" fontAlgn="auto" latinLnBrk="0" hangingPunct="1">
-              <a:lnSpc>
-                <a:spcPct val="100000"/>
-              </a:lnSpc>
+          <a:lstStyle>
+            <a:lvl1pPr marL="342900" indent="-342900" algn="l" rtl="0" eaLnBrk="0" fontAlgn="base" hangingPunct="0">
               <a:spcBef>
                 <a:spcPct val="20000"/>
               </a:spcBef>
               <a:spcAft>
+                <a:spcPct val="0"/>
+              </a:spcAft>
+              <a:buFont typeface="Arial" charset="0"/>
+              <a:buChar char="•"/>
+              <a:defRPr sz="3200" kern="1200">
+                <a:solidFill>
+                  <a:schemeClr val="tx1"/>
+                </a:solidFill>
+                <a:latin typeface="+mn-lt"/>
+                <a:ea typeface="+mn-ea"/>
+                <a:cs typeface="+mn-cs"/>
+              </a:defRPr>
+            </a:lvl1pPr>
+            <a:lvl2pPr marL="742950" indent="-285750" algn="l" rtl="0" eaLnBrk="0" fontAlgn="base" hangingPunct="0">
+              <a:spcBef>
+                <a:spcPct val="20000"/>
+              </a:spcBef>
+              <a:spcAft>
+                <a:spcPct val="0"/>
+              </a:spcAft>
+              <a:buFont typeface="Arial" charset="0"/>
+              <a:buChar char="–"/>
+              <a:defRPr sz="2800" kern="1200">
+                <a:solidFill>
+                  <a:schemeClr val="tx1"/>
+                </a:solidFill>
+                <a:latin typeface="+mn-lt"/>
+                <a:ea typeface="+mn-ea"/>
+                <a:cs typeface="+mn-cs"/>
+              </a:defRPr>
+            </a:lvl2pPr>
+            <a:lvl3pPr marL="1143000" indent="-228600" algn="l" rtl="0" eaLnBrk="0" fontAlgn="base" hangingPunct="0">
+              <a:spcBef>
+                <a:spcPct val="20000"/>
+              </a:spcBef>
+              <a:spcAft>
+                <a:spcPct val="0"/>
+              </a:spcAft>
+              <a:buFont typeface="Arial" charset="0"/>
+              <a:buChar char="•"/>
+              <a:defRPr sz="2400" kern="1200">
+                <a:solidFill>
+                  <a:schemeClr val="tx1"/>
+                </a:solidFill>
+                <a:latin typeface="+mn-lt"/>
+                <a:ea typeface="+mn-ea"/>
+                <a:cs typeface="+mn-cs"/>
+              </a:defRPr>
+            </a:lvl3pPr>
+            <a:lvl4pPr marL="1600200" indent="-228600" algn="l" rtl="0" eaLnBrk="0" fontAlgn="base" hangingPunct="0">
+              <a:spcBef>
+                <a:spcPct val="20000"/>
+              </a:spcBef>
+              <a:spcAft>
+                <a:spcPct val="0"/>
+              </a:spcAft>
+              <a:buFont typeface="Arial" charset="0"/>
+              <a:buChar char="–"/>
+              <a:defRPr sz="2000" kern="1200">
+                <a:solidFill>
+                  <a:schemeClr val="tx1"/>
+                </a:solidFill>
+                <a:latin typeface="+mn-lt"/>
+                <a:ea typeface="+mn-ea"/>
+                <a:cs typeface="+mn-cs"/>
+              </a:defRPr>
+            </a:lvl4pPr>
+            <a:lvl5pPr marL="2057400" indent="-228600" algn="l" rtl="0" eaLnBrk="0" fontAlgn="base" hangingPunct="0">
+              <a:spcBef>
+                <a:spcPct val="20000"/>
+              </a:spcBef>
+              <a:spcAft>
+                <a:spcPct val="0"/>
+              </a:spcAft>
+              <a:buFont typeface="Arial" charset="0"/>
+              <a:buChar char="»"/>
+              <a:defRPr sz="2000" kern="1200">
+                <a:solidFill>
+                  <a:schemeClr val="tx1"/>
+                </a:solidFill>
+                <a:latin typeface="+mn-lt"/>
+                <a:ea typeface="+mn-ea"/>
+                <a:cs typeface="+mn-cs"/>
+              </a:defRPr>
+            </a:lvl5pPr>
+            <a:lvl6pPr marL="2514600" indent="-228600" algn="l" defTabSz="914400" rtl="0" eaLnBrk="1" latinLnBrk="0" hangingPunct="1">
+              <a:spcBef>
+                <a:spcPct val="20000"/>
+              </a:spcBef>
+              <a:buFont typeface="Arial" pitchFamily="34" charset="0"/>
+              <a:buChar char="•"/>
+              <a:defRPr sz="2000" kern="1200">
+                <a:solidFill>
+                  <a:schemeClr val="tx1"/>
+                </a:solidFill>
+                <a:latin typeface="+mn-lt"/>
+                <a:ea typeface="+mn-ea"/>
+                <a:cs typeface="+mn-cs"/>
+              </a:defRPr>
+            </a:lvl6pPr>
+            <a:lvl7pPr marL="2971800" indent="-228600" algn="l" defTabSz="914400" rtl="0" eaLnBrk="1" latinLnBrk="0" hangingPunct="1">
+              <a:spcBef>
+                <a:spcPct val="20000"/>
+              </a:spcBef>
+              <a:buFont typeface="Arial" pitchFamily="34" charset="0"/>
+              <a:buChar char="•"/>
+              <a:defRPr sz="2000" kern="1200">
+                <a:solidFill>
+                  <a:schemeClr val="tx1"/>
+                </a:solidFill>
+                <a:latin typeface="+mn-lt"/>
+                <a:ea typeface="+mn-ea"/>
+                <a:cs typeface="+mn-cs"/>
+              </a:defRPr>
+            </a:lvl7pPr>
+            <a:lvl8pPr marL="3429000" indent="-228600" algn="l" defTabSz="914400" rtl="0" eaLnBrk="1" latinLnBrk="0" hangingPunct="1">
+              <a:spcBef>
+                <a:spcPct val="20000"/>
+              </a:spcBef>
+              <a:buFont typeface="Arial" pitchFamily="34" charset="0"/>
+              <a:buChar char="•"/>
+              <a:defRPr sz="2000" kern="1200">
+                <a:solidFill>
+                  <a:schemeClr val="tx1"/>
+                </a:solidFill>
+                <a:latin typeface="+mn-lt"/>
+                <a:ea typeface="+mn-ea"/>
+                <a:cs typeface="+mn-cs"/>
+              </a:defRPr>
+            </a:lvl8pPr>
+            <a:lvl9pPr marL="3886200" indent="-228600" algn="l" defTabSz="914400" rtl="0" eaLnBrk="1" latinLnBrk="0" hangingPunct="1">
+              <a:spcBef>
+                <a:spcPct val="20000"/>
+              </a:spcBef>
+              <a:buFont typeface="Arial" pitchFamily="34" charset="0"/>
+              <a:buChar char="•"/>
+              <a:defRPr sz="2000" kern="1200">
+                <a:solidFill>
+                  <a:schemeClr val="tx1"/>
+                </a:solidFill>
+                <a:latin typeface="+mn-lt"/>
+                <a:ea typeface="+mn-ea"/>
+                <a:cs typeface="+mn-cs"/>
+              </a:defRPr>
+            </a:lvl9pPr>
+          </a:lstStyle>
+          <a:p>
+            <a:pPr eaLnBrk="1" fontAlgn="auto" hangingPunct="1">
+              <a:spcAft>
                 <a:spcPts val="0"/>
               </a:spcAft>
-              <a:buClrTx/>
-              <a:buSzTx/>
               <a:buFont typeface="Arial" pitchFamily="34" charset="0"/>
               <a:buNone/>
-              <a:tabLst/>
               <a:defRPr/>
             </a:pPr>
             <a:r>
-              <a:rPr kumimoji="0" lang="es-AR" sz="3200" b="0" i="0" u="none" strike="noStrike" kern="1200" cap="none" spc="0" normalizeH="0" baseline="0" noProof="0" smtClean="0">
-                <a:ln>
-                  <a:noFill/>
-                </a:ln>
+              <a:rPr lang="es-AR" u="none" dirty="0" smtClean="0">
                 <a:solidFill>
                   <a:schemeClr val="tx1">
                     <a:lumMod val="65000"/>
                     <a:lumOff val="35000"/>
                   </a:schemeClr>
                 </a:solidFill>
-                <a:effectLst/>
-                <a:uLnTx/>
-                <a:uFillTx/>
-                <a:latin typeface="+mn-lt"/>
-                <a:ea typeface="+mn-ea"/>
-                <a:cs typeface="+mn-cs"/>
               </a:rPr>
               <a:t>75.45 - Taller de Desarrollo de Proyectos I</a:t>
             </a:r>
-            <a:endParaRPr kumimoji="0" lang="es-AR" sz="3200" b="0" i="0" u="none" strike="noStrike" kern="1200" cap="none" spc="0" normalizeH="0" baseline="0" noProof="0" dirty="0">
-              <a:ln>
-                <a:noFill/>
-              </a:ln>
+            <a:endParaRPr lang="es-AR" u="none" dirty="0">
               <a:solidFill>
                 <a:schemeClr val="tx1">
                   <a:lumMod val="65000"/>
                   <a:lumOff val="35000"/>
                 </a:schemeClr>
               </a:solidFill>
-              <a:effectLst/>
-              <a:uLnTx/>
-              <a:uFillTx/>
-              <a:latin typeface="+mn-lt"/>
-              <a:ea typeface="+mn-ea"/>
-              <a:cs typeface="+mn-cs"/>
             </a:endParaRPr>
           </a:p>
         </p:txBody>
       </p:sp>
       <p:cxnSp>
         <p:nvCxnSpPr>
-          <p:cNvPr id="8" name="Straight Connector 4"/>
+          <p:cNvPr id="12" name="Straight Connector 11"/>
           <p:cNvCxnSpPr/>
           <p:nvPr/>
         </p:nvCxnSpPr>
@@ -13179,13 +14801,13 @@
       </p:cxnSp>
       <p:sp>
         <p:nvSpPr>
-          <p:cNvPr id="9" name="1 Título"/>
+          <p:cNvPr id="13" name="1 Título"/>
           <p:cNvSpPr txBox="1">
             <a:spLocks/>
           </p:cNvSpPr>
           <p:nvPr/>
         </p:nvSpPr>
-        <p:spPr>
+        <p:spPr bwMode="auto">
           <a:xfrm>
             <a:off x="34925" y="260350"/>
             <a:ext cx="2736850" cy="288925"/>
@@ -13193,67 +14815,63 @@
           <a:prstGeom prst="rect">
             <a:avLst/>
           </a:prstGeom>
-        </p:spPr>
-        <p:txBody>
-          <a:bodyPr rtlCol="0">
-            <a:normAutofit fontScale="75000" lnSpcReduction="20000"/>
-          </a:bodyPr>
+          <a:noFill/>
+          <a:ln w="9525">
+            <a:noFill/>
+            <a:miter lim="800000"/>
+            <a:headEnd/>
+            <a:tailEnd/>
+          </a:ln>
+        </p:spPr>
+        <p:txBody>
+          <a:bodyPr anchor="ctr"/>
           <a:lstStyle/>
           <a:p>
-            <a:pPr marL="0" marR="0" lvl="0" indent="0" algn="ctr" defTabSz="914400" rtl="0" eaLnBrk="1" fontAlgn="auto" latinLnBrk="0" hangingPunct="1">
-              <a:lnSpc>
-                <a:spcPct val="100000"/>
-              </a:lnSpc>
-              <a:spcBef>
-                <a:spcPct val="0"/>
-              </a:spcBef>
-              <a:spcAft>
-                <a:spcPts val="0"/>
-              </a:spcAft>
-              <a:buClrTx/>
-              <a:buSzTx/>
-              <a:buFontTx/>
-              <a:buNone/>
-              <a:tabLst/>
-              <a:defRPr/>
-            </a:pPr>
-            <a:r>
-              <a:rPr kumimoji="0" lang="es-AR" sz="2000" b="0" i="0" u="none" strike="noStrike" kern="1200" cap="none" spc="0" normalizeH="0" baseline="0" noProof="0" smtClean="0">
-                <a:ln>
-                  <a:noFill/>
-                </a:ln>
+            <a:pPr algn="ctr"/>
+            <a:r>
+              <a:rPr lang="es-AR" u="none" dirty="0" err="1">
                 <a:solidFill>
                   <a:srgbClr val="C00000"/>
                 </a:solidFill>
-                <a:effectLst/>
-                <a:uLnTx/>
-                <a:uFillTx/>
-                <a:latin typeface="Aharoni" pitchFamily="2" charset="-79"/>
-                <a:ea typeface="+mj-ea"/>
-                <a:cs typeface="Aharoni" pitchFamily="2" charset="-79"/>
-              </a:rPr>
-              <a:t>Panic Dial Button</a:t>
-            </a:r>
-            <a:endParaRPr kumimoji="0" lang="es-AR" sz="2000" b="0" i="0" u="none" strike="noStrike" kern="1200" cap="none" spc="0" normalizeH="0" baseline="0" noProof="0" dirty="0">
-              <a:ln>
-                <a:noFill/>
-              </a:ln>
-              <a:solidFill>
-                <a:schemeClr val="tx1"/>
-              </a:solidFill>
-              <a:effectLst/>
-              <a:uLnTx/>
-              <a:uFillTx/>
-              <a:latin typeface="Aharoni" pitchFamily="2" charset="-79"/>
-              <a:ea typeface="+mj-ea"/>
-              <a:cs typeface="Aharoni" pitchFamily="2" charset="-79"/>
+                <a:latin typeface="Aharoni"/>
+                <a:ea typeface="Aharoni"/>
+                <a:cs typeface="Aharoni"/>
+              </a:rPr>
+              <a:t>Panic</a:t>
+            </a:r>
+            <a:r>
+              <a:rPr lang="es-AR" u="none" dirty="0">
+                <a:solidFill>
+                  <a:srgbClr val="C00000"/>
+                </a:solidFill>
+                <a:latin typeface="Aharoni"/>
+                <a:ea typeface="Aharoni"/>
+                <a:cs typeface="Aharoni"/>
+              </a:rPr>
+              <a:t> Dial </a:t>
+            </a:r>
+            <a:r>
+              <a:rPr lang="es-AR" u="none" dirty="0" err="1">
+                <a:solidFill>
+                  <a:srgbClr val="C00000"/>
+                </a:solidFill>
+                <a:latin typeface="Aharoni"/>
+                <a:ea typeface="Aharoni"/>
+                <a:cs typeface="Aharoni"/>
+              </a:rPr>
+              <a:t>Button</a:t>
+            </a:r>
+            <a:endParaRPr lang="es-AR" u="none" dirty="0">
+              <a:latin typeface="Aharoni"/>
+              <a:ea typeface="Aharoni"/>
+              <a:cs typeface="Aharoni"/>
             </a:endParaRPr>
           </a:p>
         </p:txBody>
       </p:sp>
       <p:pic>
         <p:nvPicPr>
-          <p:cNvPr id="10" name="Picture 5"/>
+          <p:cNvPr id="14" name="Picture 5"/>
           <p:cNvPicPr>
             <a:picLocks noChangeAspect="1"/>
           </p:cNvPicPr>
@@ -13333,8 +14951,23 @@
               <a:rPr lang="es-AR" sz="4000" b="1" dirty="0" smtClean="0">
                 <a:latin typeface="Trebuchet MS" pitchFamily="34" charset="0"/>
               </a:rPr>
-              <a:t>Funciones aplicación completa</a:t>
-            </a:r>
+              <a:t>Aplicación </a:t>
+            </a:r>
+            <a:r>
+              <a:rPr lang="es-AR" sz="4000" b="1" dirty="0">
+                <a:latin typeface="Trebuchet MS" pitchFamily="34" charset="0"/>
+              </a:rPr>
+              <a:t>C</a:t>
+            </a:r>
+            <a:r>
+              <a:rPr lang="es-AR" sz="4000" b="1" dirty="0" smtClean="0">
+                <a:latin typeface="Trebuchet MS" pitchFamily="34" charset="0"/>
+              </a:rPr>
+              <a:t>ompleta</a:t>
+            </a:r>
+            <a:endParaRPr lang="es-AR" sz="4000" b="1" dirty="0" smtClean="0">
+              <a:latin typeface="Trebuchet MS" pitchFamily="34" charset="0"/>
+            </a:endParaRPr>
           </a:p>
         </p:txBody>
       </p:sp>
@@ -13419,7 +15052,7 @@
       </p:pic>
       <p:sp>
         <p:nvSpPr>
-          <p:cNvPr id="5" name="2 Subtítulo"/>
+          <p:cNvPr id="9" name="2 Subtítulo"/>
           <p:cNvSpPr txBox="1">
             <a:spLocks/>
           </p:cNvSpPr>
@@ -13427,7 +15060,7 @@
         </p:nvSpPr>
         <p:spPr>
           <a:xfrm>
-            <a:off x="5148263" y="239713"/>
+            <a:off x="5435724" y="239713"/>
             <a:ext cx="3960812" cy="381000"/>
           </a:xfrm>
           <a:prstGeom prst="rect">
@@ -13438,68 +15071,192 @@
           <a:bodyPr rtlCol="0">
             <a:normAutofit fontScale="47500" lnSpcReduction="20000"/>
           </a:bodyPr>
-          <a:lstStyle/>
-          <a:p>
-            <a:pPr marL="342900" marR="0" lvl="0" indent="-342900" algn="l" defTabSz="914400" rtl="0" eaLnBrk="1" fontAlgn="auto" latinLnBrk="0" hangingPunct="1">
-              <a:lnSpc>
-                <a:spcPct val="100000"/>
-              </a:lnSpc>
+          <a:lstStyle>
+            <a:lvl1pPr marL="342900" indent="-342900" algn="l" rtl="0" eaLnBrk="0" fontAlgn="base" hangingPunct="0">
               <a:spcBef>
                 <a:spcPct val="20000"/>
               </a:spcBef>
               <a:spcAft>
+                <a:spcPct val="0"/>
+              </a:spcAft>
+              <a:buFont typeface="Arial" charset="0"/>
+              <a:buChar char="•"/>
+              <a:defRPr sz="3200" kern="1200">
+                <a:solidFill>
+                  <a:schemeClr val="tx1"/>
+                </a:solidFill>
+                <a:latin typeface="+mn-lt"/>
+                <a:ea typeface="+mn-ea"/>
+                <a:cs typeface="+mn-cs"/>
+              </a:defRPr>
+            </a:lvl1pPr>
+            <a:lvl2pPr marL="742950" indent="-285750" algn="l" rtl="0" eaLnBrk="0" fontAlgn="base" hangingPunct="0">
+              <a:spcBef>
+                <a:spcPct val="20000"/>
+              </a:spcBef>
+              <a:spcAft>
+                <a:spcPct val="0"/>
+              </a:spcAft>
+              <a:buFont typeface="Arial" charset="0"/>
+              <a:buChar char="–"/>
+              <a:defRPr sz="2800" kern="1200">
+                <a:solidFill>
+                  <a:schemeClr val="tx1"/>
+                </a:solidFill>
+                <a:latin typeface="+mn-lt"/>
+                <a:ea typeface="+mn-ea"/>
+                <a:cs typeface="+mn-cs"/>
+              </a:defRPr>
+            </a:lvl2pPr>
+            <a:lvl3pPr marL="1143000" indent="-228600" algn="l" rtl="0" eaLnBrk="0" fontAlgn="base" hangingPunct="0">
+              <a:spcBef>
+                <a:spcPct val="20000"/>
+              </a:spcBef>
+              <a:spcAft>
+                <a:spcPct val="0"/>
+              </a:spcAft>
+              <a:buFont typeface="Arial" charset="0"/>
+              <a:buChar char="•"/>
+              <a:defRPr sz="2400" kern="1200">
+                <a:solidFill>
+                  <a:schemeClr val="tx1"/>
+                </a:solidFill>
+                <a:latin typeface="+mn-lt"/>
+                <a:ea typeface="+mn-ea"/>
+                <a:cs typeface="+mn-cs"/>
+              </a:defRPr>
+            </a:lvl3pPr>
+            <a:lvl4pPr marL="1600200" indent="-228600" algn="l" rtl="0" eaLnBrk="0" fontAlgn="base" hangingPunct="0">
+              <a:spcBef>
+                <a:spcPct val="20000"/>
+              </a:spcBef>
+              <a:spcAft>
+                <a:spcPct val="0"/>
+              </a:spcAft>
+              <a:buFont typeface="Arial" charset="0"/>
+              <a:buChar char="–"/>
+              <a:defRPr sz="2000" kern="1200">
+                <a:solidFill>
+                  <a:schemeClr val="tx1"/>
+                </a:solidFill>
+                <a:latin typeface="+mn-lt"/>
+                <a:ea typeface="+mn-ea"/>
+                <a:cs typeface="+mn-cs"/>
+              </a:defRPr>
+            </a:lvl4pPr>
+            <a:lvl5pPr marL="2057400" indent="-228600" algn="l" rtl="0" eaLnBrk="0" fontAlgn="base" hangingPunct="0">
+              <a:spcBef>
+                <a:spcPct val="20000"/>
+              </a:spcBef>
+              <a:spcAft>
+                <a:spcPct val="0"/>
+              </a:spcAft>
+              <a:buFont typeface="Arial" charset="0"/>
+              <a:buChar char="»"/>
+              <a:defRPr sz="2000" kern="1200">
+                <a:solidFill>
+                  <a:schemeClr val="tx1"/>
+                </a:solidFill>
+                <a:latin typeface="+mn-lt"/>
+                <a:ea typeface="+mn-ea"/>
+                <a:cs typeface="+mn-cs"/>
+              </a:defRPr>
+            </a:lvl5pPr>
+            <a:lvl6pPr marL="2514600" indent="-228600" algn="l" defTabSz="914400" rtl="0" eaLnBrk="1" latinLnBrk="0" hangingPunct="1">
+              <a:spcBef>
+                <a:spcPct val="20000"/>
+              </a:spcBef>
+              <a:buFont typeface="Arial" pitchFamily="34" charset="0"/>
+              <a:buChar char="•"/>
+              <a:defRPr sz="2000" kern="1200">
+                <a:solidFill>
+                  <a:schemeClr val="tx1"/>
+                </a:solidFill>
+                <a:latin typeface="+mn-lt"/>
+                <a:ea typeface="+mn-ea"/>
+                <a:cs typeface="+mn-cs"/>
+              </a:defRPr>
+            </a:lvl6pPr>
+            <a:lvl7pPr marL="2971800" indent="-228600" algn="l" defTabSz="914400" rtl="0" eaLnBrk="1" latinLnBrk="0" hangingPunct="1">
+              <a:spcBef>
+                <a:spcPct val="20000"/>
+              </a:spcBef>
+              <a:buFont typeface="Arial" pitchFamily="34" charset="0"/>
+              <a:buChar char="•"/>
+              <a:defRPr sz="2000" kern="1200">
+                <a:solidFill>
+                  <a:schemeClr val="tx1"/>
+                </a:solidFill>
+                <a:latin typeface="+mn-lt"/>
+                <a:ea typeface="+mn-ea"/>
+                <a:cs typeface="+mn-cs"/>
+              </a:defRPr>
+            </a:lvl7pPr>
+            <a:lvl8pPr marL="3429000" indent="-228600" algn="l" defTabSz="914400" rtl="0" eaLnBrk="1" latinLnBrk="0" hangingPunct="1">
+              <a:spcBef>
+                <a:spcPct val="20000"/>
+              </a:spcBef>
+              <a:buFont typeface="Arial" pitchFamily="34" charset="0"/>
+              <a:buChar char="•"/>
+              <a:defRPr sz="2000" kern="1200">
+                <a:solidFill>
+                  <a:schemeClr val="tx1"/>
+                </a:solidFill>
+                <a:latin typeface="+mn-lt"/>
+                <a:ea typeface="+mn-ea"/>
+                <a:cs typeface="+mn-cs"/>
+              </a:defRPr>
+            </a:lvl8pPr>
+            <a:lvl9pPr marL="3886200" indent="-228600" algn="l" defTabSz="914400" rtl="0" eaLnBrk="1" latinLnBrk="0" hangingPunct="1">
+              <a:spcBef>
+                <a:spcPct val="20000"/>
+              </a:spcBef>
+              <a:buFont typeface="Arial" pitchFamily="34" charset="0"/>
+              <a:buChar char="•"/>
+              <a:defRPr sz="2000" kern="1200">
+                <a:solidFill>
+                  <a:schemeClr val="tx1"/>
+                </a:solidFill>
+                <a:latin typeface="+mn-lt"/>
+                <a:ea typeface="+mn-ea"/>
+                <a:cs typeface="+mn-cs"/>
+              </a:defRPr>
+            </a:lvl9pPr>
+          </a:lstStyle>
+          <a:p>
+            <a:pPr eaLnBrk="1" fontAlgn="auto" hangingPunct="1">
+              <a:spcAft>
                 <a:spcPts val="0"/>
               </a:spcAft>
-              <a:buClrTx/>
-              <a:buSzTx/>
               <a:buFont typeface="Arial" pitchFamily="34" charset="0"/>
               <a:buNone/>
-              <a:tabLst/>
               <a:defRPr/>
             </a:pPr>
             <a:r>
-              <a:rPr kumimoji="0" lang="es-AR" sz="3200" b="0" i="0" u="none" strike="noStrike" kern="1200" cap="none" spc="0" normalizeH="0" baseline="0" noProof="0" smtClean="0">
-                <a:ln>
-                  <a:noFill/>
-                </a:ln>
+              <a:rPr lang="es-AR" u="none" dirty="0" smtClean="0">
                 <a:solidFill>
                   <a:schemeClr val="tx1">
                     <a:lumMod val="65000"/>
                     <a:lumOff val="35000"/>
                   </a:schemeClr>
                 </a:solidFill>
-                <a:effectLst/>
-                <a:uLnTx/>
-                <a:uFillTx/>
-                <a:latin typeface="+mn-lt"/>
-                <a:ea typeface="+mn-ea"/>
-                <a:cs typeface="+mn-cs"/>
               </a:rPr>
               <a:t>75.45 - Taller de Desarrollo de Proyectos I</a:t>
             </a:r>
-            <a:endParaRPr kumimoji="0" lang="es-AR" sz="3200" b="0" i="0" u="none" strike="noStrike" kern="1200" cap="none" spc="0" normalizeH="0" baseline="0" noProof="0" dirty="0">
-              <a:ln>
-                <a:noFill/>
-              </a:ln>
+            <a:endParaRPr lang="es-AR" u="none" dirty="0">
               <a:solidFill>
                 <a:schemeClr val="tx1">
                   <a:lumMod val="65000"/>
                   <a:lumOff val="35000"/>
                 </a:schemeClr>
               </a:solidFill>
-              <a:effectLst/>
-              <a:uLnTx/>
-              <a:uFillTx/>
-              <a:latin typeface="+mn-lt"/>
-              <a:ea typeface="+mn-ea"/>
-              <a:cs typeface="+mn-cs"/>
             </a:endParaRPr>
           </a:p>
         </p:txBody>
       </p:sp>
       <p:cxnSp>
         <p:nvCxnSpPr>
-          <p:cNvPr id="6" name="Straight Connector 4"/>
+          <p:cNvPr id="10" name="Straight Connector 9"/>
           <p:cNvCxnSpPr/>
           <p:nvPr/>
         </p:nvCxnSpPr>
@@ -13536,13 +15293,13 @@
       </p:cxnSp>
       <p:sp>
         <p:nvSpPr>
-          <p:cNvPr id="7" name="1 Título"/>
+          <p:cNvPr id="11" name="1 Título"/>
           <p:cNvSpPr txBox="1">
             <a:spLocks/>
           </p:cNvSpPr>
           <p:nvPr/>
         </p:nvSpPr>
-        <p:spPr>
+        <p:spPr bwMode="auto">
           <a:xfrm>
             <a:off x="34925" y="260350"/>
             <a:ext cx="2736850" cy="288925"/>
@@ -13550,67 +15307,63 @@
           <a:prstGeom prst="rect">
             <a:avLst/>
           </a:prstGeom>
-        </p:spPr>
-        <p:txBody>
-          <a:bodyPr rtlCol="0">
-            <a:normAutofit fontScale="75000" lnSpcReduction="20000"/>
-          </a:bodyPr>
+          <a:noFill/>
+          <a:ln w="9525">
+            <a:noFill/>
+            <a:miter lim="800000"/>
+            <a:headEnd/>
+            <a:tailEnd/>
+          </a:ln>
+        </p:spPr>
+        <p:txBody>
+          <a:bodyPr anchor="ctr"/>
           <a:lstStyle/>
           <a:p>
-            <a:pPr marL="0" marR="0" lvl="0" indent="0" algn="ctr" defTabSz="914400" rtl="0" eaLnBrk="1" fontAlgn="auto" latinLnBrk="0" hangingPunct="1">
-              <a:lnSpc>
-                <a:spcPct val="100000"/>
-              </a:lnSpc>
-              <a:spcBef>
-                <a:spcPct val="0"/>
-              </a:spcBef>
-              <a:spcAft>
-                <a:spcPts val="0"/>
-              </a:spcAft>
-              <a:buClrTx/>
-              <a:buSzTx/>
-              <a:buFontTx/>
-              <a:buNone/>
-              <a:tabLst/>
-              <a:defRPr/>
-            </a:pPr>
-            <a:r>
-              <a:rPr kumimoji="0" lang="es-AR" sz="2000" b="0" i="0" u="none" strike="noStrike" kern="1200" cap="none" spc="0" normalizeH="0" baseline="0" noProof="0" smtClean="0">
-                <a:ln>
-                  <a:noFill/>
-                </a:ln>
+            <a:pPr algn="ctr"/>
+            <a:r>
+              <a:rPr lang="es-AR" u="none" dirty="0" err="1">
                 <a:solidFill>
                   <a:srgbClr val="C00000"/>
                 </a:solidFill>
-                <a:effectLst/>
-                <a:uLnTx/>
-                <a:uFillTx/>
-                <a:latin typeface="Aharoni" pitchFamily="2" charset="-79"/>
-                <a:ea typeface="+mj-ea"/>
-                <a:cs typeface="Aharoni" pitchFamily="2" charset="-79"/>
-              </a:rPr>
-              <a:t>Panic Dial Button</a:t>
-            </a:r>
-            <a:endParaRPr kumimoji="0" lang="es-AR" sz="2000" b="0" i="0" u="none" strike="noStrike" kern="1200" cap="none" spc="0" normalizeH="0" baseline="0" noProof="0" dirty="0">
-              <a:ln>
-                <a:noFill/>
-              </a:ln>
-              <a:solidFill>
-                <a:schemeClr val="tx1"/>
-              </a:solidFill>
-              <a:effectLst/>
-              <a:uLnTx/>
-              <a:uFillTx/>
-              <a:latin typeface="Aharoni" pitchFamily="2" charset="-79"/>
-              <a:ea typeface="+mj-ea"/>
-              <a:cs typeface="Aharoni" pitchFamily="2" charset="-79"/>
+                <a:latin typeface="Aharoni"/>
+                <a:ea typeface="Aharoni"/>
+                <a:cs typeface="Aharoni"/>
+              </a:rPr>
+              <a:t>Panic</a:t>
+            </a:r>
+            <a:r>
+              <a:rPr lang="es-AR" u="none" dirty="0">
+                <a:solidFill>
+                  <a:srgbClr val="C00000"/>
+                </a:solidFill>
+                <a:latin typeface="Aharoni"/>
+                <a:ea typeface="Aharoni"/>
+                <a:cs typeface="Aharoni"/>
+              </a:rPr>
+              <a:t> Dial </a:t>
+            </a:r>
+            <a:r>
+              <a:rPr lang="es-AR" u="none" dirty="0" err="1">
+                <a:solidFill>
+                  <a:srgbClr val="C00000"/>
+                </a:solidFill>
+                <a:latin typeface="Aharoni"/>
+                <a:ea typeface="Aharoni"/>
+                <a:cs typeface="Aharoni"/>
+              </a:rPr>
+              <a:t>Button</a:t>
+            </a:r>
+            <a:endParaRPr lang="es-AR" u="none" dirty="0">
+              <a:latin typeface="Aharoni"/>
+              <a:ea typeface="Aharoni"/>
+              <a:cs typeface="Aharoni"/>
             </a:endParaRPr>
           </a:p>
         </p:txBody>
       </p:sp>
       <p:pic>
         <p:nvPicPr>
-          <p:cNvPr id="8" name="Picture 5"/>
+          <p:cNvPr id="12" name="Picture 5"/>
           <p:cNvPicPr>
             <a:picLocks noChangeAspect="1"/>
           </p:cNvPicPr>
@@ -13741,7 +15494,7 @@
       </p:sp>
       <p:sp>
         <p:nvSpPr>
-          <p:cNvPr id="4" name="2 Subtítulo"/>
+          <p:cNvPr id="8" name="2 Subtítulo"/>
           <p:cNvSpPr txBox="1">
             <a:spLocks/>
           </p:cNvSpPr>
@@ -13749,7 +15502,7 @@
         </p:nvSpPr>
         <p:spPr>
           <a:xfrm>
-            <a:off x="5148263" y="239713"/>
+            <a:off x="5435724" y="239713"/>
             <a:ext cx="3960812" cy="381000"/>
           </a:xfrm>
           <a:prstGeom prst="rect">
@@ -13760,68 +15513,192 @@
           <a:bodyPr rtlCol="0">
             <a:normAutofit fontScale="47500" lnSpcReduction="20000"/>
           </a:bodyPr>
-          <a:lstStyle/>
-          <a:p>
-            <a:pPr marL="342900" marR="0" lvl="0" indent="-342900" algn="l" defTabSz="914400" rtl="0" eaLnBrk="1" fontAlgn="auto" latinLnBrk="0" hangingPunct="1">
-              <a:lnSpc>
-                <a:spcPct val="100000"/>
-              </a:lnSpc>
+          <a:lstStyle>
+            <a:lvl1pPr marL="342900" indent="-342900" algn="l" rtl="0" eaLnBrk="0" fontAlgn="base" hangingPunct="0">
               <a:spcBef>
                 <a:spcPct val="20000"/>
               </a:spcBef>
               <a:spcAft>
+                <a:spcPct val="0"/>
+              </a:spcAft>
+              <a:buFont typeface="Arial" charset="0"/>
+              <a:buChar char="•"/>
+              <a:defRPr sz="3200" kern="1200">
+                <a:solidFill>
+                  <a:schemeClr val="tx1"/>
+                </a:solidFill>
+                <a:latin typeface="+mn-lt"/>
+                <a:ea typeface="+mn-ea"/>
+                <a:cs typeface="+mn-cs"/>
+              </a:defRPr>
+            </a:lvl1pPr>
+            <a:lvl2pPr marL="742950" indent="-285750" algn="l" rtl="0" eaLnBrk="0" fontAlgn="base" hangingPunct="0">
+              <a:spcBef>
+                <a:spcPct val="20000"/>
+              </a:spcBef>
+              <a:spcAft>
+                <a:spcPct val="0"/>
+              </a:spcAft>
+              <a:buFont typeface="Arial" charset="0"/>
+              <a:buChar char="–"/>
+              <a:defRPr sz="2800" kern="1200">
+                <a:solidFill>
+                  <a:schemeClr val="tx1"/>
+                </a:solidFill>
+                <a:latin typeface="+mn-lt"/>
+                <a:ea typeface="+mn-ea"/>
+                <a:cs typeface="+mn-cs"/>
+              </a:defRPr>
+            </a:lvl2pPr>
+            <a:lvl3pPr marL="1143000" indent="-228600" algn="l" rtl="0" eaLnBrk="0" fontAlgn="base" hangingPunct="0">
+              <a:spcBef>
+                <a:spcPct val="20000"/>
+              </a:spcBef>
+              <a:spcAft>
+                <a:spcPct val="0"/>
+              </a:spcAft>
+              <a:buFont typeface="Arial" charset="0"/>
+              <a:buChar char="•"/>
+              <a:defRPr sz="2400" kern="1200">
+                <a:solidFill>
+                  <a:schemeClr val="tx1"/>
+                </a:solidFill>
+                <a:latin typeface="+mn-lt"/>
+                <a:ea typeface="+mn-ea"/>
+                <a:cs typeface="+mn-cs"/>
+              </a:defRPr>
+            </a:lvl3pPr>
+            <a:lvl4pPr marL="1600200" indent="-228600" algn="l" rtl="0" eaLnBrk="0" fontAlgn="base" hangingPunct="0">
+              <a:spcBef>
+                <a:spcPct val="20000"/>
+              </a:spcBef>
+              <a:spcAft>
+                <a:spcPct val="0"/>
+              </a:spcAft>
+              <a:buFont typeface="Arial" charset="0"/>
+              <a:buChar char="–"/>
+              <a:defRPr sz="2000" kern="1200">
+                <a:solidFill>
+                  <a:schemeClr val="tx1"/>
+                </a:solidFill>
+                <a:latin typeface="+mn-lt"/>
+                <a:ea typeface="+mn-ea"/>
+                <a:cs typeface="+mn-cs"/>
+              </a:defRPr>
+            </a:lvl4pPr>
+            <a:lvl5pPr marL="2057400" indent="-228600" algn="l" rtl="0" eaLnBrk="0" fontAlgn="base" hangingPunct="0">
+              <a:spcBef>
+                <a:spcPct val="20000"/>
+              </a:spcBef>
+              <a:spcAft>
+                <a:spcPct val="0"/>
+              </a:spcAft>
+              <a:buFont typeface="Arial" charset="0"/>
+              <a:buChar char="»"/>
+              <a:defRPr sz="2000" kern="1200">
+                <a:solidFill>
+                  <a:schemeClr val="tx1"/>
+                </a:solidFill>
+                <a:latin typeface="+mn-lt"/>
+                <a:ea typeface="+mn-ea"/>
+                <a:cs typeface="+mn-cs"/>
+              </a:defRPr>
+            </a:lvl5pPr>
+            <a:lvl6pPr marL="2514600" indent="-228600" algn="l" defTabSz="914400" rtl="0" eaLnBrk="1" latinLnBrk="0" hangingPunct="1">
+              <a:spcBef>
+                <a:spcPct val="20000"/>
+              </a:spcBef>
+              <a:buFont typeface="Arial" pitchFamily="34" charset="0"/>
+              <a:buChar char="•"/>
+              <a:defRPr sz="2000" kern="1200">
+                <a:solidFill>
+                  <a:schemeClr val="tx1"/>
+                </a:solidFill>
+                <a:latin typeface="+mn-lt"/>
+                <a:ea typeface="+mn-ea"/>
+                <a:cs typeface="+mn-cs"/>
+              </a:defRPr>
+            </a:lvl6pPr>
+            <a:lvl7pPr marL="2971800" indent="-228600" algn="l" defTabSz="914400" rtl="0" eaLnBrk="1" latinLnBrk="0" hangingPunct="1">
+              <a:spcBef>
+                <a:spcPct val="20000"/>
+              </a:spcBef>
+              <a:buFont typeface="Arial" pitchFamily="34" charset="0"/>
+              <a:buChar char="•"/>
+              <a:defRPr sz="2000" kern="1200">
+                <a:solidFill>
+                  <a:schemeClr val="tx1"/>
+                </a:solidFill>
+                <a:latin typeface="+mn-lt"/>
+                <a:ea typeface="+mn-ea"/>
+                <a:cs typeface="+mn-cs"/>
+              </a:defRPr>
+            </a:lvl7pPr>
+            <a:lvl8pPr marL="3429000" indent="-228600" algn="l" defTabSz="914400" rtl="0" eaLnBrk="1" latinLnBrk="0" hangingPunct="1">
+              <a:spcBef>
+                <a:spcPct val="20000"/>
+              </a:spcBef>
+              <a:buFont typeface="Arial" pitchFamily="34" charset="0"/>
+              <a:buChar char="•"/>
+              <a:defRPr sz="2000" kern="1200">
+                <a:solidFill>
+                  <a:schemeClr val="tx1"/>
+                </a:solidFill>
+                <a:latin typeface="+mn-lt"/>
+                <a:ea typeface="+mn-ea"/>
+                <a:cs typeface="+mn-cs"/>
+              </a:defRPr>
+            </a:lvl8pPr>
+            <a:lvl9pPr marL="3886200" indent="-228600" algn="l" defTabSz="914400" rtl="0" eaLnBrk="1" latinLnBrk="0" hangingPunct="1">
+              <a:spcBef>
+                <a:spcPct val="20000"/>
+              </a:spcBef>
+              <a:buFont typeface="Arial" pitchFamily="34" charset="0"/>
+              <a:buChar char="•"/>
+              <a:defRPr sz="2000" kern="1200">
+                <a:solidFill>
+                  <a:schemeClr val="tx1"/>
+                </a:solidFill>
+                <a:latin typeface="+mn-lt"/>
+                <a:ea typeface="+mn-ea"/>
+                <a:cs typeface="+mn-cs"/>
+              </a:defRPr>
+            </a:lvl9pPr>
+          </a:lstStyle>
+          <a:p>
+            <a:pPr eaLnBrk="1" fontAlgn="auto" hangingPunct="1">
+              <a:spcAft>
                 <a:spcPts val="0"/>
               </a:spcAft>
-              <a:buClrTx/>
-              <a:buSzTx/>
               <a:buFont typeface="Arial" pitchFamily="34" charset="0"/>
               <a:buNone/>
-              <a:tabLst/>
               <a:defRPr/>
             </a:pPr>
             <a:r>
-              <a:rPr kumimoji="0" lang="es-AR" sz="3200" b="0" i="0" u="none" strike="noStrike" kern="1200" cap="none" spc="0" normalizeH="0" baseline="0" noProof="0" smtClean="0">
-                <a:ln>
-                  <a:noFill/>
-                </a:ln>
+              <a:rPr lang="es-AR" u="none" dirty="0" smtClean="0">
                 <a:solidFill>
                   <a:schemeClr val="tx1">
                     <a:lumMod val="65000"/>
                     <a:lumOff val="35000"/>
                   </a:schemeClr>
                 </a:solidFill>
-                <a:effectLst/>
-                <a:uLnTx/>
-                <a:uFillTx/>
-                <a:latin typeface="+mn-lt"/>
-                <a:ea typeface="+mn-ea"/>
-                <a:cs typeface="+mn-cs"/>
               </a:rPr>
               <a:t>75.45 - Taller de Desarrollo de Proyectos I</a:t>
             </a:r>
-            <a:endParaRPr kumimoji="0" lang="es-AR" sz="3200" b="0" i="0" u="none" strike="noStrike" kern="1200" cap="none" spc="0" normalizeH="0" baseline="0" noProof="0" dirty="0">
-              <a:ln>
-                <a:noFill/>
-              </a:ln>
+            <a:endParaRPr lang="es-AR" u="none" dirty="0">
               <a:solidFill>
                 <a:schemeClr val="tx1">
                   <a:lumMod val="65000"/>
                   <a:lumOff val="35000"/>
                 </a:schemeClr>
               </a:solidFill>
-              <a:effectLst/>
-              <a:uLnTx/>
-              <a:uFillTx/>
-              <a:latin typeface="+mn-lt"/>
-              <a:ea typeface="+mn-ea"/>
-              <a:cs typeface="+mn-cs"/>
             </a:endParaRPr>
           </a:p>
         </p:txBody>
       </p:sp>
       <p:cxnSp>
         <p:nvCxnSpPr>
-          <p:cNvPr id="5" name="Straight Connector 4"/>
+          <p:cNvPr id="9" name="Straight Connector 8"/>
           <p:cNvCxnSpPr/>
           <p:nvPr/>
         </p:nvCxnSpPr>
@@ -13858,13 +15735,13 @@
       </p:cxnSp>
       <p:sp>
         <p:nvSpPr>
-          <p:cNvPr id="6" name="1 Título"/>
+          <p:cNvPr id="10" name="1 Título"/>
           <p:cNvSpPr txBox="1">
             <a:spLocks/>
           </p:cNvSpPr>
           <p:nvPr/>
         </p:nvSpPr>
-        <p:spPr>
+        <p:spPr bwMode="auto">
           <a:xfrm>
             <a:off x="34925" y="260350"/>
             <a:ext cx="2736850" cy="288925"/>
@@ -13872,67 +15749,63 @@
           <a:prstGeom prst="rect">
             <a:avLst/>
           </a:prstGeom>
-        </p:spPr>
-        <p:txBody>
-          <a:bodyPr rtlCol="0">
-            <a:normAutofit fontScale="75000" lnSpcReduction="20000"/>
-          </a:bodyPr>
+          <a:noFill/>
+          <a:ln w="9525">
+            <a:noFill/>
+            <a:miter lim="800000"/>
+            <a:headEnd/>
+            <a:tailEnd/>
+          </a:ln>
+        </p:spPr>
+        <p:txBody>
+          <a:bodyPr anchor="ctr"/>
           <a:lstStyle/>
           <a:p>
-            <a:pPr marL="0" marR="0" lvl="0" indent="0" algn="ctr" defTabSz="914400" rtl="0" eaLnBrk="1" fontAlgn="auto" latinLnBrk="0" hangingPunct="1">
-              <a:lnSpc>
-                <a:spcPct val="100000"/>
-              </a:lnSpc>
-              <a:spcBef>
-                <a:spcPct val="0"/>
-              </a:spcBef>
-              <a:spcAft>
-                <a:spcPts val="0"/>
-              </a:spcAft>
-              <a:buClrTx/>
-              <a:buSzTx/>
-              <a:buFontTx/>
-              <a:buNone/>
-              <a:tabLst/>
-              <a:defRPr/>
-            </a:pPr>
-            <a:r>
-              <a:rPr kumimoji="0" lang="es-AR" sz="2000" b="0" i="0" u="none" strike="noStrike" kern="1200" cap="none" spc="0" normalizeH="0" baseline="0" noProof="0" smtClean="0">
-                <a:ln>
-                  <a:noFill/>
-                </a:ln>
+            <a:pPr algn="ctr"/>
+            <a:r>
+              <a:rPr lang="es-AR" u="none" dirty="0" err="1">
                 <a:solidFill>
                   <a:srgbClr val="C00000"/>
                 </a:solidFill>
-                <a:effectLst/>
-                <a:uLnTx/>
-                <a:uFillTx/>
-                <a:latin typeface="Aharoni" pitchFamily="2" charset="-79"/>
-                <a:ea typeface="+mj-ea"/>
-                <a:cs typeface="Aharoni" pitchFamily="2" charset="-79"/>
-              </a:rPr>
-              <a:t>Panic Dial Button</a:t>
-            </a:r>
-            <a:endParaRPr kumimoji="0" lang="es-AR" sz="2000" b="0" i="0" u="none" strike="noStrike" kern="1200" cap="none" spc="0" normalizeH="0" baseline="0" noProof="0" dirty="0">
-              <a:ln>
-                <a:noFill/>
-              </a:ln>
-              <a:solidFill>
-                <a:schemeClr val="tx1"/>
-              </a:solidFill>
-              <a:effectLst/>
-              <a:uLnTx/>
-              <a:uFillTx/>
-              <a:latin typeface="Aharoni" pitchFamily="2" charset="-79"/>
-              <a:ea typeface="+mj-ea"/>
-              <a:cs typeface="Aharoni" pitchFamily="2" charset="-79"/>
+                <a:latin typeface="Aharoni"/>
+                <a:ea typeface="Aharoni"/>
+                <a:cs typeface="Aharoni"/>
+              </a:rPr>
+              <a:t>Panic</a:t>
+            </a:r>
+            <a:r>
+              <a:rPr lang="es-AR" u="none" dirty="0">
+                <a:solidFill>
+                  <a:srgbClr val="C00000"/>
+                </a:solidFill>
+                <a:latin typeface="Aharoni"/>
+                <a:ea typeface="Aharoni"/>
+                <a:cs typeface="Aharoni"/>
+              </a:rPr>
+              <a:t> Dial </a:t>
+            </a:r>
+            <a:r>
+              <a:rPr lang="es-AR" u="none" dirty="0" err="1">
+                <a:solidFill>
+                  <a:srgbClr val="C00000"/>
+                </a:solidFill>
+                <a:latin typeface="Aharoni"/>
+                <a:ea typeface="Aharoni"/>
+                <a:cs typeface="Aharoni"/>
+              </a:rPr>
+              <a:t>Button</a:t>
+            </a:r>
+            <a:endParaRPr lang="es-AR" u="none" dirty="0">
+              <a:latin typeface="Aharoni"/>
+              <a:ea typeface="Aharoni"/>
+              <a:cs typeface="Aharoni"/>
             </a:endParaRPr>
           </a:p>
         </p:txBody>
       </p:sp>
       <p:pic>
         <p:nvPicPr>
-          <p:cNvPr id="7" name="Picture 5"/>
+          <p:cNvPr id="11" name="Picture 5"/>
           <p:cNvPicPr>
             <a:picLocks noChangeAspect="1"/>
           </p:cNvPicPr>
@@ -14084,7 +15957,7 @@
       </p:sp>
       <p:sp>
         <p:nvSpPr>
-          <p:cNvPr id="4" name="2 Subtítulo"/>
+          <p:cNvPr id="8" name="2 Subtítulo"/>
           <p:cNvSpPr txBox="1">
             <a:spLocks/>
           </p:cNvSpPr>
@@ -14092,7 +15965,7 @@
         </p:nvSpPr>
         <p:spPr>
           <a:xfrm>
-            <a:off x="5148263" y="239713"/>
+            <a:off x="5435724" y="239713"/>
             <a:ext cx="3960812" cy="381000"/>
           </a:xfrm>
           <a:prstGeom prst="rect">
@@ -14103,68 +15976,192 @@
           <a:bodyPr rtlCol="0">
             <a:normAutofit fontScale="47500" lnSpcReduction="20000"/>
           </a:bodyPr>
-          <a:lstStyle/>
-          <a:p>
-            <a:pPr marL="342900" marR="0" lvl="0" indent="-342900" algn="l" defTabSz="914400" rtl="0" eaLnBrk="1" fontAlgn="auto" latinLnBrk="0" hangingPunct="1">
-              <a:lnSpc>
-                <a:spcPct val="100000"/>
-              </a:lnSpc>
+          <a:lstStyle>
+            <a:lvl1pPr marL="342900" indent="-342900" algn="l" rtl="0" eaLnBrk="0" fontAlgn="base" hangingPunct="0">
               <a:spcBef>
                 <a:spcPct val="20000"/>
               </a:spcBef>
               <a:spcAft>
+                <a:spcPct val="0"/>
+              </a:spcAft>
+              <a:buFont typeface="Arial" charset="0"/>
+              <a:buChar char="•"/>
+              <a:defRPr sz="3200" kern="1200">
+                <a:solidFill>
+                  <a:schemeClr val="tx1"/>
+                </a:solidFill>
+                <a:latin typeface="+mn-lt"/>
+                <a:ea typeface="+mn-ea"/>
+                <a:cs typeface="+mn-cs"/>
+              </a:defRPr>
+            </a:lvl1pPr>
+            <a:lvl2pPr marL="742950" indent="-285750" algn="l" rtl="0" eaLnBrk="0" fontAlgn="base" hangingPunct="0">
+              <a:spcBef>
+                <a:spcPct val="20000"/>
+              </a:spcBef>
+              <a:spcAft>
+                <a:spcPct val="0"/>
+              </a:spcAft>
+              <a:buFont typeface="Arial" charset="0"/>
+              <a:buChar char="–"/>
+              <a:defRPr sz="2800" kern="1200">
+                <a:solidFill>
+                  <a:schemeClr val="tx1"/>
+                </a:solidFill>
+                <a:latin typeface="+mn-lt"/>
+                <a:ea typeface="+mn-ea"/>
+                <a:cs typeface="+mn-cs"/>
+              </a:defRPr>
+            </a:lvl2pPr>
+            <a:lvl3pPr marL="1143000" indent="-228600" algn="l" rtl="0" eaLnBrk="0" fontAlgn="base" hangingPunct="0">
+              <a:spcBef>
+                <a:spcPct val="20000"/>
+              </a:spcBef>
+              <a:spcAft>
+                <a:spcPct val="0"/>
+              </a:spcAft>
+              <a:buFont typeface="Arial" charset="0"/>
+              <a:buChar char="•"/>
+              <a:defRPr sz="2400" kern="1200">
+                <a:solidFill>
+                  <a:schemeClr val="tx1"/>
+                </a:solidFill>
+                <a:latin typeface="+mn-lt"/>
+                <a:ea typeface="+mn-ea"/>
+                <a:cs typeface="+mn-cs"/>
+              </a:defRPr>
+            </a:lvl3pPr>
+            <a:lvl4pPr marL="1600200" indent="-228600" algn="l" rtl="0" eaLnBrk="0" fontAlgn="base" hangingPunct="0">
+              <a:spcBef>
+                <a:spcPct val="20000"/>
+              </a:spcBef>
+              <a:spcAft>
+                <a:spcPct val="0"/>
+              </a:spcAft>
+              <a:buFont typeface="Arial" charset="0"/>
+              <a:buChar char="–"/>
+              <a:defRPr sz="2000" kern="1200">
+                <a:solidFill>
+                  <a:schemeClr val="tx1"/>
+                </a:solidFill>
+                <a:latin typeface="+mn-lt"/>
+                <a:ea typeface="+mn-ea"/>
+                <a:cs typeface="+mn-cs"/>
+              </a:defRPr>
+            </a:lvl4pPr>
+            <a:lvl5pPr marL="2057400" indent="-228600" algn="l" rtl="0" eaLnBrk="0" fontAlgn="base" hangingPunct="0">
+              <a:spcBef>
+                <a:spcPct val="20000"/>
+              </a:spcBef>
+              <a:spcAft>
+                <a:spcPct val="0"/>
+              </a:spcAft>
+              <a:buFont typeface="Arial" charset="0"/>
+              <a:buChar char="»"/>
+              <a:defRPr sz="2000" kern="1200">
+                <a:solidFill>
+                  <a:schemeClr val="tx1"/>
+                </a:solidFill>
+                <a:latin typeface="+mn-lt"/>
+                <a:ea typeface="+mn-ea"/>
+                <a:cs typeface="+mn-cs"/>
+              </a:defRPr>
+            </a:lvl5pPr>
+            <a:lvl6pPr marL="2514600" indent="-228600" algn="l" defTabSz="914400" rtl="0" eaLnBrk="1" latinLnBrk="0" hangingPunct="1">
+              <a:spcBef>
+                <a:spcPct val="20000"/>
+              </a:spcBef>
+              <a:buFont typeface="Arial" pitchFamily="34" charset="0"/>
+              <a:buChar char="•"/>
+              <a:defRPr sz="2000" kern="1200">
+                <a:solidFill>
+                  <a:schemeClr val="tx1"/>
+                </a:solidFill>
+                <a:latin typeface="+mn-lt"/>
+                <a:ea typeface="+mn-ea"/>
+                <a:cs typeface="+mn-cs"/>
+              </a:defRPr>
+            </a:lvl6pPr>
+            <a:lvl7pPr marL="2971800" indent="-228600" algn="l" defTabSz="914400" rtl="0" eaLnBrk="1" latinLnBrk="0" hangingPunct="1">
+              <a:spcBef>
+                <a:spcPct val="20000"/>
+              </a:spcBef>
+              <a:buFont typeface="Arial" pitchFamily="34" charset="0"/>
+              <a:buChar char="•"/>
+              <a:defRPr sz="2000" kern="1200">
+                <a:solidFill>
+                  <a:schemeClr val="tx1"/>
+                </a:solidFill>
+                <a:latin typeface="+mn-lt"/>
+                <a:ea typeface="+mn-ea"/>
+                <a:cs typeface="+mn-cs"/>
+              </a:defRPr>
+            </a:lvl7pPr>
+            <a:lvl8pPr marL="3429000" indent="-228600" algn="l" defTabSz="914400" rtl="0" eaLnBrk="1" latinLnBrk="0" hangingPunct="1">
+              <a:spcBef>
+                <a:spcPct val="20000"/>
+              </a:spcBef>
+              <a:buFont typeface="Arial" pitchFamily="34" charset="0"/>
+              <a:buChar char="•"/>
+              <a:defRPr sz="2000" kern="1200">
+                <a:solidFill>
+                  <a:schemeClr val="tx1"/>
+                </a:solidFill>
+                <a:latin typeface="+mn-lt"/>
+                <a:ea typeface="+mn-ea"/>
+                <a:cs typeface="+mn-cs"/>
+              </a:defRPr>
+            </a:lvl8pPr>
+            <a:lvl9pPr marL="3886200" indent="-228600" algn="l" defTabSz="914400" rtl="0" eaLnBrk="1" latinLnBrk="0" hangingPunct="1">
+              <a:spcBef>
+                <a:spcPct val="20000"/>
+              </a:spcBef>
+              <a:buFont typeface="Arial" pitchFamily="34" charset="0"/>
+              <a:buChar char="•"/>
+              <a:defRPr sz="2000" kern="1200">
+                <a:solidFill>
+                  <a:schemeClr val="tx1"/>
+                </a:solidFill>
+                <a:latin typeface="+mn-lt"/>
+                <a:ea typeface="+mn-ea"/>
+                <a:cs typeface="+mn-cs"/>
+              </a:defRPr>
+            </a:lvl9pPr>
+          </a:lstStyle>
+          <a:p>
+            <a:pPr eaLnBrk="1" fontAlgn="auto" hangingPunct="1">
+              <a:spcAft>
                 <a:spcPts val="0"/>
               </a:spcAft>
-              <a:buClrTx/>
-              <a:buSzTx/>
               <a:buFont typeface="Arial" pitchFamily="34" charset="0"/>
               <a:buNone/>
-              <a:tabLst/>
               <a:defRPr/>
             </a:pPr>
             <a:r>
-              <a:rPr kumimoji="0" lang="es-AR" sz="3200" b="0" i="0" u="none" strike="noStrike" kern="1200" cap="none" spc="0" normalizeH="0" baseline="0" noProof="0" smtClean="0">
-                <a:ln>
-                  <a:noFill/>
-                </a:ln>
+              <a:rPr lang="es-AR" u="none" dirty="0" smtClean="0">
                 <a:solidFill>
                   <a:schemeClr val="tx1">
                     <a:lumMod val="65000"/>
                     <a:lumOff val="35000"/>
                   </a:schemeClr>
                 </a:solidFill>
-                <a:effectLst/>
-                <a:uLnTx/>
-                <a:uFillTx/>
-                <a:latin typeface="+mn-lt"/>
-                <a:ea typeface="+mn-ea"/>
-                <a:cs typeface="+mn-cs"/>
               </a:rPr>
               <a:t>75.45 - Taller de Desarrollo de Proyectos I</a:t>
             </a:r>
-            <a:endParaRPr kumimoji="0" lang="es-AR" sz="3200" b="0" i="0" u="none" strike="noStrike" kern="1200" cap="none" spc="0" normalizeH="0" baseline="0" noProof="0" dirty="0">
-              <a:ln>
-                <a:noFill/>
-              </a:ln>
+            <a:endParaRPr lang="es-AR" u="none" dirty="0">
               <a:solidFill>
                 <a:schemeClr val="tx1">
                   <a:lumMod val="65000"/>
                   <a:lumOff val="35000"/>
                 </a:schemeClr>
               </a:solidFill>
-              <a:effectLst/>
-              <a:uLnTx/>
-              <a:uFillTx/>
-              <a:latin typeface="+mn-lt"/>
-              <a:ea typeface="+mn-ea"/>
-              <a:cs typeface="+mn-cs"/>
             </a:endParaRPr>
           </a:p>
         </p:txBody>
       </p:sp>
       <p:cxnSp>
         <p:nvCxnSpPr>
-          <p:cNvPr id="5" name="Straight Connector 4"/>
+          <p:cNvPr id="9" name="Straight Connector 8"/>
           <p:cNvCxnSpPr/>
           <p:nvPr/>
         </p:nvCxnSpPr>
@@ -14201,13 +16198,13 @@
       </p:cxnSp>
       <p:sp>
         <p:nvSpPr>
-          <p:cNvPr id="6" name="1 Título"/>
+          <p:cNvPr id="10" name="1 Título"/>
           <p:cNvSpPr txBox="1">
             <a:spLocks/>
           </p:cNvSpPr>
           <p:nvPr/>
         </p:nvSpPr>
-        <p:spPr>
+        <p:spPr bwMode="auto">
           <a:xfrm>
             <a:off x="34925" y="260350"/>
             <a:ext cx="2736850" cy="288925"/>
@@ -14215,67 +16212,63 @@
           <a:prstGeom prst="rect">
             <a:avLst/>
           </a:prstGeom>
-        </p:spPr>
-        <p:txBody>
-          <a:bodyPr rtlCol="0">
-            <a:normAutofit fontScale="75000" lnSpcReduction="20000"/>
-          </a:bodyPr>
+          <a:noFill/>
+          <a:ln w="9525">
+            <a:noFill/>
+            <a:miter lim="800000"/>
+            <a:headEnd/>
+            <a:tailEnd/>
+          </a:ln>
+        </p:spPr>
+        <p:txBody>
+          <a:bodyPr anchor="ctr"/>
           <a:lstStyle/>
           <a:p>
-            <a:pPr marL="0" marR="0" lvl="0" indent="0" algn="ctr" defTabSz="914400" rtl="0" eaLnBrk="1" fontAlgn="auto" latinLnBrk="0" hangingPunct="1">
-              <a:lnSpc>
-                <a:spcPct val="100000"/>
-              </a:lnSpc>
-              <a:spcBef>
-                <a:spcPct val="0"/>
-              </a:spcBef>
-              <a:spcAft>
-                <a:spcPts val="0"/>
-              </a:spcAft>
-              <a:buClrTx/>
-              <a:buSzTx/>
-              <a:buFontTx/>
-              <a:buNone/>
-              <a:tabLst/>
-              <a:defRPr/>
-            </a:pPr>
-            <a:r>
-              <a:rPr kumimoji="0" lang="es-AR" sz="2000" b="0" i="0" u="none" strike="noStrike" kern="1200" cap="none" spc="0" normalizeH="0" baseline="0" noProof="0" smtClean="0">
-                <a:ln>
-                  <a:noFill/>
-                </a:ln>
+            <a:pPr algn="ctr"/>
+            <a:r>
+              <a:rPr lang="es-AR" u="none" dirty="0" err="1">
                 <a:solidFill>
                   <a:srgbClr val="C00000"/>
                 </a:solidFill>
-                <a:effectLst/>
-                <a:uLnTx/>
-                <a:uFillTx/>
-                <a:latin typeface="Aharoni" pitchFamily="2" charset="-79"/>
-                <a:ea typeface="+mj-ea"/>
-                <a:cs typeface="Aharoni" pitchFamily="2" charset="-79"/>
-              </a:rPr>
-              <a:t>Panic Dial Button</a:t>
-            </a:r>
-            <a:endParaRPr kumimoji="0" lang="es-AR" sz="2000" b="0" i="0" u="none" strike="noStrike" kern="1200" cap="none" spc="0" normalizeH="0" baseline="0" noProof="0" dirty="0">
-              <a:ln>
-                <a:noFill/>
-              </a:ln>
-              <a:solidFill>
-                <a:schemeClr val="tx1"/>
-              </a:solidFill>
-              <a:effectLst/>
-              <a:uLnTx/>
-              <a:uFillTx/>
-              <a:latin typeface="Aharoni" pitchFamily="2" charset="-79"/>
-              <a:ea typeface="+mj-ea"/>
-              <a:cs typeface="Aharoni" pitchFamily="2" charset="-79"/>
+                <a:latin typeface="Aharoni"/>
+                <a:ea typeface="Aharoni"/>
+                <a:cs typeface="Aharoni"/>
+              </a:rPr>
+              <a:t>Panic</a:t>
+            </a:r>
+            <a:r>
+              <a:rPr lang="es-AR" u="none" dirty="0">
+                <a:solidFill>
+                  <a:srgbClr val="C00000"/>
+                </a:solidFill>
+                <a:latin typeface="Aharoni"/>
+                <a:ea typeface="Aharoni"/>
+                <a:cs typeface="Aharoni"/>
+              </a:rPr>
+              <a:t> Dial </a:t>
+            </a:r>
+            <a:r>
+              <a:rPr lang="es-AR" u="none" dirty="0" err="1">
+                <a:solidFill>
+                  <a:srgbClr val="C00000"/>
+                </a:solidFill>
+                <a:latin typeface="Aharoni"/>
+                <a:ea typeface="Aharoni"/>
+                <a:cs typeface="Aharoni"/>
+              </a:rPr>
+              <a:t>Button</a:t>
+            </a:r>
+            <a:endParaRPr lang="es-AR" u="none" dirty="0">
+              <a:latin typeface="Aharoni"/>
+              <a:ea typeface="Aharoni"/>
+              <a:cs typeface="Aharoni"/>
             </a:endParaRPr>
           </a:p>
         </p:txBody>
       </p:sp>
       <p:pic>
         <p:nvPicPr>
-          <p:cNvPr id="7" name="Picture 5"/>
+          <p:cNvPr id="11" name="Picture 5"/>
           <p:cNvPicPr>
             <a:picLocks noChangeAspect="1"/>
           </p:cNvPicPr>
@@ -14355,7 +16348,19 @@
               <a:rPr lang="es-AR" sz="4000" b="1" dirty="0" smtClean="0">
                 <a:latin typeface="Trebuchet MS" pitchFamily="34" charset="0"/>
               </a:rPr>
-              <a:t>Implementación  del Prototipo</a:t>
+              <a:t>Implementación </a:t>
+            </a:r>
+            <a:r>
+              <a:rPr lang="es-AR" sz="4000" b="1" dirty="0" smtClean="0">
+                <a:latin typeface="Trebuchet MS" pitchFamily="34" charset="0"/>
+              </a:rPr>
+              <a:t>del </a:t>
+            </a:r>
+            <a:r>
+              <a:rPr lang="es-AR" sz="4000" b="1" dirty="0" smtClean="0">
+                <a:latin typeface="Trebuchet MS" pitchFamily="34" charset="0"/>
+              </a:rPr>
+              <a:t>Prototipo</a:t>
             </a:r>
           </a:p>
         </p:txBody>
@@ -14383,48 +16388,85 @@
             <a:pPr eaLnBrk="1" hangingPunct="1"/>
             <a:r>
               <a:rPr lang="es-AR" b="1" dirty="0" smtClean="0"/>
-              <a:t>Se implementa:</a:t>
-            </a:r>
+              <a:t>Se </a:t>
+            </a:r>
+            <a:r>
+              <a:rPr lang="es-AR" b="1" dirty="0" smtClean="0"/>
+              <a:t>implementa:</a:t>
+            </a:r>
+            <a:endParaRPr lang="es-AR" dirty="0"/>
           </a:p>
           <a:p>
             <a:pPr lvl="1" eaLnBrk="1" hangingPunct="1"/>
             <a:r>
-              <a:rPr lang="es-AR" dirty="0" smtClean="0"/>
-              <a:t> Versión básica del </a:t>
-            </a:r>
-            <a:r>
-              <a:rPr lang="es-AR" dirty="0" err="1" smtClean="0"/>
+              <a:rPr lang="es-AR" sz="3200" dirty="0" smtClean="0"/>
+              <a:t>Aplicación Básica </a:t>
+            </a:r>
+            <a:r>
+              <a:rPr lang="es-AR" sz="3200" dirty="0" smtClean="0"/>
+              <a:t>del </a:t>
+            </a:r>
+            <a:r>
+              <a:rPr lang="es-AR" sz="3200" dirty="0" err="1" smtClean="0"/>
               <a:t>Panic</a:t>
             </a:r>
             <a:r>
-              <a:rPr lang="es-AR" dirty="0" smtClean="0"/>
+              <a:rPr lang="es-AR" sz="3200" dirty="0" smtClean="0"/>
               <a:t> </a:t>
             </a:r>
             <a:r>
-              <a:rPr lang="es-AR" dirty="0" err="1" smtClean="0"/>
+              <a:rPr lang="es-AR" sz="3200" dirty="0" err="1" smtClean="0"/>
               <a:t>Button</a:t>
             </a:r>
-            <a:endParaRPr lang="es-AR" dirty="0" smtClean="0"/>
+            <a:endParaRPr lang="es-AR" sz="3200" dirty="0" smtClean="0"/>
           </a:p>
           <a:p>
             <a:pPr eaLnBrk="1" hangingPunct="1"/>
             <a:r>
               <a:rPr lang="es-AR" b="1" dirty="0" smtClean="0"/>
-              <a:t>No se implementa:</a:t>
+              <a:t>No se </a:t>
+            </a:r>
+            <a:r>
+              <a:rPr lang="es-AR" b="1" dirty="0" smtClean="0"/>
+              <a:t>implementa:</a:t>
             </a:r>
           </a:p>
           <a:p>
             <a:pPr lvl="1" eaLnBrk="1" hangingPunct="1"/>
             <a:r>
+              <a:rPr lang="es-AR" b="1" dirty="0" err="1" smtClean="0"/>
+              <a:t>Version</a:t>
+            </a:r>
+            <a:r>
+              <a:rPr lang="es-AR" b="1" dirty="0" smtClean="0"/>
+              <a:t> Completa</a:t>
+            </a:r>
+            <a:endParaRPr lang="es-AR" b="1" dirty="0" smtClean="0"/>
+          </a:p>
+          <a:p>
+            <a:pPr lvl="1" eaLnBrk="1" hangingPunct="1"/>
+            <a:r>
               <a:rPr lang="es-AR" sz="3200" dirty="0" smtClean="0"/>
-              <a:t>Monitoreo de ubicaciones</a:t>
+              <a:t>Monitoreo </a:t>
+            </a:r>
+            <a:r>
+              <a:rPr lang="es-AR" sz="3200" dirty="0" smtClean="0"/>
+              <a:t>de </a:t>
+            </a:r>
+            <a:r>
+              <a:rPr lang="es-AR" sz="3200" dirty="0" smtClean="0"/>
+              <a:t>ubicaciones</a:t>
             </a:r>
           </a:p>
           <a:p>
             <a:pPr lvl="1" eaLnBrk="1" hangingPunct="1"/>
             <a:r>
               <a:rPr lang="es-AR" sz="3200" dirty="0" smtClean="0"/>
-              <a:t>Creación de </a:t>
+              <a:t>Creación </a:t>
+            </a:r>
+            <a:r>
+              <a:rPr lang="es-AR" sz="3200" dirty="0" smtClean="0"/>
+              <a:t>de </a:t>
             </a:r>
             <a:r>
               <a:rPr lang="es-AR" sz="3200" dirty="0" err="1" smtClean="0"/>
@@ -14447,14 +16489,18 @@
             <a:pPr lvl="1" eaLnBrk="1" hangingPunct="1"/>
             <a:r>
               <a:rPr lang="es-AR" sz="3200" dirty="0" smtClean="0"/>
-              <a:t>Notificación de llegada</a:t>
-            </a:r>
-          </a:p>
-        </p:txBody>
-      </p:sp>
-      <p:sp>
-        <p:nvSpPr>
-          <p:cNvPr id="4" name="2 Subtítulo"/>
+              <a:t>Notificación </a:t>
+            </a:r>
+            <a:r>
+              <a:rPr lang="es-AR" sz="3200" dirty="0" smtClean="0"/>
+              <a:t>de llegada</a:t>
+            </a:r>
+          </a:p>
+        </p:txBody>
+      </p:sp>
+      <p:sp>
+        <p:nvSpPr>
+          <p:cNvPr id="12" name="2 Subtítulo"/>
           <p:cNvSpPr txBox="1">
             <a:spLocks/>
           </p:cNvSpPr>
@@ -14462,7 +16508,7 @@
         </p:nvSpPr>
         <p:spPr>
           <a:xfrm>
-            <a:off x="5148263" y="239713"/>
+            <a:off x="5435724" y="239713"/>
             <a:ext cx="3960812" cy="381000"/>
           </a:xfrm>
           <a:prstGeom prst="rect">
@@ -14473,68 +16519,192 @@
           <a:bodyPr rtlCol="0">
             <a:normAutofit fontScale="47500" lnSpcReduction="20000"/>
           </a:bodyPr>
-          <a:lstStyle/>
-          <a:p>
-            <a:pPr marL="342900" marR="0" lvl="0" indent="-342900" algn="l" defTabSz="914400" rtl="0" eaLnBrk="1" fontAlgn="auto" latinLnBrk="0" hangingPunct="1">
-              <a:lnSpc>
-                <a:spcPct val="100000"/>
-              </a:lnSpc>
+          <a:lstStyle>
+            <a:lvl1pPr marL="342900" indent="-342900" algn="l" rtl="0" eaLnBrk="0" fontAlgn="base" hangingPunct="0">
               <a:spcBef>
                 <a:spcPct val="20000"/>
               </a:spcBef>
               <a:spcAft>
+                <a:spcPct val="0"/>
+              </a:spcAft>
+              <a:buFont typeface="Arial" charset="0"/>
+              <a:buChar char="•"/>
+              <a:defRPr sz="3200" kern="1200">
+                <a:solidFill>
+                  <a:schemeClr val="tx1"/>
+                </a:solidFill>
+                <a:latin typeface="+mn-lt"/>
+                <a:ea typeface="+mn-ea"/>
+                <a:cs typeface="+mn-cs"/>
+              </a:defRPr>
+            </a:lvl1pPr>
+            <a:lvl2pPr marL="742950" indent="-285750" algn="l" rtl="0" eaLnBrk="0" fontAlgn="base" hangingPunct="0">
+              <a:spcBef>
+                <a:spcPct val="20000"/>
+              </a:spcBef>
+              <a:spcAft>
+                <a:spcPct val="0"/>
+              </a:spcAft>
+              <a:buFont typeface="Arial" charset="0"/>
+              <a:buChar char="–"/>
+              <a:defRPr sz="2800" kern="1200">
+                <a:solidFill>
+                  <a:schemeClr val="tx1"/>
+                </a:solidFill>
+                <a:latin typeface="+mn-lt"/>
+                <a:ea typeface="+mn-ea"/>
+                <a:cs typeface="+mn-cs"/>
+              </a:defRPr>
+            </a:lvl2pPr>
+            <a:lvl3pPr marL="1143000" indent="-228600" algn="l" rtl="0" eaLnBrk="0" fontAlgn="base" hangingPunct="0">
+              <a:spcBef>
+                <a:spcPct val="20000"/>
+              </a:spcBef>
+              <a:spcAft>
+                <a:spcPct val="0"/>
+              </a:spcAft>
+              <a:buFont typeface="Arial" charset="0"/>
+              <a:buChar char="•"/>
+              <a:defRPr sz="2400" kern="1200">
+                <a:solidFill>
+                  <a:schemeClr val="tx1"/>
+                </a:solidFill>
+                <a:latin typeface="+mn-lt"/>
+                <a:ea typeface="+mn-ea"/>
+                <a:cs typeface="+mn-cs"/>
+              </a:defRPr>
+            </a:lvl3pPr>
+            <a:lvl4pPr marL="1600200" indent="-228600" algn="l" rtl="0" eaLnBrk="0" fontAlgn="base" hangingPunct="0">
+              <a:spcBef>
+                <a:spcPct val="20000"/>
+              </a:spcBef>
+              <a:spcAft>
+                <a:spcPct val="0"/>
+              </a:spcAft>
+              <a:buFont typeface="Arial" charset="0"/>
+              <a:buChar char="–"/>
+              <a:defRPr sz="2000" kern="1200">
+                <a:solidFill>
+                  <a:schemeClr val="tx1"/>
+                </a:solidFill>
+                <a:latin typeface="+mn-lt"/>
+                <a:ea typeface="+mn-ea"/>
+                <a:cs typeface="+mn-cs"/>
+              </a:defRPr>
+            </a:lvl4pPr>
+            <a:lvl5pPr marL="2057400" indent="-228600" algn="l" rtl="0" eaLnBrk="0" fontAlgn="base" hangingPunct="0">
+              <a:spcBef>
+                <a:spcPct val="20000"/>
+              </a:spcBef>
+              <a:spcAft>
+                <a:spcPct val="0"/>
+              </a:spcAft>
+              <a:buFont typeface="Arial" charset="0"/>
+              <a:buChar char="»"/>
+              <a:defRPr sz="2000" kern="1200">
+                <a:solidFill>
+                  <a:schemeClr val="tx1"/>
+                </a:solidFill>
+                <a:latin typeface="+mn-lt"/>
+                <a:ea typeface="+mn-ea"/>
+                <a:cs typeface="+mn-cs"/>
+              </a:defRPr>
+            </a:lvl5pPr>
+            <a:lvl6pPr marL="2514600" indent="-228600" algn="l" defTabSz="914400" rtl="0" eaLnBrk="1" latinLnBrk="0" hangingPunct="1">
+              <a:spcBef>
+                <a:spcPct val="20000"/>
+              </a:spcBef>
+              <a:buFont typeface="Arial" pitchFamily="34" charset="0"/>
+              <a:buChar char="•"/>
+              <a:defRPr sz="2000" kern="1200">
+                <a:solidFill>
+                  <a:schemeClr val="tx1"/>
+                </a:solidFill>
+                <a:latin typeface="+mn-lt"/>
+                <a:ea typeface="+mn-ea"/>
+                <a:cs typeface="+mn-cs"/>
+              </a:defRPr>
+            </a:lvl6pPr>
+            <a:lvl7pPr marL="2971800" indent="-228600" algn="l" defTabSz="914400" rtl="0" eaLnBrk="1" latinLnBrk="0" hangingPunct="1">
+              <a:spcBef>
+                <a:spcPct val="20000"/>
+              </a:spcBef>
+              <a:buFont typeface="Arial" pitchFamily="34" charset="0"/>
+              <a:buChar char="•"/>
+              <a:defRPr sz="2000" kern="1200">
+                <a:solidFill>
+                  <a:schemeClr val="tx1"/>
+                </a:solidFill>
+                <a:latin typeface="+mn-lt"/>
+                <a:ea typeface="+mn-ea"/>
+                <a:cs typeface="+mn-cs"/>
+              </a:defRPr>
+            </a:lvl7pPr>
+            <a:lvl8pPr marL="3429000" indent="-228600" algn="l" defTabSz="914400" rtl="0" eaLnBrk="1" latinLnBrk="0" hangingPunct="1">
+              <a:spcBef>
+                <a:spcPct val="20000"/>
+              </a:spcBef>
+              <a:buFont typeface="Arial" pitchFamily="34" charset="0"/>
+              <a:buChar char="•"/>
+              <a:defRPr sz="2000" kern="1200">
+                <a:solidFill>
+                  <a:schemeClr val="tx1"/>
+                </a:solidFill>
+                <a:latin typeface="+mn-lt"/>
+                <a:ea typeface="+mn-ea"/>
+                <a:cs typeface="+mn-cs"/>
+              </a:defRPr>
+            </a:lvl8pPr>
+            <a:lvl9pPr marL="3886200" indent="-228600" algn="l" defTabSz="914400" rtl="0" eaLnBrk="1" latinLnBrk="0" hangingPunct="1">
+              <a:spcBef>
+                <a:spcPct val="20000"/>
+              </a:spcBef>
+              <a:buFont typeface="Arial" pitchFamily="34" charset="0"/>
+              <a:buChar char="•"/>
+              <a:defRPr sz="2000" kern="1200">
+                <a:solidFill>
+                  <a:schemeClr val="tx1"/>
+                </a:solidFill>
+                <a:latin typeface="+mn-lt"/>
+                <a:ea typeface="+mn-ea"/>
+                <a:cs typeface="+mn-cs"/>
+              </a:defRPr>
+            </a:lvl9pPr>
+          </a:lstStyle>
+          <a:p>
+            <a:pPr eaLnBrk="1" fontAlgn="auto" hangingPunct="1">
+              <a:spcAft>
                 <a:spcPts val="0"/>
               </a:spcAft>
-              <a:buClrTx/>
-              <a:buSzTx/>
               <a:buFont typeface="Arial" pitchFamily="34" charset="0"/>
               <a:buNone/>
-              <a:tabLst/>
               <a:defRPr/>
             </a:pPr>
             <a:r>
-              <a:rPr kumimoji="0" lang="es-AR" sz="3200" b="0" i="0" u="none" strike="noStrike" kern="1200" cap="none" spc="0" normalizeH="0" baseline="0" noProof="0" smtClean="0">
-                <a:ln>
-                  <a:noFill/>
-                </a:ln>
+              <a:rPr lang="es-AR" u="none" dirty="0" smtClean="0">
                 <a:solidFill>
                   <a:schemeClr val="tx1">
                     <a:lumMod val="65000"/>
                     <a:lumOff val="35000"/>
                   </a:schemeClr>
                 </a:solidFill>
-                <a:effectLst/>
-                <a:uLnTx/>
-                <a:uFillTx/>
-                <a:latin typeface="+mn-lt"/>
-                <a:ea typeface="+mn-ea"/>
-                <a:cs typeface="+mn-cs"/>
               </a:rPr>
               <a:t>75.45 - Taller de Desarrollo de Proyectos I</a:t>
             </a:r>
-            <a:endParaRPr kumimoji="0" lang="es-AR" sz="3200" b="0" i="0" u="none" strike="noStrike" kern="1200" cap="none" spc="0" normalizeH="0" baseline="0" noProof="0" dirty="0">
-              <a:ln>
-                <a:noFill/>
-              </a:ln>
+            <a:endParaRPr lang="es-AR" u="none" dirty="0">
               <a:solidFill>
                 <a:schemeClr val="tx1">
                   <a:lumMod val="65000"/>
                   <a:lumOff val="35000"/>
                 </a:schemeClr>
               </a:solidFill>
-              <a:effectLst/>
-              <a:uLnTx/>
-              <a:uFillTx/>
-              <a:latin typeface="+mn-lt"/>
-              <a:ea typeface="+mn-ea"/>
-              <a:cs typeface="+mn-cs"/>
             </a:endParaRPr>
           </a:p>
         </p:txBody>
       </p:sp>
       <p:cxnSp>
         <p:nvCxnSpPr>
-          <p:cNvPr id="5" name="Straight Connector 4"/>
+          <p:cNvPr id="13" name="Straight Connector 12"/>
           <p:cNvCxnSpPr/>
           <p:nvPr/>
         </p:nvCxnSpPr>
@@ -14571,13 +16741,13 @@
       </p:cxnSp>
       <p:sp>
         <p:nvSpPr>
-          <p:cNvPr id="6" name="1 Título"/>
+          <p:cNvPr id="14" name="1 Título"/>
           <p:cNvSpPr txBox="1">
             <a:spLocks/>
           </p:cNvSpPr>
           <p:nvPr/>
         </p:nvSpPr>
-        <p:spPr>
+        <p:spPr bwMode="auto">
           <a:xfrm>
             <a:off x="34925" y="260350"/>
             <a:ext cx="2736850" cy="288925"/>
@@ -14585,67 +16755,63 @@
           <a:prstGeom prst="rect">
             <a:avLst/>
           </a:prstGeom>
-        </p:spPr>
-        <p:txBody>
-          <a:bodyPr rtlCol="0">
-            <a:normAutofit fontScale="75000" lnSpcReduction="20000"/>
-          </a:bodyPr>
+          <a:noFill/>
+          <a:ln w="9525">
+            <a:noFill/>
+            <a:miter lim="800000"/>
+            <a:headEnd/>
+            <a:tailEnd/>
+          </a:ln>
+        </p:spPr>
+        <p:txBody>
+          <a:bodyPr anchor="ctr"/>
           <a:lstStyle/>
           <a:p>
-            <a:pPr marL="0" marR="0" lvl="0" indent="0" algn="ctr" defTabSz="914400" rtl="0" eaLnBrk="1" fontAlgn="auto" latinLnBrk="0" hangingPunct="1">
-              <a:lnSpc>
-                <a:spcPct val="100000"/>
-              </a:lnSpc>
-              <a:spcBef>
-                <a:spcPct val="0"/>
-              </a:spcBef>
-              <a:spcAft>
-                <a:spcPts val="0"/>
-              </a:spcAft>
-              <a:buClrTx/>
-              <a:buSzTx/>
-              <a:buFontTx/>
-              <a:buNone/>
-              <a:tabLst/>
-              <a:defRPr/>
-            </a:pPr>
-            <a:r>
-              <a:rPr kumimoji="0" lang="es-AR" sz="2000" b="0" i="0" u="none" strike="noStrike" kern="1200" cap="none" spc="0" normalizeH="0" baseline="0" noProof="0" smtClean="0">
-                <a:ln>
-                  <a:noFill/>
-                </a:ln>
+            <a:pPr algn="ctr"/>
+            <a:r>
+              <a:rPr lang="es-AR" u="none" dirty="0" err="1">
                 <a:solidFill>
                   <a:srgbClr val="C00000"/>
                 </a:solidFill>
-                <a:effectLst/>
-                <a:uLnTx/>
-                <a:uFillTx/>
-                <a:latin typeface="Aharoni" pitchFamily="2" charset="-79"/>
-                <a:ea typeface="+mj-ea"/>
-                <a:cs typeface="Aharoni" pitchFamily="2" charset="-79"/>
-              </a:rPr>
-              <a:t>Panic Dial Button</a:t>
-            </a:r>
-            <a:endParaRPr kumimoji="0" lang="es-AR" sz="2000" b="0" i="0" u="none" strike="noStrike" kern="1200" cap="none" spc="0" normalizeH="0" baseline="0" noProof="0" dirty="0">
-              <a:ln>
-                <a:noFill/>
-              </a:ln>
-              <a:solidFill>
-                <a:schemeClr val="tx1"/>
-              </a:solidFill>
-              <a:effectLst/>
-              <a:uLnTx/>
-              <a:uFillTx/>
-              <a:latin typeface="Aharoni" pitchFamily="2" charset="-79"/>
-              <a:ea typeface="+mj-ea"/>
-              <a:cs typeface="Aharoni" pitchFamily="2" charset="-79"/>
+                <a:latin typeface="Aharoni"/>
+                <a:ea typeface="Aharoni"/>
+                <a:cs typeface="Aharoni"/>
+              </a:rPr>
+              <a:t>Panic</a:t>
+            </a:r>
+            <a:r>
+              <a:rPr lang="es-AR" u="none" dirty="0">
+                <a:solidFill>
+                  <a:srgbClr val="C00000"/>
+                </a:solidFill>
+                <a:latin typeface="Aharoni"/>
+                <a:ea typeface="Aharoni"/>
+                <a:cs typeface="Aharoni"/>
+              </a:rPr>
+              <a:t> Dial </a:t>
+            </a:r>
+            <a:r>
+              <a:rPr lang="es-AR" u="none" dirty="0" err="1">
+                <a:solidFill>
+                  <a:srgbClr val="C00000"/>
+                </a:solidFill>
+                <a:latin typeface="Aharoni"/>
+                <a:ea typeface="Aharoni"/>
+                <a:cs typeface="Aharoni"/>
+              </a:rPr>
+              <a:t>Button</a:t>
+            </a:r>
+            <a:endParaRPr lang="es-AR" u="none" dirty="0">
+              <a:latin typeface="Aharoni"/>
+              <a:ea typeface="Aharoni"/>
+              <a:cs typeface="Aharoni"/>
             </a:endParaRPr>
           </a:p>
         </p:txBody>
       </p:sp>
       <p:pic>
         <p:nvPicPr>
-          <p:cNvPr id="7" name="Picture 5"/>
+          <p:cNvPr id="15" name="Picture 5"/>
           <p:cNvPicPr>
             <a:picLocks noChangeAspect="1"/>
           </p:cNvPicPr>
@@ -14702,270 +16868,256 @@
       </p:grpSpPr>
       <p:sp>
         <p:nvSpPr>
-          <p:cNvPr id="49154" name="1 Título"/>
-          <p:cNvSpPr>
-            <a:spLocks noGrp="1"/>
-          </p:cNvSpPr>
-          <p:nvPr>
-            <p:ph type="title" idx="4294967295"/>
-          </p:nvPr>
-        </p:nvSpPr>
-        <p:spPr>
-          <a:xfrm>
-            <a:off x="467544" y="476672"/>
-            <a:ext cx="8229600" cy="1143000"/>
-          </a:xfrm>
-        </p:spPr>
-        <p:txBody>
-          <a:bodyPr/>
-          <a:lstStyle/>
-          <a:p>
-            <a:pPr eaLnBrk="1" hangingPunct="1"/>
-            <a:r>
-              <a:rPr lang="es-AR" sz="4000" b="1" dirty="0" smtClean="0">
-                <a:latin typeface="Trebuchet MS" pitchFamily="34" charset="0"/>
-              </a:rPr>
-              <a:t>Implementación  del Prototipo</a:t>
-            </a:r>
-          </a:p>
-        </p:txBody>
-      </p:sp>
-      <p:sp>
-        <p:nvSpPr>
-          <p:cNvPr id="4" name="2 Marcador de contenido"/>
+          <p:cNvPr id="46084" name="1 Título"/>
           <p:cNvSpPr txBox="1">
             <a:spLocks/>
           </p:cNvSpPr>
           <p:nvPr/>
         </p:nvSpPr>
-        <p:spPr>
-          <a:xfrm>
-            <a:off x="179512" y="1556792"/>
-            <a:ext cx="8445376" cy="4967833"/>
+        <p:spPr bwMode="auto">
+          <a:xfrm>
+            <a:off x="1985066" y="2636912"/>
+            <a:ext cx="5327650" cy="792162"/>
           </a:xfrm>
           <a:prstGeom prst="rect">
             <a:avLst/>
           </a:prstGeom>
-        </p:spPr>
-        <p:txBody>
-          <a:bodyPr/>
+          <a:noFill/>
+          <a:ln w="9525">
+            <a:noFill/>
+            <a:miter lim="800000"/>
+            <a:headEnd/>
+            <a:tailEnd/>
+          </a:ln>
+        </p:spPr>
+        <p:txBody>
+          <a:bodyPr anchor="ctr"/>
           <a:lstStyle/>
           <a:p>
-            <a:pPr marL="342900" marR="0" lvl="0" indent="-342900" algn="l" defTabSz="914400" rtl="0" eaLnBrk="1" fontAlgn="base" latinLnBrk="0" hangingPunct="1">
-              <a:lnSpc>
-                <a:spcPct val="100000"/>
-              </a:lnSpc>
+            <a:pPr algn="ctr"/>
+            <a:r>
+              <a:rPr lang="es-AR" sz="4800" b="1" u="none" dirty="0" smtClean="0">
+                <a:latin typeface="Trebuchet MS" pitchFamily="34" charset="0"/>
+                <a:ea typeface="Levenim MT"/>
+                <a:cs typeface="Levenim MT"/>
+              </a:rPr>
+              <a:t>Demostración</a:t>
+            </a:r>
+            <a:endParaRPr lang="es-AR" sz="4800" b="1" u="none" dirty="0">
+              <a:latin typeface="Trebuchet MS" pitchFamily="34" charset="0"/>
+              <a:ea typeface="Levenim MT"/>
+              <a:cs typeface="Levenim MT"/>
+            </a:endParaRPr>
+          </a:p>
+        </p:txBody>
+      </p:sp>
+      <p:sp>
+        <p:nvSpPr>
+          <p:cNvPr id="14" name="2 Subtítulo"/>
+          <p:cNvSpPr txBox="1">
+            <a:spLocks/>
+          </p:cNvSpPr>
+          <p:nvPr/>
+        </p:nvSpPr>
+        <p:spPr>
+          <a:xfrm>
+            <a:off x="5435724" y="239713"/>
+            <a:ext cx="3960812" cy="381000"/>
+          </a:xfrm>
+          <a:prstGeom prst="rect">
+            <a:avLst/>
+          </a:prstGeom>
+        </p:spPr>
+        <p:txBody>
+          <a:bodyPr rtlCol="0">
+            <a:normAutofit fontScale="47500" lnSpcReduction="20000"/>
+          </a:bodyPr>
+          <a:lstStyle>
+            <a:lvl1pPr marL="342900" indent="-342900" algn="l" rtl="0" eaLnBrk="0" fontAlgn="base" hangingPunct="0">
               <a:spcBef>
                 <a:spcPct val="20000"/>
               </a:spcBef>
               <a:spcAft>
                 <a:spcPct val="0"/>
               </a:spcAft>
-              <a:buClrTx/>
-              <a:buSzTx/>
               <a:buFont typeface="Arial" charset="0"/>
               <a:buChar char="•"/>
-              <a:tabLst/>
-              <a:defRPr/>
-            </a:pPr>
-            <a:r>
-              <a:rPr kumimoji="0" lang="es-MX" sz="3600" b="1" i="0" u="none" strike="noStrike" kern="1200" cap="none" spc="0" normalizeH="0" baseline="0" noProof="0" dirty="0" smtClean="0">
-                <a:ln>
-                  <a:noFill/>
-                </a:ln>
+              <a:defRPr sz="3200" kern="1200">
                 <a:solidFill>
                   <a:schemeClr val="tx1"/>
                 </a:solidFill>
-                <a:effectLst/>
-                <a:uLnTx/>
-                <a:uFillTx/>
                 <a:latin typeface="+mn-lt"/>
                 <a:ea typeface="+mn-ea"/>
                 <a:cs typeface="+mn-cs"/>
-              </a:rPr>
-              <a:t>Aplicación cliente para celulares</a:t>
-            </a:r>
-          </a:p>
-          <a:p>
-            <a:pPr marL="742950" marR="0" lvl="1" indent="-285750" algn="l" defTabSz="914400" rtl="0" eaLnBrk="1" fontAlgn="base" latinLnBrk="0" hangingPunct="1">
-              <a:lnSpc>
-                <a:spcPct val="100000"/>
-              </a:lnSpc>
+              </a:defRPr>
+            </a:lvl1pPr>
+            <a:lvl2pPr marL="742950" indent="-285750" algn="l" rtl="0" eaLnBrk="0" fontAlgn="base" hangingPunct="0">
               <a:spcBef>
                 <a:spcPct val="20000"/>
               </a:spcBef>
               <a:spcAft>
                 <a:spcPct val="0"/>
               </a:spcAft>
-              <a:buClrTx/>
-              <a:buSzTx/>
               <a:buFont typeface="Arial" charset="0"/>
               <a:buChar char="–"/>
-              <a:tabLst/>
-              <a:defRPr/>
-            </a:pPr>
-            <a:r>
-              <a:rPr kumimoji="0" lang="es-AR" sz="3400" b="0" i="0" u="none" strike="noStrike" kern="1200" cap="none" spc="0" normalizeH="0" baseline="0" noProof="0" dirty="0" smtClean="0">
-                <a:ln>
-                  <a:noFill/>
-                </a:ln>
+              <a:defRPr sz="2800" kern="1200">
                 <a:solidFill>
                   <a:schemeClr val="tx1"/>
                 </a:solidFill>
-                <a:effectLst/>
-                <a:uLnTx/>
-                <a:uFillTx/>
                 <a:latin typeface="+mn-lt"/>
                 <a:ea typeface="+mn-ea"/>
                 <a:cs typeface="+mn-cs"/>
-              </a:rPr>
-              <a:t> No se implementa:</a:t>
-            </a:r>
-          </a:p>
-          <a:p>
-            <a:pPr marL="1200150" lvl="2" indent="-285750">
-              <a:spcBef>
-                <a:spcPct val="20000"/>
-              </a:spcBef>
-              <a:buFont typeface="Wingdings" pitchFamily="2" charset="2"/>
-              <a:buChar char="v"/>
-            </a:pPr>
-            <a:r>
-              <a:rPr lang="es-AR" sz="3400" u="none" dirty="0" smtClean="0">
-                <a:latin typeface="+mn-lt"/>
-              </a:rPr>
-              <a:t> Alarma sonora al realizar una alerta</a:t>
-            </a:r>
-          </a:p>
-          <a:p>
-            <a:pPr marL="1200150" lvl="2" indent="-285750">
-              <a:spcBef>
-                <a:spcPct val="20000"/>
-              </a:spcBef>
-              <a:buFont typeface="Wingdings" pitchFamily="2" charset="2"/>
-              <a:buChar char="v"/>
-            </a:pPr>
-            <a:r>
-              <a:rPr lang="es-AR" sz="3400" u="none" dirty="0" smtClean="0">
-                <a:latin typeface="+mn-lt"/>
-              </a:rPr>
-              <a:t> Soporte para envío de alerta por GPRS</a:t>
-            </a:r>
-          </a:p>
-          <a:p>
-            <a:pPr marL="1200150" lvl="2" indent="-285750">
-              <a:spcBef>
-                <a:spcPct val="20000"/>
-              </a:spcBef>
-              <a:buFont typeface="Wingdings" pitchFamily="2" charset="2"/>
-              <a:buChar char="v"/>
-            </a:pPr>
-            <a:r>
-              <a:rPr lang="es-AR" sz="3400" u="none" dirty="0" smtClean="0">
-                <a:latin typeface="+mn-lt"/>
-              </a:rPr>
-              <a:t> Certificados digitales</a:t>
-            </a:r>
-            <a:endParaRPr kumimoji="0" lang="es-MX" sz="3400" b="0" i="0" u="none" strike="noStrike" kern="1200" cap="none" spc="0" normalizeH="0" baseline="0" noProof="0" dirty="0" smtClean="0">
-              <a:ln>
-                <a:noFill/>
-              </a:ln>
-              <a:solidFill>
-                <a:schemeClr val="tx1"/>
-              </a:solidFill>
-              <a:effectLst/>
-              <a:uLnTx/>
-              <a:uFillTx/>
-              <a:latin typeface="+mn-lt"/>
-              <a:ea typeface="+mn-ea"/>
-              <a:cs typeface="+mn-cs"/>
-            </a:endParaRPr>
-          </a:p>
-        </p:txBody>
-      </p:sp>
-      <p:sp>
-        <p:nvSpPr>
-          <p:cNvPr id="5" name="2 Subtítulo"/>
-          <p:cNvSpPr txBox="1">
-            <a:spLocks/>
-          </p:cNvSpPr>
-          <p:nvPr/>
-        </p:nvSpPr>
-        <p:spPr>
-          <a:xfrm>
-            <a:off x="5148263" y="239713"/>
-            <a:ext cx="3960812" cy="381000"/>
-          </a:xfrm>
-          <a:prstGeom prst="rect">
-            <a:avLst/>
-          </a:prstGeom>
-        </p:spPr>
-        <p:txBody>
-          <a:bodyPr rtlCol="0">
-            <a:normAutofit fontScale="47500" lnSpcReduction="20000"/>
-          </a:bodyPr>
-          <a:lstStyle/>
-          <a:p>
-            <a:pPr marL="342900" marR="0" lvl="0" indent="-342900" algn="l" defTabSz="914400" rtl="0" eaLnBrk="1" fontAlgn="auto" latinLnBrk="0" hangingPunct="1">
-              <a:lnSpc>
-                <a:spcPct val="100000"/>
-              </a:lnSpc>
+              </a:defRPr>
+            </a:lvl2pPr>
+            <a:lvl3pPr marL="1143000" indent="-228600" algn="l" rtl="0" eaLnBrk="0" fontAlgn="base" hangingPunct="0">
               <a:spcBef>
                 <a:spcPct val="20000"/>
               </a:spcBef>
               <a:spcAft>
+                <a:spcPct val="0"/>
+              </a:spcAft>
+              <a:buFont typeface="Arial" charset="0"/>
+              <a:buChar char="•"/>
+              <a:defRPr sz="2400" kern="1200">
+                <a:solidFill>
+                  <a:schemeClr val="tx1"/>
+                </a:solidFill>
+                <a:latin typeface="+mn-lt"/>
+                <a:ea typeface="+mn-ea"/>
+                <a:cs typeface="+mn-cs"/>
+              </a:defRPr>
+            </a:lvl3pPr>
+            <a:lvl4pPr marL="1600200" indent="-228600" algn="l" rtl="0" eaLnBrk="0" fontAlgn="base" hangingPunct="0">
+              <a:spcBef>
+                <a:spcPct val="20000"/>
+              </a:spcBef>
+              <a:spcAft>
+                <a:spcPct val="0"/>
+              </a:spcAft>
+              <a:buFont typeface="Arial" charset="0"/>
+              <a:buChar char="–"/>
+              <a:defRPr sz="2000" kern="1200">
+                <a:solidFill>
+                  <a:schemeClr val="tx1"/>
+                </a:solidFill>
+                <a:latin typeface="+mn-lt"/>
+                <a:ea typeface="+mn-ea"/>
+                <a:cs typeface="+mn-cs"/>
+              </a:defRPr>
+            </a:lvl4pPr>
+            <a:lvl5pPr marL="2057400" indent="-228600" algn="l" rtl="0" eaLnBrk="0" fontAlgn="base" hangingPunct="0">
+              <a:spcBef>
+                <a:spcPct val="20000"/>
+              </a:spcBef>
+              <a:spcAft>
+                <a:spcPct val="0"/>
+              </a:spcAft>
+              <a:buFont typeface="Arial" charset="0"/>
+              <a:buChar char="»"/>
+              <a:defRPr sz="2000" kern="1200">
+                <a:solidFill>
+                  <a:schemeClr val="tx1"/>
+                </a:solidFill>
+                <a:latin typeface="+mn-lt"/>
+                <a:ea typeface="+mn-ea"/>
+                <a:cs typeface="+mn-cs"/>
+              </a:defRPr>
+            </a:lvl5pPr>
+            <a:lvl6pPr marL="2514600" indent="-228600" algn="l" defTabSz="914400" rtl="0" eaLnBrk="1" latinLnBrk="0" hangingPunct="1">
+              <a:spcBef>
+                <a:spcPct val="20000"/>
+              </a:spcBef>
+              <a:buFont typeface="Arial" pitchFamily="34" charset="0"/>
+              <a:buChar char="•"/>
+              <a:defRPr sz="2000" kern="1200">
+                <a:solidFill>
+                  <a:schemeClr val="tx1"/>
+                </a:solidFill>
+                <a:latin typeface="+mn-lt"/>
+                <a:ea typeface="+mn-ea"/>
+                <a:cs typeface="+mn-cs"/>
+              </a:defRPr>
+            </a:lvl6pPr>
+            <a:lvl7pPr marL="2971800" indent="-228600" algn="l" defTabSz="914400" rtl="0" eaLnBrk="1" latinLnBrk="0" hangingPunct="1">
+              <a:spcBef>
+                <a:spcPct val="20000"/>
+              </a:spcBef>
+              <a:buFont typeface="Arial" pitchFamily="34" charset="0"/>
+              <a:buChar char="•"/>
+              <a:defRPr sz="2000" kern="1200">
+                <a:solidFill>
+                  <a:schemeClr val="tx1"/>
+                </a:solidFill>
+                <a:latin typeface="+mn-lt"/>
+                <a:ea typeface="+mn-ea"/>
+                <a:cs typeface="+mn-cs"/>
+              </a:defRPr>
+            </a:lvl7pPr>
+            <a:lvl8pPr marL="3429000" indent="-228600" algn="l" defTabSz="914400" rtl="0" eaLnBrk="1" latinLnBrk="0" hangingPunct="1">
+              <a:spcBef>
+                <a:spcPct val="20000"/>
+              </a:spcBef>
+              <a:buFont typeface="Arial" pitchFamily="34" charset="0"/>
+              <a:buChar char="•"/>
+              <a:defRPr sz="2000" kern="1200">
+                <a:solidFill>
+                  <a:schemeClr val="tx1"/>
+                </a:solidFill>
+                <a:latin typeface="+mn-lt"/>
+                <a:ea typeface="+mn-ea"/>
+                <a:cs typeface="+mn-cs"/>
+              </a:defRPr>
+            </a:lvl8pPr>
+            <a:lvl9pPr marL="3886200" indent="-228600" algn="l" defTabSz="914400" rtl="0" eaLnBrk="1" latinLnBrk="0" hangingPunct="1">
+              <a:spcBef>
+                <a:spcPct val="20000"/>
+              </a:spcBef>
+              <a:buFont typeface="Arial" pitchFamily="34" charset="0"/>
+              <a:buChar char="•"/>
+              <a:defRPr sz="2000" kern="1200">
+                <a:solidFill>
+                  <a:schemeClr val="tx1"/>
+                </a:solidFill>
+                <a:latin typeface="+mn-lt"/>
+                <a:ea typeface="+mn-ea"/>
+                <a:cs typeface="+mn-cs"/>
+              </a:defRPr>
+            </a:lvl9pPr>
+          </a:lstStyle>
+          <a:p>
+            <a:pPr eaLnBrk="1" fontAlgn="auto" hangingPunct="1">
+              <a:spcAft>
                 <a:spcPts val="0"/>
               </a:spcAft>
-              <a:buClrTx/>
-              <a:buSzTx/>
               <a:buFont typeface="Arial" pitchFamily="34" charset="0"/>
               <a:buNone/>
-              <a:tabLst/>
               <a:defRPr/>
             </a:pPr>
             <a:r>
-              <a:rPr kumimoji="0" lang="es-AR" sz="3200" b="0" i="0" u="none" strike="noStrike" kern="1200" cap="none" spc="0" normalizeH="0" baseline="0" noProof="0" smtClean="0">
-                <a:ln>
-                  <a:noFill/>
-                </a:ln>
+              <a:rPr lang="es-AR" u="none" dirty="0" smtClean="0">
                 <a:solidFill>
                   <a:schemeClr val="tx1">
                     <a:lumMod val="65000"/>
                     <a:lumOff val="35000"/>
                   </a:schemeClr>
                 </a:solidFill>
-                <a:effectLst/>
-                <a:uLnTx/>
-                <a:uFillTx/>
-                <a:latin typeface="+mn-lt"/>
-                <a:ea typeface="+mn-ea"/>
-                <a:cs typeface="+mn-cs"/>
               </a:rPr>
               <a:t>75.45 - Taller de Desarrollo de Proyectos I</a:t>
             </a:r>
-            <a:endParaRPr kumimoji="0" lang="es-AR" sz="3200" b="0" i="0" u="none" strike="noStrike" kern="1200" cap="none" spc="0" normalizeH="0" baseline="0" noProof="0" dirty="0">
-              <a:ln>
-                <a:noFill/>
-              </a:ln>
+            <a:endParaRPr lang="es-AR" u="none" dirty="0">
               <a:solidFill>
                 <a:schemeClr val="tx1">
                   <a:lumMod val="65000"/>
                   <a:lumOff val="35000"/>
                 </a:schemeClr>
               </a:solidFill>
-              <a:effectLst/>
-              <a:uLnTx/>
-              <a:uFillTx/>
-              <a:latin typeface="+mn-lt"/>
-              <a:ea typeface="+mn-ea"/>
-              <a:cs typeface="+mn-cs"/>
             </a:endParaRPr>
           </a:p>
         </p:txBody>
       </p:sp>
       <p:cxnSp>
         <p:nvCxnSpPr>
-          <p:cNvPr id="6" name="Straight Connector 4"/>
+          <p:cNvPr id="15" name="Straight Connector 14"/>
           <p:cNvCxnSpPr/>
           <p:nvPr/>
         </p:nvCxnSpPr>
@@ -15002,13 +17154,13 @@
       </p:cxnSp>
       <p:sp>
         <p:nvSpPr>
-          <p:cNvPr id="7" name="1 Título"/>
+          <p:cNvPr id="16" name="1 Título"/>
           <p:cNvSpPr txBox="1">
             <a:spLocks/>
           </p:cNvSpPr>
           <p:nvPr/>
         </p:nvSpPr>
-        <p:spPr>
+        <p:spPr bwMode="auto">
           <a:xfrm>
             <a:off x="34925" y="260350"/>
             <a:ext cx="2736850" cy="288925"/>
@@ -15016,67 +17168,63 @@
           <a:prstGeom prst="rect">
             <a:avLst/>
           </a:prstGeom>
-        </p:spPr>
-        <p:txBody>
-          <a:bodyPr rtlCol="0">
-            <a:normAutofit fontScale="75000" lnSpcReduction="20000"/>
-          </a:bodyPr>
+          <a:noFill/>
+          <a:ln w="9525">
+            <a:noFill/>
+            <a:miter lim="800000"/>
+            <a:headEnd/>
+            <a:tailEnd/>
+          </a:ln>
+        </p:spPr>
+        <p:txBody>
+          <a:bodyPr anchor="ctr"/>
           <a:lstStyle/>
           <a:p>
-            <a:pPr marL="0" marR="0" lvl="0" indent="0" algn="ctr" defTabSz="914400" rtl="0" eaLnBrk="1" fontAlgn="auto" latinLnBrk="0" hangingPunct="1">
-              <a:lnSpc>
-                <a:spcPct val="100000"/>
-              </a:lnSpc>
-              <a:spcBef>
-                <a:spcPct val="0"/>
-              </a:spcBef>
-              <a:spcAft>
-                <a:spcPts val="0"/>
-              </a:spcAft>
-              <a:buClrTx/>
-              <a:buSzTx/>
-              <a:buFontTx/>
-              <a:buNone/>
-              <a:tabLst/>
-              <a:defRPr/>
-            </a:pPr>
-            <a:r>
-              <a:rPr kumimoji="0" lang="es-AR" sz="2000" b="0" i="0" u="none" strike="noStrike" kern="1200" cap="none" spc="0" normalizeH="0" baseline="0" noProof="0" smtClean="0">
-                <a:ln>
-                  <a:noFill/>
-                </a:ln>
+            <a:pPr algn="ctr"/>
+            <a:r>
+              <a:rPr lang="es-AR" u="none" dirty="0" err="1">
                 <a:solidFill>
                   <a:srgbClr val="C00000"/>
                 </a:solidFill>
-                <a:effectLst/>
-                <a:uLnTx/>
-                <a:uFillTx/>
-                <a:latin typeface="Aharoni" pitchFamily="2" charset="-79"/>
-                <a:ea typeface="+mj-ea"/>
-                <a:cs typeface="Aharoni" pitchFamily="2" charset="-79"/>
-              </a:rPr>
-              <a:t>Panic Dial Button</a:t>
-            </a:r>
-            <a:endParaRPr kumimoji="0" lang="es-AR" sz="2000" b="0" i="0" u="none" strike="noStrike" kern="1200" cap="none" spc="0" normalizeH="0" baseline="0" noProof="0" dirty="0">
-              <a:ln>
-                <a:noFill/>
-              </a:ln>
-              <a:solidFill>
-                <a:schemeClr val="tx1"/>
-              </a:solidFill>
-              <a:effectLst/>
-              <a:uLnTx/>
-              <a:uFillTx/>
-              <a:latin typeface="Aharoni" pitchFamily="2" charset="-79"/>
-              <a:ea typeface="+mj-ea"/>
-              <a:cs typeface="Aharoni" pitchFamily="2" charset="-79"/>
+                <a:latin typeface="Aharoni"/>
+                <a:ea typeface="Aharoni"/>
+                <a:cs typeface="Aharoni"/>
+              </a:rPr>
+              <a:t>Panic</a:t>
+            </a:r>
+            <a:r>
+              <a:rPr lang="es-AR" u="none" dirty="0">
+                <a:solidFill>
+                  <a:srgbClr val="C00000"/>
+                </a:solidFill>
+                <a:latin typeface="Aharoni"/>
+                <a:ea typeface="Aharoni"/>
+                <a:cs typeface="Aharoni"/>
+              </a:rPr>
+              <a:t> Dial </a:t>
+            </a:r>
+            <a:r>
+              <a:rPr lang="es-AR" u="none" dirty="0" err="1">
+                <a:solidFill>
+                  <a:srgbClr val="C00000"/>
+                </a:solidFill>
+                <a:latin typeface="Aharoni"/>
+                <a:ea typeface="Aharoni"/>
+                <a:cs typeface="Aharoni"/>
+              </a:rPr>
+              <a:t>Button</a:t>
+            </a:r>
+            <a:endParaRPr lang="es-AR" u="none" dirty="0">
+              <a:latin typeface="Aharoni"/>
+              <a:ea typeface="Aharoni"/>
+              <a:cs typeface="Aharoni"/>
             </a:endParaRPr>
           </a:p>
         </p:txBody>
       </p:sp>
       <p:pic>
         <p:nvPicPr>
-          <p:cNvPr id="8" name="Picture 5"/>
+          <p:cNvPr id="17" name="Picture 5"/>
           <p:cNvPicPr>
             <a:picLocks noChangeAspect="1"/>
           </p:cNvPicPr>
@@ -15111,6 +17259,13 @@
   <p:clrMapOvr>
     <a:masterClrMapping/>
   </p:clrMapOvr>
+  <p:timing>
+    <p:tnLst>
+      <p:par>
+        <p:cTn id="1" dur="indefinite" restart="never" nodeType="tmRoot"/>
+      </p:par>
+    </p:tnLst>
+  </p:timing>
 </p:sld>
 </file>
 
@@ -15133,866 +17288,6 @@
       </p:grpSpPr>
       <p:sp>
         <p:nvSpPr>
-          <p:cNvPr id="49154" name="1 Título"/>
-          <p:cNvSpPr>
-            <a:spLocks noGrp="1"/>
-          </p:cNvSpPr>
-          <p:nvPr>
-            <p:ph type="title" idx="4294967295"/>
-          </p:nvPr>
-        </p:nvSpPr>
-        <p:spPr>
-          <a:xfrm>
-            <a:off x="467544" y="476672"/>
-            <a:ext cx="8229600" cy="1143000"/>
-          </a:xfrm>
-        </p:spPr>
-        <p:txBody>
-          <a:bodyPr/>
-          <a:lstStyle/>
-          <a:p>
-            <a:pPr eaLnBrk="1" hangingPunct="1"/>
-            <a:r>
-              <a:rPr lang="es-AR" sz="4000" b="1" dirty="0" smtClean="0">
-                <a:latin typeface="Trebuchet MS" pitchFamily="34" charset="0"/>
-              </a:rPr>
-              <a:t>Implementación  del Prototipo</a:t>
-            </a:r>
-          </a:p>
-        </p:txBody>
-      </p:sp>
-      <p:sp>
-        <p:nvSpPr>
-          <p:cNvPr id="4" name="2 Marcador de contenido"/>
-          <p:cNvSpPr txBox="1">
-            <a:spLocks/>
-          </p:cNvSpPr>
-          <p:nvPr/>
-        </p:nvSpPr>
-        <p:spPr>
-          <a:xfrm>
-            <a:off x="179512" y="1556792"/>
-            <a:ext cx="8640960" cy="4967833"/>
-          </a:xfrm>
-          <a:prstGeom prst="rect">
-            <a:avLst/>
-          </a:prstGeom>
-        </p:spPr>
-        <p:txBody>
-          <a:bodyPr/>
-          <a:lstStyle/>
-          <a:p>
-            <a:pPr marL="342900" indent="-342900">
-              <a:spcBef>
-                <a:spcPct val="20000"/>
-              </a:spcBef>
-              <a:buFont typeface="Arial" charset="0"/>
-              <a:buChar char="•"/>
-            </a:pPr>
-            <a:r>
-              <a:rPr lang="es-MX" sz="3600" b="1" u="none" dirty="0" smtClean="0">
-                <a:latin typeface="+mn-lt"/>
-              </a:rPr>
-              <a:t>Aplicación web para terminales de control </a:t>
-            </a:r>
-          </a:p>
-          <a:p>
-            <a:pPr marL="742950" marR="0" lvl="1" indent="-285750" algn="l" defTabSz="914400" rtl="0" eaLnBrk="1" fontAlgn="base" latinLnBrk="0" hangingPunct="1">
-              <a:lnSpc>
-                <a:spcPct val="100000"/>
-              </a:lnSpc>
-              <a:spcBef>
-                <a:spcPct val="20000"/>
-              </a:spcBef>
-              <a:spcAft>
-                <a:spcPct val="0"/>
-              </a:spcAft>
-              <a:buClrTx/>
-              <a:buSzTx/>
-              <a:buFont typeface="Arial" charset="0"/>
-              <a:buChar char="–"/>
-              <a:tabLst/>
-              <a:defRPr/>
-            </a:pPr>
-            <a:r>
-              <a:rPr kumimoji="0" lang="es-AR" sz="3400" b="0" i="0" u="none" strike="noStrike" kern="1200" cap="none" spc="0" normalizeH="0" baseline="0" noProof="0" dirty="0" smtClean="0">
-                <a:ln>
-                  <a:noFill/>
-                </a:ln>
-                <a:solidFill>
-                  <a:schemeClr val="tx1"/>
-                </a:solidFill>
-                <a:effectLst/>
-                <a:uLnTx/>
-                <a:uFillTx/>
-                <a:latin typeface="+mn-lt"/>
-                <a:ea typeface="+mn-ea"/>
-                <a:cs typeface="+mn-cs"/>
-              </a:rPr>
-              <a:t> No se implementa:</a:t>
-            </a:r>
-          </a:p>
-          <a:p>
-            <a:pPr marL="1200150" lvl="2" indent="-285750">
-              <a:spcBef>
-                <a:spcPct val="20000"/>
-              </a:spcBef>
-              <a:buFont typeface="Wingdings" pitchFamily="2" charset="2"/>
-              <a:buChar char="v"/>
-            </a:pPr>
-            <a:r>
-              <a:rPr lang="es-AR" sz="3400" u="none" dirty="0" smtClean="0">
-                <a:latin typeface="+mn-lt"/>
-              </a:rPr>
-              <a:t> Seguridad: Certificados digitales o </a:t>
-            </a:r>
-            <a:r>
-              <a:rPr lang="es-AR" sz="3400" u="none" dirty="0" err="1" smtClean="0">
-                <a:latin typeface="+mn-lt"/>
-              </a:rPr>
-              <a:t>login</a:t>
-            </a:r>
-            <a:r>
-              <a:rPr lang="es-AR" sz="3400" u="none" dirty="0" smtClean="0">
-                <a:latin typeface="+mn-lt"/>
-              </a:rPr>
-              <a:t> para autentificación de Usuario.</a:t>
-            </a:r>
-          </a:p>
-          <a:p>
-            <a:pPr marL="1200150" lvl="2" indent="-285750">
-              <a:spcBef>
-                <a:spcPct val="20000"/>
-              </a:spcBef>
-              <a:buFont typeface="Wingdings" pitchFamily="2" charset="2"/>
-              <a:buChar char="v"/>
-            </a:pPr>
-            <a:r>
-              <a:rPr kumimoji="0" lang="es-MX" sz="3400" b="0" i="0" u="none" strike="noStrike" kern="1200" cap="none" spc="0" normalizeH="0" baseline="0" noProof="0" dirty="0" smtClean="0">
-                <a:ln>
-                  <a:noFill/>
-                </a:ln>
-                <a:solidFill>
-                  <a:schemeClr val="tx1"/>
-                </a:solidFill>
-                <a:effectLst/>
-                <a:uLnTx/>
-                <a:uFillTx/>
-                <a:latin typeface="+mn-lt"/>
-                <a:ea typeface="+mn-ea"/>
-                <a:cs typeface="+mn-cs"/>
-              </a:rPr>
-              <a:t> Estados de alertas.</a:t>
-            </a:r>
-          </a:p>
-          <a:p>
-            <a:pPr marL="1200150" lvl="2" indent="-285750">
-              <a:spcBef>
-                <a:spcPct val="20000"/>
-              </a:spcBef>
-              <a:buFont typeface="Wingdings" pitchFamily="2" charset="2"/>
-              <a:buChar char="v"/>
-            </a:pPr>
-            <a:r>
-              <a:rPr lang="es-MX" sz="3400" u="none" dirty="0" smtClean="0">
-                <a:latin typeface="+mn-lt"/>
-              </a:rPr>
-              <a:t> FAQ</a:t>
-            </a:r>
-          </a:p>
-          <a:p>
-            <a:pPr marL="1200150" lvl="2" indent="-285750">
-              <a:spcBef>
-                <a:spcPct val="20000"/>
-              </a:spcBef>
-              <a:buFont typeface="Wingdings" pitchFamily="2" charset="2"/>
-              <a:buChar char="v"/>
-            </a:pPr>
-            <a:r>
-              <a:rPr kumimoji="0" lang="es-MX" sz="3400" b="0" i="0" u="none" strike="noStrike" kern="1200" cap="none" spc="0" normalizeH="0" baseline="0" noProof="0" dirty="0" smtClean="0">
-                <a:ln>
-                  <a:noFill/>
-                </a:ln>
-                <a:solidFill>
-                  <a:schemeClr val="tx1"/>
-                </a:solidFill>
-                <a:effectLst/>
-                <a:uLnTx/>
-                <a:uFillTx/>
-                <a:latin typeface="+mn-lt"/>
-                <a:ea typeface="+mn-ea"/>
-                <a:cs typeface="+mn-cs"/>
-              </a:rPr>
-              <a:t>Foro</a:t>
-            </a:r>
-            <a:r>
-              <a:rPr kumimoji="0" lang="es-MX" sz="3400" b="0" i="0" u="none" strike="noStrike" kern="1200" cap="none" spc="0" normalizeH="0" noProof="0" dirty="0" smtClean="0">
-                <a:ln>
-                  <a:noFill/>
-                </a:ln>
-                <a:solidFill>
-                  <a:schemeClr val="tx1"/>
-                </a:solidFill>
-                <a:effectLst/>
-                <a:uLnTx/>
-                <a:uFillTx/>
-                <a:latin typeface="+mn-lt"/>
-                <a:ea typeface="+mn-ea"/>
-                <a:cs typeface="+mn-cs"/>
-              </a:rPr>
-              <a:t> de Discusión para Usuarios</a:t>
-            </a:r>
-            <a:endParaRPr kumimoji="0" lang="es-MX" sz="3400" b="0" i="0" u="none" strike="noStrike" kern="1200" cap="none" spc="0" normalizeH="0" baseline="0" noProof="0" dirty="0" smtClean="0">
-              <a:ln>
-                <a:noFill/>
-              </a:ln>
-              <a:solidFill>
-                <a:schemeClr val="tx1"/>
-              </a:solidFill>
-              <a:effectLst/>
-              <a:uLnTx/>
-              <a:uFillTx/>
-              <a:latin typeface="+mn-lt"/>
-              <a:ea typeface="+mn-ea"/>
-              <a:cs typeface="+mn-cs"/>
-            </a:endParaRPr>
-          </a:p>
-        </p:txBody>
-      </p:sp>
-      <p:sp>
-        <p:nvSpPr>
-          <p:cNvPr id="5" name="2 Subtítulo"/>
-          <p:cNvSpPr txBox="1">
-            <a:spLocks/>
-          </p:cNvSpPr>
-          <p:nvPr/>
-        </p:nvSpPr>
-        <p:spPr>
-          <a:xfrm>
-            <a:off x="5148263" y="239713"/>
-            <a:ext cx="3960812" cy="381000"/>
-          </a:xfrm>
-          <a:prstGeom prst="rect">
-            <a:avLst/>
-          </a:prstGeom>
-        </p:spPr>
-        <p:txBody>
-          <a:bodyPr rtlCol="0">
-            <a:normAutofit fontScale="47500" lnSpcReduction="20000"/>
-          </a:bodyPr>
-          <a:lstStyle/>
-          <a:p>
-            <a:pPr marL="342900" marR="0" lvl="0" indent="-342900" algn="l" defTabSz="914400" rtl="0" eaLnBrk="1" fontAlgn="auto" latinLnBrk="0" hangingPunct="1">
-              <a:lnSpc>
-                <a:spcPct val="100000"/>
-              </a:lnSpc>
-              <a:spcBef>
-                <a:spcPct val="20000"/>
-              </a:spcBef>
-              <a:spcAft>
-                <a:spcPts val="0"/>
-              </a:spcAft>
-              <a:buClrTx/>
-              <a:buSzTx/>
-              <a:buFont typeface="Arial" pitchFamily="34" charset="0"/>
-              <a:buNone/>
-              <a:tabLst/>
-              <a:defRPr/>
-            </a:pPr>
-            <a:r>
-              <a:rPr kumimoji="0" lang="es-AR" sz="3200" b="0" i="0" u="none" strike="noStrike" kern="1200" cap="none" spc="0" normalizeH="0" baseline="0" noProof="0" smtClean="0">
-                <a:ln>
-                  <a:noFill/>
-                </a:ln>
-                <a:solidFill>
-                  <a:schemeClr val="tx1">
-                    <a:lumMod val="65000"/>
-                    <a:lumOff val="35000"/>
-                  </a:schemeClr>
-                </a:solidFill>
-                <a:effectLst/>
-                <a:uLnTx/>
-                <a:uFillTx/>
-                <a:latin typeface="+mn-lt"/>
-                <a:ea typeface="+mn-ea"/>
-                <a:cs typeface="+mn-cs"/>
-              </a:rPr>
-              <a:t>75.45 - Taller de Desarrollo de Proyectos I</a:t>
-            </a:r>
-            <a:endParaRPr kumimoji="0" lang="es-AR" sz="3200" b="0" i="0" u="none" strike="noStrike" kern="1200" cap="none" spc="0" normalizeH="0" baseline="0" noProof="0" dirty="0">
-              <a:ln>
-                <a:noFill/>
-              </a:ln>
-              <a:solidFill>
-                <a:schemeClr val="tx1">
-                  <a:lumMod val="65000"/>
-                  <a:lumOff val="35000"/>
-                </a:schemeClr>
-              </a:solidFill>
-              <a:effectLst/>
-              <a:uLnTx/>
-              <a:uFillTx/>
-              <a:latin typeface="+mn-lt"/>
-              <a:ea typeface="+mn-ea"/>
-              <a:cs typeface="+mn-cs"/>
-            </a:endParaRPr>
-          </a:p>
-        </p:txBody>
-      </p:sp>
-      <p:cxnSp>
-        <p:nvCxnSpPr>
-          <p:cNvPr id="6" name="Straight Connector 4"/>
-          <p:cNvCxnSpPr/>
-          <p:nvPr/>
-        </p:nvCxnSpPr>
-        <p:spPr>
-          <a:xfrm>
-            <a:off x="395288" y="692150"/>
-            <a:ext cx="8497887" cy="0"/>
-          </a:xfrm>
-          <a:prstGeom prst="line">
-            <a:avLst/>
-          </a:prstGeom>
-          <a:ln>
-            <a:solidFill>
-              <a:schemeClr val="bg1">
-                <a:lumMod val="65000"/>
-              </a:schemeClr>
-            </a:solidFill>
-          </a:ln>
-        </p:spPr>
-        <p:style>
-          <a:lnRef idx="1">
-            <a:schemeClr val="accent1"/>
-          </a:lnRef>
-          <a:fillRef idx="0">
-            <a:schemeClr val="accent1"/>
-          </a:fillRef>
-          <a:effectRef idx="0">
-            <a:schemeClr val="accent1"/>
-          </a:effectRef>
-          <a:fontRef idx="minor">
-            <a:schemeClr val="tx1"/>
-          </a:fontRef>
-        </p:style>
-      </p:cxnSp>
-      <p:sp>
-        <p:nvSpPr>
-          <p:cNvPr id="7" name="1 Título"/>
-          <p:cNvSpPr txBox="1">
-            <a:spLocks/>
-          </p:cNvSpPr>
-          <p:nvPr/>
-        </p:nvSpPr>
-        <p:spPr>
-          <a:xfrm>
-            <a:off x="34925" y="260350"/>
-            <a:ext cx="2736850" cy="288925"/>
-          </a:xfrm>
-          <a:prstGeom prst="rect">
-            <a:avLst/>
-          </a:prstGeom>
-        </p:spPr>
-        <p:txBody>
-          <a:bodyPr rtlCol="0">
-            <a:normAutofit fontScale="75000" lnSpcReduction="20000"/>
-          </a:bodyPr>
-          <a:lstStyle/>
-          <a:p>
-            <a:pPr marL="0" marR="0" lvl="0" indent="0" algn="ctr" defTabSz="914400" rtl="0" eaLnBrk="1" fontAlgn="auto" latinLnBrk="0" hangingPunct="1">
-              <a:lnSpc>
-                <a:spcPct val="100000"/>
-              </a:lnSpc>
-              <a:spcBef>
-                <a:spcPct val="0"/>
-              </a:spcBef>
-              <a:spcAft>
-                <a:spcPts val="0"/>
-              </a:spcAft>
-              <a:buClrTx/>
-              <a:buSzTx/>
-              <a:buFontTx/>
-              <a:buNone/>
-              <a:tabLst/>
-              <a:defRPr/>
-            </a:pPr>
-            <a:r>
-              <a:rPr kumimoji="0" lang="es-AR" sz="2000" b="0" i="0" u="none" strike="noStrike" kern="1200" cap="none" spc="0" normalizeH="0" baseline="0" noProof="0" smtClean="0">
-                <a:ln>
-                  <a:noFill/>
-                </a:ln>
-                <a:solidFill>
-                  <a:srgbClr val="C00000"/>
-                </a:solidFill>
-                <a:effectLst/>
-                <a:uLnTx/>
-                <a:uFillTx/>
-                <a:latin typeface="Aharoni" pitchFamily="2" charset="-79"/>
-                <a:ea typeface="+mj-ea"/>
-                <a:cs typeface="Aharoni" pitchFamily="2" charset="-79"/>
-              </a:rPr>
-              <a:t>Panic Dial Button</a:t>
-            </a:r>
-            <a:endParaRPr kumimoji="0" lang="es-AR" sz="2000" b="0" i="0" u="none" strike="noStrike" kern="1200" cap="none" spc="0" normalizeH="0" baseline="0" noProof="0" dirty="0">
-              <a:ln>
-                <a:noFill/>
-              </a:ln>
-              <a:solidFill>
-                <a:schemeClr val="tx1"/>
-              </a:solidFill>
-              <a:effectLst/>
-              <a:uLnTx/>
-              <a:uFillTx/>
-              <a:latin typeface="Aharoni" pitchFamily="2" charset="-79"/>
-              <a:ea typeface="+mj-ea"/>
-              <a:cs typeface="Aharoni" pitchFamily="2" charset="-79"/>
-            </a:endParaRPr>
-          </a:p>
-        </p:txBody>
-      </p:sp>
-      <p:pic>
-        <p:nvPicPr>
-          <p:cNvPr id="8" name="Picture 5"/>
-          <p:cNvPicPr>
-            <a:picLocks noChangeAspect="1"/>
-          </p:cNvPicPr>
-          <p:nvPr/>
-        </p:nvPicPr>
-        <p:blipFill>
-          <a:blip r:embed="rId2" cstate="print"/>
-          <a:srcRect/>
-          <a:stretch>
-            <a:fillRect/>
-          </a:stretch>
-        </p:blipFill>
-        <p:spPr bwMode="auto">
-          <a:xfrm>
-            <a:off x="2484438" y="279400"/>
-            <a:ext cx="466725" cy="277813"/>
-          </a:xfrm>
-          <a:prstGeom prst="rect">
-            <a:avLst/>
-          </a:prstGeom>
-          <a:noFill/>
-          <a:ln w="9525">
-            <a:noFill/>
-            <a:miter lim="800000"/>
-            <a:headEnd/>
-            <a:tailEnd/>
-          </a:ln>
-        </p:spPr>
-      </p:pic>
-    </p:spTree>
-  </p:cSld>
-  <p:clrMapOvr>
-    <a:masterClrMapping/>
-  </p:clrMapOvr>
-</p:sld>
-</file>
-
-<file path=ppt/slides/slide37.xml><?xml version="1.0" encoding="utf-8"?>
-<p:sld xmlns:a="http://schemas.openxmlformats.org/drawingml/2006/main" xmlns:r="http://schemas.openxmlformats.org/officeDocument/2006/relationships" xmlns:p="http://schemas.openxmlformats.org/presentationml/2006/main">
-  <p:cSld>
-    <p:spTree>
-      <p:nvGrpSpPr>
-        <p:cNvPr id="1" name=""/>
-        <p:cNvGrpSpPr/>
-        <p:nvPr/>
-      </p:nvGrpSpPr>
-      <p:grpSpPr>
-        <a:xfrm>
-          <a:off x="0" y="0"/>
-          <a:ext cx="0" cy="0"/>
-          <a:chOff x="0" y="0"/>
-          <a:chExt cx="0" cy="0"/>
-        </a:xfrm>
-      </p:grpSpPr>
-      <p:sp>
-        <p:nvSpPr>
-          <p:cNvPr id="49154" name="1 Título"/>
-          <p:cNvSpPr>
-            <a:spLocks noGrp="1"/>
-          </p:cNvSpPr>
-          <p:nvPr>
-            <p:ph type="title" idx="4294967295"/>
-          </p:nvPr>
-        </p:nvSpPr>
-        <p:spPr>
-          <a:xfrm>
-            <a:off x="467544" y="692696"/>
-            <a:ext cx="8229600" cy="1143000"/>
-          </a:xfrm>
-        </p:spPr>
-        <p:txBody>
-          <a:bodyPr/>
-          <a:lstStyle/>
-          <a:p>
-            <a:pPr eaLnBrk="1" hangingPunct="1"/>
-            <a:r>
-              <a:rPr lang="es-AR" sz="4000" b="1" dirty="0" smtClean="0">
-                <a:latin typeface="Trebuchet MS" pitchFamily="34" charset="0"/>
-              </a:rPr>
-              <a:t>Implementación  del Prototipo</a:t>
-            </a:r>
-          </a:p>
-        </p:txBody>
-      </p:sp>
-      <p:sp>
-        <p:nvSpPr>
-          <p:cNvPr id="4" name="2 Marcador de contenido"/>
-          <p:cNvSpPr txBox="1">
-            <a:spLocks/>
-          </p:cNvSpPr>
-          <p:nvPr/>
-        </p:nvSpPr>
-        <p:spPr>
-          <a:xfrm>
-            <a:off x="179512" y="1556792"/>
-            <a:ext cx="8445376" cy="4967833"/>
-          </a:xfrm>
-          <a:prstGeom prst="rect">
-            <a:avLst/>
-          </a:prstGeom>
-        </p:spPr>
-        <p:txBody>
-          <a:bodyPr/>
-          <a:lstStyle/>
-          <a:p>
-            <a:pPr marL="342900" indent="-342900">
-              <a:spcBef>
-                <a:spcPct val="20000"/>
-              </a:spcBef>
-              <a:buFont typeface="Arial" charset="0"/>
-              <a:buChar char="•"/>
-            </a:pPr>
-            <a:r>
-              <a:rPr lang="es-MX" sz="3600" b="1" u="none" dirty="0" smtClean="0">
-                <a:latin typeface="+mn-lt"/>
-              </a:rPr>
-              <a:t>Aplicación Servidor</a:t>
-            </a:r>
-          </a:p>
-          <a:p>
-            <a:pPr marL="742950" marR="0" lvl="1" indent="-285750" algn="l" defTabSz="914400" rtl="0" eaLnBrk="1" fontAlgn="base" latinLnBrk="0" hangingPunct="1">
-              <a:lnSpc>
-                <a:spcPct val="100000"/>
-              </a:lnSpc>
-              <a:spcBef>
-                <a:spcPct val="20000"/>
-              </a:spcBef>
-              <a:spcAft>
-                <a:spcPct val="0"/>
-              </a:spcAft>
-              <a:buClrTx/>
-              <a:buSzTx/>
-              <a:buFont typeface="Arial" charset="0"/>
-              <a:buChar char="–"/>
-              <a:tabLst/>
-              <a:defRPr/>
-            </a:pPr>
-            <a:r>
-              <a:rPr kumimoji="0" lang="es-AR" sz="3400" b="0" i="0" u="none" strike="noStrike" kern="1200" cap="none" spc="0" normalizeH="0" baseline="0" noProof="0" dirty="0" smtClean="0">
-                <a:ln>
-                  <a:noFill/>
-                </a:ln>
-                <a:solidFill>
-                  <a:schemeClr val="tx1"/>
-                </a:solidFill>
-                <a:effectLst/>
-                <a:uLnTx/>
-                <a:uFillTx/>
-                <a:latin typeface="+mn-lt"/>
-                <a:ea typeface="+mn-ea"/>
-                <a:cs typeface="+mn-cs"/>
-              </a:rPr>
-              <a:t> </a:t>
-            </a:r>
-            <a:r>
-              <a:rPr lang="es-AR" sz="3400" u="none" dirty="0" smtClean="0">
-                <a:latin typeface="+mn-lt"/>
-              </a:rPr>
-              <a:t>No se implementa:</a:t>
-            </a:r>
-          </a:p>
-          <a:p>
-            <a:pPr marL="1200150" lvl="2" indent="-285750">
-              <a:spcBef>
-                <a:spcPct val="20000"/>
-              </a:spcBef>
-              <a:buFont typeface="Wingdings" pitchFamily="2" charset="2"/>
-              <a:buChar char="v"/>
-            </a:pPr>
-            <a:r>
-              <a:rPr lang="es-AR" sz="3400" u="none" dirty="0" smtClean="0">
-                <a:latin typeface="+mn-lt"/>
-              </a:rPr>
-              <a:t> Certificados digitales para validar la identidad del servidor.</a:t>
-            </a:r>
-          </a:p>
-          <a:p>
-            <a:pPr marL="1200150" lvl="2" indent="-285750">
-              <a:spcBef>
-                <a:spcPct val="20000"/>
-              </a:spcBef>
-              <a:buFont typeface="Wingdings" pitchFamily="2" charset="2"/>
-              <a:buChar char="v"/>
-            </a:pPr>
-            <a:endParaRPr lang="es-MX" sz="3400" u="none" dirty="0" smtClean="0">
-              <a:latin typeface="+mn-lt"/>
-            </a:endParaRPr>
-          </a:p>
-        </p:txBody>
-      </p:sp>
-      <p:sp>
-        <p:nvSpPr>
-          <p:cNvPr id="5" name="2 Subtítulo"/>
-          <p:cNvSpPr txBox="1">
-            <a:spLocks/>
-          </p:cNvSpPr>
-          <p:nvPr/>
-        </p:nvSpPr>
-        <p:spPr>
-          <a:xfrm>
-            <a:off x="5148263" y="239713"/>
-            <a:ext cx="3960812" cy="381000"/>
-          </a:xfrm>
-          <a:prstGeom prst="rect">
-            <a:avLst/>
-          </a:prstGeom>
-        </p:spPr>
-        <p:txBody>
-          <a:bodyPr rtlCol="0">
-            <a:normAutofit fontScale="47500" lnSpcReduction="20000"/>
-          </a:bodyPr>
-          <a:lstStyle/>
-          <a:p>
-            <a:pPr marL="342900" marR="0" lvl="0" indent="-342900" algn="l" defTabSz="914400" rtl="0" eaLnBrk="1" fontAlgn="auto" latinLnBrk="0" hangingPunct="1">
-              <a:lnSpc>
-                <a:spcPct val="100000"/>
-              </a:lnSpc>
-              <a:spcBef>
-                <a:spcPct val="20000"/>
-              </a:spcBef>
-              <a:spcAft>
-                <a:spcPts val="0"/>
-              </a:spcAft>
-              <a:buClrTx/>
-              <a:buSzTx/>
-              <a:buFont typeface="Arial" pitchFamily="34" charset="0"/>
-              <a:buNone/>
-              <a:tabLst/>
-              <a:defRPr/>
-            </a:pPr>
-            <a:r>
-              <a:rPr kumimoji="0" lang="es-AR" sz="3200" b="0" i="0" u="none" strike="noStrike" kern="1200" cap="none" spc="0" normalizeH="0" baseline="0" noProof="0" smtClean="0">
-                <a:ln>
-                  <a:noFill/>
-                </a:ln>
-                <a:solidFill>
-                  <a:schemeClr val="tx1">
-                    <a:lumMod val="65000"/>
-                    <a:lumOff val="35000"/>
-                  </a:schemeClr>
-                </a:solidFill>
-                <a:effectLst/>
-                <a:uLnTx/>
-                <a:uFillTx/>
-                <a:latin typeface="+mn-lt"/>
-                <a:ea typeface="+mn-ea"/>
-                <a:cs typeface="+mn-cs"/>
-              </a:rPr>
-              <a:t>75.45 - Taller de Desarrollo de Proyectos I</a:t>
-            </a:r>
-            <a:endParaRPr kumimoji="0" lang="es-AR" sz="3200" b="0" i="0" u="none" strike="noStrike" kern="1200" cap="none" spc="0" normalizeH="0" baseline="0" noProof="0" dirty="0">
-              <a:ln>
-                <a:noFill/>
-              </a:ln>
-              <a:solidFill>
-                <a:schemeClr val="tx1">
-                  <a:lumMod val="65000"/>
-                  <a:lumOff val="35000"/>
-                </a:schemeClr>
-              </a:solidFill>
-              <a:effectLst/>
-              <a:uLnTx/>
-              <a:uFillTx/>
-              <a:latin typeface="+mn-lt"/>
-              <a:ea typeface="+mn-ea"/>
-              <a:cs typeface="+mn-cs"/>
-            </a:endParaRPr>
-          </a:p>
-        </p:txBody>
-      </p:sp>
-      <p:cxnSp>
-        <p:nvCxnSpPr>
-          <p:cNvPr id="6" name="Straight Connector 4"/>
-          <p:cNvCxnSpPr/>
-          <p:nvPr/>
-        </p:nvCxnSpPr>
-        <p:spPr>
-          <a:xfrm>
-            <a:off x="395288" y="692150"/>
-            <a:ext cx="8497887" cy="0"/>
-          </a:xfrm>
-          <a:prstGeom prst="line">
-            <a:avLst/>
-          </a:prstGeom>
-          <a:ln>
-            <a:solidFill>
-              <a:schemeClr val="bg1">
-                <a:lumMod val="65000"/>
-              </a:schemeClr>
-            </a:solidFill>
-          </a:ln>
-        </p:spPr>
-        <p:style>
-          <a:lnRef idx="1">
-            <a:schemeClr val="accent1"/>
-          </a:lnRef>
-          <a:fillRef idx="0">
-            <a:schemeClr val="accent1"/>
-          </a:fillRef>
-          <a:effectRef idx="0">
-            <a:schemeClr val="accent1"/>
-          </a:effectRef>
-          <a:fontRef idx="minor">
-            <a:schemeClr val="tx1"/>
-          </a:fontRef>
-        </p:style>
-      </p:cxnSp>
-      <p:sp>
-        <p:nvSpPr>
-          <p:cNvPr id="7" name="1 Título"/>
-          <p:cNvSpPr txBox="1">
-            <a:spLocks/>
-          </p:cNvSpPr>
-          <p:nvPr/>
-        </p:nvSpPr>
-        <p:spPr>
-          <a:xfrm>
-            <a:off x="34925" y="260350"/>
-            <a:ext cx="2736850" cy="288925"/>
-          </a:xfrm>
-          <a:prstGeom prst="rect">
-            <a:avLst/>
-          </a:prstGeom>
-        </p:spPr>
-        <p:txBody>
-          <a:bodyPr rtlCol="0">
-            <a:normAutofit fontScale="75000" lnSpcReduction="20000"/>
-          </a:bodyPr>
-          <a:lstStyle/>
-          <a:p>
-            <a:pPr marL="0" marR="0" lvl="0" indent="0" algn="ctr" defTabSz="914400" rtl="0" eaLnBrk="1" fontAlgn="auto" latinLnBrk="0" hangingPunct="1">
-              <a:lnSpc>
-                <a:spcPct val="100000"/>
-              </a:lnSpc>
-              <a:spcBef>
-                <a:spcPct val="0"/>
-              </a:spcBef>
-              <a:spcAft>
-                <a:spcPts val="0"/>
-              </a:spcAft>
-              <a:buClrTx/>
-              <a:buSzTx/>
-              <a:buFontTx/>
-              <a:buNone/>
-              <a:tabLst/>
-              <a:defRPr/>
-            </a:pPr>
-            <a:r>
-              <a:rPr kumimoji="0" lang="es-AR" sz="2000" b="0" i="0" u="none" strike="noStrike" kern="1200" cap="none" spc="0" normalizeH="0" baseline="0" noProof="0" smtClean="0">
-                <a:ln>
-                  <a:noFill/>
-                </a:ln>
-                <a:solidFill>
-                  <a:srgbClr val="C00000"/>
-                </a:solidFill>
-                <a:effectLst/>
-                <a:uLnTx/>
-                <a:uFillTx/>
-                <a:latin typeface="Aharoni" pitchFamily="2" charset="-79"/>
-                <a:ea typeface="+mj-ea"/>
-                <a:cs typeface="Aharoni" pitchFamily="2" charset="-79"/>
-              </a:rPr>
-              <a:t>Panic Dial Button</a:t>
-            </a:r>
-            <a:endParaRPr kumimoji="0" lang="es-AR" sz="2000" b="0" i="0" u="none" strike="noStrike" kern="1200" cap="none" spc="0" normalizeH="0" baseline="0" noProof="0" dirty="0">
-              <a:ln>
-                <a:noFill/>
-              </a:ln>
-              <a:solidFill>
-                <a:schemeClr val="tx1"/>
-              </a:solidFill>
-              <a:effectLst/>
-              <a:uLnTx/>
-              <a:uFillTx/>
-              <a:latin typeface="Aharoni" pitchFamily="2" charset="-79"/>
-              <a:ea typeface="+mj-ea"/>
-              <a:cs typeface="Aharoni" pitchFamily="2" charset="-79"/>
-            </a:endParaRPr>
-          </a:p>
-        </p:txBody>
-      </p:sp>
-      <p:pic>
-        <p:nvPicPr>
-          <p:cNvPr id="8" name="Picture 5"/>
-          <p:cNvPicPr>
-            <a:picLocks noChangeAspect="1"/>
-          </p:cNvPicPr>
-          <p:nvPr/>
-        </p:nvPicPr>
-        <p:blipFill>
-          <a:blip r:embed="rId2" cstate="print"/>
-          <a:srcRect/>
-          <a:stretch>
-            <a:fillRect/>
-          </a:stretch>
-        </p:blipFill>
-        <p:spPr bwMode="auto">
-          <a:xfrm>
-            <a:off x="2484438" y="279400"/>
-            <a:ext cx="466725" cy="277813"/>
-          </a:xfrm>
-          <a:prstGeom prst="rect">
-            <a:avLst/>
-          </a:prstGeom>
-          <a:noFill/>
-          <a:ln w="9525">
-            <a:noFill/>
-            <a:miter lim="800000"/>
-            <a:headEnd/>
-            <a:tailEnd/>
-          </a:ln>
-        </p:spPr>
-      </p:pic>
-    </p:spTree>
-  </p:cSld>
-  <p:clrMapOvr>
-    <a:masterClrMapping/>
-  </p:clrMapOvr>
-</p:sld>
-</file>
-
-<file path=ppt/slides/slide38.xml><?xml version="1.0" encoding="utf-8"?>
-<p:sld xmlns:a="http://schemas.openxmlformats.org/drawingml/2006/main" xmlns:r="http://schemas.openxmlformats.org/officeDocument/2006/relationships" xmlns:p="http://schemas.openxmlformats.org/presentationml/2006/main">
-  <p:cSld>
-    <p:spTree>
-      <p:nvGrpSpPr>
-        <p:cNvPr id="1" name=""/>
-        <p:cNvGrpSpPr/>
-        <p:nvPr/>
-      </p:nvGrpSpPr>
-      <p:grpSpPr>
-        <a:xfrm>
-          <a:off x="0" y="0"/>
-          <a:ext cx="0" cy="0"/>
-          <a:chOff x="0" y="0"/>
-          <a:chExt cx="0" cy="0"/>
-        </a:xfrm>
-      </p:grpSpPr>
-      <p:sp>
-        <p:nvSpPr>
           <p:cNvPr id="3" name="2 Subtítulo"/>
           <p:cNvSpPr>
             <a:spLocks noGrp="1"/>
@@ -16258,6 +17553,11 @@
         </p:spPr>
       </p:pic>
     </p:spTree>
+    <p:extLst>
+      <p:ext uri="{BB962C8B-B14F-4D97-AF65-F5344CB8AC3E}">
+        <p14:creationId xmlns:p14="http://schemas.microsoft.com/office/powerpoint/2010/main" val="3947700828"/>
+      </p:ext>
+    </p:extLst>
   </p:cSld>
   <p:clrMapOvr>
     <a:masterClrMapping/>
